--- a/Documentation/VoIP UserAgent - Presentation.pptx
+++ b/Documentation/VoIP UserAgent - Presentation.pptx
@@ -1,49 +1,49 @@
 
 <file path=ppt/presentation.xml><?xml version="1.0" encoding="utf-8"?>
-<p:presentation xmlns:a="http://schemas.openxmlformats.org/drawingml/2006/main" xmlns:r="http://schemas.openxmlformats.org/officeDocument/2006/relationships" xmlns:mc="http://schemas.openxmlformats.org/markup-compatibility/2006" xmlns:mv="urn:schemas-microsoft-com:mac:vml" xmlns:p="http://schemas.openxmlformats.org/presentationml/2006/main" xmlns:c="http://schemas.openxmlformats.org/drawingml/2006/chart" xmlns:dgm="http://schemas.openxmlformats.org/drawingml/2006/diagram" xmlns:o="urn:schemas-microsoft-com:office:office" xmlns:v="urn:schemas-microsoft-com:vml" xmlns:pvml="urn:schemas-microsoft-com:office:powerpoint" xmlns:com="http://schemas.openxmlformats.org/drawingml/2006/compatibility" xmlns:p14="http://schemas.microsoft.com/office/powerpoint/2010/main" xmlns:p15="http://schemas.microsoft.com/office/powerpoint/2012/main" xmlns:ahyp="http://schemas.microsoft.com/office/drawing/2018/hyperlinkcolor" autoCompressPictures="0" embedTrueTypeFonts="1" strictFirstAndLastChars="0" saveSubsetFonts="1">
+<p:presentation xmlns:a="http://schemas.openxmlformats.org/drawingml/2006/main" xmlns:r="http://schemas.openxmlformats.org/officeDocument/2006/relationships" xmlns:p="http://schemas.openxmlformats.org/presentationml/2006/main" strictFirstAndLastChars="0" embedTrueTypeFonts="1" saveSubsetFonts="1" autoCompressPictures="0">
   <p:sldMasterIdLst>
-    <p:sldMasterId id="2147483659" r:id="rId4"/>
+    <p:sldMasterId id="2147483659" r:id="rId1"/>
   </p:sldMasterIdLst>
   <p:notesMasterIdLst>
-    <p:notesMasterId r:id="rId5"/>
+    <p:notesMasterId r:id="rId24"/>
   </p:notesMasterIdLst>
   <p:sldIdLst>
-    <p:sldId id="256" r:id="rId6"/>
-    <p:sldId id="257" r:id="rId7"/>
-    <p:sldId id="258" r:id="rId8"/>
-    <p:sldId id="259" r:id="rId9"/>
-    <p:sldId id="260" r:id="rId10"/>
-    <p:sldId id="261" r:id="rId11"/>
-    <p:sldId id="262" r:id="rId12"/>
-    <p:sldId id="263" r:id="rId13"/>
-    <p:sldId id="264" r:id="rId14"/>
-    <p:sldId id="265" r:id="rId15"/>
-    <p:sldId id="266" r:id="rId16"/>
-    <p:sldId id="267" r:id="rId17"/>
-    <p:sldId id="268" r:id="rId18"/>
-    <p:sldId id="269" r:id="rId19"/>
-    <p:sldId id="270" r:id="rId20"/>
-    <p:sldId id="271" r:id="rId21"/>
-    <p:sldId id="272" r:id="rId22"/>
-    <p:sldId id="273" r:id="rId23"/>
-    <p:sldId id="274" r:id="rId24"/>
-    <p:sldId id="275" r:id="rId25"/>
-    <p:sldId id="276" r:id="rId26"/>
-    <p:sldId id="277" r:id="rId27"/>
+    <p:sldId id="256" r:id="rId2"/>
+    <p:sldId id="257" r:id="rId3"/>
+    <p:sldId id="258" r:id="rId4"/>
+    <p:sldId id="259" r:id="rId5"/>
+    <p:sldId id="260" r:id="rId6"/>
+    <p:sldId id="261" r:id="rId7"/>
+    <p:sldId id="262" r:id="rId8"/>
+    <p:sldId id="263" r:id="rId9"/>
+    <p:sldId id="264" r:id="rId10"/>
+    <p:sldId id="265" r:id="rId11"/>
+    <p:sldId id="266" r:id="rId12"/>
+    <p:sldId id="267" r:id="rId13"/>
+    <p:sldId id="268" r:id="rId14"/>
+    <p:sldId id="269" r:id="rId15"/>
+    <p:sldId id="270" r:id="rId16"/>
+    <p:sldId id="271" r:id="rId17"/>
+    <p:sldId id="272" r:id="rId18"/>
+    <p:sldId id="273" r:id="rId19"/>
+    <p:sldId id="274" r:id="rId20"/>
+    <p:sldId id="275" r:id="rId21"/>
+    <p:sldId id="276" r:id="rId22"/>
+    <p:sldId id="277" r:id="rId23"/>
   </p:sldIdLst>
-  <p:sldSz cy="5143500" cx="9144000"/>
+  <p:sldSz cx="9144000" cy="5143500" type="screen16x9"/>
   <p:notesSz cx="6858000" cy="9144000"/>
   <p:embeddedFontLst>
     <p:embeddedFont>
-      <p:font typeface="Roboto"/>
-      <p:regular r:id="rId28"/>
-      <p:bold r:id="rId29"/>
-      <p:italic r:id="rId30"/>
-      <p:boldItalic r:id="rId31"/>
+      <p:font typeface="Roboto" pitchFamily="2" charset="0"/>
+      <p:regular r:id="rId25"/>
+      <p:bold r:id="rId26"/>
+      <p:italic r:id="rId27"/>
+      <p:boldItalic r:id="rId28"/>
     </p:embeddedFont>
   </p:embeddedFontLst>
   <p:defaultTextStyle>
-    <a:defPPr lvl="0" marR="0" rtl="0" algn="l">
+    <a:defPPr marR="0" lvl="0" algn="l" rtl="0">
       <a:lnSpc>
         <a:spcPct val="100000"/>
       </a:lnSpc>
@@ -54,7 +54,7 @@
         <a:spcPts val="0"/>
       </a:spcAft>
     </a:defPPr>
-    <a:lvl1pPr lvl="0" marR="0" rtl="0" algn="l">
+    <a:lvl1pPr marR="0" lvl="0" algn="l" rtl="0">
       <a:lnSpc>
         <a:spcPct val="100000"/>
       </a:lnSpc>
@@ -68,7 +68,7 @@
         <a:srgbClr val="000000"/>
       </a:buClr>
       <a:buFont typeface="Arial"/>
-      <a:defRPr b="0" i="0" sz="1400" u="none" cap="none" strike="noStrike">
+      <a:defRPr sz="1400" b="0" i="0" u="none" strike="noStrike" cap="none">
         <a:solidFill>
           <a:srgbClr val="000000"/>
         </a:solidFill>
@@ -78,7 +78,7 @@
         <a:sym typeface="Arial"/>
       </a:defRPr>
     </a:lvl1pPr>
-    <a:lvl2pPr lvl="1" marR="0" rtl="0" algn="l">
+    <a:lvl2pPr marR="0" lvl="1" algn="l" rtl="0">
       <a:lnSpc>
         <a:spcPct val="100000"/>
       </a:lnSpc>
@@ -92,7 +92,7 @@
         <a:srgbClr val="000000"/>
       </a:buClr>
       <a:buFont typeface="Arial"/>
-      <a:defRPr b="0" i="0" sz="1400" u="none" cap="none" strike="noStrike">
+      <a:defRPr sz="1400" b="0" i="0" u="none" strike="noStrike" cap="none">
         <a:solidFill>
           <a:srgbClr val="000000"/>
         </a:solidFill>
@@ -102,7 +102,7 @@
         <a:sym typeface="Arial"/>
       </a:defRPr>
     </a:lvl2pPr>
-    <a:lvl3pPr lvl="2" marR="0" rtl="0" algn="l">
+    <a:lvl3pPr marR="0" lvl="2" algn="l" rtl="0">
       <a:lnSpc>
         <a:spcPct val="100000"/>
       </a:lnSpc>
@@ -116,7 +116,7 @@
         <a:srgbClr val="000000"/>
       </a:buClr>
       <a:buFont typeface="Arial"/>
-      <a:defRPr b="0" i="0" sz="1400" u="none" cap="none" strike="noStrike">
+      <a:defRPr sz="1400" b="0" i="0" u="none" strike="noStrike" cap="none">
         <a:solidFill>
           <a:srgbClr val="000000"/>
         </a:solidFill>
@@ -126,7 +126,7 @@
         <a:sym typeface="Arial"/>
       </a:defRPr>
     </a:lvl3pPr>
-    <a:lvl4pPr lvl="3" marR="0" rtl="0" algn="l">
+    <a:lvl4pPr marR="0" lvl="3" algn="l" rtl="0">
       <a:lnSpc>
         <a:spcPct val="100000"/>
       </a:lnSpc>
@@ -140,7 +140,7 @@
         <a:srgbClr val="000000"/>
       </a:buClr>
       <a:buFont typeface="Arial"/>
-      <a:defRPr b="0" i="0" sz="1400" u="none" cap="none" strike="noStrike">
+      <a:defRPr sz="1400" b="0" i="0" u="none" strike="noStrike" cap="none">
         <a:solidFill>
           <a:srgbClr val="000000"/>
         </a:solidFill>
@@ -150,7 +150,7 @@
         <a:sym typeface="Arial"/>
       </a:defRPr>
     </a:lvl4pPr>
-    <a:lvl5pPr lvl="4" marR="0" rtl="0" algn="l">
+    <a:lvl5pPr marR="0" lvl="4" algn="l" rtl="0">
       <a:lnSpc>
         <a:spcPct val="100000"/>
       </a:lnSpc>
@@ -164,7 +164,7 @@
         <a:srgbClr val="000000"/>
       </a:buClr>
       <a:buFont typeface="Arial"/>
-      <a:defRPr b="0" i="0" sz="1400" u="none" cap="none" strike="noStrike">
+      <a:defRPr sz="1400" b="0" i="0" u="none" strike="noStrike" cap="none">
         <a:solidFill>
           <a:srgbClr val="000000"/>
         </a:solidFill>
@@ -174,7 +174,7 @@
         <a:sym typeface="Arial"/>
       </a:defRPr>
     </a:lvl5pPr>
-    <a:lvl6pPr lvl="5" marR="0" rtl="0" algn="l">
+    <a:lvl6pPr marR="0" lvl="5" algn="l" rtl="0">
       <a:lnSpc>
         <a:spcPct val="100000"/>
       </a:lnSpc>
@@ -188,7 +188,7 @@
         <a:srgbClr val="000000"/>
       </a:buClr>
       <a:buFont typeface="Arial"/>
-      <a:defRPr b="0" i="0" sz="1400" u="none" cap="none" strike="noStrike">
+      <a:defRPr sz="1400" b="0" i="0" u="none" strike="noStrike" cap="none">
         <a:solidFill>
           <a:srgbClr val="000000"/>
         </a:solidFill>
@@ -198,7 +198,7 @@
         <a:sym typeface="Arial"/>
       </a:defRPr>
     </a:lvl6pPr>
-    <a:lvl7pPr lvl="6" marR="0" rtl="0" algn="l">
+    <a:lvl7pPr marR="0" lvl="6" algn="l" rtl="0">
       <a:lnSpc>
         <a:spcPct val="100000"/>
       </a:lnSpc>
@@ -212,7 +212,7 @@
         <a:srgbClr val="000000"/>
       </a:buClr>
       <a:buFont typeface="Arial"/>
-      <a:defRPr b="0" i="0" sz="1400" u="none" cap="none" strike="noStrike">
+      <a:defRPr sz="1400" b="0" i="0" u="none" strike="noStrike" cap="none">
         <a:solidFill>
           <a:srgbClr val="000000"/>
         </a:solidFill>
@@ -222,7 +222,7 @@
         <a:sym typeface="Arial"/>
       </a:defRPr>
     </a:lvl7pPr>
-    <a:lvl8pPr lvl="7" marR="0" rtl="0" algn="l">
+    <a:lvl8pPr marR="0" lvl="7" algn="l" rtl="0">
       <a:lnSpc>
         <a:spcPct val="100000"/>
       </a:lnSpc>
@@ -236,7 +236,7 @@
         <a:srgbClr val="000000"/>
       </a:buClr>
       <a:buFont typeface="Arial"/>
-      <a:defRPr b="0" i="0" sz="1400" u="none" cap="none" strike="noStrike">
+      <a:defRPr sz="1400" b="0" i="0" u="none" strike="noStrike" cap="none">
         <a:solidFill>
           <a:srgbClr val="000000"/>
         </a:solidFill>
@@ -246,7 +246,7 @@
         <a:sym typeface="Arial"/>
       </a:defRPr>
     </a:lvl8pPr>
-    <a:lvl9pPr lvl="8" marR="0" rtl="0" algn="l">
+    <a:lvl9pPr marR="0" lvl="8" algn="l" rtl="0">
       <a:lnSpc>
         <a:spcPct val="100000"/>
       </a:lnSpc>
@@ -260,7 +260,7 @@
         <a:srgbClr val="000000"/>
       </a:buClr>
       <a:buFont typeface="Arial"/>
-      <a:defRPr b="0" i="0" sz="1400" u="none" cap="none" strike="noStrike">
+      <a:defRPr sz="1400" b="0" i="0" u="none" strike="noStrike" cap="none">
         <a:solidFill>
           <a:srgbClr val="000000"/>
         </a:solidFill>
@@ -273,7 +273,7 @@
   </p:defaultTextStyle>
   <p:extLst>
     <p:ext uri="{EFAFB233-063F-42B5-8137-9DF3F51BA10A}">
-      <p15:sldGuideLst>
+      <p15:sldGuideLst xmlns:p15="http://schemas.microsoft.com/office/powerpoint/2012/main">
         <p15:guide id="1" orient="horz" pos="1620">
           <p15:clr>
             <a:srgbClr val="A4A3A4"/>
@@ -291,11 +291,16 @@
 </file>
 
 <file path=ppt/notesMasters/notesMaster1.xml><?xml version="1.0" encoding="utf-8"?>
-<p:notesMaster xmlns:a="http://schemas.openxmlformats.org/drawingml/2006/main" xmlns:r="http://schemas.openxmlformats.org/officeDocument/2006/relationships" xmlns:mc="http://schemas.openxmlformats.org/markup-compatibility/2006" xmlns:mv="urn:schemas-microsoft-com:mac:vml" xmlns:p="http://schemas.openxmlformats.org/presentationml/2006/main" xmlns:c="http://schemas.openxmlformats.org/drawingml/2006/chart" xmlns:dgm="http://schemas.openxmlformats.org/drawingml/2006/diagram" xmlns:o="urn:schemas-microsoft-com:office:office" xmlns:v="urn:schemas-microsoft-com:vml" xmlns:pvml="urn:schemas-microsoft-com:office:powerpoint" xmlns:com="http://schemas.openxmlformats.org/drawingml/2006/compatibility" xmlns:p14="http://schemas.microsoft.com/office/powerpoint/2010/main" xmlns:p15="http://schemas.microsoft.com/office/powerpoint/2012/main" xmlns:ahyp="http://schemas.microsoft.com/office/drawing/2018/hyperlinkcolor">
+<p:notesMaster xmlns:a="http://schemas.openxmlformats.org/drawingml/2006/main" xmlns:r="http://schemas.openxmlformats.org/officeDocument/2006/relationships" xmlns:p="http://schemas.openxmlformats.org/presentationml/2006/main">
   <p:cSld>
+    <p:bg>
+      <p:bgRef idx="1001">
+        <a:schemeClr val="bg1"/>
+      </p:bgRef>
+    </p:bg>
     <p:spTree>
       <p:nvGrpSpPr>
-        <p:cNvPr id="2" name="Shape 2"/>
+        <p:cNvPr id="1" name="Shape 2"/>
         <p:cNvGrpSpPr/>
         <p:nvPr/>
       </p:nvGrpSpPr>
@@ -310,9 +315,11 @@
       <p:sp>
         <p:nvSpPr>
           <p:cNvPr id="3" name="Google Shape;3;n"/>
-          <p:cNvSpPr/>
+          <p:cNvSpPr>
+            <a:spLocks noGrp="1" noRot="1" noChangeAspect="1"/>
+          </p:cNvSpPr>
           <p:nvPr>
-            <p:ph idx="2" type="sldImg"/>
+            <p:ph type="sldImg" idx="2"/>
           </p:nvPr>
         </p:nvSpPr>
         <p:spPr>
@@ -321,9 +328,13 @@
             <a:ext cx="6096075" cy="3429000"/>
           </a:xfrm>
           <a:custGeom>
-            <a:rect b="b" l="l" r="r" t="t"/>
+            <a:avLst/>
+            <a:gdLst/>
+            <a:ahLst/>
+            <a:cxnLst/>
+            <a:rect l="l" t="t" r="r" b="b"/>
             <a:pathLst>
-              <a:path extrusionOk="0" h="120000" w="120000">
+              <a:path w="120000" h="120000" extrusionOk="0">
                 <a:moveTo>
                   <a:pt x="0" y="0"/>
                 </a:moveTo>
@@ -341,23 +352,25 @@
             </a:pathLst>
           </a:custGeom>
           <a:noFill/>
-          <a:ln cap="flat" cmpd="sng" w="9525">
+          <a:ln w="9525" cap="flat" cmpd="sng">
             <a:solidFill>
               <a:srgbClr val="000000"/>
             </a:solidFill>
             <a:prstDash val="solid"/>
             <a:round/>
-            <a:headEnd len="sm" w="sm" type="none"/>
-            <a:tailEnd len="sm" w="sm" type="none"/>
+            <a:headEnd type="none" w="sm" len="sm"/>
+            <a:tailEnd type="none" w="sm" len="sm"/>
           </a:ln>
         </p:spPr>
       </p:sp>
       <p:sp>
         <p:nvSpPr>
           <p:cNvPr id="4" name="Google Shape;4;n"/>
-          <p:cNvSpPr txBox="1"/>
+          <p:cNvSpPr txBox="1">
+            <a:spLocks noGrp="1"/>
+          </p:cNvSpPr>
           <p:nvPr>
-            <p:ph idx="1" type="body"/>
+            <p:ph type="body" idx="1"/>
           </p:nvPr>
         </p:nvSpPr>
         <p:spPr>
@@ -374,11 +387,11 @@
           </a:ln>
         </p:spPr>
         <p:txBody>
-          <a:bodyPr anchorCtr="0" anchor="t" bIns="91425" lIns="91425" spcFirstLastPara="1" rIns="91425" wrap="square" tIns="91425">
+          <a:bodyPr spcFirstLastPara="1" wrap="square" lIns="91425" tIns="91425" rIns="91425" bIns="91425" anchor="t" anchorCtr="0">
             <a:noAutofit/>
           </a:bodyPr>
           <a:lstStyle>
-            <a:lvl1pPr indent="-298450" lvl="0" marL="457200">
+            <a:lvl1pPr marL="457200" lvl="0" indent="-298450">
               <a:spcBef>
                 <a:spcPts val="0"/>
               </a:spcBef>
@@ -389,7 +402,7 @@
               <a:buChar char="●"/>
               <a:defRPr sz="1100"/>
             </a:lvl1pPr>
-            <a:lvl2pPr indent="-298450" lvl="1" marL="914400">
+            <a:lvl2pPr marL="914400" lvl="1" indent="-298450">
               <a:spcBef>
                 <a:spcPts val="0"/>
               </a:spcBef>
@@ -400,7 +413,7 @@
               <a:buChar char="○"/>
               <a:defRPr sz="1100"/>
             </a:lvl2pPr>
-            <a:lvl3pPr indent="-298450" lvl="2" marL="1371600">
+            <a:lvl3pPr marL="1371600" lvl="2" indent="-298450">
               <a:spcBef>
                 <a:spcPts val="0"/>
               </a:spcBef>
@@ -411,7 +424,7 @@
               <a:buChar char="■"/>
               <a:defRPr sz="1100"/>
             </a:lvl3pPr>
-            <a:lvl4pPr indent="-298450" lvl="3" marL="1828800">
+            <a:lvl4pPr marL="1828800" lvl="3" indent="-298450">
               <a:spcBef>
                 <a:spcPts val="0"/>
               </a:spcBef>
@@ -422,7 +435,7 @@
               <a:buChar char="●"/>
               <a:defRPr sz="1100"/>
             </a:lvl4pPr>
-            <a:lvl5pPr indent="-298450" lvl="4" marL="2286000">
+            <a:lvl5pPr marL="2286000" lvl="4" indent="-298450">
               <a:spcBef>
                 <a:spcPts val="0"/>
               </a:spcBef>
@@ -433,7 +446,7 @@
               <a:buChar char="○"/>
               <a:defRPr sz="1100"/>
             </a:lvl5pPr>
-            <a:lvl6pPr indent="-298450" lvl="5" marL="2743200">
+            <a:lvl6pPr marL="2743200" lvl="5" indent="-298450">
               <a:spcBef>
                 <a:spcPts val="0"/>
               </a:spcBef>
@@ -444,7 +457,7 @@
               <a:buChar char="■"/>
               <a:defRPr sz="1100"/>
             </a:lvl6pPr>
-            <a:lvl7pPr indent="-298450" lvl="6" marL="3200400">
+            <a:lvl7pPr marL="3200400" lvl="6" indent="-298450">
               <a:spcBef>
                 <a:spcPts val="0"/>
               </a:spcBef>
@@ -455,7 +468,7 @@
               <a:buChar char="●"/>
               <a:defRPr sz="1100"/>
             </a:lvl7pPr>
-            <a:lvl8pPr indent="-298450" lvl="7" marL="3657600">
+            <a:lvl8pPr marL="3657600" lvl="7" indent="-298450">
               <a:spcBef>
                 <a:spcPts val="0"/>
               </a:spcBef>
@@ -466,7 +479,7 @@
               <a:buChar char="○"/>
               <a:defRPr sz="1100"/>
             </a:lvl8pPr>
-            <a:lvl9pPr indent="-298450" lvl="8" marL="4114800">
+            <a:lvl9pPr marL="4114800" lvl="8" indent="-298450">
               <a:spcBef>
                 <a:spcPts val="0"/>
               </a:spcBef>
@@ -478,14 +491,16 @@
               <a:defRPr sz="1100"/>
             </a:lvl9pPr>
           </a:lstStyle>
-          <a:p/>
+          <a:p>
+            <a:endParaRPr/>
+          </a:p>
         </p:txBody>
       </p:sp>
     </p:spTree>
   </p:cSld>
-  <p:clrMap accent1="accent1" accent2="accent2" accent3="accent3" accent4="accent4" accent5="accent5" accent6="accent6" bg1="lt1" bg2="dk2" tx1="dk1" tx2="lt2" folHlink="folHlink" hlink="hlink"/>
+  <p:clrMap bg1="lt1" tx1="dk1" bg2="dk2" tx2="lt2" accent1="accent1" accent2="accent2" accent3="accent3" accent4="accent4" accent5="accent5" accent6="accent6" hlink="hlink" folHlink="folHlink"/>
   <p:notesStyle>
-    <a:defPPr lvl="0" marR="0" rtl="0" algn="l">
+    <a:defPPr marR="0" lvl="0" algn="l" rtl="0">
       <a:lnSpc>
         <a:spcPct val="100000"/>
       </a:lnSpc>
@@ -496,7 +511,7 @@
         <a:spcPts val="0"/>
       </a:spcAft>
     </a:defPPr>
-    <a:lvl1pPr lvl="0" marR="0" rtl="0" algn="l">
+    <a:lvl1pPr marR="0" lvl="0" algn="l" rtl="0">
       <a:lnSpc>
         <a:spcPct val="100000"/>
       </a:lnSpc>
@@ -510,7 +525,7 @@
         <a:srgbClr val="000000"/>
       </a:buClr>
       <a:buFont typeface="Arial"/>
-      <a:defRPr b="0" i="0" sz="1400" u="none" cap="none" strike="noStrike">
+      <a:defRPr sz="1400" b="0" i="0" u="none" strike="noStrike" cap="none">
         <a:solidFill>
           <a:srgbClr val="000000"/>
         </a:solidFill>
@@ -520,7 +535,7 @@
         <a:sym typeface="Arial"/>
       </a:defRPr>
     </a:lvl1pPr>
-    <a:lvl2pPr lvl="1" marR="0" rtl="0" algn="l">
+    <a:lvl2pPr marR="0" lvl="1" algn="l" rtl="0">
       <a:lnSpc>
         <a:spcPct val="100000"/>
       </a:lnSpc>
@@ -534,7 +549,7 @@
         <a:srgbClr val="000000"/>
       </a:buClr>
       <a:buFont typeface="Arial"/>
-      <a:defRPr b="0" i="0" sz="1400" u="none" cap="none" strike="noStrike">
+      <a:defRPr sz="1400" b="0" i="0" u="none" strike="noStrike" cap="none">
         <a:solidFill>
           <a:srgbClr val="000000"/>
         </a:solidFill>
@@ -544,7 +559,7 @@
         <a:sym typeface="Arial"/>
       </a:defRPr>
     </a:lvl2pPr>
-    <a:lvl3pPr lvl="2" marR="0" rtl="0" algn="l">
+    <a:lvl3pPr marR="0" lvl="2" algn="l" rtl="0">
       <a:lnSpc>
         <a:spcPct val="100000"/>
       </a:lnSpc>
@@ -558,7 +573,7 @@
         <a:srgbClr val="000000"/>
       </a:buClr>
       <a:buFont typeface="Arial"/>
-      <a:defRPr b="0" i="0" sz="1400" u="none" cap="none" strike="noStrike">
+      <a:defRPr sz="1400" b="0" i="0" u="none" strike="noStrike" cap="none">
         <a:solidFill>
           <a:srgbClr val="000000"/>
         </a:solidFill>
@@ -568,7 +583,7 @@
         <a:sym typeface="Arial"/>
       </a:defRPr>
     </a:lvl3pPr>
-    <a:lvl4pPr lvl="3" marR="0" rtl="0" algn="l">
+    <a:lvl4pPr marR="0" lvl="3" algn="l" rtl="0">
       <a:lnSpc>
         <a:spcPct val="100000"/>
       </a:lnSpc>
@@ -582,7 +597,7 @@
         <a:srgbClr val="000000"/>
       </a:buClr>
       <a:buFont typeface="Arial"/>
-      <a:defRPr b="0" i="0" sz="1400" u="none" cap="none" strike="noStrike">
+      <a:defRPr sz="1400" b="0" i="0" u="none" strike="noStrike" cap="none">
         <a:solidFill>
           <a:srgbClr val="000000"/>
         </a:solidFill>
@@ -592,7 +607,7 @@
         <a:sym typeface="Arial"/>
       </a:defRPr>
     </a:lvl4pPr>
-    <a:lvl5pPr lvl="4" marR="0" rtl="0" algn="l">
+    <a:lvl5pPr marR="0" lvl="4" algn="l" rtl="0">
       <a:lnSpc>
         <a:spcPct val="100000"/>
       </a:lnSpc>
@@ -606,7 +621,7 @@
         <a:srgbClr val="000000"/>
       </a:buClr>
       <a:buFont typeface="Arial"/>
-      <a:defRPr b="0" i="0" sz="1400" u="none" cap="none" strike="noStrike">
+      <a:defRPr sz="1400" b="0" i="0" u="none" strike="noStrike" cap="none">
         <a:solidFill>
           <a:srgbClr val="000000"/>
         </a:solidFill>
@@ -616,7 +631,7 @@
         <a:sym typeface="Arial"/>
       </a:defRPr>
     </a:lvl5pPr>
-    <a:lvl6pPr lvl="5" marR="0" rtl="0" algn="l">
+    <a:lvl6pPr marR="0" lvl="5" algn="l" rtl="0">
       <a:lnSpc>
         <a:spcPct val="100000"/>
       </a:lnSpc>
@@ -630,7 +645,7 @@
         <a:srgbClr val="000000"/>
       </a:buClr>
       <a:buFont typeface="Arial"/>
-      <a:defRPr b="0" i="0" sz="1400" u="none" cap="none" strike="noStrike">
+      <a:defRPr sz="1400" b="0" i="0" u="none" strike="noStrike" cap="none">
         <a:solidFill>
           <a:srgbClr val="000000"/>
         </a:solidFill>
@@ -640,7 +655,7 @@
         <a:sym typeface="Arial"/>
       </a:defRPr>
     </a:lvl6pPr>
-    <a:lvl7pPr lvl="6" marR="0" rtl="0" algn="l">
+    <a:lvl7pPr marR="0" lvl="6" algn="l" rtl="0">
       <a:lnSpc>
         <a:spcPct val="100000"/>
       </a:lnSpc>
@@ -654,7 +669,7 @@
         <a:srgbClr val="000000"/>
       </a:buClr>
       <a:buFont typeface="Arial"/>
-      <a:defRPr b="0" i="0" sz="1400" u="none" cap="none" strike="noStrike">
+      <a:defRPr sz="1400" b="0" i="0" u="none" strike="noStrike" cap="none">
         <a:solidFill>
           <a:srgbClr val="000000"/>
         </a:solidFill>
@@ -664,7 +679,7 @@
         <a:sym typeface="Arial"/>
       </a:defRPr>
     </a:lvl7pPr>
-    <a:lvl8pPr lvl="7" marR="0" rtl="0" algn="l">
+    <a:lvl8pPr marR="0" lvl="7" algn="l" rtl="0">
       <a:lnSpc>
         <a:spcPct val="100000"/>
       </a:lnSpc>
@@ -678,7 +693,7 @@
         <a:srgbClr val="000000"/>
       </a:buClr>
       <a:buFont typeface="Arial"/>
-      <a:defRPr b="0" i="0" sz="1400" u="none" cap="none" strike="noStrike">
+      <a:defRPr sz="1400" b="0" i="0" u="none" strike="noStrike" cap="none">
         <a:solidFill>
           <a:srgbClr val="000000"/>
         </a:solidFill>
@@ -688,7 +703,7 @@
         <a:sym typeface="Arial"/>
       </a:defRPr>
     </a:lvl8pPr>
-    <a:lvl9pPr lvl="8" marR="0" rtl="0" algn="l">
+    <a:lvl9pPr marR="0" lvl="8" algn="l" rtl="0">
       <a:lnSpc>
         <a:spcPct val="100000"/>
       </a:lnSpc>
@@ -702,7 +717,7 @@
         <a:srgbClr val="000000"/>
       </a:buClr>
       <a:buFont typeface="Arial"/>
-      <a:defRPr b="0" i="0" sz="1400" u="none" cap="none" strike="noStrike">
+      <a:defRPr sz="1400" b="0" i="0" u="none" strike="noStrike" cap="none">
         <a:solidFill>
           <a:srgbClr val="000000"/>
         </a:solidFill>
@@ -717,11 +732,11 @@
 </file>
 
 <file path=ppt/notesSlides/notesSlide1.xml><?xml version="1.0" encoding="utf-8"?>
-<p:notes xmlns:a="http://schemas.openxmlformats.org/drawingml/2006/main" xmlns:r="http://schemas.openxmlformats.org/officeDocument/2006/relationships" xmlns:mc="http://schemas.openxmlformats.org/markup-compatibility/2006" xmlns:mv="urn:schemas-microsoft-com:mac:vml" xmlns:p="http://schemas.openxmlformats.org/presentationml/2006/main" xmlns:c="http://schemas.openxmlformats.org/drawingml/2006/chart" xmlns:dgm="http://schemas.openxmlformats.org/drawingml/2006/diagram" xmlns:o="urn:schemas-microsoft-com:office:office" xmlns:v="urn:schemas-microsoft-com:vml" xmlns:pvml="urn:schemas-microsoft-com:office:powerpoint" xmlns:com="http://schemas.openxmlformats.org/drawingml/2006/compatibility" xmlns:p14="http://schemas.microsoft.com/office/powerpoint/2010/main" xmlns:p15="http://schemas.microsoft.com/office/powerpoint/2012/main" xmlns:ahyp="http://schemas.microsoft.com/office/drawing/2018/hyperlinkcolor" showMasterPhAnim="0" showMasterSp="0">
+<p:notes xmlns:a="http://schemas.openxmlformats.org/drawingml/2006/main" xmlns:r="http://schemas.openxmlformats.org/officeDocument/2006/relationships" xmlns:p="http://schemas.openxmlformats.org/presentationml/2006/main" showMasterSp="0" showMasterPhAnim="0">
   <p:cSld>
     <p:spTree>
       <p:nvGrpSpPr>
-        <p:cNvPr id="63" name="Shape 63"/>
+        <p:cNvPr id="1" name="Shape 63"/>
         <p:cNvGrpSpPr/>
         <p:nvPr/>
       </p:nvGrpSpPr>
@@ -736,9 +751,11 @@
       <p:sp>
         <p:nvSpPr>
           <p:cNvPr id="64" name="Google Shape;64;p:notes"/>
-          <p:cNvSpPr/>
+          <p:cNvSpPr>
+            <a:spLocks noGrp="1" noRot="1" noChangeAspect="1"/>
+          </p:cNvSpPr>
           <p:nvPr>
-            <p:ph idx="2" type="sldImg"/>
+            <p:ph type="sldImg" idx="2"/>
           </p:nvPr>
         </p:nvSpPr>
         <p:spPr>
@@ -747,9 +764,13 @@
             <a:ext cx="6096075" cy="3429000"/>
           </a:xfrm>
           <a:custGeom>
-            <a:rect b="b" l="l" r="r" t="t"/>
+            <a:avLst/>
+            <a:gdLst/>
+            <a:ahLst/>
+            <a:cxnLst/>
+            <a:rect l="l" t="t" r="r" b="b"/>
             <a:pathLst>
-              <a:path extrusionOk="0" h="120000" w="120000">
+              <a:path w="120000" h="120000" extrusionOk="0">
                 <a:moveTo>
                   <a:pt x="0" y="0"/>
                 </a:moveTo>
@@ -771,9 +792,11 @@
       <p:sp>
         <p:nvSpPr>
           <p:cNvPr id="65" name="Google Shape;65;p:notes"/>
-          <p:cNvSpPr txBox="1"/>
+          <p:cNvSpPr txBox="1">
+            <a:spLocks noGrp="1"/>
+          </p:cNvSpPr>
           <p:nvPr>
-            <p:ph idx="1" type="body"/>
+            <p:ph type="body" idx="1"/>
           </p:nvPr>
         </p:nvSpPr>
         <p:spPr>
@@ -786,12 +809,12 @@
           </a:prstGeom>
         </p:spPr>
         <p:txBody>
-          <a:bodyPr anchorCtr="0" anchor="t" bIns="91425" lIns="91425" spcFirstLastPara="1" rIns="91425" wrap="square" tIns="91425">
+          <a:bodyPr spcFirstLastPara="1" wrap="square" lIns="91425" tIns="91425" rIns="91425" bIns="91425" anchor="t" anchorCtr="0">
             <a:noAutofit/>
           </a:bodyPr>
           <a:lstStyle/>
           <a:p>
-            <a:pPr indent="0" lvl="0" marL="0" rtl="0" algn="l">
+            <a:pPr marL="0" lvl="0" indent="0" algn="l" rtl="0">
               <a:spcBef>
                 <a:spcPts val="0"/>
               </a:spcBef>
@@ -800,9 +823,6 @@
               </a:spcAft>
               <a:buNone/>
             </a:pPr>
-            <a:r>
-              <a:t/>
-            </a:r>
             <a:endParaRPr/>
           </a:p>
         </p:txBody>
@@ -816,11 +836,11 @@
 </file>
 
 <file path=ppt/notesSlides/notesSlide10.xml><?xml version="1.0" encoding="utf-8"?>
-<p:notes xmlns:a="http://schemas.openxmlformats.org/drawingml/2006/main" xmlns:r="http://schemas.openxmlformats.org/officeDocument/2006/relationships" xmlns:mc="http://schemas.openxmlformats.org/markup-compatibility/2006" xmlns:mv="urn:schemas-microsoft-com:mac:vml" xmlns:p="http://schemas.openxmlformats.org/presentationml/2006/main" xmlns:c="http://schemas.openxmlformats.org/drawingml/2006/chart" xmlns:dgm="http://schemas.openxmlformats.org/drawingml/2006/diagram" xmlns:o="urn:schemas-microsoft-com:office:office" xmlns:v="urn:schemas-microsoft-com:vml" xmlns:pvml="urn:schemas-microsoft-com:office:powerpoint" xmlns:com="http://schemas.openxmlformats.org/drawingml/2006/compatibility" xmlns:p14="http://schemas.microsoft.com/office/powerpoint/2010/main" xmlns:p15="http://schemas.microsoft.com/office/powerpoint/2012/main" xmlns:ahyp="http://schemas.microsoft.com/office/drawing/2018/hyperlinkcolor" showMasterPhAnim="0" showMasterSp="0">
+<p:notes xmlns:a="http://schemas.openxmlformats.org/drawingml/2006/main" xmlns:r="http://schemas.openxmlformats.org/officeDocument/2006/relationships" xmlns:p="http://schemas.openxmlformats.org/presentationml/2006/main" showMasterSp="0" showMasterPhAnim="0">
   <p:cSld>
     <p:spTree>
       <p:nvGrpSpPr>
-        <p:cNvPr id="127" name="Shape 127"/>
+        <p:cNvPr id="1" name="Shape 127"/>
         <p:cNvGrpSpPr/>
         <p:nvPr/>
       </p:nvGrpSpPr>
@@ -835,20 +855,26 @@
       <p:sp>
         <p:nvSpPr>
           <p:cNvPr id="128" name="Google Shape;128;g52d9e6541b_5_32:notes"/>
-          <p:cNvSpPr/>
+          <p:cNvSpPr>
+            <a:spLocks noGrp="1" noRot="1" noChangeAspect="1"/>
+          </p:cNvSpPr>
           <p:nvPr>
-            <p:ph idx="2" type="sldImg"/>
+            <p:ph type="sldImg" idx="2"/>
           </p:nvPr>
         </p:nvSpPr>
         <p:spPr>
           <a:xfrm>
-            <a:off x="381300" y="685800"/>
+            <a:off x="381000" y="685800"/>
             <a:ext cx="6096000" cy="3429000"/>
           </a:xfrm>
           <a:custGeom>
-            <a:rect b="b" l="l" r="r" t="t"/>
+            <a:avLst/>
+            <a:gdLst/>
+            <a:ahLst/>
+            <a:cxnLst/>
+            <a:rect l="l" t="t" r="r" b="b"/>
             <a:pathLst>
-              <a:path extrusionOk="0" h="120000" w="120000">
+              <a:path w="120000" h="120000" extrusionOk="0">
                 <a:moveTo>
                   <a:pt x="0" y="0"/>
                 </a:moveTo>
@@ -870,9 +896,11 @@
       <p:sp>
         <p:nvSpPr>
           <p:cNvPr id="129" name="Google Shape;129;g52d9e6541b_5_32:notes"/>
-          <p:cNvSpPr txBox="1"/>
+          <p:cNvSpPr txBox="1">
+            <a:spLocks noGrp="1"/>
+          </p:cNvSpPr>
           <p:nvPr>
-            <p:ph idx="1" type="body"/>
+            <p:ph type="body" idx="1"/>
           </p:nvPr>
         </p:nvSpPr>
         <p:spPr>
@@ -885,12 +913,12 @@
           </a:prstGeom>
         </p:spPr>
         <p:txBody>
-          <a:bodyPr anchorCtr="0" anchor="t" bIns="91425" lIns="91425" spcFirstLastPara="1" rIns="91425" wrap="square" tIns="91425">
+          <a:bodyPr spcFirstLastPara="1" wrap="square" lIns="91425" tIns="91425" rIns="91425" bIns="91425" anchor="t" anchorCtr="0">
             <a:noAutofit/>
           </a:bodyPr>
           <a:lstStyle/>
           <a:p>
-            <a:pPr indent="0" lvl="0" marL="0" rtl="0" algn="l">
+            <a:pPr marL="0" lvl="0" indent="0" algn="l" rtl="0">
               <a:spcBef>
                 <a:spcPts val="0"/>
               </a:spcBef>
@@ -899,9 +927,6 @@
               </a:spcAft>
               <a:buNone/>
             </a:pPr>
-            <a:r>
-              <a:t/>
-            </a:r>
             <a:endParaRPr/>
           </a:p>
         </p:txBody>
@@ -915,11 +940,11 @@
 </file>
 
 <file path=ppt/notesSlides/notesSlide11.xml><?xml version="1.0" encoding="utf-8"?>
-<p:notes xmlns:a="http://schemas.openxmlformats.org/drawingml/2006/main" xmlns:r="http://schemas.openxmlformats.org/officeDocument/2006/relationships" xmlns:mc="http://schemas.openxmlformats.org/markup-compatibility/2006" xmlns:mv="urn:schemas-microsoft-com:mac:vml" xmlns:p="http://schemas.openxmlformats.org/presentationml/2006/main" xmlns:c="http://schemas.openxmlformats.org/drawingml/2006/chart" xmlns:dgm="http://schemas.openxmlformats.org/drawingml/2006/diagram" xmlns:o="urn:schemas-microsoft-com:office:office" xmlns:v="urn:schemas-microsoft-com:vml" xmlns:pvml="urn:schemas-microsoft-com:office:powerpoint" xmlns:com="http://schemas.openxmlformats.org/drawingml/2006/compatibility" xmlns:p14="http://schemas.microsoft.com/office/powerpoint/2010/main" xmlns:p15="http://schemas.microsoft.com/office/powerpoint/2012/main" xmlns:ahyp="http://schemas.microsoft.com/office/drawing/2018/hyperlinkcolor" showMasterPhAnim="0" showMasterSp="0">
+<p:notes xmlns:a="http://schemas.openxmlformats.org/drawingml/2006/main" xmlns:r="http://schemas.openxmlformats.org/officeDocument/2006/relationships" xmlns:p="http://schemas.openxmlformats.org/presentationml/2006/main" showMasterSp="0" showMasterPhAnim="0">
   <p:cSld>
     <p:spTree>
       <p:nvGrpSpPr>
-        <p:cNvPr id="133" name="Shape 133"/>
+        <p:cNvPr id="1" name="Shape 133"/>
         <p:cNvGrpSpPr/>
         <p:nvPr/>
       </p:nvGrpSpPr>
@@ -934,20 +959,26 @@
       <p:sp>
         <p:nvSpPr>
           <p:cNvPr id="134" name="Google Shape;134;g52d9e6541b_5_9:notes"/>
-          <p:cNvSpPr/>
+          <p:cNvSpPr>
+            <a:spLocks noGrp="1" noRot="1" noChangeAspect="1"/>
+          </p:cNvSpPr>
           <p:nvPr>
-            <p:ph idx="2" type="sldImg"/>
+            <p:ph type="sldImg" idx="2"/>
           </p:nvPr>
         </p:nvSpPr>
         <p:spPr>
           <a:xfrm>
-            <a:off x="381300" y="685800"/>
+            <a:off x="381000" y="685800"/>
             <a:ext cx="6096000" cy="3429000"/>
           </a:xfrm>
           <a:custGeom>
-            <a:rect b="b" l="l" r="r" t="t"/>
+            <a:avLst/>
+            <a:gdLst/>
+            <a:ahLst/>
+            <a:cxnLst/>
+            <a:rect l="l" t="t" r="r" b="b"/>
             <a:pathLst>
-              <a:path extrusionOk="0" h="120000" w="120000">
+              <a:path w="120000" h="120000" extrusionOk="0">
                 <a:moveTo>
                   <a:pt x="0" y="0"/>
                 </a:moveTo>
@@ -969,9 +1000,11 @@
       <p:sp>
         <p:nvSpPr>
           <p:cNvPr id="135" name="Google Shape;135;g52d9e6541b_5_9:notes"/>
-          <p:cNvSpPr txBox="1"/>
+          <p:cNvSpPr txBox="1">
+            <a:spLocks noGrp="1"/>
+          </p:cNvSpPr>
           <p:nvPr>
-            <p:ph idx="1" type="body"/>
+            <p:ph type="body" idx="1"/>
           </p:nvPr>
         </p:nvSpPr>
         <p:spPr>
@@ -984,12 +1017,12 @@
           </a:prstGeom>
         </p:spPr>
         <p:txBody>
-          <a:bodyPr anchorCtr="0" anchor="t" bIns="91425" lIns="91425" spcFirstLastPara="1" rIns="91425" wrap="square" tIns="91425">
+          <a:bodyPr spcFirstLastPara="1" wrap="square" lIns="91425" tIns="91425" rIns="91425" bIns="91425" anchor="t" anchorCtr="0">
             <a:noAutofit/>
           </a:bodyPr>
           <a:lstStyle/>
           <a:p>
-            <a:pPr indent="0" lvl="0" marL="0" rtl="0" algn="l">
+            <a:pPr marL="0" lvl="0" indent="0" algn="l" rtl="0">
               <a:spcBef>
                 <a:spcPts val="0"/>
               </a:spcBef>
@@ -998,9 +1031,6 @@
               </a:spcAft>
               <a:buNone/>
             </a:pPr>
-            <a:r>
-              <a:t/>
-            </a:r>
             <a:endParaRPr/>
           </a:p>
         </p:txBody>
@@ -1014,11 +1044,11 @@
 </file>
 
 <file path=ppt/notesSlides/notesSlide12.xml><?xml version="1.0" encoding="utf-8"?>
-<p:notes xmlns:a="http://schemas.openxmlformats.org/drawingml/2006/main" xmlns:r="http://schemas.openxmlformats.org/officeDocument/2006/relationships" xmlns:mc="http://schemas.openxmlformats.org/markup-compatibility/2006" xmlns:mv="urn:schemas-microsoft-com:mac:vml" xmlns:p="http://schemas.openxmlformats.org/presentationml/2006/main" xmlns:c="http://schemas.openxmlformats.org/drawingml/2006/chart" xmlns:dgm="http://schemas.openxmlformats.org/drawingml/2006/diagram" xmlns:o="urn:schemas-microsoft-com:office:office" xmlns:v="urn:schemas-microsoft-com:vml" xmlns:pvml="urn:schemas-microsoft-com:office:powerpoint" xmlns:com="http://schemas.openxmlformats.org/drawingml/2006/compatibility" xmlns:p14="http://schemas.microsoft.com/office/powerpoint/2010/main" xmlns:p15="http://schemas.microsoft.com/office/powerpoint/2012/main" xmlns:ahyp="http://schemas.microsoft.com/office/drawing/2018/hyperlinkcolor" showMasterPhAnim="0" showMasterSp="0">
+<p:notes xmlns:a="http://schemas.openxmlformats.org/drawingml/2006/main" xmlns:r="http://schemas.openxmlformats.org/officeDocument/2006/relationships" xmlns:p="http://schemas.openxmlformats.org/presentationml/2006/main" showMasterSp="0" showMasterPhAnim="0">
   <p:cSld>
     <p:spTree>
       <p:nvGrpSpPr>
-        <p:cNvPr id="142" name="Shape 142"/>
+        <p:cNvPr id="1" name="Shape 142"/>
         <p:cNvGrpSpPr/>
         <p:nvPr/>
       </p:nvGrpSpPr>
@@ -1033,20 +1063,26 @@
       <p:sp>
         <p:nvSpPr>
           <p:cNvPr id="143" name="Google Shape;143;g52d9e6541b_5_19:notes"/>
-          <p:cNvSpPr/>
+          <p:cNvSpPr>
+            <a:spLocks noGrp="1" noRot="1" noChangeAspect="1"/>
+          </p:cNvSpPr>
           <p:nvPr>
-            <p:ph idx="2" type="sldImg"/>
+            <p:ph type="sldImg" idx="2"/>
           </p:nvPr>
         </p:nvSpPr>
         <p:spPr>
           <a:xfrm>
-            <a:off x="381300" y="685800"/>
+            <a:off x="381000" y="685800"/>
             <a:ext cx="6096000" cy="3429000"/>
           </a:xfrm>
           <a:custGeom>
-            <a:rect b="b" l="l" r="r" t="t"/>
+            <a:avLst/>
+            <a:gdLst/>
+            <a:ahLst/>
+            <a:cxnLst/>
+            <a:rect l="l" t="t" r="r" b="b"/>
             <a:pathLst>
-              <a:path extrusionOk="0" h="120000" w="120000">
+              <a:path w="120000" h="120000" extrusionOk="0">
                 <a:moveTo>
                   <a:pt x="0" y="0"/>
                 </a:moveTo>
@@ -1068,9 +1104,11 @@
       <p:sp>
         <p:nvSpPr>
           <p:cNvPr id="144" name="Google Shape;144;g52d9e6541b_5_19:notes"/>
-          <p:cNvSpPr txBox="1"/>
+          <p:cNvSpPr txBox="1">
+            <a:spLocks noGrp="1"/>
+          </p:cNvSpPr>
           <p:nvPr>
-            <p:ph idx="1" type="body"/>
+            <p:ph type="body" idx="1"/>
           </p:nvPr>
         </p:nvSpPr>
         <p:spPr>
@@ -1083,12 +1121,12 @@
           </a:prstGeom>
         </p:spPr>
         <p:txBody>
-          <a:bodyPr anchorCtr="0" anchor="t" bIns="91425" lIns="91425" spcFirstLastPara="1" rIns="91425" wrap="square" tIns="91425">
+          <a:bodyPr spcFirstLastPara="1" wrap="square" lIns="91425" tIns="91425" rIns="91425" bIns="91425" anchor="t" anchorCtr="0">
             <a:noAutofit/>
           </a:bodyPr>
           <a:lstStyle/>
           <a:p>
-            <a:pPr indent="0" lvl="0" marL="0" rtl="0" algn="l">
+            <a:pPr marL="0" lvl="0" indent="0" algn="l" rtl="0">
               <a:spcBef>
                 <a:spcPts val="0"/>
               </a:spcBef>
@@ -1097,9 +1135,6 @@
               </a:spcAft>
               <a:buNone/>
             </a:pPr>
-            <a:r>
-              <a:t/>
-            </a:r>
             <a:endParaRPr/>
           </a:p>
         </p:txBody>
@@ -1113,11 +1148,11 @@
 </file>
 
 <file path=ppt/notesSlides/notesSlide13.xml><?xml version="1.0" encoding="utf-8"?>
-<p:notes xmlns:a="http://schemas.openxmlformats.org/drawingml/2006/main" xmlns:r="http://schemas.openxmlformats.org/officeDocument/2006/relationships" xmlns:mc="http://schemas.openxmlformats.org/markup-compatibility/2006" xmlns:mv="urn:schemas-microsoft-com:mac:vml" xmlns:p="http://schemas.openxmlformats.org/presentationml/2006/main" xmlns:c="http://schemas.openxmlformats.org/drawingml/2006/chart" xmlns:dgm="http://schemas.openxmlformats.org/drawingml/2006/diagram" xmlns:o="urn:schemas-microsoft-com:office:office" xmlns:v="urn:schemas-microsoft-com:vml" xmlns:pvml="urn:schemas-microsoft-com:office:powerpoint" xmlns:com="http://schemas.openxmlformats.org/drawingml/2006/compatibility" xmlns:p14="http://schemas.microsoft.com/office/powerpoint/2010/main" xmlns:p15="http://schemas.microsoft.com/office/powerpoint/2012/main" xmlns:ahyp="http://schemas.microsoft.com/office/drawing/2018/hyperlinkcolor" showMasterPhAnim="0" showMasterSp="0">
+<p:notes xmlns:a="http://schemas.openxmlformats.org/drawingml/2006/main" xmlns:r="http://schemas.openxmlformats.org/officeDocument/2006/relationships" xmlns:p="http://schemas.openxmlformats.org/presentationml/2006/main" showMasterSp="0" showMasterPhAnim="0">
   <p:cSld>
     <p:spTree>
       <p:nvGrpSpPr>
-        <p:cNvPr id="151" name="Shape 151"/>
+        <p:cNvPr id="1" name="Shape 151"/>
         <p:cNvGrpSpPr/>
         <p:nvPr/>
       </p:nvGrpSpPr>
@@ -1132,20 +1167,26 @@
       <p:sp>
         <p:nvSpPr>
           <p:cNvPr id="152" name="Google Shape;152;g52d9e6541b_5_36:notes"/>
-          <p:cNvSpPr/>
+          <p:cNvSpPr>
+            <a:spLocks noGrp="1" noRot="1" noChangeAspect="1"/>
+          </p:cNvSpPr>
           <p:nvPr>
-            <p:ph idx="2" type="sldImg"/>
+            <p:ph type="sldImg" idx="2"/>
           </p:nvPr>
         </p:nvSpPr>
         <p:spPr>
           <a:xfrm>
-            <a:off x="381300" y="685800"/>
+            <a:off x="381000" y="685800"/>
             <a:ext cx="6096000" cy="3429000"/>
           </a:xfrm>
           <a:custGeom>
-            <a:rect b="b" l="l" r="r" t="t"/>
+            <a:avLst/>
+            <a:gdLst/>
+            <a:ahLst/>
+            <a:cxnLst/>
+            <a:rect l="l" t="t" r="r" b="b"/>
             <a:pathLst>
-              <a:path extrusionOk="0" h="120000" w="120000">
+              <a:path w="120000" h="120000" extrusionOk="0">
                 <a:moveTo>
                   <a:pt x="0" y="0"/>
                 </a:moveTo>
@@ -1167,9 +1208,11 @@
       <p:sp>
         <p:nvSpPr>
           <p:cNvPr id="153" name="Google Shape;153;g52d9e6541b_5_36:notes"/>
-          <p:cNvSpPr txBox="1"/>
+          <p:cNvSpPr txBox="1">
+            <a:spLocks noGrp="1"/>
+          </p:cNvSpPr>
           <p:nvPr>
-            <p:ph idx="1" type="body"/>
+            <p:ph type="body" idx="1"/>
           </p:nvPr>
         </p:nvSpPr>
         <p:spPr>
@@ -1182,12 +1225,12 @@
           </a:prstGeom>
         </p:spPr>
         <p:txBody>
-          <a:bodyPr anchorCtr="0" anchor="t" bIns="91425" lIns="91425" spcFirstLastPara="1" rIns="91425" wrap="square" tIns="91425">
+          <a:bodyPr spcFirstLastPara="1" wrap="square" lIns="91425" tIns="91425" rIns="91425" bIns="91425" anchor="t" anchorCtr="0">
             <a:noAutofit/>
           </a:bodyPr>
           <a:lstStyle/>
           <a:p>
-            <a:pPr indent="0" lvl="0" marL="0" rtl="0" algn="l">
+            <a:pPr marL="0" lvl="0" indent="0" algn="l" rtl="0">
               <a:spcBef>
                 <a:spcPts val="0"/>
               </a:spcBef>
@@ -1196,9 +1239,6 @@
               </a:spcAft>
               <a:buNone/>
             </a:pPr>
-            <a:r>
-              <a:t/>
-            </a:r>
             <a:endParaRPr/>
           </a:p>
         </p:txBody>
@@ -1212,11 +1252,11 @@
 </file>
 
 <file path=ppt/notesSlides/notesSlide14.xml><?xml version="1.0" encoding="utf-8"?>
-<p:notes xmlns:a="http://schemas.openxmlformats.org/drawingml/2006/main" xmlns:r="http://schemas.openxmlformats.org/officeDocument/2006/relationships" xmlns:mc="http://schemas.openxmlformats.org/markup-compatibility/2006" xmlns:mv="urn:schemas-microsoft-com:mac:vml" xmlns:p="http://schemas.openxmlformats.org/presentationml/2006/main" xmlns:c="http://schemas.openxmlformats.org/drawingml/2006/chart" xmlns:dgm="http://schemas.openxmlformats.org/drawingml/2006/diagram" xmlns:o="urn:schemas-microsoft-com:office:office" xmlns:v="urn:schemas-microsoft-com:vml" xmlns:pvml="urn:schemas-microsoft-com:office:powerpoint" xmlns:com="http://schemas.openxmlformats.org/drawingml/2006/compatibility" xmlns:p14="http://schemas.microsoft.com/office/powerpoint/2010/main" xmlns:p15="http://schemas.microsoft.com/office/powerpoint/2012/main" xmlns:ahyp="http://schemas.microsoft.com/office/drawing/2018/hyperlinkcolor" showMasterPhAnim="0" showMasterSp="0">
+<p:notes xmlns:a="http://schemas.openxmlformats.org/drawingml/2006/main" xmlns:r="http://schemas.openxmlformats.org/officeDocument/2006/relationships" xmlns:p="http://schemas.openxmlformats.org/presentationml/2006/main" showMasterSp="0" showMasterPhAnim="0">
   <p:cSld>
     <p:spTree>
       <p:nvGrpSpPr>
-        <p:cNvPr id="157" name="Shape 157"/>
+        <p:cNvPr id="1" name="Shape 157"/>
         <p:cNvGrpSpPr/>
         <p:nvPr/>
       </p:nvGrpSpPr>
@@ -1231,9 +1271,11 @@
       <p:sp>
         <p:nvSpPr>
           <p:cNvPr id="158" name="Google Shape;158;g7f4fed24fb_0_915:notes"/>
-          <p:cNvSpPr/>
+          <p:cNvSpPr>
+            <a:spLocks noGrp="1" noRot="1" noChangeAspect="1"/>
+          </p:cNvSpPr>
           <p:nvPr>
-            <p:ph idx="2" type="sldImg"/>
+            <p:ph type="sldImg" idx="2"/>
           </p:nvPr>
         </p:nvSpPr>
         <p:spPr>
@@ -1242,9 +1284,13 @@
             <a:ext cx="6096000" cy="3429000"/>
           </a:xfrm>
           <a:custGeom>
-            <a:rect b="b" l="l" r="r" t="t"/>
+            <a:avLst/>
+            <a:gdLst/>
+            <a:ahLst/>
+            <a:cxnLst/>
+            <a:rect l="l" t="t" r="r" b="b"/>
             <a:pathLst>
-              <a:path extrusionOk="0" h="120000" w="120000">
+              <a:path w="120000" h="120000" extrusionOk="0">
                 <a:moveTo>
                   <a:pt x="0" y="0"/>
                 </a:moveTo>
@@ -1266,9 +1312,11 @@
       <p:sp>
         <p:nvSpPr>
           <p:cNvPr id="159" name="Google Shape;159;g7f4fed24fb_0_915:notes"/>
-          <p:cNvSpPr txBox="1"/>
+          <p:cNvSpPr txBox="1">
+            <a:spLocks noGrp="1"/>
+          </p:cNvSpPr>
           <p:nvPr>
-            <p:ph idx="1" type="body"/>
+            <p:ph type="body" idx="1"/>
           </p:nvPr>
         </p:nvSpPr>
         <p:spPr>
@@ -1281,12 +1329,12 @@
           </a:prstGeom>
         </p:spPr>
         <p:txBody>
-          <a:bodyPr anchorCtr="0" anchor="t" bIns="91425" lIns="91425" spcFirstLastPara="1" rIns="91425" wrap="square" tIns="91425">
+          <a:bodyPr spcFirstLastPara="1" wrap="square" lIns="91425" tIns="91425" rIns="91425" bIns="91425" anchor="t" anchorCtr="0">
             <a:noAutofit/>
           </a:bodyPr>
           <a:lstStyle/>
           <a:p>
-            <a:pPr indent="0" lvl="0" marL="0" rtl="0" algn="l">
+            <a:pPr marL="0" lvl="0" indent="0" algn="l" rtl="0">
               <a:spcBef>
                 <a:spcPts val="0"/>
               </a:spcBef>
@@ -1295,9 +1343,6 @@
               </a:spcAft>
               <a:buNone/>
             </a:pPr>
-            <a:r>
-              <a:t/>
-            </a:r>
             <a:endParaRPr/>
           </a:p>
         </p:txBody>
@@ -1311,11 +1356,11 @@
 </file>
 
 <file path=ppt/notesSlides/notesSlide15.xml><?xml version="1.0" encoding="utf-8"?>
-<p:notes xmlns:a="http://schemas.openxmlformats.org/drawingml/2006/main" xmlns:r="http://schemas.openxmlformats.org/officeDocument/2006/relationships" xmlns:mc="http://schemas.openxmlformats.org/markup-compatibility/2006" xmlns:mv="urn:schemas-microsoft-com:mac:vml" xmlns:p="http://schemas.openxmlformats.org/presentationml/2006/main" xmlns:c="http://schemas.openxmlformats.org/drawingml/2006/chart" xmlns:dgm="http://schemas.openxmlformats.org/drawingml/2006/diagram" xmlns:o="urn:schemas-microsoft-com:office:office" xmlns:v="urn:schemas-microsoft-com:vml" xmlns:pvml="urn:schemas-microsoft-com:office:powerpoint" xmlns:com="http://schemas.openxmlformats.org/drawingml/2006/compatibility" xmlns:p14="http://schemas.microsoft.com/office/powerpoint/2010/main" xmlns:p15="http://schemas.microsoft.com/office/powerpoint/2012/main" xmlns:ahyp="http://schemas.microsoft.com/office/drawing/2018/hyperlinkcolor" showMasterPhAnim="0" showMasterSp="0">
+<p:notes xmlns:a="http://schemas.openxmlformats.org/drawingml/2006/main" xmlns:r="http://schemas.openxmlformats.org/officeDocument/2006/relationships" xmlns:p="http://schemas.openxmlformats.org/presentationml/2006/main" showMasterSp="0" showMasterPhAnim="0">
   <p:cSld>
     <p:spTree>
       <p:nvGrpSpPr>
-        <p:cNvPr id="164" name="Shape 164"/>
+        <p:cNvPr id="1" name="Shape 164"/>
         <p:cNvGrpSpPr/>
         <p:nvPr/>
       </p:nvGrpSpPr>
@@ -1330,9 +1375,11 @@
       <p:sp>
         <p:nvSpPr>
           <p:cNvPr id="165" name="Google Shape;165;g7f4fed24fb_0_924:notes"/>
-          <p:cNvSpPr/>
+          <p:cNvSpPr>
+            <a:spLocks noGrp="1" noRot="1" noChangeAspect="1"/>
+          </p:cNvSpPr>
           <p:nvPr>
-            <p:ph idx="2" type="sldImg"/>
+            <p:ph type="sldImg" idx="2"/>
           </p:nvPr>
         </p:nvSpPr>
         <p:spPr>
@@ -1341,9 +1388,13 @@
             <a:ext cx="6096000" cy="3429000"/>
           </a:xfrm>
           <a:custGeom>
-            <a:rect b="b" l="l" r="r" t="t"/>
+            <a:avLst/>
+            <a:gdLst/>
+            <a:ahLst/>
+            <a:cxnLst/>
+            <a:rect l="l" t="t" r="r" b="b"/>
             <a:pathLst>
-              <a:path extrusionOk="0" h="120000" w="120000">
+              <a:path w="120000" h="120000" extrusionOk="0">
                 <a:moveTo>
                   <a:pt x="0" y="0"/>
                 </a:moveTo>
@@ -1365,9 +1416,11 @@
       <p:sp>
         <p:nvSpPr>
           <p:cNvPr id="166" name="Google Shape;166;g7f4fed24fb_0_924:notes"/>
-          <p:cNvSpPr txBox="1"/>
+          <p:cNvSpPr txBox="1">
+            <a:spLocks noGrp="1"/>
+          </p:cNvSpPr>
           <p:nvPr>
-            <p:ph idx="1" type="body"/>
+            <p:ph type="body" idx="1"/>
           </p:nvPr>
         </p:nvSpPr>
         <p:spPr>
@@ -1380,12 +1433,12 @@
           </a:prstGeom>
         </p:spPr>
         <p:txBody>
-          <a:bodyPr anchorCtr="0" anchor="t" bIns="91425" lIns="91425" spcFirstLastPara="1" rIns="91425" wrap="square" tIns="91425">
+          <a:bodyPr spcFirstLastPara="1" wrap="square" lIns="91425" tIns="91425" rIns="91425" bIns="91425" anchor="t" anchorCtr="0">
             <a:noAutofit/>
           </a:bodyPr>
           <a:lstStyle/>
           <a:p>
-            <a:pPr indent="0" lvl="0" marL="0" rtl="0" algn="l">
+            <a:pPr marL="0" lvl="0" indent="0" algn="l" rtl="0">
               <a:spcBef>
                 <a:spcPts val="0"/>
               </a:spcBef>
@@ -1394,9 +1447,6 @@
               </a:spcAft>
               <a:buNone/>
             </a:pPr>
-            <a:r>
-              <a:t/>
-            </a:r>
             <a:endParaRPr/>
           </a:p>
         </p:txBody>
@@ -1410,11 +1460,11 @@
 </file>
 
 <file path=ppt/notesSlides/notesSlide16.xml><?xml version="1.0" encoding="utf-8"?>
-<p:notes xmlns:a="http://schemas.openxmlformats.org/drawingml/2006/main" xmlns:r="http://schemas.openxmlformats.org/officeDocument/2006/relationships" xmlns:mc="http://schemas.openxmlformats.org/markup-compatibility/2006" xmlns:mv="urn:schemas-microsoft-com:mac:vml" xmlns:p="http://schemas.openxmlformats.org/presentationml/2006/main" xmlns:c="http://schemas.openxmlformats.org/drawingml/2006/chart" xmlns:dgm="http://schemas.openxmlformats.org/drawingml/2006/diagram" xmlns:o="urn:schemas-microsoft-com:office:office" xmlns:v="urn:schemas-microsoft-com:vml" xmlns:pvml="urn:schemas-microsoft-com:office:powerpoint" xmlns:com="http://schemas.openxmlformats.org/drawingml/2006/compatibility" xmlns:p14="http://schemas.microsoft.com/office/powerpoint/2010/main" xmlns:p15="http://schemas.microsoft.com/office/powerpoint/2012/main" xmlns:ahyp="http://schemas.microsoft.com/office/drawing/2018/hyperlinkcolor" showMasterPhAnim="0" showMasterSp="0">
+<p:notes xmlns:a="http://schemas.openxmlformats.org/drawingml/2006/main" xmlns:r="http://schemas.openxmlformats.org/officeDocument/2006/relationships" xmlns:p="http://schemas.openxmlformats.org/presentationml/2006/main" showMasterSp="0" showMasterPhAnim="0">
   <p:cSld>
     <p:spTree>
       <p:nvGrpSpPr>
-        <p:cNvPr id="170" name="Shape 170"/>
+        <p:cNvPr id="1" name="Shape 170"/>
         <p:cNvGrpSpPr/>
         <p:nvPr/>
       </p:nvGrpSpPr>
@@ -1429,9 +1479,11 @@
       <p:sp>
         <p:nvSpPr>
           <p:cNvPr id="171" name="Google Shape;171;g7f51a219db_0_0:notes"/>
-          <p:cNvSpPr/>
+          <p:cNvSpPr>
+            <a:spLocks noGrp="1" noRot="1" noChangeAspect="1"/>
+          </p:cNvSpPr>
           <p:nvPr>
-            <p:ph idx="2" type="sldImg"/>
+            <p:ph type="sldImg" idx="2"/>
           </p:nvPr>
         </p:nvSpPr>
         <p:spPr>
@@ -1440,9 +1492,13 @@
             <a:ext cx="6096000" cy="3429000"/>
           </a:xfrm>
           <a:custGeom>
-            <a:rect b="b" l="l" r="r" t="t"/>
+            <a:avLst/>
+            <a:gdLst/>
+            <a:ahLst/>
+            <a:cxnLst/>
+            <a:rect l="l" t="t" r="r" b="b"/>
             <a:pathLst>
-              <a:path extrusionOk="0" h="120000" w="120000">
+              <a:path w="120000" h="120000" extrusionOk="0">
                 <a:moveTo>
                   <a:pt x="0" y="0"/>
                 </a:moveTo>
@@ -1464,9 +1520,11 @@
       <p:sp>
         <p:nvSpPr>
           <p:cNvPr id="172" name="Google Shape;172;g7f51a219db_0_0:notes"/>
-          <p:cNvSpPr txBox="1"/>
+          <p:cNvSpPr txBox="1">
+            <a:spLocks noGrp="1"/>
+          </p:cNvSpPr>
           <p:nvPr>
-            <p:ph idx="1" type="body"/>
+            <p:ph type="body" idx="1"/>
           </p:nvPr>
         </p:nvSpPr>
         <p:spPr>
@@ -1479,12 +1537,12 @@
           </a:prstGeom>
         </p:spPr>
         <p:txBody>
-          <a:bodyPr anchorCtr="0" anchor="t" bIns="91425" lIns="91425" spcFirstLastPara="1" rIns="91425" wrap="square" tIns="91425">
+          <a:bodyPr spcFirstLastPara="1" wrap="square" lIns="91425" tIns="91425" rIns="91425" bIns="91425" anchor="t" anchorCtr="0">
             <a:noAutofit/>
           </a:bodyPr>
           <a:lstStyle/>
           <a:p>
-            <a:pPr indent="0" lvl="0" marL="0" rtl="0" algn="l">
+            <a:pPr marL="0" lvl="0" indent="0" algn="l" rtl="0">
               <a:spcBef>
                 <a:spcPts val="0"/>
               </a:spcBef>
@@ -1493,9 +1551,6 @@
               </a:spcAft>
               <a:buNone/>
             </a:pPr>
-            <a:r>
-              <a:t/>
-            </a:r>
             <a:endParaRPr/>
           </a:p>
         </p:txBody>
@@ -1509,11 +1564,11 @@
 </file>
 
 <file path=ppt/notesSlides/notesSlide17.xml><?xml version="1.0" encoding="utf-8"?>
-<p:notes xmlns:a="http://schemas.openxmlformats.org/drawingml/2006/main" xmlns:r="http://schemas.openxmlformats.org/officeDocument/2006/relationships" xmlns:mc="http://schemas.openxmlformats.org/markup-compatibility/2006" xmlns:mv="urn:schemas-microsoft-com:mac:vml" xmlns:p="http://schemas.openxmlformats.org/presentationml/2006/main" xmlns:c="http://schemas.openxmlformats.org/drawingml/2006/chart" xmlns:dgm="http://schemas.openxmlformats.org/drawingml/2006/diagram" xmlns:o="urn:schemas-microsoft-com:office:office" xmlns:v="urn:schemas-microsoft-com:vml" xmlns:pvml="urn:schemas-microsoft-com:office:powerpoint" xmlns:com="http://schemas.openxmlformats.org/drawingml/2006/compatibility" xmlns:p14="http://schemas.microsoft.com/office/powerpoint/2010/main" xmlns:p15="http://schemas.microsoft.com/office/powerpoint/2012/main" xmlns:ahyp="http://schemas.microsoft.com/office/drawing/2018/hyperlinkcolor" showMasterPhAnim="0" showMasterSp="0">
+<p:notes xmlns:a="http://schemas.openxmlformats.org/drawingml/2006/main" xmlns:r="http://schemas.openxmlformats.org/officeDocument/2006/relationships" xmlns:p="http://schemas.openxmlformats.org/presentationml/2006/main" showMasterSp="0" showMasterPhAnim="0">
   <p:cSld>
     <p:spTree>
       <p:nvGrpSpPr>
-        <p:cNvPr id="178" name="Shape 178"/>
+        <p:cNvPr id="1" name="Shape 178"/>
         <p:cNvGrpSpPr/>
         <p:nvPr/>
       </p:nvGrpSpPr>
@@ -1528,9 +1583,11 @@
       <p:sp>
         <p:nvSpPr>
           <p:cNvPr id="179" name="Google Shape;179;g7f51a219db_0_6:notes"/>
-          <p:cNvSpPr/>
+          <p:cNvSpPr>
+            <a:spLocks noGrp="1" noRot="1" noChangeAspect="1"/>
+          </p:cNvSpPr>
           <p:nvPr>
-            <p:ph idx="2" type="sldImg"/>
+            <p:ph type="sldImg" idx="2"/>
           </p:nvPr>
         </p:nvSpPr>
         <p:spPr>
@@ -1539,9 +1596,13 @@
             <a:ext cx="6096000" cy="3429000"/>
           </a:xfrm>
           <a:custGeom>
-            <a:rect b="b" l="l" r="r" t="t"/>
+            <a:avLst/>
+            <a:gdLst/>
+            <a:ahLst/>
+            <a:cxnLst/>
+            <a:rect l="l" t="t" r="r" b="b"/>
             <a:pathLst>
-              <a:path extrusionOk="0" h="120000" w="120000">
+              <a:path w="120000" h="120000" extrusionOk="0">
                 <a:moveTo>
                   <a:pt x="0" y="0"/>
                 </a:moveTo>
@@ -1563,9 +1624,11 @@
       <p:sp>
         <p:nvSpPr>
           <p:cNvPr id="180" name="Google Shape;180;g7f51a219db_0_6:notes"/>
-          <p:cNvSpPr txBox="1"/>
+          <p:cNvSpPr txBox="1">
+            <a:spLocks noGrp="1"/>
+          </p:cNvSpPr>
           <p:nvPr>
-            <p:ph idx="1" type="body"/>
+            <p:ph type="body" idx="1"/>
           </p:nvPr>
         </p:nvSpPr>
         <p:spPr>
@@ -1578,12 +1641,12 @@
           </a:prstGeom>
         </p:spPr>
         <p:txBody>
-          <a:bodyPr anchorCtr="0" anchor="t" bIns="91425" lIns="91425" spcFirstLastPara="1" rIns="91425" wrap="square" tIns="91425">
+          <a:bodyPr spcFirstLastPara="1" wrap="square" lIns="91425" tIns="91425" rIns="91425" bIns="91425" anchor="t" anchorCtr="0">
             <a:noAutofit/>
           </a:bodyPr>
           <a:lstStyle/>
           <a:p>
-            <a:pPr indent="0" lvl="0" marL="0" rtl="0" algn="l">
+            <a:pPr marL="0" lvl="0" indent="0" algn="l" rtl="0">
               <a:spcBef>
                 <a:spcPts val="0"/>
               </a:spcBef>
@@ -1592,9 +1655,6 @@
               </a:spcAft>
               <a:buNone/>
             </a:pPr>
-            <a:r>
-              <a:t/>
-            </a:r>
             <a:endParaRPr/>
           </a:p>
         </p:txBody>
@@ -1608,11 +1668,11 @@
 </file>
 
 <file path=ppt/notesSlides/notesSlide18.xml><?xml version="1.0" encoding="utf-8"?>
-<p:notes xmlns:a="http://schemas.openxmlformats.org/drawingml/2006/main" xmlns:r="http://schemas.openxmlformats.org/officeDocument/2006/relationships" xmlns:mc="http://schemas.openxmlformats.org/markup-compatibility/2006" xmlns:mv="urn:schemas-microsoft-com:mac:vml" xmlns:p="http://schemas.openxmlformats.org/presentationml/2006/main" xmlns:c="http://schemas.openxmlformats.org/drawingml/2006/chart" xmlns:dgm="http://schemas.openxmlformats.org/drawingml/2006/diagram" xmlns:o="urn:schemas-microsoft-com:office:office" xmlns:v="urn:schemas-microsoft-com:vml" xmlns:pvml="urn:schemas-microsoft-com:office:powerpoint" xmlns:com="http://schemas.openxmlformats.org/drawingml/2006/compatibility" xmlns:p14="http://schemas.microsoft.com/office/powerpoint/2010/main" xmlns:p15="http://schemas.microsoft.com/office/powerpoint/2012/main" xmlns:ahyp="http://schemas.microsoft.com/office/drawing/2018/hyperlinkcolor" showMasterPhAnim="0" showMasterSp="0">
+<p:notes xmlns:a="http://schemas.openxmlformats.org/drawingml/2006/main" xmlns:r="http://schemas.openxmlformats.org/officeDocument/2006/relationships" xmlns:p="http://schemas.openxmlformats.org/presentationml/2006/main" showMasterSp="0" showMasterPhAnim="0">
   <p:cSld>
     <p:spTree>
       <p:nvGrpSpPr>
-        <p:cNvPr id="185" name="Shape 185"/>
+        <p:cNvPr id="1" name="Shape 185"/>
         <p:cNvGrpSpPr/>
         <p:nvPr/>
       </p:nvGrpSpPr>
@@ -1627,9 +1687,11 @@
       <p:sp>
         <p:nvSpPr>
           <p:cNvPr id="186" name="Google Shape;186;g7f51a219db_0_11:notes"/>
-          <p:cNvSpPr/>
+          <p:cNvSpPr>
+            <a:spLocks noGrp="1" noRot="1" noChangeAspect="1"/>
+          </p:cNvSpPr>
           <p:nvPr>
-            <p:ph idx="2" type="sldImg"/>
+            <p:ph type="sldImg" idx="2"/>
           </p:nvPr>
         </p:nvSpPr>
         <p:spPr>
@@ -1638,9 +1700,13 @@
             <a:ext cx="6096000" cy="3429000"/>
           </a:xfrm>
           <a:custGeom>
-            <a:rect b="b" l="l" r="r" t="t"/>
+            <a:avLst/>
+            <a:gdLst/>
+            <a:ahLst/>
+            <a:cxnLst/>
+            <a:rect l="l" t="t" r="r" b="b"/>
             <a:pathLst>
-              <a:path extrusionOk="0" h="120000" w="120000">
+              <a:path w="120000" h="120000" extrusionOk="0">
                 <a:moveTo>
                   <a:pt x="0" y="0"/>
                 </a:moveTo>
@@ -1662,9 +1728,11 @@
       <p:sp>
         <p:nvSpPr>
           <p:cNvPr id="187" name="Google Shape;187;g7f51a219db_0_11:notes"/>
-          <p:cNvSpPr txBox="1"/>
+          <p:cNvSpPr txBox="1">
+            <a:spLocks noGrp="1"/>
+          </p:cNvSpPr>
           <p:nvPr>
-            <p:ph idx="1" type="body"/>
+            <p:ph type="body" idx="1"/>
           </p:nvPr>
         </p:nvSpPr>
         <p:spPr>
@@ -1677,12 +1745,12 @@
           </a:prstGeom>
         </p:spPr>
         <p:txBody>
-          <a:bodyPr anchorCtr="0" anchor="t" bIns="91425" lIns="91425" spcFirstLastPara="1" rIns="91425" wrap="square" tIns="91425">
+          <a:bodyPr spcFirstLastPara="1" wrap="square" lIns="91425" tIns="91425" rIns="91425" bIns="91425" anchor="t" anchorCtr="0">
             <a:noAutofit/>
           </a:bodyPr>
           <a:lstStyle/>
           <a:p>
-            <a:pPr indent="0" lvl="0" marL="0" rtl="0" algn="l">
+            <a:pPr marL="0" lvl="0" indent="0" algn="l" rtl="0">
               <a:spcBef>
                 <a:spcPts val="0"/>
               </a:spcBef>
@@ -1691,9 +1759,6 @@
               </a:spcAft>
               <a:buNone/>
             </a:pPr>
-            <a:r>
-              <a:t/>
-            </a:r>
             <a:endParaRPr/>
           </a:p>
         </p:txBody>
@@ -1707,11 +1772,11 @@
 </file>
 
 <file path=ppt/notesSlides/notesSlide19.xml><?xml version="1.0" encoding="utf-8"?>
-<p:notes xmlns:a="http://schemas.openxmlformats.org/drawingml/2006/main" xmlns:r="http://schemas.openxmlformats.org/officeDocument/2006/relationships" xmlns:mc="http://schemas.openxmlformats.org/markup-compatibility/2006" xmlns:mv="urn:schemas-microsoft-com:mac:vml" xmlns:p="http://schemas.openxmlformats.org/presentationml/2006/main" xmlns:c="http://schemas.openxmlformats.org/drawingml/2006/chart" xmlns:dgm="http://schemas.openxmlformats.org/drawingml/2006/diagram" xmlns:o="urn:schemas-microsoft-com:office:office" xmlns:v="urn:schemas-microsoft-com:vml" xmlns:pvml="urn:schemas-microsoft-com:office:powerpoint" xmlns:com="http://schemas.openxmlformats.org/drawingml/2006/compatibility" xmlns:p14="http://schemas.microsoft.com/office/powerpoint/2010/main" xmlns:p15="http://schemas.microsoft.com/office/powerpoint/2012/main" xmlns:ahyp="http://schemas.microsoft.com/office/drawing/2018/hyperlinkcolor" showMasterPhAnim="0" showMasterSp="0">
+<p:notes xmlns:a="http://schemas.openxmlformats.org/drawingml/2006/main" xmlns:r="http://schemas.openxmlformats.org/officeDocument/2006/relationships" xmlns:p="http://schemas.openxmlformats.org/presentationml/2006/main" showMasterSp="0" showMasterPhAnim="0">
   <p:cSld>
     <p:spTree>
       <p:nvGrpSpPr>
-        <p:cNvPr id="193" name="Shape 193"/>
+        <p:cNvPr id="1" name="Shape 193"/>
         <p:cNvGrpSpPr/>
         <p:nvPr/>
       </p:nvGrpSpPr>
@@ -1726,9 +1791,11 @@
       <p:sp>
         <p:nvSpPr>
           <p:cNvPr id="194" name="Google Shape;194;g7f51a219db_1_2:notes"/>
-          <p:cNvSpPr/>
+          <p:cNvSpPr>
+            <a:spLocks noGrp="1" noRot="1" noChangeAspect="1"/>
+          </p:cNvSpPr>
           <p:nvPr>
-            <p:ph idx="2" type="sldImg"/>
+            <p:ph type="sldImg" idx="2"/>
           </p:nvPr>
         </p:nvSpPr>
         <p:spPr>
@@ -1737,9 +1804,13 @@
             <a:ext cx="6096000" cy="3429000"/>
           </a:xfrm>
           <a:custGeom>
-            <a:rect b="b" l="l" r="r" t="t"/>
+            <a:avLst/>
+            <a:gdLst/>
+            <a:ahLst/>
+            <a:cxnLst/>
+            <a:rect l="l" t="t" r="r" b="b"/>
             <a:pathLst>
-              <a:path extrusionOk="0" h="120000" w="120000">
+              <a:path w="120000" h="120000" extrusionOk="0">
                 <a:moveTo>
                   <a:pt x="0" y="0"/>
                 </a:moveTo>
@@ -1761,9 +1832,11 @@
       <p:sp>
         <p:nvSpPr>
           <p:cNvPr id="195" name="Google Shape;195;g7f51a219db_1_2:notes"/>
-          <p:cNvSpPr txBox="1"/>
+          <p:cNvSpPr txBox="1">
+            <a:spLocks noGrp="1"/>
+          </p:cNvSpPr>
           <p:nvPr>
-            <p:ph idx="1" type="body"/>
+            <p:ph type="body" idx="1"/>
           </p:nvPr>
         </p:nvSpPr>
         <p:spPr>
@@ -1776,12 +1849,12 @@
           </a:prstGeom>
         </p:spPr>
         <p:txBody>
-          <a:bodyPr anchorCtr="0" anchor="t" bIns="91425" lIns="91425" spcFirstLastPara="1" rIns="91425" wrap="square" tIns="91425">
+          <a:bodyPr spcFirstLastPara="1" wrap="square" lIns="91425" tIns="91425" rIns="91425" bIns="91425" anchor="t" anchorCtr="0">
             <a:noAutofit/>
           </a:bodyPr>
           <a:lstStyle/>
           <a:p>
-            <a:pPr indent="0" lvl="0" marL="0" rtl="0" algn="l">
+            <a:pPr marL="0" lvl="0" indent="0" algn="l" rtl="0">
               <a:spcBef>
                 <a:spcPts val="0"/>
               </a:spcBef>
@@ -1790,9 +1863,6 @@
               </a:spcAft>
               <a:buNone/>
             </a:pPr>
-            <a:r>
-              <a:t/>
-            </a:r>
             <a:endParaRPr/>
           </a:p>
         </p:txBody>
@@ -1806,11 +1876,11 @@
 </file>
 
 <file path=ppt/notesSlides/notesSlide2.xml><?xml version="1.0" encoding="utf-8"?>
-<p:notes xmlns:a="http://schemas.openxmlformats.org/drawingml/2006/main" xmlns:r="http://schemas.openxmlformats.org/officeDocument/2006/relationships" xmlns:mc="http://schemas.openxmlformats.org/markup-compatibility/2006" xmlns:mv="urn:schemas-microsoft-com:mac:vml" xmlns:p="http://schemas.openxmlformats.org/presentationml/2006/main" xmlns:c="http://schemas.openxmlformats.org/drawingml/2006/chart" xmlns:dgm="http://schemas.openxmlformats.org/drawingml/2006/diagram" xmlns:o="urn:schemas-microsoft-com:office:office" xmlns:v="urn:schemas-microsoft-com:vml" xmlns:pvml="urn:schemas-microsoft-com:office:powerpoint" xmlns:com="http://schemas.openxmlformats.org/drawingml/2006/compatibility" xmlns:p14="http://schemas.microsoft.com/office/powerpoint/2010/main" xmlns:p15="http://schemas.microsoft.com/office/powerpoint/2012/main" xmlns:ahyp="http://schemas.microsoft.com/office/drawing/2018/hyperlinkcolor" showMasterPhAnim="0" showMasterSp="0">
+<p:notes xmlns:a="http://schemas.openxmlformats.org/drawingml/2006/main" xmlns:r="http://schemas.openxmlformats.org/officeDocument/2006/relationships" xmlns:p="http://schemas.openxmlformats.org/presentationml/2006/main" showMasterSp="0" showMasterPhAnim="0">
   <p:cSld>
     <p:spTree>
       <p:nvGrpSpPr>
-        <p:cNvPr id="71" name="Shape 71"/>
+        <p:cNvPr id="1" name="Shape 71"/>
         <p:cNvGrpSpPr/>
         <p:nvPr/>
       </p:nvGrpSpPr>
@@ -1825,20 +1895,26 @@
       <p:sp>
         <p:nvSpPr>
           <p:cNvPr id="72" name="Google Shape;72;g52d9e6541b_0_2:notes"/>
-          <p:cNvSpPr/>
+          <p:cNvSpPr>
+            <a:spLocks noGrp="1" noRot="1" noChangeAspect="1"/>
+          </p:cNvSpPr>
           <p:nvPr>
-            <p:ph idx="2" type="sldImg"/>
+            <p:ph type="sldImg" idx="2"/>
           </p:nvPr>
         </p:nvSpPr>
         <p:spPr>
           <a:xfrm>
-            <a:off x="381300" y="685800"/>
+            <a:off x="381000" y="685800"/>
             <a:ext cx="6096000" cy="3429000"/>
           </a:xfrm>
           <a:custGeom>
-            <a:rect b="b" l="l" r="r" t="t"/>
+            <a:avLst/>
+            <a:gdLst/>
+            <a:ahLst/>
+            <a:cxnLst/>
+            <a:rect l="l" t="t" r="r" b="b"/>
             <a:pathLst>
-              <a:path extrusionOk="0" h="120000" w="120000">
+              <a:path w="120000" h="120000" extrusionOk="0">
                 <a:moveTo>
                   <a:pt x="0" y="0"/>
                 </a:moveTo>
@@ -1860,9 +1936,11 @@
       <p:sp>
         <p:nvSpPr>
           <p:cNvPr id="73" name="Google Shape;73;g52d9e6541b_0_2:notes"/>
-          <p:cNvSpPr txBox="1"/>
+          <p:cNvSpPr txBox="1">
+            <a:spLocks noGrp="1"/>
+          </p:cNvSpPr>
           <p:nvPr>
-            <p:ph idx="1" type="body"/>
+            <p:ph type="body" idx="1"/>
           </p:nvPr>
         </p:nvSpPr>
         <p:spPr>
@@ -1875,12 +1953,12 @@
           </a:prstGeom>
         </p:spPr>
         <p:txBody>
-          <a:bodyPr anchorCtr="0" anchor="t" bIns="91425" lIns="91425" spcFirstLastPara="1" rIns="91425" wrap="square" tIns="91425">
+          <a:bodyPr spcFirstLastPara="1" wrap="square" lIns="91425" tIns="91425" rIns="91425" bIns="91425" anchor="t" anchorCtr="0">
             <a:noAutofit/>
           </a:bodyPr>
           <a:lstStyle/>
           <a:p>
-            <a:pPr indent="0" lvl="0" marL="0" rtl="0" algn="l">
+            <a:pPr marL="0" lvl="0" indent="0" algn="l" rtl="0">
               <a:spcBef>
                 <a:spcPts val="0"/>
               </a:spcBef>
@@ -1889,9 +1967,6 @@
               </a:spcAft>
               <a:buNone/>
             </a:pPr>
-            <a:r>
-              <a:t/>
-            </a:r>
             <a:endParaRPr/>
           </a:p>
         </p:txBody>
@@ -1905,11 +1980,11 @@
 </file>
 
 <file path=ppt/notesSlides/notesSlide20.xml><?xml version="1.0" encoding="utf-8"?>
-<p:notes xmlns:a="http://schemas.openxmlformats.org/drawingml/2006/main" xmlns:r="http://schemas.openxmlformats.org/officeDocument/2006/relationships" xmlns:mc="http://schemas.openxmlformats.org/markup-compatibility/2006" xmlns:mv="urn:schemas-microsoft-com:mac:vml" xmlns:p="http://schemas.openxmlformats.org/presentationml/2006/main" xmlns:c="http://schemas.openxmlformats.org/drawingml/2006/chart" xmlns:dgm="http://schemas.openxmlformats.org/drawingml/2006/diagram" xmlns:o="urn:schemas-microsoft-com:office:office" xmlns:v="urn:schemas-microsoft-com:vml" xmlns:pvml="urn:schemas-microsoft-com:office:powerpoint" xmlns:com="http://schemas.openxmlformats.org/drawingml/2006/compatibility" xmlns:p14="http://schemas.microsoft.com/office/powerpoint/2010/main" xmlns:p15="http://schemas.microsoft.com/office/powerpoint/2012/main" xmlns:ahyp="http://schemas.microsoft.com/office/drawing/2018/hyperlinkcolor" showMasterPhAnim="0" showMasterSp="0">
+<p:notes xmlns:a="http://schemas.openxmlformats.org/drawingml/2006/main" xmlns:r="http://schemas.openxmlformats.org/officeDocument/2006/relationships" xmlns:p="http://schemas.openxmlformats.org/presentationml/2006/main" showMasterSp="0" showMasterPhAnim="0">
   <p:cSld>
     <p:spTree>
       <p:nvGrpSpPr>
-        <p:cNvPr id="201" name="Shape 201"/>
+        <p:cNvPr id="1" name="Shape 201"/>
         <p:cNvGrpSpPr/>
         <p:nvPr/>
       </p:nvGrpSpPr>
@@ -1924,9 +1999,11 @@
       <p:sp>
         <p:nvSpPr>
           <p:cNvPr id="202" name="Google Shape;202;g7f51a219db_1_10:notes"/>
-          <p:cNvSpPr/>
+          <p:cNvSpPr>
+            <a:spLocks noGrp="1" noRot="1" noChangeAspect="1"/>
+          </p:cNvSpPr>
           <p:nvPr>
-            <p:ph idx="2" type="sldImg"/>
+            <p:ph type="sldImg" idx="2"/>
           </p:nvPr>
         </p:nvSpPr>
         <p:spPr>
@@ -1935,9 +2012,13 @@
             <a:ext cx="6096000" cy="3429000"/>
           </a:xfrm>
           <a:custGeom>
-            <a:rect b="b" l="l" r="r" t="t"/>
+            <a:avLst/>
+            <a:gdLst/>
+            <a:ahLst/>
+            <a:cxnLst/>
+            <a:rect l="l" t="t" r="r" b="b"/>
             <a:pathLst>
-              <a:path extrusionOk="0" h="120000" w="120000">
+              <a:path w="120000" h="120000" extrusionOk="0">
                 <a:moveTo>
                   <a:pt x="0" y="0"/>
                 </a:moveTo>
@@ -1959,9 +2040,11 @@
       <p:sp>
         <p:nvSpPr>
           <p:cNvPr id="203" name="Google Shape;203;g7f51a219db_1_10:notes"/>
-          <p:cNvSpPr txBox="1"/>
+          <p:cNvSpPr txBox="1">
+            <a:spLocks noGrp="1"/>
+          </p:cNvSpPr>
           <p:nvPr>
-            <p:ph idx="1" type="body"/>
+            <p:ph type="body" idx="1"/>
           </p:nvPr>
         </p:nvSpPr>
         <p:spPr>
@@ -1974,12 +2057,12 @@
           </a:prstGeom>
         </p:spPr>
         <p:txBody>
-          <a:bodyPr anchorCtr="0" anchor="t" bIns="91425" lIns="91425" spcFirstLastPara="1" rIns="91425" wrap="square" tIns="91425">
+          <a:bodyPr spcFirstLastPara="1" wrap="square" lIns="91425" tIns="91425" rIns="91425" bIns="91425" anchor="t" anchorCtr="0">
             <a:noAutofit/>
           </a:bodyPr>
           <a:lstStyle/>
           <a:p>
-            <a:pPr indent="0" lvl="0" marL="0" rtl="0" algn="l">
+            <a:pPr marL="0" lvl="0" indent="0" algn="l" rtl="0">
               <a:spcBef>
                 <a:spcPts val="0"/>
               </a:spcBef>
@@ -1988,9 +2071,6 @@
               </a:spcAft>
               <a:buNone/>
             </a:pPr>
-            <a:r>
-              <a:t/>
-            </a:r>
             <a:endParaRPr/>
           </a:p>
         </p:txBody>
@@ -2004,11 +2084,11 @@
 </file>
 
 <file path=ppt/notesSlides/notesSlide21.xml><?xml version="1.0" encoding="utf-8"?>
-<p:notes xmlns:a="http://schemas.openxmlformats.org/drawingml/2006/main" xmlns:r="http://schemas.openxmlformats.org/officeDocument/2006/relationships" xmlns:mc="http://schemas.openxmlformats.org/markup-compatibility/2006" xmlns:mv="urn:schemas-microsoft-com:mac:vml" xmlns:p="http://schemas.openxmlformats.org/presentationml/2006/main" xmlns:c="http://schemas.openxmlformats.org/drawingml/2006/chart" xmlns:dgm="http://schemas.openxmlformats.org/drawingml/2006/diagram" xmlns:o="urn:schemas-microsoft-com:office:office" xmlns:v="urn:schemas-microsoft-com:vml" xmlns:pvml="urn:schemas-microsoft-com:office:powerpoint" xmlns:com="http://schemas.openxmlformats.org/drawingml/2006/compatibility" xmlns:p14="http://schemas.microsoft.com/office/powerpoint/2010/main" xmlns:p15="http://schemas.microsoft.com/office/powerpoint/2012/main" xmlns:ahyp="http://schemas.microsoft.com/office/drawing/2018/hyperlinkcolor" showMasterPhAnim="0" showMasterSp="0">
+<p:notes xmlns:a="http://schemas.openxmlformats.org/drawingml/2006/main" xmlns:r="http://schemas.openxmlformats.org/officeDocument/2006/relationships" xmlns:p="http://schemas.openxmlformats.org/presentationml/2006/main" showMasterSp="0" showMasterPhAnim="0">
   <p:cSld>
     <p:spTree>
       <p:nvGrpSpPr>
-        <p:cNvPr id="208" name="Shape 208"/>
+        <p:cNvPr id="1" name="Shape 208"/>
         <p:cNvGrpSpPr/>
         <p:nvPr/>
       </p:nvGrpSpPr>
@@ -2023,9 +2103,11 @@
       <p:sp>
         <p:nvSpPr>
           <p:cNvPr id="209" name="Google Shape;209;g52d9e6541b_0_32:notes"/>
-          <p:cNvSpPr/>
+          <p:cNvSpPr>
+            <a:spLocks noGrp="1" noRot="1" noChangeAspect="1"/>
+          </p:cNvSpPr>
           <p:nvPr>
-            <p:ph idx="2" type="sldImg"/>
+            <p:ph type="sldImg" idx="2"/>
           </p:nvPr>
         </p:nvSpPr>
         <p:spPr>
@@ -2034,9 +2116,13 @@
             <a:ext cx="6096000" cy="3429000"/>
           </a:xfrm>
           <a:custGeom>
-            <a:rect b="b" l="l" r="r" t="t"/>
+            <a:avLst/>
+            <a:gdLst/>
+            <a:ahLst/>
+            <a:cxnLst/>
+            <a:rect l="l" t="t" r="r" b="b"/>
             <a:pathLst>
-              <a:path extrusionOk="0" h="120000" w="120000">
+              <a:path w="120000" h="120000" extrusionOk="0">
                 <a:moveTo>
                   <a:pt x="0" y="0"/>
                 </a:moveTo>
@@ -2058,9 +2144,11 @@
       <p:sp>
         <p:nvSpPr>
           <p:cNvPr id="210" name="Google Shape;210;g52d9e6541b_0_32:notes"/>
-          <p:cNvSpPr txBox="1"/>
+          <p:cNvSpPr txBox="1">
+            <a:spLocks noGrp="1"/>
+          </p:cNvSpPr>
           <p:nvPr>
-            <p:ph idx="1" type="body"/>
+            <p:ph type="body" idx="1"/>
           </p:nvPr>
         </p:nvSpPr>
         <p:spPr>
@@ -2073,12 +2161,12 @@
           </a:prstGeom>
         </p:spPr>
         <p:txBody>
-          <a:bodyPr anchorCtr="0" anchor="t" bIns="91425" lIns="91425" spcFirstLastPara="1" rIns="91425" wrap="square" tIns="91425">
+          <a:bodyPr spcFirstLastPara="1" wrap="square" lIns="91425" tIns="91425" rIns="91425" bIns="91425" anchor="t" anchorCtr="0">
             <a:noAutofit/>
           </a:bodyPr>
           <a:lstStyle/>
           <a:p>
-            <a:pPr indent="0" lvl="0" marL="0" rtl="0" algn="l">
+            <a:pPr marL="0" lvl="0" indent="0" algn="l" rtl="0">
               <a:spcBef>
                 <a:spcPts val="0"/>
               </a:spcBef>
@@ -2087,9 +2175,6 @@
               </a:spcAft>
               <a:buNone/>
             </a:pPr>
-            <a:r>
-              <a:t/>
-            </a:r>
             <a:endParaRPr/>
           </a:p>
         </p:txBody>
@@ -2103,11 +2188,11 @@
 </file>
 
 <file path=ppt/notesSlides/notesSlide22.xml><?xml version="1.0" encoding="utf-8"?>
-<p:notes xmlns:a="http://schemas.openxmlformats.org/drawingml/2006/main" xmlns:r="http://schemas.openxmlformats.org/officeDocument/2006/relationships" xmlns:mc="http://schemas.openxmlformats.org/markup-compatibility/2006" xmlns:mv="urn:schemas-microsoft-com:mac:vml" xmlns:p="http://schemas.openxmlformats.org/presentationml/2006/main" xmlns:c="http://schemas.openxmlformats.org/drawingml/2006/chart" xmlns:dgm="http://schemas.openxmlformats.org/drawingml/2006/diagram" xmlns:o="urn:schemas-microsoft-com:office:office" xmlns:v="urn:schemas-microsoft-com:vml" xmlns:pvml="urn:schemas-microsoft-com:office:powerpoint" xmlns:com="http://schemas.openxmlformats.org/drawingml/2006/compatibility" xmlns:p14="http://schemas.microsoft.com/office/powerpoint/2010/main" xmlns:p15="http://schemas.microsoft.com/office/powerpoint/2012/main" xmlns:ahyp="http://schemas.microsoft.com/office/drawing/2018/hyperlinkcolor" showMasterPhAnim="0" showMasterSp="0">
+<p:notes xmlns:a="http://schemas.openxmlformats.org/drawingml/2006/main" xmlns:r="http://schemas.openxmlformats.org/officeDocument/2006/relationships" xmlns:p="http://schemas.openxmlformats.org/presentationml/2006/main" showMasterSp="0" showMasterPhAnim="0">
   <p:cSld>
     <p:spTree>
       <p:nvGrpSpPr>
-        <p:cNvPr id="215" name="Shape 215"/>
+        <p:cNvPr id="1" name="Shape 215"/>
         <p:cNvGrpSpPr/>
         <p:nvPr/>
       </p:nvGrpSpPr>
@@ -2122,9 +2207,11 @@
       <p:sp>
         <p:nvSpPr>
           <p:cNvPr id="216" name="Google Shape;216;g52d9e6541b_4_8:notes"/>
-          <p:cNvSpPr/>
+          <p:cNvSpPr>
+            <a:spLocks noGrp="1" noRot="1" noChangeAspect="1"/>
+          </p:cNvSpPr>
           <p:nvPr>
-            <p:ph idx="2" type="sldImg"/>
+            <p:ph type="sldImg" idx="2"/>
           </p:nvPr>
         </p:nvSpPr>
         <p:spPr>
@@ -2133,9 +2220,13 @@
             <a:ext cx="6096000" cy="3429000"/>
           </a:xfrm>
           <a:custGeom>
-            <a:rect b="b" l="l" r="r" t="t"/>
+            <a:avLst/>
+            <a:gdLst/>
+            <a:ahLst/>
+            <a:cxnLst/>
+            <a:rect l="l" t="t" r="r" b="b"/>
             <a:pathLst>
-              <a:path extrusionOk="0" h="120000" w="120000">
+              <a:path w="120000" h="120000" extrusionOk="0">
                 <a:moveTo>
                   <a:pt x="0" y="0"/>
                 </a:moveTo>
@@ -2157,9 +2248,11 @@
       <p:sp>
         <p:nvSpPr>
           <p:cNvPr id="217" name="Google Shape;217;g52d9e6541b_4_8:notes"/>
-          <p:cNvSpPr txBox="1"/>
+          <p:cNvSpPr txBox="1">
+            <a:spLocks noGrp="1"/>
+          </p:cNvSpPr>
           <p:nvPr>
-            <p:ph idx="1" type="body"/>
+            <p:ph type="body" idx="1"/>
           </p:nvPr>
         </p:nvSpPr>
         <p:spPr>
@@ -2172,12 +2265,12 @@
           </a:prstGeom>
         </p:spPr>
         <p:txBody>
-          <a:bodyPr anchorCtr="0" anchor="t" bIns="91425" lIns="91425" spcFirstLastPara="1" rIns="91425" wrap="square" tIns="91425">
+          <a:bodyPr spcFirstLastPara="1" wrap="square" lIns="91425" tIns="91425" rIns="91425" bIns="91425" anchor="t" anchorCtr="0">
             <a:noAutofit/>
           </a:bodyPr>
           <a:lstStyle/>
           <a:p>
-            <a:pPr indent="0" lvl="0" marL="0" rtl="0" algn="l">
+            <a:pPr marL="0" lvl="0" indent="0" algn="l" rtl="0">
               <a:spcBef>
                 <a:spcPts val="0"/>
               </a:spcBef>
@@ -2186,9 +2279,6 @@
               </a:spcAft>
               <a:buNone/>
             </a:pPr>
-            <a:r>
-              <a:t/>
-            </a:r>
             <a:endParaRPr/>
           </a:p>
         </p:txBody>
@@ -2202,11 +2292,11 @@
 </file>
 
 <file path=ppt/notesSlides/notesSlide3.xml><?xml version="1.0" encoding="utf-8"?>
-<p:notes xmlns:a="http://schemas.openxmlformats.org/drawingml/2006/main" xmlns:r="http://schemas.openxmlformats.org/officeDocument/2006/relationships" xmlns:mc="http://schemas.openxmlformats.org/markup-compatibility/2006" xmlns:mv="urn:schemas-microsoft-com:mac:vml" xmlns:p="http://schemas.openxmlformats.org/presentationml/2006/main" xmlns:c="http://schemas.openxmlformats.org/drawingml/2006/chart" xmlns:dgm="http://schemas.openxmlformats.org/drawingml/2006/diagram" xmlns:o="urn:schemas-microsoft-com:office:office" xmlns:v="urn:schemas-microsoft-com:vml" xmlns:pvml="urn:schemas-microsoft-com:office:powerpoint" xmlns:com="http://schemas.openxmlformats.org/drawingml/2006/compatibility" xmlns:p14="http://schemas.microsoft.com/office/powerpoint/2010/main" xmlns:p15="http://schemas.microsoft.com/office/powerpoint/2012/main" xmlns:ahyp="http://schemas.microsoft.com/office/drawing/2018/hyperlinkcolor" showMasterPhAnim="0" showMasterSp="0">
+<p:notes xmlns:a="http://schemas.openxmlformats.org/drawingml/2006/main" xmlns:r="http://schemas.openxmlformats.org/officeDocument/2006/relationships" xmlns:p="http://schemas.openxmlformats.org/presentationml/2006/main" showMasterSp="0" showMasterPhAnim="0">
   <p:cSld>
     <p:spTree>
       <p:nvGrpSpPr>
-        <p:cNvPr id="78" name="Shape 78"/>
+        <p:cNvPr id="1" name="Shape 78"/>
         <p:cNvGrpSpPr/>
         <p:nvPr/>
       </p:nvGrpSpPr>
@@ -2221,20 +2311,26 @@
       <p:sp>
         <p:nvSpPr>
           <p:cNvPr id="79" name="Google Shape;79;g7f4fed24fb_0_891:notes"/>
-          <p:cNvSpPr/>
+          <p:cNvSpPr>
+            <a:spLocks noGrp="1" noRot="1" noChangeAspect="1"/>
+          </p:cNvSpPr>
           <p:nvPr>
-            <p:ph idx="2" type="sldImg"/>
+            <p:ph type="sldImg" idx="2"/>
           </p:nvPr>
         </p:nvSpPr>
         <p:spPr>
           <a:xfrm>
-            <a:off x="381300" y="685800"/>
+            <a:off x="381000" y="685800"/>
             <a:ext cx="6096000" cy="3429000"/>
           </a:xfrm>
           <a:custGeom>
-            <a:rect b="b" l="l" r="r" t="t"/>
+            <a:avLst/>
+            <a:gdLst/>
+            <a:ahLst/>
+            <a:cxnLst/>
+            <a:rect l="l" t="t" r="r" b="b"/>
             <a:pathLst>
-              <a:path extrusionOk="0" h="120000" w="120000">
+              <a:path w="120000" h="120000" extrusionOk="0">
                 <a:moveTo>
                   <a:pt x="0" y="0"/>
                 </a:moveTo>
@@ -2256,9 +2352,11 @@
       <p:sp>
         <p:nvSpPr>
           <p:cNvPr id="80" name="Google Shape;80;g7f4fed24fb_0_891:notes"/>
-          <p:cNvSpPr txBox="1"/>
+          <p:cNvSpPr txBox="1">
+            <a:spLocks noGrp="1"/>
+          </p:cNvSpPr>
           <p:nvPr>
-            <p:ph idx="1" type="body"/>
+            <p:ph type="body" idx="1"/>
           </p:nvPr>
         </p:nvSpPr>
         <p:spPr>
@@ -2271,12 +2369,12 @@
           </a:prstGeom>
         </p:spPr>
         <p:txBody>
-          <a:bodyPr anchorCtr="0" anchor="t" bIns="91425" lIns="91425" spcFirstLastPara="1" rIns="91425" wrap="square" tIns="91425">
+          <a:bodyPr spcFirstLastPara="1" wrap="square" lIns="91425" tIns="91425" rIns="91425" bIns="91425" anchor="t" anchorCtr="0">
             <a:noAutofit/>
           </a:bodyPr>
           <a:lstStyle/>
           <a:p>
-            <a:pPr indent="0" lvl="0" marL="0" rtl="0" algn="l">
+            <a:pPr marL="0" lvl="0" indent="0" algn="l" rtl="0">
               <a:spcBef>
                 <a:spcPts val="0"/>
               </a:spcBef>
@@ -2285,9 +2383,6 @@
               </a:spcAft>
               <a:buNone/>
             </a:pPr>
-            <a:r>
-              <a:t/>
-            </a:r>
             <a:endParaRPr/>
           </a:p>
         </p:txBody>
@@ -2301,11 +2396,11 @@
 </file>
 
 <file path=ppt/notesSlides/notesSlide4.xml><?xml version="1.0" encoding="utf-8"?>
-<p:notes xmlns:a="http://schemas.openxmlformats.org/drawingml/2006/main" xmlns:r="http://schemas.openxmlformats.org/officeDocument/2006/relationships" xmlns:mc="http://schemas.openxmlformats.org/markup-compatibility/2006" xmlns:mv="urn:schemas-microsoft-com:mac:vml" xmlns:p="http://schemas.openxmlformats.org/presentationml/2006/main" xmlns:c="http://schemas.openxmlformats.org/drawingml/2006/chart" xmlns:dgm="http://schemas.openxmlformats.org/drawingml/2006/diagram" xmlns:o="urn:schemas-microsoft-com:office:office" xmlns:v="urn:schemas-microsoft-com:vml" xmlns:pvml="urn:schemas-microsoft-com:office:powerpoint" xmlns:com="http://schemas.openxmlformats.org/drawingml/2006/compatibility" xmlns:p14="http://schemas.microsoft.com/office/powerpoint/2010/main" xmlns:p15="http://schemas.microsoft.com/office/powerpoint/2012/main" xmlns:ahyp="http://schemas.microsoft.com/office/drawing/2018/hyperlinkcolor" showMasterPhAnim="0" showMasterSp="0">
+<p:notes xmlns:a="http://schemas.openxmlformats.org/drawingml/2006/main" xmlns:r="http://schemas.openxmlformats.org/officeDocument/2006/relationships" xmlns:p="http://schemas.openxmlformats.org/presentationml/2006/main" showMasterSp="0" showMasterPhAnim="0">
   <p:cSld>
     <p:spTree>
       <p:nvGrpSpPr>
-        <p:cNvPr id="85" name="Shape 85"/>
+        <p:cNvPr id="1" name="Shape 85"/>
         <p:cNvGrpSpPr/>
         <p:nvPr/>
       </p:nvGrpSpPr>
@@ -2320,20 +2415,26 @@
       <p:sp>
         <p:nvSpPr>
           <p:cNvPr id="86" name="Google Shape;86;g52d9e6541b_4_18:notes"/>
-          <p:cNvSpPr/>
+          <p:cNvSpPr>
+            <a:spLocks noGrp="1" noRot="1" noChangeAspect="1"/>
+          </p:cNvSpPr>
           <p:nvPr>
-            <p:ph idx="2" type="sldImg"/>
+            <p:ph type="sldImg" idx="2"/>
           </p:nvPr>
         </p:nvSpPr>
         <p:spPr>
           <a:xfrm>
-            <a:off x="381300" y="685800"/>
+            <a:off x="381000" y="685800"/>
             <a:ext cx="6096000" cy="3429000"/>
           </a:xfrm>
           <a:custGeom>
-            <a:rect b="b" l="l" r="r" t="t"/>
+            <a:avLst/>
+            <a:gdLst/>
+            <a:ahLst/>
+            <a:cxnLst/>
+            <a:rect l="l" t="t" r="r" b="b"/>
             <a:pathLst>
-              <a:path extrusionOk="0" h="120000" w="120000">
+              <a:path w="120000" h="120000" extrusionOk="0">
                 <a:moveTo>
                   <a:pt x="0" y="0"/>
                 </a:moveTo>
@@ -2355,9 +2456,11 @@
       <p:sp>
         <p:nvSpPr>
           <p:cNvPr id="87" name="Google Shape;87;g52d9e6541b_4_18:notes"/>
-          <p:cNvSpPr txBox="1"/>
+          <p:cNvSpPr txBox="1">
+            <a:spLocks noGrp="1"/>
+          </p:cNvSpPr>
           <p:nvPr>
-            <p:ph idx="1" type="body"/>
+            <p:ph type="body" idx="1"/>
           </p:nvPr>
         </p:nvSpPr>
         <p:spPr>
@@ -2370,12 +2473,12 @@
           </a:prstGeom>
         </p:spPr>
         <p:txBody>
-          <a:bodyPr anchorCtr="0" anchor="t" bIns="91425" lIns="91425" spcFirstLastPara="1" rIns="91425" wrap="square" tIns="91425">
+          <a:bodyPr spcFirstLastPara="1" wrap="square" lIns="91425" tIns="91425" rIns="91425" bIns="91425" anchor="t" anchorCtr="0">
             <a:noAutofit/>
           </a:bodyPr>
           <a:lstStyle/>
           <a:p>
-            <a:pPr indent="0" lvl="0" marL="0" rtl="0" algn="l">
+            <a:pPr marL="0" lvl="0" indent="0" algn="l" rtl="0">
               <a:spcBef>
                 <a:spcPts val="0"/>
               </a:spcBef>
@@ -2384,9 +2487,6 @@
               </a:spcAft>
               <a:buNone/>
             </a:pPr>
-            <a:r>
-              <a:t/>
-            </a:r>
             <a:endParaRPr/>
           </a:p>
         </p:txBody>
@@ -2400,11 +2500,11 @@
 </file>
 
 <file path=ppt/notesSlides/notesSlide5.xml><?xml version="1.0" encoding="utf-8"?>
-<p:notes xmlns:a="http://schemas.openxmlformats.org/drawingml/2006/main" xmlns:r="http://schemas.openxmlformats.org/officeDocument/2006/relationships" xmlns:mc="http://schemas.openxmlformats.org/markup-compatibility/2006" xmlns:mv="urn:schemas-microsoft-com:mac:vml" xmlns:p="http://schemas.openxmlformats.org/presentationml/2006/main" xmlns:c="http://schemas.openxmlformats.org/drawingml/2006/chart" xmlns:dgm="http://schemas.openxmlformats.org/drawingml/2006/diagram" xmlns:o="urn:schemas-microsoft-com:office:office" xmlns:v="urn:schemas-microsoft-com:vml" xmlns:pvml="urn:schemas-microsoft-com:office:powerpoint" xmlns:com="http://schemas.openxmlformats.org/drawingml/2006/compatibility" xmlns:p14="http://schemas.microsoft.com/office/powerpoint/2010/main" xmlns:p15="http://schemas.microsoft.com/office/powerpoint/2012/main" xmlns:ahyp="http://schemas.microsoft.com/office/drawing/2018/hyperlinkcolor" showMasterPhAnim="0" showMasterSp="0">
+<p:notes xmlns:a="http://schemas.openxmlformats.org/drawingml/2006/main" xmlns:r="http://schemas.openxmlformats.org/officeDocument/2006/relationships" xmlns:p="http://schemas.openxmlformats.org/presentationml/2006/main" showMasterSp="0" showMasterPhAnim="0">
   <p:cSld>
     <p:spTree>
       <p:nvGrpSpPr>
-        <p:cNvPr id="94" name="Shape 94"/>
+        <p:cNvPr id="1" name="Shape 94"/>
         <p:cNvGrpSpPr/>
         <p:nvPr/>
       </p:nvGrpSpPr>
@@ -2419,20 +2519,26 @@
       <p:sp>
         <p:nvSpPr>
           <p:cNvPr id="95" name="Google Shape;95;g52d9e6541b_4_27:notes"/>
-          <p:cNvSpPr/>
+          <p:cNvSpPr>
+            <a:spLocks noGrp="1" noRot="1" noChangeAspect="1"/>
+          </p:cNvSpPr>
           <p:nvPr>
-            <p:ph idx="2" type="sldImg"/>
+            <p:ph type="sldImg" idx="2"/>
           </p:nvPr>
         </p:nvSpPr>
         <p:spPr>
           <a:xfrm>
-            <a:off x="381300" y="685800"/>
+            <a:off x="381000" y="685800"/>
             <a:ext cx="6096000" cy="3429000"/>
           </a:xfrm>
           <a:custGeom>
-            <a:rect b="b" l="l" r="r" t="t"/>
+            <a:avLst/>
+            <a:gdLst/>
+            <a:ahLst/>
+            <a:cxnLst/>
+            <a:rect l="l" t="t" r="r" b="b"/>
             <a:pathLst>
-              <a:path extrusionOk="0" h="120000" w="120000">
+              <a:path w="120000" h="120000" extrusionOk="0">
                 <a:moveTo>
                   <a:pt x="0" y="0"/>
                 </a:moveTo>
@@ -2454,9 +2560,11 @@
       <p:sp>
         <p:nvSpPr>
           <p:cNvPr id="96" name="Google Shape;96;g52d9e6541b_4_27:notes"/>
-          <p:cNvSpPr txBox="1"/>
+          <p:cNvSpPr txBox="1">
+            <a:spLocks noGrp="1"/>
+          </p:cNvSpPr>
           <p:nvPr>
-            <p:ph idx="1" type="body"/>
+            <p:ph type="body" idx="1"/>
           </p:nvPr>
         </p:nvSpPr>
         <p:spPr>
@@ -2469,12 +2577,12 @@
           </a:prstGeom>
         </p:spPr>
         <p:txBody>
-          <a:bodyPr anchorCtr="0" anchor="t" bIns="91425" lIns="91425" spcFirstLastPara="1" rIns="91425" wrap="square" tIns="91425">
+          <a:bodyPr spcFirstLastPara="1" wrap="square" lIns="91425" tIns="91425" rIns="91425" bIns="91425" anchor="t" anchorCtr="0">
             <a:noAutofit/>
           </a:bodyPr>
           <a:lstStyle/>
           <a:p>
-            <a:pPr indent="0" lvl="0" marL="0" rtl="0" algn="l">
+            <a:pPr marL="0" lvl="0" indent="0" algn="l" rtl="0">
               <a:spcBef>
                 <a:spcPts val="0"/>
               </a:spcBef>
@@ -2483,9 +2591,6 @@
               </a:spcAft>
               <a:buNone/>
             </a:pPr>
-            <a:r>
-              <a:t/>
-            </a:r>
             <a:endParaRPr/>
           </a:p>
         </p:txBody>
@@ -2499,11 +2604,11 @@
 </file>
 
 <file path=ppt/notesSlides/notesSlide6.xml><?xml version="1.0" encoding="utf-8"?>
-<p:notes xmlns:a="http://schemas.openxmlformats.org/drawingml/2006/main" xmlns:r="http://schemas.openxmlformats.org/officeDocument/2006/relationships" xmlns:mc="http://schemas.openxmlformats.org/markup-compatibility/2006" xmlns:mv="urn:schemas-microsoft-com:mac:vml" xmlns:p="http://schemas.openxmlformats.org/presentationml/2006/main" xmlns:c="http://schemas.openxmlformats.org/drawingml/2006/chart" xmlns:dgm="http://schemas.openxmlformats.org/drawingml/2006/diagram" xmlns:o="urn:schemas-microsoft-com:office:office" xmlns:v="urn:schemas-microsoft-com:vml" xmlns:pvml="urn:schemas-microsoft-com:office:powerpoint" xmlns:com="http://schemas.openxmlformats.org/drawingml/2006/compatibility" xmlns:p14="http://schemas.microsoft.com/office/powerpoint/2010/main" xmlns:p15="http://schemas.microsoft.com/office/powerpoint/2012/main" xmlns:ahyp="http://schemas.microsoft.com/office/drawing/2018/hyperlinkcolor" showMasterPhAnim="0" showMasterSp="0">
+<p:notes xmlns:a="http://schemas.openxmlformats.org/drawingml/2006/main" xmlns:r="http://schemas.openxmlformats.org/officeDocument/2006/relationships" xmlns:p="http://schemas.openxmlformats.org/presentationml/2006/main" showMasterSp="0" showMasterPhAnim="0">
   <p:cSld>
     <p:spTree>
       <p:nvGrpSpPr>
-        <p:cNvPr id="103" name="Shape 103"/>
+        <p:cNvPr id="1" name="Shape 103"/>
         <p:cNvGrpSpPr/>
         <p:nvPr/>
       </p:nvGrpSpPr>
@@ -2518,20 +2623,26 @@
       <p:sp>
         <p:nvSpPr>
           <p:cNvPr id="104" name="Google Shape;104;g52d9e6541b_5_42:notes"/>
-          <p:cNvSpPr/>
+          <p:cNvSpPr>
+            <a:spLocks noGrp="1" noRot="1" noChangeAspect="1"/>
+          </p:cNvSpPr>
           <p:nvPr>
-            <p:ph idx="2" type="sldImg"/>
+            <p:ph type="sldImg" idx="2"/>
           </p:nvPr>
         </p:nvSpPr>
         <p:spPr>
           <a:xfrm>
-            <a:off x="381300" y="685800"/>
+            <a:off x="381000" y="685800"/>
             <a:ext cx="6096000" cy="3429000"/>
           </a:xfrm>
           <a:custGeom>
-            <a:rect b="b" l="l" r="r" t="t"/>
+            <a:avLst/>
+            <a:gdLst/>
+            <a:ahLst/>
+            <a:cxnLst/>
+            <a:rect l="l" t="t" r="r" b="b"/>
             <a:pathLst>
-              <a:path extrusionOk="0" h="120000" w="120000">
+              <a:path w="120000" h="120000" extrusionOk="0">
                 <a:moveTo>
                   <a:pt x="0" y="0"/>
                 </a:moveTo>
@@ -2553,9 +2664,11 @@
       <p:sp>
         <p:nvSpPr>
           <p:cNvPr id="105" name="Google Shape;105;g52d9e6541b_5_42:notes"/>
-          <p:cNvSpPr txBox="1"/>
+          <p:cNvSpPr txBox="1">
+            <a:spLocks noGrp="1"/>
+          </p:cNvSpPr>
           <p:nvPr>
-            <p:ph idx="1" type="body"/>
+            <p:ph type="body" idx="1"/>
           </p:nvPr>
         </p:nvSpPr>
         <p:spPr>
@@ -2568,12 +2681,12 @@
           </a:prstGeom>
         </p:spPr>
         <p:txBody>
-          <a:bodyPr anchorCtr="0" anchor="t" bIns="91425" lIns="91425" spcFirstLastPara="1" rIns="91425" wrap="square" tIns="91425">
+          <a:bodyPr spcFirstLastPara="1" wrap="square" lIns="91425" tIns="91425" rIns="91425" bIns="91425" anchor="t" anchorCtr="0">
             <a:noAutofit/>
           </a:bodyPr>
           <a:lstStyle/>
           <a:p>
-            <a:pPr indent="0" lvl="0" marL="0" rtl="0" algn="l">
+            <a:pPr marL="0" lvl="0" indent="0" algn="l" rtl="0">
               <a:spcBef>
                 <a:spcPts val="0"/>
               </a:spcBef>
@@ -2582,9 +2695,6 @@
               </a:spcAft>
               <a:buNone/>
             </a:pPr>
-            <a:r>
-              <a:t/>
-            </a:r>
             <a:endParaRPr/>
           </a:p>
         </p:txBody>
@@ -2598,11 +2708,11 @@
 </file>
 
 <file path=ppt/notesSlides/notesSlide7.xml><?xml version="1.0" encoding="utf-8"?>
-<p:notes xmlns:a="http://schemas.openxmlformats.org/drawingml/2006/main" xmlns:r="http://schemas.openxmlformats.org/officeDocument/2006/relationships" xmlns:mc="http://schemas.openxmlformats.org/markup-compatibility/2006" xmlns:mv="urn:schemas-microsoft-com:mac:vml" xmlns:p="http://schemas.openxmlformats.org/presentationml/2006/main" xmlns:c="http://schemas.openxmlformats.org/drawingml/2006/chart" xmlns:dgm="http://schemas.openxmlformats.org/drawingml/2006/diagram" xmlns:o="urn:schemas-microsoft-com:office:office" xmlns:v="urn:schemas-microsoft-com:vml" xmlns:pvml="urn:schemas-microsoft-com:office:powerpoint" xmlns:com="http://schemas.openxmlformats.org/drawingml/2006/compatibility" xmlns:p14="http://schemas.microsoft.com/office/powerpoint/2010/main" xmlns:p15="http://schemas.microsoft.com/office/powerpoint/2012/main" xmlns:ahyp="http://schemas.microsoft.com/office/drawing/2018/hyperlinkcolor" showMasterPhAnim="0" showMasterSp="0">
+<p:notes xmlns:a="http://schemas.openxmlformats.org/drawingml/2006/main" xmlns:r="http://schemas.openxmlformats.org/officeDocument/2006/relationships" xmlns:p="http://schemas.openxmlformats.org/presentationml/2006/main" showMasterSp="0" showMasterPhAnim="0">
   <p:cSld>
     <p:spTree>
       <p:nvGrpSpPr>
-        <p:cNvPr id="109" name="Shape 109"/>
+        <p:cNvPr id="1" name="Shape 109"/>
         <p:cNvGrpSpPr/>
         <p:nvPr/>
       </p:nvGrpSpPr>
@@ -2617,9 +2727,11 @@
       <p:sp>
         <p:nvSpPr>
           <p:cNvPr id="110" name="Google Shape;110;g7f4fed24fb_0_896:notes"/>
-          <p:cNvSpPr/>
+          <p:cNvSpPr>
+            <a:spLocks noGrp="1" noRot="1" noChangeAspect="1"/>
+          </p:cNvSpPr>
           <p:nvPr>
-            <p:ph idx="2" type="sldImg"/>
+            <p:ph type="sldImg" idx="2"/>
           </p:nvPr>
         </p:nvSpPr>
         <p:spPr>
@@ -2628,9 +2740,13 @@
             <a:ext cx="6096000" cy="3429000"/>
           </a:xfrm>
           <a:custGeom>
-            <a:rect b="b" l="l" r="r" t="t"/>
+            <a:avLst/>
+            <a:gdLst/>
+            <a:ahLst/>
+            <a:cxnLst/>
+            <a:rect l="l" t="t" r="r" b="b"/>
             <a:pathLst>
-              <a:path extrusionOk="0" h="120000" w="120000">
+              <a:path w="120000" h="120000" extrusionOk="0">
                 <a:moveTo>
                   <a:pt x="0" y="0"/>
                 </a:moveTo>
@@ -2652,9 +2768,11 @@
       <p:sp>
         <p:nvSpPr>
           <p:cNvPr id="111" name="Google Shape;111;g7f4fed24fb_0_896:notes"/>
-          <p:cNvSpPr txBox="1"/>
+          <p:cNvSpPr txBox="1">
+            <a:spLocks noGrp="1"/>
+          </p:cNvSpPr>
           <p:nvPr>
-            <p:ph idx="1" type="body"/>
+            <p:ph type="body" idx="1"/>
           </p:nvPr>
         </p:nvSpPr>
         <p:spPr>
@@ -2667,12 +2785,12 @@
           </a:prstGeom>
         </p:spPr>
         <p:txBody>
-          <a:bodyPr anchorCtr="0" anchor="t" bIns="91425" lIns="91425" spcFirstLastPara="1" rIns="91425" wrap="square" tIns="91425">
+          <a:bodyPr spcFirstLastPara="1" wrap="square" lIns="91425" tIns="91425" rIns="91425" bIns="91425" anchor="t" anchorCtr="0">
             <a:noAutofit/>
           </a:bodyPr>
           <a:lstStyle/>
           <a:p>
-            <a:pPr indent="0" lvl="0" marL="0" rtl="0" algn="l">
+            <a:pPr marL="0" lvl="0" indent="0" algn="l" rtl="0">
               <a:spcBef>
                 <a:spcPts val="0"/>
               </a:spcBef>
@@ -2681,9 +2799,6 @@
               </a:spcAft>
               <a:buNone/>
             </a:pPr>
-            <a:r>
-              <a:t/>
-            </a:r>
             <a:endParaRPr/>
           </a:p>
         </p:txBody>
@@ -2697,11 +2812,11 @@
 </file>
 
 <file path=ppt/notesSlides/notesSlide8.xml><?xml version="1.0" encoding="utf-8"?>
-<p:notes xmlns:a="http://schemas.openxmlformats.org/drawingml/2006/main" xmlns:r="http://schemas.openxmlformats.org/officeDocument/2006/relationships" xmlns:mc="http://schemas.openxmlformats.org/markup-compatibility/2006" xmlns:mv="urn:schemas-microsoft-com:mac:vml" xmlns:p="http://schemas.openxmlformats.org/presentationml/2006/main" xmlns:c="http://schemas.openxmlformats.org/drawingml/2006/chart" xmlns:dgm="http://schemas.openxmlformats.org/drawingml/2006/diagram" xmlns:o="urn:schemas-microsoft-com:office:office" xmlns:v="urn:schemas-microsoft-com:vml" xmlns:pvml="urn:schemas-microsoft-com:office:powerpoint" xmlns:com="http://schemas.openxmlformats.org/drawingml/2006/compatibility" xmlns:p14="http://schemas.microsoft.com/office/powerpoint/2010/main" xmlns:p15="http://schemas.microsoft.com/office/powerpoint/2012/main" xmlns:ahyp="http://schemas.microsoft.com/office/drawing/2018/hyperlinkcolor" showMasterPhAnim="0" showMasterSp="0">
+<p:notes xmlns:a="http://schemas.openxmlformats.org/drawingml/2006/main" xmlns:r="http://schemas.openxmlformats.org/officeDocument/2006/relationships" xmlns:p="http://schemas.openxmlformats.org/presentationml/2006/main" showMasterSp="0" showMasterPhAnim="0">
   <p:cSld>
     <p:spTree>
       <p:nvGrpSpPr>
-        <p:cNvPr id="115" name="Shape 115"/>
+        <p:cNvPr id="1" name="Shape 115"/>
         <p:cNvGrpSpPr/>
         <p:nvPr/>
       </p:nvGrpSpPr>
@@ -2716,9 +2831,11 @@
       <p:sp>
         <p:nvSpPr>
           <p:cNvPr id="116" name="Google Shape;116;g7f4fed24fb_0_901:notes"/>
-          <p:cNvSpPr/>
+          <p:cNvSpPr>
+            <a:spLocks noGrp="1" noRot="1" noChangeAspect="1"/>
+          </p:cNvSpPr>
           <p:nvPr>
-            <p:ph idx="2" type="sldImg"/>
+            <p:ph type="sldImg" idx="2"/>
           </p:nvPr>
         </p:nvSpPr>
         <p:spPr>
@@ -2727,9 +2844,13 @@
             <a:ext cx="6096000" cy="3429000"/>
           </a:xfrm>
           <a:custGeom>
-            <a:rect b="b" l="l" r="r" t="t"/>
+            <a:avLst/>
+            <a:gdLst/>
+            <a:ahLst/>
+            <a:cxnLst/>
+            <a:rect l="l" t="t" r="r" b="b"/>
             <a:pathLst>
-              <a:path extrusionOk="0" h="120000" w="120000">
+              <a:path w="120000" h="120000" extrusionOk="0">
                 <a:moveTo>
                   <a:pt x="0" y="0"/>
                 </a:moveTo>
@@ -2751,9 +2872,11 @@
       <p:sp>
         <p:nvSpPr>
           <p:cNvPr id="117" name="Google Shape;117;g7f4fed24fb_0_901:notes"/>
-          <p:cNvSpPr txBox="1"/>
+          <p:cNvSpPr txBox="1">
+            <a:spLocks noGrp="1"/>
+          </p:cNvSpPr>
           <p:nvPr>
-            <p:ph idx="1" type="body"/>
+            <p:ph type="body" idx="1"/>
           </p:nvPr>
         </p:nvSpPr>
         <p:spPr>
@@ -2766,12 +2889,12 @@
           </a:prstGeom>
         </p:spPr>
         <p:txBody>
-          <a:bodyPr anchorCtr="0" anchor="t" bIns="91425" lIns="91425" spcFirstLastPara="1" rIns="91425" wrap="square" tIns="91425">
+          <a:bodyPr spcFirstLastPara="1" wrap="square" lIns="91425" tIns="91425" rIns="91425" bIns="91425" anchor="t" anchorCtr="0">
             <a:noAutofit/>
           </a:bodyPr>
           <a:lstStyle/>
           <a:p>
-            <a:pPr indent="0" lvl="0" marL="0" rtl="0" algn="l">
+            <a:pPr marL="0" lvl="0" indent="0" algn="l" rtl="0">
               <a:spcBef>
                 <a:spcPts val="0"/>
               </a:spcBef>
@@ -2780,9 +2903,6 @@
               </a:spcAft>
               <a:buNone/>
             </a:pPr>
-            <a:r>
-              <a:t/>
-            </a:r>
             <a:endParaRPr/>
           </a:p>
         </p:txBody>
@@ -2796,11 +2916,11 @@
 </file>
 
 <file path=ppt/notesSlides/notesSlide9.xml><?xml version="1.0" encoding="utf-8"?>
-<p:notes xmlns:a="http://schemas.openxmlformats.org/drawingml/2006/main" xmlns:r="http://schemas.openxmlformats.org/officeDocument/2006/relationships" xmlns:mc="http://schemas.openxmlformats.org/markup-compatibility/2006" xmlns:mv="urn:schemas-microsoft-com:mac:vml" xmlns:p="http://schemas.openxmlformats.org/presentationml/2006/main" xmlns:c="http://schemas.openxmlformats.org/drawingml/2006/chart" xmlns:dgm="http://schemas.openxmlformats.org/drawingml/2006/diagram" xmlns:o="urn:schemas-microsoft-com:office:office" xmlns:v="urn:schemas-microsoft-com:vml" xmlns:pvml="urn:schemas-microsoft-com:office:powerpoint" xmlns:com="http://schemas.openxmlformats.org/drawingml/2006/compatibility" xmlns:p14="http://schemas.microsoft.com/office/powerpoint/2010/main" xmlns:p15="http://schemas.microsoft.com/office/powerpoint/2012/main" xmlns:ahyp="http://schemas.microsoft.com/office/drawing/2018/hyperlinkcolor" showMasterPhAnim="0" showMasterSp="0">
+<p:notes xmlns:a="http://schemas.openxmlformats.org/drawingml/2006/main" xmlns:r="http://schemas.openxmlformats.org/officeDocument/2006/relationships" xmlns:p="http://schemas.openxmlformats.org/presentationml/2006/main" showMasterSp="0" showMasterPhAnim="0">
   <p:cSld>
     <p:spTree>
       <p:nvGrpSpPr>
-        <p:cNvPr id="121" name="Shape 121"/>
+        <p:cNvPr id="1" name="Shape 121"/>
         <p:cNvGrpSpPr/>
         <p:nvPr/>
       </p:nvGrpSpPr>
@@ -2815,9 +2935,11 @@
       <p:sp>
         <p:nvSpPr>
           <p:cNvPr id="122" name="Google Shape;122;g7f4fed24fb_0_907:notes"/>
-          <p:cNvSpPr/>
+          <p:cNvSpPr>
+            <a:spLocks noGrp="1" noRot="1" noChangeAspect="1"/>
+          </p:cNvSpPr>
           <p:nvPr>
-            <p:ph idx="2" type="sldImg"/>
+            <p:ph type="sldImg" idx="2"/>
           </p:nvPr>
         </p:nvSpPr>
         <p:spPr>
@@ -2826,9 +2948,13 @@
             <a:ext cx="6096000" cy="3429000"/>
           </a:xfrm>
           <a:custGeom>
-            <a:rect b="b" l="l" r="r" t="t"/>
+            <a:avLst/>
+            <a:gdLst/>
+            <a:ahLst/>
+            <a:cxnLst/>
+            <a:rect l="l" t="t" r="r" b="b"/>
             <a:pathLst>
-              <a:path extrusionOk="0" h="120000" w="120000">
+              <a:path w="120000" h="120000" extrusionOk="0">
                 <a:moveTo>
                   <a:pt x="0" y="0"/>
                 </a:moveTo>
@@ -2850,9 +2976,11 @@
       <p:sp>
         <p:nvSpPr>
           <p:cNvPr id="123" name="Google Shape;123;g7f4fed24fb_0_907:notes"/>
-          <p:cNvSpPr txBox="1"/>
+          <p:cNvSpPr txBox="1">
+            <a:spLocks noGrp="1"/>
+          </p:cNvSpPr>
           <p:nvPr>
-            <p:ph idx="1" type="body"/>
+            <p:ph type="body" idx="1"/>
           </p:nvPr>
         </p:nvSpPr>
         <p:spPr>
@@ -2865,12 +2993,12 @@
           </a:prstGeom>
         </p:spPr>
         <p:txBody>
-          <a:bodyPr anchorCtr="0" anchor="t" bIns="91425" lIns="91425" spcFirstLastPara="1" rIns="91425" wrap="square" tIns="91425">
+          <a:bodyPr spcFirstLastPara="1" wrap="square" lIns="91425" tIns="91425" rIns="91425" bIns="91425" anchor="t" anchorCtr="0">
             <a:noAutofit/>
           </a:bodyPr>
           <a:lstStyle/>
           <a:p>
-            <a:pPr indent="0" lvl="0" marL="0" rtl="0" algn="l">
+            <a:pPr marL="0" lvl="0" indent="0" algn="l" rtl="0">
               <a:spcBef>
                 <a:spcPts val="0"/>
               </a:spcBef>
@@ -2879,9 +3007,6 @@
               </a:spcAft>
               <a:buNone/>
             </a:pPr>
-            <a:r>
-              <a:t/>
-            </a:r>
             <a:endParaRPr/>
           </a:p>
         </p:txBody>
@@ -2895,11 +3020,11 @@
 </file>
 
 <file path=ppt/slideLayouts/slideLayout1.xml><?xml version="1.0" encoding="utf-8"?>
-<p:sldLayout xmlns:a="http://schemas.openxmlformats.org/drawingml/2006/main" xmlns:r="http://schemas.openxmlformats.org/officeDocument/2006/relationships" xmlns:mc="http://schemas.openxmlformats.org/markup-compatibility/2006" xmlns:mv="urn:schemas-microsoft-com:mac:vml" xmlns:p="http://schemas.openxmlformats.org/presentationml/2006/main" xmlns:c="http://schemas.openxmlformats.org/drawingml/2006/chart" xmlns:dgm="http://schemas.openxmlformats.org/drawingml/2006/diagram" xmlns:o="urn:schemas-microsoft-com:office:office" xmlns:v="urn:schemas-microsoft-com:vml" xmlns:pvml="urn:schemas-microsoft-com:office:powerpoint" xmlns:com="http://schemas.openxmlformats.org/drawingml/2006/compatibility" xmlns:p14="http://schemas.microsoft.com/office/powerpoint/2010/main" xmlns:p15="http://schemas.microsoft.com/office/powerpoint/2012/main" xmlns:ahyp="http://schemas.microsoft.com/office/drawing/2018/hyperlinkcolor" matchingName="Title slide" type="title">
+<p:sldLayout xmlns:a="http://schemas.openxmlformats.org/drawingml/2006/main" xmlns:r="http://schemas.openxmlformats.org/officeDocument/2006/relationships" xmlns:p="http://schemas.openxmlformats.org/presentationml/2006/main" matchingName="Title slide" type="title">
   <p:cSld name="TITLE">
     <p:spTree>
       <p:nvGrpSpPr>
-        <p:cNvPr id="9" name="Shape 9"/>
+        <p:cNvPr id="1" name="Shape 9"/>
         <p:cNvGrpSpPr/>
         <p:nvPr/>
       </p:nvGrpSpPr>
@@ -2933,12 +3058,12 @@
           </a:ln>
         </p:spPr>
         <p:txBody>
-          <a:bodyPr anchorCtr="0" anchor="ctr" bIns="91425" lIns="91425" spcFirstLastPara="1" rIns="91425" wrap="square" tIns="91425">
+          <a:bodyPr spcFirstLastPara="1" wrap="square" lIns="91425" tIns="91425" rIns="91425" bIns="91425" anchor="ctr" anchorCtr="0">
             <a:noAutofit/>
           </a:bodyPr>
           <a:lstStyle/>
           <a:p>
-            <a:pPr indent="0" lvl="0" marL="0" rtl="0" algn="l">
+            <a:pPr marL="0" lvl="0" indent="0" algn="l" rtl="0">
               <a:spcBef>
                 <a:spcPts val="0"/>
               </a:spcBef>
@@ -2947,9 +3072,6 @@
               </a:spcAft>
               <a:buNone/>
             </a:pPr>
-            <a:r>
-              <a:t/>
-            </a:r>
             <a:endParaRPr/>
           </a:p>
         </p:txBody>
@@ -2967,7 +3089,7 @@
           </a:xfrm>
           <a:prstGeom prst="round1Rect">
             <a:avLst>
-              <a:gd fmla="val 16667" name="adj"/>
+              <a:gd name="adj" fmla="val 16667"/>
             </a:avLst>
           </a:prstGeom>
           <a:solidFill>
@@ -2980,12 +3102,12 @@
           </a:ln>
         </p:spPr>
         <p:txBody>
-          <a:bodyPr anchorCtr="0" anchor="ctr" bIns="91425" lIns="91425" spcFirstLastPara="1" rIns="91425" wrap="square" tIns="91425">
+          <a:bodyPr spcFirstLastPara="1" wrap="square" lIns="91425" tIns="91425" rIns="91425" bIns="91425" anchor="ctr" anchorCtr="0">
             <a:noAutofit/>
           </a:bodyPr>
           <a:lstStyle/>
           <a:p>
-            <a:pPr indent="0" lvl="0" marL="0" rtl="0" algn="l">
+            <a:pPr marL="0" lvl="0" indent="0" algn="l" rtl="0">
               <a:spcBef>
                 <a:spcPts val="0"/>
               </a:spcBef>
@@ -2994,9 +3116,6 @@
               </a:spcAft>
               <a:buNone/>
             </a:pPr>
-            <a:r>
-              <a:t/>
-            </a:r>
             <a:endParaRPr/>
           </a:p>
         </p:txBody>
@@ -3004,7 +3123,9 @@
       <p:sp>
         <p:nvSpPr>
           <p:cNvPr id="12" name="Google Shape;12;p2"/>
-          <p:cNvSpPr txBox="1"/>
+          <p:cNvSpPr txBox="1">
+            <a:spLocks noGrp="1"/>
+          </p:cNvSpPr>
           <p:nvPr>
             <p:ph type="ctrTitle"/>
           </p:nvPr>
@@ -3019,7 +3140,7 @@
           </a:prstGeom>
         </p:spPr>
         <p:txBody>
-          <a:bodyPr anchorCtr="0" anchor="b" bIns="91425" lIns="91425" spcFirstLastPara="1" rIns="91425" wrap="square" tIns="91425">
+          <a:bodyPr spcFirstLastPara="1" wrap="square" lIns="91425" tIns="91425" rIns="91425" bIns="91425" anchor="b" anchorCtr="0">
             <a:noAutofit/>
           </a:bodyPr>
           <a:lstStyle>
@@ -3123,15 +3244,19 @@
               <a:defRPr sz="4800"/>
             </a:lvl9pPr>
           </a:lstStyle>
-          <a:p/>
+          <a:p>
+            <a:endParaRPr/>
+          </a:p>
         </p:txBody>
       </p:sp>
       <p:sp>
         <p:nvSpPr>
           <p:cNvPr id="13" name="Google Shape;13;p2"/>
-          <p:cNvSpPr txBox="1"/>
+          <p:cNvSpPr txBox="1">
+            <a:spLocks noGrp="1"/>
+          </p:cNvSpPr>
           <p:nvPr>
-            <p:ph idx="1" type="subTitle"/>
+            <p:ph type="subTitle" idx="1"/>
           </p:nvPr>
         </p:nvSpPr>
         <p:spPr>
@@ -3144,7 +3269,7 @@
           </a:prstGeom>
         </p:spPr>
         <p:txBody>
-          <a:bodyPr anchorCtr="0" anchor="t" bIns="91425" lIns="91425" spcFirstLastPara="1" rIns="91425" wrap="square" tIns="91425">
+          <a:bodyPr spcFirstLastPara="1" wrap="square" lIns="91425" tIns="91425" rIns="91425" bIns="91425" anchor="t" anchorCtr="0">
             <a:noAutofit/>
           </a:bodyPr>
           <a:lstStyle>
@@ -3338,15 +3463,19 @@
               </a:defRPr>
             </a:lvl9pPr>
           </a:lstStyle>
-          <a:p/>
+          <a:p>
+            <a:endParaRPr/>
+          </a:p>
         </p:txBody>
       </p:sp>
       <p:sp>
         <p:nvSpPr>
           <p:cNvPr id="14" name="Google Shape;14;p2"/>
-          <p:cNvSpPr txBox="1"/>
+          <p:cNvSpPr txBox="1">
+            <a:spLocks noGrp="1"/>
+          </p:cNvSpPr>
           <p:nvPr>
-            <p:ph idx="12" type="sldNum"/>
+            <p:ph type="sldNum" idx="12"/>
           </p:nvPr>
         </p:nvSpPr>
         <p:spPr>
@@ -3359,7 +3488,7 @@
           </a:prstGeom>
         </p:spPr>
         <p:txBody>
-          <a:bodyPr anchorCtr="0" anchor="ctr" bIns="91425" lIns="91425" spcFirstLastPara="1" rIns="91425" wrap="square" tIns="91425">
+          <a:bodyPr spcFirstLastPara="1" wrap="square" lIns="91425" tIns="91425" rIns="91425" bIns="91425" anchor="ctr" anchorCtr="0">
             <a:noAutofit/>
           </a:bodyPr>
           <a:lstStyle>
@@ -3401,7 +3530,7 @@
             </a:lvl9pPr>
           </a:lstStyle>
           <a:p>
-            <a:pPr indent="0" lvl="0" marL="0" rtl="0" algn="r">
+            <a:pPr marL="0" lvl="0" indent="0" algn="r" rtl="0">
               <a:spcBef>
                 <a:spcPts val="0"/>
               </a:spcBef>
@@ -3427,11 +3556,11 @@
 </file>
 
 <file path=ppt/slideLayouts/slideLayout10.xml><?xml version="1.0" encoding="utf-8"?>
-<p:sldLayout xmlns:a="http://schemas.openxmlformats.org/drawingml/2006/main" xmlns:r="http://schemas.openxmlformats.org/officeDocument/2006/relationships" xmlns:mc="http://schemas.openxmlformats.org/markup-compatibility/2006" xmlns:mv="urn:schemas-microsoft-com:mac:vml" xmlns:p="http://schemas.openxmlformats.org/presentationml/2006/main" xmlns:c="http://schemas.openxmlformats.org/drawingml/2006/chart" xmlns:dgm="http://schemas.openxmlformats.org/drawingml/2006/diagram" xmlns:o="urn:schemas-microsoft-com:office:office" xmlns:v="urn:schemas-microsoft-com:vml" xmlns:pvml="urn:schemas-microsoft-com:office:powerpoint" xmlns:com="http://schemas.openxmlformats.org/drawingml/2006/compatibility" xmlns:p14="http://schemas.microsoft.com/office/powerpoint/2010/main" xmlns:p15="http://schemas.microsoft.com/office/powerpoint/2012/main" xmlns:ahyp="http://schemas.microsoft.com/office/drawing/2018/hyperlinkcolor" matchingName="Big number">
+<p:sldLayout xmlns:a="http://schemas.openxmlformats.org/drawingml/2006/main" xmlns:r="http://schemas.openxmlformats.org/officeDocument/2006/relationships" xmlns:p="http://schemas.openxmlformats.org/presentationml/2006/main" matchingName="Big number">
   <p:cSld name="BIG_NUMBER">
     <p:spTree>
       <p:nvGrpSpPr>
-        <p:cNvPr id="57" name="Shape 57"/>
+        <p:cNvPr id="1" name="Shape 57"/>
         <p:cNvGrpSpPr/>
         <p:nvPr/>
       </p:nvGrpSpPr>
@@ -3446,9 +3575,11 @@
       <p:sp>
         <p:nvSpPr>
           <p:cNvPr id="58" name="Google Shape;58;p11"/>
-          <p:cNvSpPr txBox="1"/>
+          <p:cNvSpPr txBox="1">
+            <a:spLocks noGrp="1"/>
+          </p:cNvSpPr>
           <p:nvPr>
-            <p:ph hasCustomPrompt="1" type="title"/>
+            <p:ph type="title" hasCustomPrompt="1"/>
           </p:nvPr>
         </p:nvSpPr>
         <p:spPr>
@@ -3461,7 +3592,7 @@
           </a:prstGeom>
         </p:spPr>
         <p:txBody>
-          <a:bodyPr anchorCtr="0" anchor="b" bIns="91425" lIns="91425" spcFirstLastPara="1" rIns="91425" wrap="square" tIns="91425">
+          <a:bodyPr spcFirstLastPara="1" wrap="square" lIns="91425" tIns="91425" rIns="91425" bIns="91425" anchor="b" anchorCtr="0">
             <a:noAutofit/>
           </a:bodyPr>
           <a:lstStyle>
@@ -3638,9 +3769,11 @@
       <p:sp>
         <p:nvSpPr>
           <p:cNvPr id="59" name="Google Shape;59;p11"/>
-          <p:cNvSpPr txBox="1"/>
+          <p:cNvSpPr txBox="1">
+            <a:spLocks noGrp="1"/>
+          </p:cNvSpPr>
           <p:nvPr>
-            <p:ph idx="1" type="body"/>
+            <p:ph type="body" idx="1"/>
           </p:nvPr>
         </p:nvSpPr>
         <p:spPr>
@@ -3653,11 +3786,11 @@
           </a:prstGeom>
         </p:spPr>
         <p:txBody>
-          <a:bodyPr anchorCtr="0" anchor="t" bIns="91425" lIns="91425" spcFirstLastPara="1" rIns="91425" wrap="square" tIns="91425">
+          <a:bodyPr spcFirstLastPara="1" wrap="square" lIns="91425" tIns="91425" rIns="91425" bIns="91425" anchor="t" anchorCtr="0">
             <a:noAutofit/>
           </a:bodyPr>
           <a:lstStyle>
-            <a:lvl1pPr indent="-342900" lvl="0" marL="457200" algn="ctr">
+            <a:lvl1pPr marL="457200" lvl="0" indent="-342900" algn="ctr">
               <a:spcBef>
                 <a:spcPts val="0"/>
               </a:spcBef>
@@ -3668,7 +3801,7 @@
               <a:buChar char="●"/>
               <a:defRPr/>
             </a:lvl1pPr>
-            <a:lvl2pPr indent="-317500" lvl="1" marL="914400" algn="ctr">
+            <a:lvl2pPr marL="914400" lvl="1" indent="-317500" algn="ctr">
               <a:spcBef>
                 <a:spcPts val="1600"/>
               </a:spcBef>
@@ -3679,7 +3812,7 @@
               <a:buChar char="○"/>
               <a:defRPr/>
             </a:lvl2pPr>
-            <a:lvl3pPr indent="-317500" lvl="2" marL="1371600" algn="ctr">
+            <a:lvl3pPr marL="1371600" lvl="2" indent="-317500" algn="ctr">
               <a:spcBef>
                 <a:spcPts val="1600"/>
               </a:spcBef>
@@ -3690,7 +3823,7 @@
               <a:buChar char="■"/>
               <a:defRPr/>
             </a:lvl3pPr>
-            <a:lvl4pPr indent="-317500" lvl="3" marL="1828800" algn="ctr">
+            <a:lvl4pPr marL="1828800" lvl="3" indent="-317500" algn="ctr">
               <a:spcBef>
                 <a:spcPts val="1600"/>
               </a:spcBef>
@@ -3701,7 +3834,7 @@
               <a:buChar char="●"/>
               <a:defRPr/>
             </a:lvl4pPr>
-            <a:lvl5pPr indent="-317500" lvl="4" marL="2286000" algn="ctr">
+            <a:lvl5pPr marL="2286000" lvl="4" indent="-317500" algn="ctr">
               <a:spcBef>
                 <a:spcPts val="1600"/>
               </a:spcBef>
@@ -3712,7 +3845,7 @@
               <a:buChar char="○"/>
               <a:defRPr/>
             </a:lvl5pPr>
-            <a:lvl6pPr indent="-317500" lvl="5" marL="2743200" algn="ctr">
+            <a:lvl6pPr marL="2743200" lvl="5" indent="-317500" algn="ctr">
               <a:spcBef>
                 <a:spcPts val="1600"/>
               </a:spcBef>
@@ -3723,7 +3856,7 @@
               <a:buChar char="■"/>
               <a:defRPr/>
             </a:lvl6pPr>
-            <a:lvl7pPr indent="-317500" lvl="6" marL="3200400" algn="ctr">
+            <a:lvl7pPr marL="3200400" lvl="6" indent="-317500" algn="ctr">
               <a:spcBef>
                 <a:spcPts val="1600"/>
               </a:spcBef>
@@ -3734,7 +3867,7 @@
               <a:buChar char="●"/>
               <a:defRPr/>
             </a:lvl7pPr>
-            <a:lvl8pPr indent="-317500" lvl="7" marL="3657600" algn="ctr">
+            <a:lvl8pPr marL="3657600" lvl="7" indent="-317500" algn="ctr">
               <a:spcBef>
                 <a:spcPts val="1600"/>
               </a:spcBef>
@@ -3745,7 +3878,7 @@
               <a:buChar char="○"/>
               <a:defRPr/>
             </a:lvl8pPr>
-            <a:lvl9pPr indent="-317500" lvl="8" marL="4114800" algn="ctr">
+            <a:lvl9pPr marL="4114800" lvl="8" indent="-317500" algn="ctr">
               <a:spcBef>
                 <a:spcPts val="1600"/>
               </a:spcBef>
@@ -3757,15 +3890,19 @@
               <a:defRPr/>
             </a:lvl9pPr>
           </a:lstStyle>
-          <a:p/>
+          <a:p>
+            <a:endParaRPr/>
+          </a:p>
         </p:txBody>
       </p:sp>
       <p:sp>
         <p:nvSpPr>
           <p:cNvPr id="60" name="Google Shape;60;p11"/>
-          <p:cNvSpPr txBox="1"/>
+          <p:cNvSpPr txBox="1">
+            <a:spLocks noGrp="1"/>
+          </p:cNvSpPr>
           <p:nvPr>
-            <p:ph idx="12" type="sldNum"/>
+            <p:ph type="sldNum" idx="12"/>
           </p:nvPr>
         </p:nvSpPr>
         <p:spPr>
@@ -3778,7 +3915,7 @@
           </a:prstGeom>
         </p:spPr>
         <p:txBody>
-          <a:bodyPr anchorCtr="0" anchor="ctr" bIns="91425" lIns="91425" spcFirstLastPara="1" rIns="91425" wrap="square" tIns="91425">
+          <a:bodyPr spcFirstLastPara="1" wrap="square" lIns="91425" tIns="91425" rIns="91425" bIns="91425" anchor="ctr" anchorCtr="0">
             <a:noAutofit/>
           </a:bodyPr>
           <a:lstStyle>
@@ -3820,7 +3957,7 @@
             </a:lvl9pPr>
           </a:lstStyle>
           <a:p>
-            <a:pPr indent="0" lvl="0" marL="0" rtl="0" algn="r">
+            <a:pPr marL="0" lvl="0" indent="0" algn="r" rtl="0">
               <a:spcBef>
                 <a:spcPts val="0"/>
               </a:spcBef>
@@ -3846,11 +3983,11 @@
 </file>
 
 <file path=ppt/slideLayouts/slideLayout11.xml><?xml version="1.0" encoding="utf-8"?>
-<p:sldLayout xmlns:a="http://schemas.openxmlformats.org/drawingml/2006/main" xmlns:r="http://schemas.openxmlformats.org/officeDocument/2006/relationships" xmlns:mc="http://schemas.openxmlformats.org/markup-compatibility/2006" xmlns:mv="urn:schemas-microsoft-com:mac:vml" xmlns:p="http://schemas.openxmlformats.org/presentationml/2006/main" xmlns:c="http://schemas.openxmlformats.org/drawingml/2006/chart" xmlns:dgm="http://schemas.openxmlformats.org/drawingml/2006/diagram" xmlns:o="urn:schemas-microsoft-com:office:office" xmlns:v="urn:schemas-microsoft-com:vml" xmlns:pvml="urn:schemas-microsoft-com:office:powerpoint" xmlns:com="http://schemas.openxmlformats.org/drawingml/2006/compatibility" xmlns:p14="http://schemas.microsoft.com/office/powerpoint/2010/main" xmlns:p15="http://schemas.microsoft.com/office/powerpoint/2012/main" xmlns:ahyp="http://schemas.microsoft.com/office/drawing/2018/hyperlinkcolor" matchingName="Blank" type="blank">
+<p:sldLayout xmlns:a="http://schemas.openxmlformats.org/drawingml/2006/main" xmlns:r="http://schemas.openxmlformats.org/officeDocument/2006/relationships" xmlns:p="http://schemas.openxmlformats.org/presentationml/2006/main" matchingName="Blank" type="blank">
   <p:cSld name="BLANK">
     <p:spTree>
       <p:nvGrpSpPr>
-        <p:cNvPr id="61" name="Shape 61"/>
+        <p:cNvPr id="1" name="Shape 61"/>
         <p:cNvGrpSpPr/>
         <p:nvPr/>
       </p:nvGrpSpPr>
@@ -3865,9 +4002,11 @@
       <p:sp>
         <p:nvSpPr>
           <p:cNvPr id="62" name="Google Shape;62;p12"/>
-          <p:cNvSpPr txBox="1"/>
+          <p:cNvSpPr txBox="1">
+            <a:spLocks noGrp="1"/>
+          </p:cNvSpPr>
           <p:nvPr>
-            <p:ph idx="12" type="sldNum"/>
+            <p:ph type="sldNum" idx="12"/>
           </p:nvPr>
         </p:nvSpPr>
         <p:spPr>
@@ -3880,7 +4019,7 @@
           </a:prstGeom>
         </p:spPr>
         <p:txBody>
-          <a:bodyPr anchorCtr="0" anchor="ctr" bIns="91425" lIns="91425" spcFirstLastPara="1" rIns="91425" wrap="square" tIns="91425">
+          <a:bodyPr spcFirstLastPara="1" wrap="square" lIns="91425" tIns="91425" rIns="91425" bIns="91425" anchor="ctr" anchorCtr="0">
             <a:noAutofit/>
           </a:bodyPr>
           <a:lstStyle>
@@ -3922,7 +4061,7 @@
             </a:lvl9pPr>
           </a:lstStyle>
           <a:p>
-            <a:pPr indent="0" lvl="0" marL="0" rtl="0" algn="r">
+            <a:pPr marL="0" lvl="0" indent="0" algn="r" rtl="0">
               <a:spcBef>
                 <a:spcPts val="0"/>
               </a:spcBef>
@@ -3948,11 +4087,11 @@
 </file>
 
 <file path=ppt/slideLayouts/slideLayout2.xml><?xml version="1.0" encoding="utf-8"?>
-<p:sldLayout xmlns:a="http://schemas.openxmlformats.org/drawingml/2006/main" xmlns:r="http://schemas.openxmlformats.org/officeDocument/2006/relationships" xmlns:mc="http://schemas.openxmlformats.org/markup-compatibility/2006" xmlns:mv="urn:schemas-microsoft-com:mac:vml" xmlns:p="http://schemas.openxmlformats.org/presentationml/2006/main" xmlns:c="http://schemas.openxmlformats.org/drawingml/2006/chart" xmlns:dgm="http://schemas.openxmlformats.org/drawingml/2006/diagram" xmlns:o="urn:schemas-microsoft-com:office:office" xmlns:v="urn:schemas-microsoft-com:vml" xmlns:pvml="urn:schemas-microsoft-com:office:powerpoint" xmlns:com="http://schemas.openxmlformats.org/drawingml/2006/compatibility" xmlns:p14="http://schemas.microsoft.com/office/powerpoint/2010/main" xmlns:p15="http://schemas.microsoft.com/office/powerpoint/2012/main" xmlns:ahyp="http://schemas.microsoft.com/office/drawing/2018/hyperlinkcolor" matchingName="Section header" type="secHead">
+<p:sldLayout xmlns:a="http://schemas.openxmlformats.org/drawingml/2006/main" xmlns:r="http://schemas.openxmlformats.org/officeDocument/2006/relationships" xmlns:p="http://schemas.openxmlformats.org/presentationml/2006/main" matchingName="Section header" type="secHead">
   <p:cSld name="SECTION_HEADER">
     <p:spTree>
       <p:nvGrpSpPr>
-        <p:cNvPr id="15" name="Shape 15"/>
+        <p:cNvPr id="1" name="Shape 15"/>
         <p:cNvGrpSpPr/>
         <p:nvPr/>
       </p:nvGrpSpPr>
@@ -3967,7 +4106,9 @@
       <p:sp>
         <p:nvSpPr>
           <p:cNvPr id="16" name="Google Shape;16;p3"/>
-          <p:cNvSpPr txBox="1"/>
+          <p:cNvSpPr txBox="1">
+            <a:spLocks noGrp="1"/>
+          </p:cNvSpPr>
           <p:nvPr>
             <p:ph type="title"/>
           </p:nvPr>
@@ -3982,7 +4123,7 @@
           </a:prstGeom>
         </p:spPr>
         <p:txBody>
-          <a:bodyPr anchorCtr="0" anchor="ctr" bIns="91425" lIns="91425" spcFirstLastPara="1" rIns="91425" wrap="square" tIns="91425">
+          <a:bodyPr spcFirstLastPara="1" wrap="square" lIns="91425" tIns="91425" rIns="91425" bIns="91425" anchor="ctr" anchorCtr="0">
             <a:noAutofit/>
           </a:bodyPr>
           <a:lstStyle>
@@ -4086,15 +4227,19 @@
               <a:defRPr sz="4200"/>
             </a:lvl9pPr>
           </a:lstStyle>
-          <a:p/>
+          <a:p>
+            <a:endParaRPr/>
+          </a:p>
         </p:txBody>
       </p:sp>
       <p:sp>
         <p:nvSpPr>
           <p:cNvPr id="17" name="Google Shape;17;p3"/>
-          <p:cNvSpPr txBox="1"/>
+          <p:cNvSpPr txBox="1">
+            <a:spLocks noGrp="1"/>
+          </p:cNvSpPr>
           <p:nvPr>
-            <p:ph idx="12" type="sldNum"/>
+            <p:ph type="sldNum" idx="12"/>
           </p:nvPr>
         </p:nvSpPr>
         <p:spPr>
@@ -4107,7 +4252,7 @@
           </a:prstGeom>
         </p:spPr>
         <p:txBody>
-          <a:bodyPr anchorCtr="0" anchor="ctr" bIns="91425" lIns="91425" spcFirstLastPara="1" rIns="91425" wrap="square" tIns="91425">
+          <a:bodyPr spcFirstLastPara="1" wrap="square" lIns="91425" tIns="91425" rIns="91425" bIns="91425" anchor="ctr" anchorCtr="0">
             <a:noAutofit/>
           </a:bodyPr>
           <a:lstStyle>
@@ -4185,7 +4330,7 @@
             </a:lvl9pPr>
           </a:lstStyle>
           <a:p>
-            <a:pPr indent="0" lvl="0" marL="0" rtl="0" algn="r">
+            <a:pPr marL="0" lvl="0" indent="0" algn="r" rtl="0">
               <a:spcBef>
                 <a:spcPts val="0"/>
               </a:spcBef>
@@ -4211,11 +4356,11 @@
 </file>
 
 <file path=ppt/slideLayouts/slideLayout3.xml><?xml version="1.0" encoding="utf-8"?>
-<p:sldLayout xmlns:a="http://schemas.openxmlformats.org/drawingml/2006/main" xmlns:r="http://schemas.openxmlformats.org/officeDocument/2006/relationships" xmlns:mc="http://schemas.openxmlformats.org/markup-compatibility/2006" xmlns:mv="urn:schemas-microsoft-com:mac:vml" xmlns:p="http://schemas.openxmlformats.org/presentationml/2006/main" xmlns:c="http://schemas.openxmlformats.org/drawingml/2006/chart" xmlns:dgm="http://schemas.openxmlformats.org/drawingml/2006/diagram" xmlns:o="urn:schemas-microsoft-com:office:office" xmlns:v="urn:schemas-microsoft-com:vml" xmlns:pvml="urn:schemas-microsoft-com:office:powerpoint" xmlns:com="http://schemas.openxmlformats.org/drawingml/2006/compatibility" xmlns:p14="http://schemas.microsoft.com/office/powerpoint/2010/main" xmlns:p15="http://schemas.microsoft.com/office/powerpoint/2012/main" xmlns:ahyp="http://schemas.microsoft.com/office/drawing/2018/hyperlinkcolor" matchingName="Title and body" type="tx">
+<p:sldLayout xmlns:a="http://schemas.openxmlformats.org/drawingml/2006/main" xmlns:r="http://schemas.openxmlformats.org/officeDocument/2006/relationships" xmlns:p="http://schemas.openxmlformats.org/presentationml/2006/main" matchingName="Title and body" type="tx">
   <p:cSld name="TITLE_AND_BODY">
     <p:spTree>
       <p:nvGrpSpPr>
-        <p:cNvPr id="18" name="Shape 18"/>
+        <p:cNvPr id="1" name="Shape 18"/>
         <p:cNvGrpSpPr/>
         <p:nvPr/>
       </p:nvGrpSpPr>
@@ -4234,7 +4379,7 @@
           <p:nvPr/>
         </p:nvSpPr>
         <p:spPr>
-          <a:xfrm flipH="1" rot="10800000">
+          <a:xfrm rot="10800000" flipH="1">
             <a:off x="0" y="1686000"/>
             <a:ext cx="9144000" cy="3457500"/>
           </a:xfrm>
@@ -4249,12 +4394,12 @@
           </a:ln>
         </p:spPr>
         <p:txBody>
-          <a:bodyPr anchorCtr="0" anchor="ctr" bIns="91425" lIns="91425" spcFirstLastPara="1" rIns="91425" wrap="square" tIns="91425">
+          <a:bodyPr spcFirstLastPara="1" wrap="square" lIns="91425" tIns="91425" rIns="91425" bIns="91425" anchor="ctr" anchorCtr="0">
             <a:noAutofit/>
           </a:bodyPr>
           <a:lstStyle/>
           <a:p>
-            <a:pPr indent="0" lvl="0" marL="0" rtl="0" algn="l">
+            <a:pPr marL="0" lvl="0" indent="0" algn="l" rtl="0">
               <a:spcBef>
                 <a:spcPts val="0"/>
               </a:spcBef>
@@ -4263,9 +4408,6 @@
               </a:spcAft>
               <a:buNone/>
             </a:pPr>
-            <a:r>
-              <a:t/>
-            </a:r>
             <a:endParaRPr/>
           </a:p>
         </p:txBody>
@@ -4306,12 +4448,12 @@
           </a:ln>
         </p:spPr>
         <p:txBody>
-          <a:bodyPr anchorCtr="0" anchor="ctr" bIns="91425" lIns="91425" spcFirstLastPara="1" rIns="91425" wrap="square" tIns="91425">
+          <a:bodyPr spcFirstLastPara="1" wrap="square" lIns="91425" tIns="91425" rIns="91425" bIns="91425" anchor="ctr" anchorCtr="0">
             <a:noAutofit/>
           </a:bodyPr>
           <a:lstStyle/>
           <a:p>
-            <a:pPr indent="0" lvl="0" marL="0" rtl="0" algn="l">
+            <a:pPr marL="0" lvl="0" indent="0" algn="l" rtl="0">
               <a:spcBef>
                 <a:spcPts val="0"/>
               </a:spcBef>
@@ -4320,9 +4462,6 @@
               </a:spcAft>
               <a:buNone/>
             </a:pPr>
-            <a:r>
-              <a:t/>
-            </a:r>
             <a:endParaRPr/>
           </a:p>
         </p:txBody>
@@ -4330,7 +4469,9 @@
       <p:sp>
         <p:nvSpPr>
           <p:cNvPr id="21" name="Google Shape;21;p4"/>
-          <p:cNvSpPr txBox="1"/>
+          <p:cNvSpPr txBox="1">
+            <a:spLocks noGrp="1"/>
+          </p:cNvSpPr>
           <p:nvPr>
             <p:ph type="title"/>
           </p:nvPr>
@@ -4345,7 +4486,7 @@
           </a:prstGeom>
         </p:spPr>
         <p:txBody>
-          <a:bodyPr anchorCtr="0" anchor="b" bIns="91425" lIns="91425" spcFirstLastPara="1" rIns="91425" wrap="square" tIns="91425">
+          <a:bodyPr spcFirstLastPara="1" wrap="square" lIns="91425" tIns="91425" rIns="91425" bIns="91425" anchor="b" anchorCtr="0">
             <a:noAutofit/>
           </a:bodyPr>
           <a:lstStyle>
@@ -4449,15 +4590,19 @@
               <a:defRPr/>
             </a:lvl9pPr>
           </a:lstStyle>
-          <a:p/>
+          <a:p>
+            <a:endParaRPr/>
+          </a:p>
         </p:txBody>
       </p:sp>
       <p:sp>
         <p:nvSpPr>
           <p:cNvPr id="22" name="Google Shape;22;p4"/>
-          <p:cNvSpPr txBox="1"/>
+          <p:cNvSpPr txBox="1">
+            <a:spLocks noGrp="1"/>
+          </p:cNvSpPr>
           <p:nvPr>
-            <p:ph idx="1" type="body"/>
+            <p:ph type="body" idx="1"/>
           </p:nvPr>
         </p:nvSpPr>
         <p:spPr>
@@ -4470,11 +4615,11 @@
           </a:prstGeom>
         </p:spPr>
         <p:txBody>
-          <a:bodyPr anchorCtr="0" anchor="t" bIns="91425" lIns="91425" spcFirstLastPara="1" rIns="91425" wrap="square" tIns="91425">
+          <a:bodyPr spcFirstLastPara="1" wrap="square" lIns="91425" tIns="91425" rIns="91425" bIns="91425" anchor="t" anchorCtr="0">
             <a:noAutofit/>
           </a:bodyPr>
           <a:lstStyle>
-            <a:lvl1pPr indent="-342900" lvl="0" marL="457200">
+            <a:lvl1pPr marL="457200" lvl="0" indent="-342900">
               <a:spcBef>
                 <a:spcPts val="0"/>
               </a:spcBef>
@@ -4485,7 +4630,7 @@
               <a:buChar char="●"/>
               <a:defRPr/>
             </a:lvl1pPr>
-            <a:lvl2pPr indent="-317500" lvl="1" marL="914400">
+            <a:lvl2pPr marL="914400" lvl="1" indent="-317500">
               <a:spcBef>
                 <a:spcPts val="1600"/>
               </a:spcBef>
@@ -4496,7 +4641,7 @@
               <a:buChar char="○"/>
               <a:defRPr/>
             </a:lvl2pPr>
-            <a:lvl3pPr indent="-317500" lvl="2" marL="1371600">
+            <a:lvl3pPr marL="1371600" lvl="2" indent="-317500">
               <a:spcBef>
                 <a:spcPts val="1600"/>
               </a:spcBef>
@@ -4507,7 +4652,7 @@
               <a:buChar char="■"/>
               <a:defRPr/>
             </a:lvl3pPr>
-            <a:lvl4pPr indent="-317500" lvl="3" marL="1828800">
+            <a:lvl4pPr marL="1828800" lvl="3" indent="-317500">
               <a:spcBef>
                 <a:spcPts val="1600"/>
               </a:spcBef>
@@ -4518,7 +4663,7 @@
               <a:buChar char="●"/>
               <a:defRPr/>
             </a:lvl4pPr>
-            <a:lvl5pPr indent="-317500" lvl="4" marL="2286000">
+            <a:lvl5pPr marL="2286000" lvl="4" indent="-317500">
               <a:spcBef>
                 <a:spcPts val="1600"/>
               </a:spcBef>
@@ -4529,7 +4674,7 @@
               <a:buChar char="○"/>
               <a:defRPr/>
             </a:lvl5pPr>
-            <a:lvl6pPr indent="-317500" lvl="5" marL="2743200">
+            <a:lvl6pPr marL="2743200" lvl="5" indent="-317500">
               <a:spcBef>
                 <a:spcPts val="1600"/>
               </a:spcBef>
@@ -4540,7 +4685,7 @@
               <a:buChar char="■"/>
               <a:defRPr/>
             </a:lvl6pPr>
-            <a:lvl7pPr indent="-317500" lvl="6" marL="3200400">
+            <a:lvl7pPr marL="3200400" lvl="6" indent="-317500">
               <a:spcBef>
                 <a:spcPts val="1600"/>
               </a:spcBef>
@@ -4551,7 +4696,7 @@
               <a:buChar char="●"/>
               <a:defRPr/>
             </a:lvl7pPr>
-            <a:lvl8pPr indent="-317500" lvl="7" marL="3657600">
+            <a:lvl8pPr marL="3657600" lvl="7" indent="-317500">
               <a:spcBef>
                 <a:spcPts val="1600"/>
               </a:spcBef>
@@ -4562,7 +4707,7 @@
               <a:buChar char="○"/>
               <a:defRPr/>
             </a:lvl8pPr>
-            <a:lvl9pPr indent="-317500" lvl="8" marL="4114800">
+            <a:lvl9pPr marL="4114800" lvl="8" indent="-317500">
               <a:spcBef>
                 <a:spcPts val="1600"/>
               </a:spcBef>
@@ -4574,15 +4719,19 @@
               <a:defRPr/>
             </a:lvl9pPr>
           </a:lstStyle>
-          <a:p/>
+          <a:p>
+            <a:endParaRPr/>
+          </a:p>
         </p:txBody>
       </p:sp>
       <p:sp>
         <p:nvSpPr>
           <p:cNvPr id="23" name="Google Shape;23;p4"/>
-          <p:cNvSpPr txBox="1"/>
+          <p:cNvSpPr txBox="1">
+            <a:spLocks noGrp="1"/>
+          </p:cNvSpPr>
           <p:nvPr>
-            <p:ph idx="12" type="sldNum"/>
+            <p:ph type="sldNum" idx="12"/>
           </p:nvPr>
         </p:nvSpPr>
         <p:spPr>
@@ -4595,7 +4744,7 @@
           </a:prstGeom>
         </p:spPr>
         <p:txBody>
-          <a:bodyPr anchorCtr="0" anchor="ctr" bIns="91425" lIns="91425" spcFirstLastPara="1" rIns="91425" wrap="square" tIns="91425">
+          <a:bodyPr spcFirstLastPara="1" wrap="square" lIns="91425" tIns="91425" rIns="91425" bIns="91425" anchor="ctr" anchorCtr="0">
             <a:noAutofit/>
           </a:bodyPr>
           <a:lstStyle>
@@ -4637,7 +4786,7 @@
             </a:lvl9pPr>
           </a:lstStyle>
           <a:p>
-            <a:pPr indent="0" lvl="0" marL="0" rtl="0" algn="r">
+            <a:pPr marL="0" lvl="0" indent="0" algn="r" rtl="0">
               <a:spcBef>
                 <a:spcPts val="0"/>
               </a:spcBef>
@@ -4663,11 +4812,11 @@
 </file>
 
 <file path=ppt/slideLayouts/slideLayout4.xml><?xml version="1.0" encoding="utf-8"?>
-<p:sldLayout xmlns:a="http://schemas.openxmlformats.org/drawingml/2006/main" xmlns:r="http://schemas.openxmlformats.org/officeDocument/2006/relationships" xmlns:mc="http://schemas.openxmlformats.org/markup-compatibility/2006" xmlns:mv="urn:schemas-microsoft-com:mac:vml" xmlns:p="http://schemas.openxmlformats.org/presentationml/2006/main" xmlns:c="http://schemas.openxmlformats.org/drawingml/2006/chart" xmlns:dgm="http://schemas.openxmlformats.org/drawingml/2006/diagram" xmlns:o="urn:schemas-microsoft-com:office:office" xmlns:v="urn:schemas-microsoft-com:vml" xmlns:pvml="urn:schemas-microsoft-com:office:powerpoint" xmlns:com="http://schemas.openxmlformats.org/drawingml/2006/compatibility" xmlns:p14="http://schemas.microsoft.com/office/powerpoint/2010/main" xmlns:p15="http://schemas.microsoft.com/office/powerpoint/2012/main" xmlns:ahyp="http://schemas.microsoft.com/office/drawing/2018/hyperlinkcolor" matchingName="Title and two columns" type="twoColTx">
+<p:sldLayout xmlns:a="http://schemas.openxmlformats.org/drawingml/2006/main" xmlns:r="http://schemas.openxmlformats.org/officeDocument/2006/relationships" xmlns:p="http://schemas.openxmlformats.org/presentationml/2006/main" matchingName="Title and two columns" type="twoColTx">
   <p:cSld name="TITLE_AND_TWO_COLUMNS">
     <p:spTree>
       <p:nvGrpSpPr>
-        <p:cNvPr id="24" name="Shape 24"/>
+        <p:cNvPr id="1" name="Shape 24"/>
         <p:cNvGrpSpPr/>
         <p:nvPr/>
       </p:nvGrpSpPr>
@@ -4686,7 +4835,7 @@
           <p:nvPr/>
         </p:nvSpPr>
         <p:spPr>
-          <a:xfrm flipH="1" rot="10800000">
+          <a:xfrm rot="10800000" flipH="1">
             <a:off x="0" y="1686000"/>
             <a:ext cx="9144000" cy="3457500"/>
           </a:xfrm>
@@ -4701,12 +4850,12 @@
           </a:ln>
         </p:spPr>
         <p:txBody>
-          <a:bodyPr anchorCtr="0" anchor="ctr" bIns="91425" lIns="91425" spcFirstLastPara="1" rIns="91425" wrap="square" tIns="91425">
+          <a:bodyPr spcFirstLastPara="1" wrap="square" lIns="91425" tIns="91425" rIns="91425" bIns="91425" anchor="ctr" anchorCtr="0">
             <a:noAutofit/>
           </a:bodyPr>
           <a:lstStyle/>
           <a:p>
-            <a:pPr indent="0" lvl="0" marL="0" rtl="0" algn="l">
+            <a:pPr marL="0" lvl="0" indent="0" algn="l" rtl="0">
               <a:spcBef>
                 <a:spcPts val="0"/>
               </a:spcBef>
@@ -4715,9 +4864,6 @@
               </a:spcAft>
               <a:buNone/>
             </a:pPr>
-            <a:r>
-              <a:t/>
-            </a:r>
             <a:endParaRPr/>
           </a:p>
         </p:txBody>
@@ -4758,12 +4904,12 @@
           </a:ln>
         </p:spPr>
         <p:txBody>
-          <a:bodyPr anchorCtr="0" anchor="ctr" bIns="91425" lIns="91425" spcFirstLastPara="1" rIns="91425" wrap="square" tIns="91425">
+          <a:bodyPr spcFirstLastPara="1" wrap="square" lIns="91425" tIns="91425" rIns="91425" bIns="91425" anchor="ctr" anchorCtr="0">
             <a:noAutofit/>
           </a:bodyPr>
           <a:lstStyle/>
           <a:p>
-            <a:pPr indent="0" lvl="0" marL="0" rtl="0" algn="l">
+            <a:pPr marL="0" lvl="0" indent="0" algn="l" rtl="0">
               <a:spcBef>
                 <a:spcPts val="0"/>
               </a:spcBef>
@@ -4772,9 +4918,6 @@
               </a:spcAft>
               <a:buNone/>
             </a:pPr>
-            <a:r>
-              <a:t/>
-            </a:r>
             <a:endParaRPr/>
           </a:p>
         </p:txBody>
@@ -4782,7 +4925,9 @@
       <p:sp>
         <p:nvSpPr>
           <p:cNvPr id="27" name="Google Shape;27;p5"/>
-          <p:cNvSpPr txBox="1"/>
+          <p:cNvSpPr txBox="1">
+            <a:spLocks noGrp="1"/>
+          </p:cNvSpPr>
           <p:nvPr>
             <p:ph type="title"/>
           </p:nvPr>
@@ -4797,7 +4942,7 @@
           </a:prstGeom>
         </p:spPr>
         <p:txBody>
-          <a:bodyPr anchorCtr="0" anchor="b" bIns="91425" lIns="91425" spcFirstLastPara="1" rIns="91425" wrap="square" tIns="91425">
+          <a:bodyPr spcFirstLastPara="1" wrap="square" lIns="91425" tIns="91425" rIns="91425" bIns="91425" anchor="b" anchorCtr="0">
             <a:noAutofit/>
           </a:bodyPr>
           <a:lstStyle>
@@ -4901,15 +5046,19 @@
               <a:defRPr/>
             </a:lvl9pPr>
           </a:lstStyle>
-          <a:p/>
+          <a:p>
+            <a:endParaRPr/>
+          </a:p>
         </p:txBody>
       </p:sp>
       <p:sp>
         <p:nvSpPr>
           <p:cNvPr id="28" name="Google Shape;28;p5"/>
-          <p:cNvSpPr txBox="1"/>
+          <p:cNvSpPr txBox="1">
+            <a:spLocks noGrp="1"/>
+          </p:cNvSpPr>
           <p:nvPr>
-            <p:ph idx="1" type="body"/>
+            <p:ph type="body" idx="1"/>
           </p:nvPr>
         </p:nvSpPr>
         <p:spPr>
@@ -4922,11 +5071,11 @@
           </a:prstGeom>
         </p:spPr>
         <p:txBody>
-          <a:bodyPr anchorCtr="0" anchor="t" bIns="91425" lIns="91425" spcFirstLastPara="1" rIns="91425" wrap="square" tIns="91425">
+          <a:bodyPr spcFirstLastPara="1" wrap="square" lIns="91425" tIns="91425" rIns="91425" bIns="91425" anchor="t" anchorCtr="0">
             <a:noAutofit/>
           </a:bodyPr>
           <a:lstStyle>
-            <a:lvl1pPr indent="-317500" lvl="0" marL="457200">
+            <a:lvl1pPr marL="457200" lvl="0" indent="-317500">
               <a:spcBef>
                 <a:spcPts val="0"/>
               </a:spcBef>
@@ -4937,7 +5086,7 @@
               <a:buChar char="●"/>
               <a:defRPr sz="1400"/>
             </a:lvl1pPr>
-            <a:lvl2pPr indent="-304800" lvl="1" marL="914400">
+            <a:lvl2pPr marL="914400" lvl="1" indent="-304800">
               <a:spcBef>
                 <a:spcPts val="1600"/>
               </a:spcBef>
@@ -4948,7 +5097,7 @@
               <a:buChar char="○"/>
               <a:defRPr sz="1200"/>
             </a:lvl2pPr>
-            <a:lvl3pPr indent="-304800" lvl="2" marL="1371600">
+            <a:lvl3pPr marL="1371600" lvl="2" indent="-304800">
               <a:spcBef>
                 <a:spcPts val="1600"/>
               </a:spcBef>
@@ -4959,7 +5108,7 @@
               <a:buChar char="■"/>
               <a:defRPr sz="1200"/>
             </a:lvl3pPr>
-            <a:lvl4pPr indent="-304800" lvl="3" marL="1828800">
+            <a:lvl4pPr marL="1828800" lvl="3" indent="-304800">
               <a:spcBef>
                 <a:spcPts val="1600"/>
               </a:spcBef>
@@ -4970,7 +5119,7 @@
               <a:buChar char="●"/>
               <a:defRPr sz="1200"/>
             </a:lvl4pPr>
-            <a:lvl5pPr indent="-304800" lvl="4" marL="2286000">
+            <a:lvl5pPr marL="2286000" lvl="4" indent="-304800">
               <a:spcBef>
                 <a:spcPts val="1600"/>
               </a:spcBef>
@@ -4981,7 +5130,7 @@
               <a:buChar char="○"/>
               <a:defRPr sz="1200"/>
             </a:lvl5pPr>
-            <a:lvl6pPr indent="-304800" lvl="5" marL="2743200">
+            <a:lvl6pPr marL="2743200" lvl="5" indent="-304800">
               <a:spcBef>
                 <a:spcPts val="1600"/>
               </a:spcBef>
@@ -4992,7 +5141,7 @@
               <a:buChar char="■"/>
               <a:defRPr sz="1200"/>
             </a:lvl6pPr>
-            <a:lvl7pPr indent="-304800" lvl="6" marL="3200400">
+            <a:lvl7pPr marL="3200400" lvl="6" indent="-304800">
               <a:spcBef>
                 <a:spcPts val="1600"/>
               </a:spcBef>
@@ -5003,7 +5152,7 @@
               <a:buChar char="●"/>
               <a:defRPr sz="1200"/>
             </a:lvl7pPr>
-            <a:lvl8pPr indent="-304800" lvl="7" marL="3657600">
+            <a:lvl8pPr marL="3657600" lvl="7" indent="-304800">
               <a:spcBef>
                 <a:spcPts val="1600"/>
               </a:spcBef>
@@ -5014,7 +5163,7 @@
               <a:buChar char="○"/>
               <a:defRPr sz="1200"/>
             </a:lvl8pPr>
-            <a:lvl9pPr indent="-304800" lvl="8" marL="4114800">
+            <a:lvl9pPr marL="4114800" lvl="8" indent="-304800">
               <a:spcBef>
                 <a:spcPts val="1600"/>
               </a:spcBef>
@@ -5026,15 +5175,19 @@
               <a:defRPr sz="1200"/>
             </a:lvl9pPr>
           </a:lstStyle>
-          <a:p/>
+          <a:p>
+            <a:endParaRPr/>
+          </a:p>
         </p:txBody>
       </p:sp>
       <p:sp>
         <p:nvSpPr>
           <p:cNvPr id="29" name="Google Shape;29;p5"/>
-          <p:cNvSpPr txBox="1"/>
+          <p:cNvSpPr txBox="1">
+            <a:spLocks noGrp="1"/>
+          </p:cNvSpPr>
           <p:nvPr>
-            <p:ph idx="2" type="body"/>
+            <p:ph type="body" idx="2"/>
           </p:nvPr>
         </p:nvSpPr>
         <p:spPr>
@@ -5047,11 +5200,11 @@
           </a:prstGeom>
         </p:spPr>
         <p:txBody>
-          <a:bodyPr anchorCtr="0" anchor="t" bIns="91425" lIns="91425" spcFirstLastPara="1" rIns="91425" wrap="square" tIns="91425">
+          <a:bodyPr spcFirstLastPara="1" wrap="square" lIns="91425" tIns="91425" rIns="91425" bIns="91425" anchor="t" anchorCtr="0">
             <a:noAutofit/>
           </a:bodyPr>
           <a:lstStyle>
-            <a:lvl1pPr indent="-317500" lvl="0" marL="457200">
+            <a:lvl1pPr marL="457200" lvl="0" indent="-317500">
               <a:spcBef>
                 <a:spcPts val="0"/>
               </a:spcBef>
@@ -5062,7 +5215,7 @@
               <a:buChar char="●"/>
               <a:defRPr sz="1400"/>
             </a:lvl1pPr>
-            <a:lvl2pPr indent="-304800" lvl="1" marL="914400">
+            <a:lvl2pPr marL="914400" lvl="1" indent="-304800">
               <a:spcBef>
                 <a:spcPts val="1600"/>
               </a:spcBef>
@@ -5073,7 +5226,7 @@
               <a:buChar char="○"/>
               <a:defRPr sz="1200"/>
             </a:lvl2pPr>
-            <a:lvl3pPr indent="-304800" lvl="2" marL="1371600">
+            <a:lvl3pPr marL="1371600" lvl="2" indent="-304800">
               <a:spcBef>
                 <a:spcPts val="1600"/>
               </a:spcBef>
@@ -5084,7 +5237,7 @@
               <a:buChar char="■"/>
               <a:defRPr sz="1200"/>
             </a:lvl3pPr>
-            <a:lvl4pPr indent="-304800" lvl="3" marL="1828800">
+            <a:lvl4pPr marL="1828800" lvl="3" indent="-304800">
               <a:spcBef>
                 <a:spcPts val="1600"/>
               </a:spcBef>
@@ -5095,7 +5248,7 @@
               <a:buChar char="●"/>
               <a:defRPr sz="1200"/>
             </a:lvl4pPr>
-            <a:lvl5pPr indent="-304800" lvl="4" marL="2286000">
+            <a:lvl5pPr marL="2286000" lvl="4" indent="-304800">
               <a:spcBef>
                 <a:spcPts val="1600"/>
               </a:spcBef>
@@ -5106,7 +5259,7 @@
               <a:buChar char="○"/>
               <a:defRPr sz="1200"/>
             </a:lvl5pPr>
-            <a:lvl6pPr indent="-304800" lvl="5" marL="2743200">
+            <a:lvl6pPr marL="2743200" lvl="5" indent="-304800">
               <a:spcBef>
                 <a:spcPts val="1600"/>
               </a:spcBef>
@@ -5117,7 +5270,7 @@
               <a:buChar char="■"/>
               <a:defRPr sz="1200"/>
             </a:lvl6pPr>
-            <a:lvl7pPr indent="-304800" lvl="6" marL="3200400">
+            <a:lvl7pPr marL="3200400" lvl="6" indent="-304800">
               <a:spcBef>
                 <a:spcPts val="1600"/>
               </a:spcBef>
@@ -5128,7 +5281,7 @@
               <a:buChar char="●"/>
               <a:defRPr sz="1200"/>
             </a:lvl7pPr>
-            <a:lvl8pPr indent="-304800" lvl="7" marL="3657600">
+            <a:lvl8pPr marL="3657600" lvl="7" indent="-304800">
               <a:spcBef>
                 <a:spcPts val="1600"/>
               </a:spcBef>
@@ -5139,7 +5292,7 @@
               <a:buChar char="○"/>
               <a:defRPr sz="1200"/>
             </a:lvl8pPr>
-            <a:lvl9pPr indent="-304800" lvl="8" marL="4114800">
+            <a:lvl9pPr marL="4114800" lvl="8" indent="-304800">
               <a:spcBef>
                 <a:spcPts val="1600"/>
               </a:spcBef>
@@ -5151,15 +5304,19 @@
               <a:defRPr sz="1200"/>
             </a:lvl9pPr>
           </a:lstStyle>
-          <a:p/>
+          <a:p>
+            <a:endParaRPr/>
+          </a:p>
         </p:txBody>
       </p:sp>
       <p:sp>
         <p:nvSpPr>
           <p:cNvPr id="30" name="Google Shape;30;p5"/>
-          <p:cNvSpPr txBox="1"/>
+          <p:cNvSpPr txBox="1">
+            <a:spLocks noGrp="1"/>
+          </p:cNvSpPr>
           <p:nvPr>
-            <p:ph idx="12" type="sldNum"/>
+            <p:ph type="sldNum" idx="12"/>
           </p:nvPr>
         </p:nvSpPr>
         <p:spPr>
@@ -5172,7 +5329,7 @@
           </a:prstGeom>
         </p:spPr>
         <p:txBody>
-          <a:bodyPr anchorCtr="0" anchor="ctr" bIns="91425" lIns="91425" spcFirstLastPara="1" rIns="91425" wrap="square" tIns="91425">
+          <a:bodyPr spcFirstLastPara="1" wrap="square" lIns="91425" tIns="91425" rIns="91425" bIns="91425" anchor="ctr" anchorCtr="0">
             <a:noAutofit/>
           </a:bodyPr>
           <a:lstStyle>
@@ -5214,7 +5371,7 @@
             </a:lvl9pPr>
           </a:lstStyle>
           <a:p>
-            <a:pPr indent="0" lvl="0" marL="0" rtl="0" algn="r">
+            <a:pPr marL="0" lvl="0" indent="0" algn="r" rtl="0">
               <a:spcBef>
                 <a:spcPts val="0"/>
               </a:spcBef>
@@ -5240,11 +5397,11 @@
 </file>
 
 <file path=ppt/slideLayouts/slideLayout5.xml><?xml version="1.0" encoding="utf-8"?>
-<p:sldLayout xmlns:a="http://schemas.openxmlformats.org/drawingml/2006/main" xmlns:r="http://schemas.openxmlformats.org/officeDocument/2006/relationships" xmlns:mc="http://schemas.openxmlformats.org/markup-compatibility/2006" xmlns:mv="urn:schemas-microsoft-com:mac:vml" xmlns:p="http://schemas.openxmlformats.org/presentationml/2006/main" xmlns:c="http://schemas.openxmlformats.org/drawingml/2006/chart" xmlns:dgm="http://schemas.openxmlformats.org/drawingml/2006/diagram" xmlns:o="urn:schemas-microsoft-com:office:office" xmlns:v="urn:schemas-microsoft-com:vml" xmlns:pvml="urn:schemas-microsoft-com:office:powerpoint" xmlns:com="http://schemas.openxmlformats.org/drawingml/2006/compatibility" xmlns:p14="http://schemas.microsoft.com/office/powerpoint/2010/main" xmlns:p15="http://schemas.microsoft.com/office/powerpoint/2012/main" xmlns:ahyp="http://schemas.microsoft.com/office/drawing/2018/hyperlinkcolor" matchingName="Title only" type="titleOnly">
+<p:sldLayout xmlns:a="http://schemas.openxmlformats.org/drawingml/2006/main" xmlns:r="http://schemas.openxmlformats.org/officeDocument/2006/relationships" xmlns:p="http://schemas.openxmlformats.org/presentationml/2006/main" matchingName="Title only" type="titleOnly">
   <p:cSld name="TITLE_ONLY">
     <p:spTree>
       <p:nvGrpSpPr>
-        <p:cNvPr id="31" name="Shape 31"/>
+        <p:cNvPr id="1" name="Shape 31"/>
         <p:cNvGrpSpPr/>
         <p:nvPr/>
       </p:nvGrpSpPr>
@@ -5263,7 +5420,7 @@
           <p:nvPr/>
         </p:nvSpPr>
         <p:spPr>
-          <a:xfrm flipH="1" rot="10800000">
+          <a:xfrm rot="10800000" flipH="1">
             <a:off x="0" y="656400"/>
             <a:ext cx="9144000" cy="4487100"/>
           </a:xfrm>
@@ -5278,12 +5435,12 @@
           </a:ln>
         </p:spPr>
         <p:txBody>
-          <a:bodyPr anchorCtr="0" anchor="ctr" bIns="91425" lIns="91425" spcFirstLastPara="1" rIns="91425" wrap="square" tIns="91425">
+          <a:bodyPr spcFirstLastPara="1" wrap="square" lIns="91425" tIns="91425" rIns="91425" bIns="91425" anchor="ctr" anchorCtr="0">
             <a:noAutofit/>
           </a:bodyPr>
           <a:lstStyle/>
           <a:p>
-            <a:pPr indent="0" lvl="0" marL="0" rtl="0" algn="l">
+            <a:pPr marL="0" lvl="0" indent="0" algn="l" rtl="0">
               <a:spcBef>
                 <a:spcPts val="0"/>
               </a:spcBef>
@@ -5292,9 +5449,6 @@
               </a:spcAft>
               <a:buNone/>
             </a:pPr>
-            <a:r>
-              <a:t/>
-            </a:r>
             <a:endParaRPr/>
           </a:p>
         </p:txBody>
@@ -5335,12 +5489,12 @@
           </a:ln>
         </p:spPr>
         <p:txBody>
-          <a:bodyPr anchorCtr="0" anchor="ctr" bIns="91425" lIns="91425" spcFirstLastPara="1" rIns="91425" wrap="square" tIns="91425">
+          <a:bodyPr spcFirstLastPara="1" wrap="square" lIns="91425" tIns="91425" rIns="91425" bIns="91425" anchor="ctr" anchorCtr="0">
             <a:noAutofit/>
           </a:bodyPr>
           <a:lstStyle/>
           <a:p>
-            <a:pPr indent="0" lvl="0" marL="0" rtl="0" algn="l">
+            <a:pPr marL="0" lvl="0" indent="0" algn="l" rtl="0">
               <a:spcBef>
                 <a:spcPts val="0"/>
               </a:spcBef>
@@ -5349,9 +5503,6 @@
               </a:spcAft>
               <a:buNone/>
             </a:pPr>
-            <a:r>
-              <a:t/>
-            </a:r>
             <a:endParaRPr/>
           </a:p>
         </p:txBody>
@@ -5359,7 +5510,9 @@
       <p:sp>
         <p:nvSpPr>
           <p:cNvPr id="34" name="Google Shape;34;p6"/>
-          <p:cNvSpPr txBox="1"/>
+          <p:cNvSpPr txBox="1">
+            <a:spLocks noGrp="1"/>
+          </p:cNvSpPr>
           <p:nvPr>
             <p:ph type="title"/>
           </p:nvPr>
@@ -5374,7 +5527,7 @@
           </a:prstGeom>
         </p:spPr>
         <p:txBody>
-          <a:bodyPr anchorCtr="0" anchor="ctr" bIns="91425" lIns="91425" spcFirstLastPara="1" rIns="91425" wrap="square" tIns="91425">
+          <a:bodyPr spcFirstLastPara="1" wrap="square" lIns="91425" tIns="91425" rIns="91425" bIns="91425" anchor="ctr" anchorCtr="0">
             <a:noAutofit/>
           </a:bodyPr>
           <a:lstStyle>
@@ -5478,15 +5631,19 @@
               <a:defRPr sz="1800"/>
             </a:lvl9pPr>
           </a:lstStyle>
-          <a:p/>
+          <a:p>
+            <a:endParaRPr/>
+          </a:p>
         </p:txBody>
       </p:sp>
       <p:sp>
         <p:nvSpPr>
           <p:cNvPr id="35" name="Google Shape;35;p6"/>
-          <p:cNvSpPr txBox="1"/>
+          <p:cNvSpPr txBox="1">
+            <a:spLocks noGrp="1"/>
+          </p:cNvSpPr>
           <p:nvPr>
-            <p:ph idx="12" type="sldNum"/>
+            <p:ph type="sldNum" idx="12"/>
           </p:nvPr>
         </p:nvSpPr>
         <p:spPr>
@@ -5499,7 +5656,7 @@
           </a:prstGeom>
         </p:spPr>
         <p:txBody>
-          <a:bodyPr anchorCtr="0" anchor="ctr" bIns="91425" lIns="91425" spcFirstLastPara="1" rIns="91425" wrap="square" tIns="91425">
+          <a:bodyPr spcFirstLastPara="1" wrap="square" lIns="91425" tIns="91425" rIns="91425" bIns="91425" anchor="ctr" anchorCtr="0">
             <a:noAutofit/>
           </a:bodyPr>
           <a:lstStyle>
@@ -5541,7 +5698,7 @@
             </a:lvl9pPr>
           </a:lstStyle>
           <a:p>
-            <a:pPr indent="0" lvl="0" marL="0" rtl="0" algn="r">
+            <a:pPr marL="0" lvl="0" indent="0" algn="r" rtl="0">
               <a:spcBef>
                 <a:spcPts val="0"/>
               </a:spcBef>
@@ -5567,11 +5724,11 @@
 </file>
 
 <file path=ppt/slideLayouts/slideLayout6.xml><?xml version="1.0" encoding="utf-8"?>
-<p:sldLayout xmlns:a="http://schemas.openxmlformats.org/drawingml/2006/main" xmlns:r="http://schemas.openxmlformats.org/officeDocument/2006/relationships" xmlns:mc="http://schemas.openxmlformats.org/markup-compatibility/2006" xmlns:mv="urn:schemas-microsoft-com:mac:vml" xmlns:p="http://schemas.openxmlformats.org/presentationml/2006/main" xmlns:c="http://schemas.openxmlformats.org/drawingml/2006/chart" xmlns:dgm="http://schemas.openxmlformats.org/drawingml/2006/diagram" xmlns:o="urn:schemas-microsoft-com:office:office" xmlns:v="urn:schemas-microsoft-com:vml" xmlns:pvml="urn:schemas-microsoft-com:office:powerpoint" xmlns:com="http://schemas.openxmlformats.org/drawingml/2006/compatibility" xmlns:p14="http://schemas.microsoft.com/office/powerpoint/2010/main" xmlns:p15="http://schemas.microsoft.com/office/powerpoint/2012/main" xmlns:ahyp="http://schemas.microsoft.com/office/drawing/2018/hyperlinkcolor" matchingName="One column text">
+<p:sldLayout xmlns:a="http://schemas.openxmlformats.org/drawingml/2006/main" xmlns:r="http://schemas.openxmlformats.org/officeDocument/2006/relationships" xmlns:p="http://schemas.openxmlformats.org/presentationml/2006/main" matchingName="One column text">
   <p:cSld name="ONE_COLUMN_TEXT">
     <p:spTree>
       <p:nvGrpSpPr>
-        <p:cNvPr id="36" name="Shape 36"/>
+        <p:cNvPr id="1" name="Shape 36"/>
         <p:cNvGrpSpPr/>
         <p:nvPr/>
       </p:nvGrpSpPr>
@@ -5590,7 +5747,7 @@
           <p:nvPr/>
         </p:nvSpPr>
         <p:spPr>
-          <a:xfrm flipH="1" rot="10800000">
+          <a:xfrm rot="10800000" flipH="1">
             <a:off x="3276600" y="25"/>
             <a:ext cx="5867400" cy="5143500"/>
           </a:xfrm>
@@ -5605,12 +5762,12 @@
           </a:ln>
         </p:spPr>
         <p:txBody>
-          <a:bodyPr anchorCtr="0" anchor="ctr" bIns="91425" lIns="91425" spcFirstLastPara="1" rIns="91425" wrap="square" tIns="91425">
+          <a:bodyPr spcFirstLastPara="1" wrap="square" lIns="91425" tIns="91425" rIns="91425" bIns="91425" anchor="ctr" anchorCtr="0">
             <a:noAutofit/>
           </a:bodyPr>
           <a:lstStyle/>
           <a:p>
-            <a:pPr indent="0" lvl="0" marL="0" rtl="0" algn="l">
+            <a:pPr marL="0" lvl="0" indent="0" algn="l" rtl="0">
               <a:spcBef>
                 <a:spcPts val="0"/>
               </a:spcBef>
@@ -5619,9 +5776,6 @@
               </a:spcAft>
               <a:buNone/>
             </a:pPr>
-            <a:r>
-              <a:t/>
-            </a:r>
             <a:endParaRPr/>
           </a:p>
         </p:txBody>
@@ -5662,12 +5816,12 @@
           </a:ln>
         </p:spPr>
         <p:txBody>
-          <a:bodyPr anchorCtr="0" anchor="ctr" bIns="91425" lIns="91425" spcFirstLastPara="1" rIns="91425" wrap="square" tIns="91425">
+          <a:bodyPr spcFirstLastPara="1" wrap="square" lIns="91425" tIns="91425" rIns="91425" bIns="91425" anchor="ctr" anchorCtr="0">
             <a:noAutofit/>
           </a:bodyPr>
           <a:lstStyle/>
           <a:p>
-            <a:pPr indent="0" lvl="0" marL="0" rtl="0" algn="l">
+            <a:pPr marL="0" lvl="0" indent="0" algn="l" rtl="0">
               <a:spcBef>
                 <a:spcPts val="0"/>
               </a:spcBef>
@@ -5676,9 +5830,6 @@
               </a:spcAft>
               <a:buNone/>
             </a:pPr>
-            <a:r>
-              <a:t/>
-            </a:r>
             <a:endParaRPr/>
           </a:p>
         </p:txBody>
@@ -5686,7 +5837,9 @@
       <p:sp>
         <p:nvSpPr>
           <p:cNvPr id="39" name="Google Shape;39;p7"/>
-          <p:cNvSpPr txBox="1"/>
+          <p:cNvSpPr txBox="1">
+            <a:spLocks noGrp="1"/>
+          </p:cNvSpPr>
           <p:nvPr>
             <p:ph type="title"/>
           </p:nvPr>
@@ -5701,7 +5854,7 @@
           </a:prstGeom>
         </p:spPr>
         <p:txBody>
-          <a:bodyPr anchorCtr="0" anchor="b" bIns="91425" lIns="91425" spcFirstLastPara="1" rIns="91425" wrap="square" tIns="91425">
+          <a:bodyPr spcFirstLastPara="1" wrap="square" lIns="91425" tIns="91425" rIns="91425" bIns="91425" anchor="b" anchorCtr="0">
             <a:noAutofit/>
           </a:bodyPr>
           <a:lstStyle>
@@ -5805,15 +5958,19 @@
               <a:defRPr sz="2400"/>
             </a:lvl9pPr>
           </a:lstStyle>
-          <a:p/>
+          <a:p>
+            <a:endParaRPr/>
+          </a:p>
         </p:txBody>
       </p:sp>
       <p:sp>
         <p:nvSpPr>
           <p:cNvPr id="40" name="Google Shape;40;p7"/>
-          <p:cNvSpPr txBox="1"/>
+          <p:cNvSpPr txBox="1">
+            <a:spLocks noGrp="1"/>
+          </p:cNvSpPr>
           <p:nvPr>
-            <p:ph idx="1" type="body"/>
+            <p:ph type="body" idx="1"/>
           </p:nvPr>
         </p:nvSpPr>
         <p:spPr>
@@ -5826,11 +5983,11 @@
           </a:prstGeom>
         </p:spPr>
         <p:txBody>
-          <a:bodyPr anchorCtr="0" anchor="t" bIns="91425" lIns="91425" spcFirstLastPara="1" rIns="91425" wrap="square" tIns="91425">
+          <a:bodyPr spcFirstLastPara="1" wrap="square" lIns="91425" tIns="91425" rIns="91425" bIns="91425" anchor="t" anchorCtr="0">
             <a:noAutofit/>
           </a:bodyPr>
           <a:lstStyle>
-            <a:lvl1pPr indent="-304800" lvl="0" marL="457200">
+            <a:lvl1pPr marL="457200" lvl="0" indent="-304800">
               <a:spcBef>
                 <a:spcPts val="0"/>
               </a:spcBef>
@@ -5848,7 +6005,7 @@
                 </a:solidFill>
               </a:defRPr>
             </a:lvl1pPr>
-            <a:lvl2pPr indent="-304800" lvl="1" marL="914400">
+            <a:lvl2pPr marL="914400" lvl="1" indent="-304800">
               <a:spcBef>
                 <a:spcPts val="1600"/>
               </a:spcBef>
@@ -5866,7 +6023,7 @@
                 </a:solidFill>
               </a:defRPr>
             </a:lvl2pPr>
-            <a:lvl3pPr indent="-304800" lvl="2" marL="1371600">
+            <a:lvl3pPr marL="1371600" lvl="2" indent="-304800">
               <a:spcBef>
                 <a:spcPts val="1600"/>
               </a:spcBef>
@@ -5884,7 +6041,7 @@
                 </a:solidFill>
               </a:defRPr>
             </a:lvl3pPr>
-            <a:lvl4pPr indent="-304800" lvl="3" marL="1828800">
+            <a:lvl4pPr marL="1828800" lvl="3" indent="-304800">
               <a:spcBef>
                 <a:spcPts val="1600"/>
               </a:spcBef>
@@ -5902,7 +6059,7 @@
                 </a:solidFill>
               </a:defRPr>
             </a:lvl4pPr>
-            <a:lvl5pPr indent="-304800" lvl="4" marL="2286000">
+            <a:lvl5pPr marL="2286000" lvl="4" indent="-304800">
               <a:spcBef>
                 <a:spcPts val="1600"/>
               </a:spcBef>
@@ -5920,7 +6077,7 @@
                 </a:solidFill>
               </a:defRPr>
             </a:lvl5pPr>
-            <a:lvl6pPr indent="-304800" lvl="5" marL="2743200">
+            <a:lvl6pPr marL="2743200" lvl="5" indent="-304800">
               <a:spcBef>
                 <a:spcPts val="1600"/>
               </a:spcBef>
@@ -5938,7 +6095,7 @@
                 </a:solidFill>
               </a:defRPr>
             </a:lvl6pPr>
-            <a:lvl7pPr indent="-304800" lvl="6" marL="3200400">
+            <a:lvl7pPr marL="3200400" lvl="6" indent="-304800">
               <a:spcBef>
                 <a:spcPts val="1600"/>
               </a:spcBef>
@@ -5956,7 +6113,7 @@
                 </a:solidFill>
               </a:defRPr>
             </a:lvl7pPr>
-            <a:lvl8pPr indent="-304800" lvl="7" marL="3657600">
+            <a:lvl8pPr marL="3657600" lvl="7" indent="-304800">
               <a:spcBef>
                 <a:spcPts val="1600"/>
               </a:spcBef>
@@ -5974,7 +6131,7 @@
                 </a:solidFill>
               </a:defRPr>
             </a:lvl8pPr>
-            <a:lvl9pPr indent="-304800" lvl="8" marL="4114800">
+            <a:lvl9pPr marL="4114800" lvl="8" indent="-304800">
               <a:spcBef>
                 <a:spcPts val="1600"/>
               </a:spcBef>
@@ -5993,15 +6150,19 @@
               </a:defRPr>
             </a:lvl9pPr>
           </a:lstStyle>
-          <a:p/>
+          <a:p>
+            <a:endParaRPr/>
+          </a:p>
         </p:txBody>
       </p:sp>
       <p:sp>
         <p:nvSpPr>
           <p:cNvPr id="41" name="Google Shape;41;p7"/>
-          <p:cNvSpPr txBox="1"/>
+          <p:cNvSpPr txBox="1">
+            <a:spLocks noGrp="1"/>
+          </p:cNvSpPr>
           <p:nvPr>
-            <p:ph idx="12" type="sldNum"/>
+            <p:ph type="sldNum" idx="12"/>
           </p:nvPr>
         </p:nvSpPr>
         <p:spPr>
@@ -6014,7 +6175,7 @@
           </a:prstGeom>
         </p:spPr>
         <p:txBody>
-          <a:bodyPr anchorCtr="0" anchor="ctr" bIns="91425" lIns="91425" spcFirstLastPara="1" rIns="91425" wrap="square" tIns="91425">
+          <a:bodyPr spcFirstLastPara="1" wrap="square" lIns="91425" tIns="91425" rIns="91425" bIns="91425" anchor="ctr" anchorCtr="0">
             <a:noAutofit/>
           </a:bodyPr>
           <a:lstStyle>
@@ -6056,7 +6217,7 @@
             </a:lvl9pPr>
           </a:lstStyle>
           <a:p>
-            <a:pPr indent="0" lvl="0" marL="0" rtl="0" algn="r">
+            <a:pPr marL="0" lvl="0" indent="0" algn="r" rtl="0">
               <a:spcBef>
                 <a:spcPts val="0"/>
               </a:spcBef>
@@ -6082,11 +6243,11 @@
 </file>
 
 <file path=ppt/slideLayouts/slideLayout7.xml><?xml version="1.0" encoding="utf-8"?>
-<p:sldLayout xmlns:a="http://schemas.openxmlformats.org/drawingml/2006/main" xmlns:r="http://schemas.openxmlformats.org/officeDocument/2006/relationships" xmlns:mc="http://schemas.openxmlformats.org/markup-compatibility/2006" xmlns:mv="urn:schemas-microsoft-com:mac:vml" xmlns:p="http://schemas.openxmlformats.org/presentationml/2006/main" xmlns:c="http://schemas.openxmlformats.org/drawingml/2006/chart" xmlns:dgm="http://schemas.openxmlformats.org/drawingml/2006/diagram" xmlns:o="urn:schemas-microsoft-com:office:office" xmlns:v="urn:schemas-microsoft-com:vml" xmlns:pvml="urn:schemas-microsoft-com:office:powerpoint" xmlns:com="http://schemas.openxmlformats.org/drawingml/2006/compatibility" xmlns:p14="http://schemas.microsoft.com/office/powerpoint/2010/main" xmlns:p15="http://schemas.microsoft.com/office/powerpoint/2012/main" xmlns:ahyp="http://schemas.microsoft.com/office/drawing/2018/hyperlinkcolor" matchingName="Main point">
+<p:sldLayout xmlns:a="http://schemas.openxmlformats.org/drawingml/2006/main" xmlns:r="http://schemas.openxmlformats.org/officeDocument/2006/relationships" xmlns:p="http://schemas.openxmlformats.org/presentationml/2006/main" matchingName="Main point">
   <p:cSld name="MAIN_POINT">
     <p:spTree>
       <p:nvGrpSpPr>
-        <p:cNvPr id="42" name="Shape 42"/>
+        <p:cNvPr id="1" name="Shape 42"/>
         <p:cNvGrpSpPr/>
         <p:nvPr/>
       </p:nvGrpSpPr>
@@ -6101,7 +6262,9 @@
       <p:sp>
         <p:nvSpPr>
           <p:cNvPr id="43" name="Google Shape;43;p8"/>
-          <p:cNvSpPr txBox="1"/>
+          <p:cNvSpPr txBox="1">
+            <a:spLocks noGrp="1"/>
+          </p:cNvSpPr>
           <p:nvPr>
             <p:ph type="title"/>
           </p:nvPr>
@@ -6116,7 +6279,7 @@
           </a:prstGeom>
         </p:spPr>
         <p:txBody>
-          <a:bodyPr anchorCtr="0" anchor="ctr" bIns="91425" lIns="91425" spcFirstLastPara="1" rIns="91425" wrap="square" tIns="91425">
+          <a:bodyPr spcFirstLastPara="1" wrap="square" lIns="91425" tIns="91425" rIns="91425" bIns="91425" anchor="ctr" anchorCtr="0">
             <a:noAutofit/>
           </a:bodyPr>
           <a:lstStyle>
@@ -6220,15 +6383,19 @@
               <a:defRPr sz="6000"/>
             </a:lvl9pPr>
           </a:lstStyle>
-          <a:p/>
+          <a:p>
+            <a:endParaRPr/>
+          </a:p>
         </p:txBody>
       </p:sp>
       <p:sp>
         <p:nvSpPr>
           <p:cNvPr id="44" name="Google Shape;44;p8"/>
-          <p:cNvSpPr txBox="1"/>
+          <p:cNvSpPr txBox="1">
+            <a:spLocks noGrp="1"/>
+          </p:cNvSpPr>
           <p:nvPr>
-            <p:ph idx="12" type="sldNum"/>
+            <p:ph type="sldNum" idx="12"/>
           </p:nvPr>
         </p:nvSpPr>
         <p:spPr>
@@ -6241,7 +6408,7 @@
           </a:prstGeom>
         </p:spPr>
         <p:txBody>
-          <a:bodyPr anchorCtr="0" anchor="ctr" bIns="91425" lIns="91425" spcFirstLastPara="1" rIns="91425" wrap="square" tIns="91425">
+          <a:bodyPr spcFirstLastPara="1" wrap="square" lIns="91425" tIns="91425" rIns="91425" bIns="91425" anchor="ctr" anchorCtr="0">
             <a:noAutofit/>
           </a:bodyPr>
           <a:lstStyle>
@@ -6319,7 +6486,7 @@
             </a:lvl9pPr>
           </a:lstStyle>
           <a:p>
-            <a:pPr indent="0" lvl="0" marL="0" rtl="0" algn="r">
+            <a:pPr marL="0" lvl="0" indent="0" algn="r" rtl="0">
               <a:spcBef>
                 <a:spcPts val="0"/>
               </a:spcBef>
@@ -6345,11 +6512,11 @@
 </file>
 
 <file path=ppt/slideLayouts/slideLayout8.xml><?xml version="1.0" encoding="utf-8"?>
-<p:sldLayout xmlns:a="http://schemas.openxmlformats.org/drawingml/2006/main" xmlns:r="http://schemas.openxmlformats.org/officeDocument/2006/relationships" xmlns:mc="http://schemas.openxmlformats.org/markup-compatibility/2006" xmlns:mv="urn:schemas-microsoft-com:mac:vml" xmlns:p="http://schemas.openxmlformats.org/presentationml/2006/main" xmlns:c="http://schemas.openxmlformats.org/drawingml/2006/chart" xmlns:dgm="http://schemas.openxmlformats.org/drawingml/2006/diagram" xmlns:o="urn:schemas-microsoft-com:office:office" xmlns:v="urn:schemas-microsoft-com:vml" xmlns:pvml="urn:schemas-microsoft-com:office:powerpoint" xmlns:com="http://schemas.openxmlformats.org/drawingml/2006/compatibility" xmlns:p14="http://schemas.microsoft.com/office/powerpoint/2010/main" xmlns:p15="http://schemas.microsoft.com/office/powerpoint/2012/main" xmlns:ahyp="http://schemas.microsoft.com/office/drawing/2018/hyperlinkcolor" matchingName="Section title and description">
+<p:sldLayout xmlns:a="http://schemas.openxmlformats.org/drawingml/2006/main" xmlns:r="http://schemas.openxmlformats.org/officeDocument/2006/relationships" xmlns:p="http://schemas.openxmlformats.org/presentationml/2006/main" matchingName="Section title and description">
   <p:cSld name="SECTION_TITLE_AND_DESCRIPTION">
     <p:spTree>
       <p:nvGrpSpPr>
-        <p:cNvPr id="45" name="Shape 45"/>
+        <p:cNvPr id="1" name="Shape 45"/>
         <p:cNvGrpSpPr/>
         <p:nvPr/>
       </p:nvGrpSpPr>
@@ -6383,12 +6550,12 @@
           </a:ln>
         </p:spPr>
         <p:txBody>
-          <a:bodyPr anchorCtr="0" anchor="ctr" bIns="91425" lIns="91425" spcFirstLastPara="1" rIns="91425" wrap="square" tIns="91425">
+          <a:bodyPr spcFirstLastPara="1" wrap="square" lIns="91425" tIns="91425" rIns="91425" bIns="91425" anchor="ctr" anchorCtr="0">
             <a:noAutofit/>
           </a:bodyPr>
           <a:lstStyle/>
           <a:p>
-            <a:pPr indent="0" lvl="0" marL="0" rtl="0" algn="l">
+            <a:pPr marL="0" lvl="0" indent="0" algn="l" rtl="0">
               <a:spcBef>
                 <a:spcPts val="0"/>
               </a:spcBef>
@@ -6397,9 +6564,6 @@
               </a:spcAft>
               <a:buNone/>
             </a:pPr>
-            <a:r>
-              <a:t/>
-            </a:r>
             <a:endParaRPr/>
           </a:p>
         </p:txBody>
@@ -6440,12 +6604,12 @@
           </a:ln>
         </p:spPr>
         <p:txBody>
-          <a:bodyPr anchorCtr="0" anchor="ctr" bIns="91425" lIns="91425" spcFirstLastPara="1" rIns="91425" wrap="square" tIns="91425">
+          <a:bodyPr spcFirstLastPara="1" wrap="square" lIns="91425" tIns="91425" rIns="91425" bIns="91425" anchor="ctr" anchorCtr="0">
             <a:noAutofit/>
           </a:bodyPr>
           <a:lstStyle/>
           <a:p>
-            <a:pPr indent="0" lvl="0" marL="0" rtl="0" algn="l">
+            <a:pPr marL="0" lvl="0" indent="0" algn="l" rtl="0">
               <a:spcBef>
                 <a:spcPts val="0"/>
               </a:spcBef>
@@ -6454,9 +6618,6 @@
               </a:spcAft>
               <a:buNone/>
             </a:pPr>
-            <a:r>
-              <a:t/>
-            </a:r>
             <a:endParaRPr/>
           </a:p>
         </p:txBody>
@@ -6464,7 +6625,9 @@
       <p:sp>
         <p:nvSpPr>
           <p:cNvPr id="48" name="Google Shape;48;p9"/>
-          <p:cNvSpPr txBox="1"/>
+          <p:cNvSpPr txBox="1">
+            <a:spLocks noGrp="1"/>
+          </p:cNvSpPr>
           <p:nvPr>
             <p:ph type="title"/>
           </p:nvPr>
@@ -6479,7 +6642,7 @@
           </a:prstGeom>
         </p:spPr>
         <p:txBody>
-          <a:bodyPr anchorCtr="0" anchor="b" bIns="91425" lIns="91425" spcFirstLastPara="1" rIns="91425" wrap="square" tIns="91425">
+          <a:bodyPr spcFirstLastPara="1" wrap="square" lIns="91425" tIns="91425" rIns="91425" bIns="91425" anchor="b" anchorCtr="0">
             <a:noAutofit/>
           </a:bodyPr>
           <a:lstStyle>
@@ -6646,15 +6809,19 @@
               </a:defRPr>
             </a:lvl9pPr>
           </a:lstStyle>
-          <a:p/>
+          <a:p>
+            <a:endParaRPr/>
+          </a:p>
         </p:txBody>
       </p:sp>
       <p:sp>
         <p:nvSpPr>
           <p:cNvPr id="49" name="Google Shape;49;p9"/>
-          <p:cNvSpPr txBox="1"/>
+          <p:cNvSpPr txBox="1">
+            <a:spLocks noGrp="1"/>
+          </p:cNvSpPr>
           <p:nvPr>
-            <p:ph idx="1" type="subTitle"/>
+            <p:ph type="subTitle" idx="1"/>
           </p:nvPr>
         </p:nvSpPr>
         <p:spPr>
@@ -6667,7 +6834,7 @@
           </a:prstGeom>
         </p:spPr>
         <p:txBody>
-          <a:bodyPr anchorCtr="0" anchor="t" bIns="91425" lIns="91425" spcFirstLastPara="1" rIns="91425" wrap="square" tIns="91425">
+          <a:bodyPr spcFirstLastPara="1" wrap="square" lIns="91425" tIns="91425" rIns="91425" bIns="91425" anchor="t" anchorCtr="0">
             <a:noAutofit/>
           </a:bodyPr>
           <a:lstStyle>
@@ -6798,15 +6965,19 @@
               <a:defRPr sz="2100"/>
             </a:lvl9pPr>
           </a:lstStyle>
-          <a:p/>
+          <a:p>
+            <a:endParaRPr/>
+          </a:p>
         </p:txBody>
       </p:sp>
       <p:sp>
         <p:nvSpPr>
           <p:cNvPr id="50" name="Google Shape;50;p9"/>
-          <p:cNvSpPr txBox="1"/>
+          <p:cNvSpPr txBox="1">
+            <a:spLocks noGrp="1"/>
+          </p:cNvSpPr>
           <p:nvPr>
-            <p:ph idx="2" type="body"/>
+            <p:ph type="body" idx="2"/>
           </p:nvPr>
         </p:nvSpPr>
         <p:spPr>
@@ -6819,11 +6990,11 @@
           </a:prstGeom>
         </p:spPr>
         <p:txBody>
-          <a:bodyPr anchorCtr="0" anchor="ctr" bIns="91425" lIns="91425" spcFirstLastPara="1" rIns="91425" wrap="square" tIns="91425">
+          <a:bodyPr spcFirstLastPara="1" wrap="square" lIns="91425" tIns="91425" rIns="91425" bIns="91425" anchor="ctr" anchorCtr="0">
             <a:noAutofit/>
           </a:bodyPr>
           <a:lstStyle>
-            <a:lvl1pPr indent="-342900" lvl="0" marL="457200">
+            <a:lvl1pPr marL="457200" lvl="0" indent="-342900">
               <a:spcBef>
                 <a:spcPts val="0"/>
               </a:spcBef>
@@ -6841,7 +7012,7 @@
                 </a:solidFill>
               </a:defRPr>
             </a:lvl1pPr>
-            <a:lvl2pPr indent="-317500" lvl="1" marL="914400">
+            <a:lvl2pPr marL="914400" lvl="1" indent="-317500">
               <a:spcBef>
                 <a:spcPts val="1600"/>
               </a:spcBef>
@@ -6859,7 +7030,7 @@
                 </a:solidFill>
               </a:defRPr>
             </a:lvl2pPr>
-            <a:lvl3pPr indent="-317500" lvl="2" marL="1371600">
+            <a:lvl3pPr marL="1371600" lvl="2" indent="-317500">
               <a:spcBef>
                 <a:spcPts val="1600"/>
               </a:spcBef>
@@ -6877,7 +7048,7 @@
                 </a:solidFill>
               </a:defRPr>
             </a:lvl3pPr>
-            <a:lvl4pPr indent="-317500" lvl="3" marL="1828800">
+            <a:lvl4pPr marL="1828800" lvl="3" indent="-317500">
               <a:spcBef>
                 <a:spcPts val="1600"/>
               </a:spcBef>
@@ -6895,7 +7066,7 @@
                 </a:solidFill>
               </a:defRPr>
             </a:lvl4pPr>
-            <a:lvl5pPr indent="-317500" lvl="4" marL="2286000">
+            <a:lvl5pPr marL="2286000" lvl="4" indent="-317500">
               <a:spcBef>
                 <a:spcPts val="1600"/>
               </a:spcBef>
@@ -6913,7 +7084,7 @@
                 </a:solidFill>
               </a:defRPr>
             </a:lvl5pPr>
-            <a:lvl6pPr indent="-317500" lvl="5" marL="2743200">
+            <a:lvl6pPr marL="2743200" lvl="5" indent="-317500">
               <a:spcBef>
                 <a:spcPts val="1600"/>
               </a:spcBef>
@@ -6931,7 +7102,7 @@
                 </a:solidFill>
               </a:defRPr>
             </a:lvl6pPr>
-            <a:lvl7pPr indent="-317500" lvl="6" marL="3200400">
+            <a:lvl7pPr marL="3200400" lvl="6" indent="-317500">
               <a:spcBef>
                 <a:spcPts val="1600"/>
               </a:spcBef>
@@ -6949,7 +7120,7 @@
                 </a:solidFill>
               </a:defRPr>
             </a:lvl7pPr>
-            <a:lvl8pPr indent="-317500" lvl="7" marL="3657600">
+            <a:lvl8pPr marL="3657600" lvl="7" indent="-317500">
               <a:spcBef>
                 <a:spcPts val="1600"/>
               </a:spcBef>
@@ -6967,7 +7138,7 @@
                 </a:solidFill>
               </a:defRPr>
             </a:lvl8pPr>
-            <a:lvl9pPr indent="-317500" lvl="8" marL="4114800">
+            <a:lvl9pPr marL="4114800" lvl="8" indent="-317500">
               <a:spcBef>
                 <a:spcPts val="1600"/>
               </a:spcBef>
@@ -6986,15 +7157,19 @@
               </a:defRPr>
             </a:lvl9pPr>
           </a:lstStyle>
-          <a:p/>
+          <a:p>
+            <a:endParaRPr/>
+          </a:p>
         </p:txBody>
       </p:sp>
       <p:sp>
         <p:nvSpPr>
           <p:cNvPr id="51" name="Google Shape;51;p9"/>
-          <p:cNvSpPr txBox="1"/>
+          <p:cNvSpPr txBox="1">
+            <a:spLocks noGrp="1"/>
+          </p:cNvSpPr>
           <p:nvPr>
-            <p:ph idx="12" type="sldNum"/>
+            <p:ph type="sldNum" idx="12"/>
           </p:nvPr>
         </p:nvSpPr>
         <p:spPr>
@@ -7007,7 +7182,7 @@
           </a:prstGeom>
         </p:spPr>
         <p:txBody>
-          <a:bodyPr anchorCtr="0" anchor="ctr" bIns="91425" lIns="91425" spcFirstLastPara="1" rIns="91425" wrap="square" tIns="91425">
+          <a:bodyPr spcFirstLastPara="1" wrap="square" lIns="91425" tIns="91425" rIns="91425" bIns="91425" anchor="ctr" anchorCtr="0">
             <a:noAutofit/>
           </a:bodyPr>
           <a:lstStyle>
@@ -7085,7 +7260,7 @@
             </a:lvl9pPr>
           </a:lstStyle>
           <a:p>
-            <a:pPr indent="0" lvl="0" marL="0" rtl="0" algn="r">
+            <a:pPr marL="0" lvl="0" indent="0" algn="r" rtl="0">
               <a:spcBef>
                 <a:spcPts val="0"/>
               </a:spcBef>
@@ -7111,11 +7286,11 @@
 </file>
 
 <file path=ppt/slideLayouts/slideLayout9.xml><?xml version="1.0" encoding="utf-8"?>
-<p:sldLayout xmlns:a="http://schemas.openxmlformats.org/drawingml/2006/main" xmlns:r="http://schemas.openxmlformats.org/officeDocument/2006/relationships" xmlns:mc="http://schemas.openxmlformats.org/markup-compatibility/2006" xmlns:mv="urn:schemas-microsoft-com:mac:vml" xmlns:p="http://schemas.openxmlformats.org/presentationml/2006/main" xmlns:c="http://schemas.openxmlformats.org/drawingml/2006/chart" xmlns:dgm="http://schemas.openxmlformats.org/drawingml/2006/diagram" xmlns:o="urn:schemas-microsoft-com:office:office" xmlns:v="urn:schemas-microsoft-com:vml" xmlns:pvml="urn:schemas-microsoft-com:office:powerpoint" xmlns:com="http://schemas.openxmlformats.org/drawingml/2006/compatibility" xmlns:p14="http://schemas.microsoft.com/office/powerpoint/2010/main" xmlns:p15="http://schemas.microsoft.com/office/powerpoint/2012/main" xmlns:ahyp="http://schemas.microsoft.com/office/drawing/2018/hyperlinkcolor" matchingName="Caption">
+<p:sldLayout xmlns:a="http://schemas.openxmlformats.org/drawingml/2006/main" xmlns:r="http://schemas.openxmlformats.org/officeDocument/2006/relationships" xmlns:p="http://schemas.openxmlformats.org/presentationml/2006/main" matchingName="Caption">
   <p:cSld name="CAPTION_ONLY">
     <p:spTree>
       <p:nvGrpSpPr>
-        <p:cNvPr id="52" name="Shape 52"/>
+        <p:cNvPr id="1" name="Shape 52"/>
         <p:cNvGrpSpPr/>
         <p:nvPr/>
       </p:nvGrpSpPr>
@@ -7134,7 +7309,7 @@
           <p:nvPr/>
         </p:nvSpPr>
         <p:spPr>
-          <a:xfrm flipH="1" rot="10800000">
+          <a:xfrm rot="10800000" flipH="1">
             <a:off x="0" y="0"/>
             <a:ext cx="9144000" cy="4695900"/>
           </a:xfrm>
@@ -7149,12 +7324,12 @@
           </a:ln>
         </p:spPr>
         <p:txBody>
-          <a:bodyPr anchorCtr="0" anchor="ctr" bIns="91425" lIns="91425" spcFirstLastPara="1" rIns="91425" wrap="square" tIns="91425">
+          <a:bodyPr spcFirstLastPara="1" wrap="square" lIns="91425" tIns="91425" rIns="91425" bIns="91425" anchor="ctr" anchorCtr="0">
             <a:noAutofit/>
           </a:bodyPr>
           <a:lstStyle/>
           <a:p>
-            <a:pPr indent="0" lvl="0" marL="0" rtl="0" algn="l">
+            <a:pPr marL="0" lvl="0" indent="0" algn="l" rtl="0">
               <a:spcBef>
                 <a:spcPts val="0"/>
               </a:spcBef>
@@ -7163,9 +7338,6 @@
               </a:spcAft>
               <a:buNone/>
             </a:pPr>
-            <a:r>
-              <a:t/>
-            </a:r>
             <a:endParaRPr/>
           </a:p>
         </p:txBody>
@@ -7177,7 +7349,7 @@
           <p:nvPr/>
         </p:nvSpPr>
         <p:spPr>
-          <a:xfrm flipH="1" rot="10800000">
+          <a:xfrm rot="10800000" flipH="1">
             <a:off x="0" y="4622725"/>
             <a:ext cx="9144000" cy="74100"/>
           </a:xfrm>
@@ -7206,12 +7378,12 @@
           </a:ln>
         </p:spPr>
         <p:txBody>
-          <a:bodyPr anchorCtr="0" anchor="ctr" bIns="91425" lIns="91425" spcFirstLastPara="1" rIns="91425" wrap="square" tIns="91425">
+          <a:bodyPr spcFirstLastPara="1" wrap="square" lIns="91425" tIns="91425" rIns="91425" bIns="91425" anchor="ctr" anchorCtr="0">
             <a:noAutofit/>
           </a:bodyPr>
           <a:lstStyle/>
           <a:p>
-            <a:pPr indent="0" lvl="0" marL="0" rtl="0" algn="l">
+            <a:pPr marL="0" lvl="0" indent="0" algn="l" rtl="0">
               <a:spcBef>
                 <a:spcPts val="0"/>
               </a:spcBef>
@@ -7220,9 +7392,6 @@
               </a:spcAft>
               <a:buNone/>
             </a:pPr>
-            <a:r>
-              <a:t/>
-            </a:r>
             <a:endParaRPr/>
           </a:p>
         </p:txBody>
@@ -7230,9 +7399,11 @@
       <p:sp>
         <p:nvSpPr>
           <p:cNvPr id="55" name="Google Shape;55;p10"/>
-          <p:cNvSpPr txBox="1"/>
+          <p:cNvSpPr txBox="1">
+            <a:spLocks noGrp="1"/>
+          </p:cNvSpPr>
           <p:nvPr>
-            <p:ph idx="1" type="body"/>
+            <p:ph type="body" idx="1"/>
           </p:nvPr>
         </p:nvSpPr>
         <p:spPr>
@@ -7245,11 +7416,11 @@
           </a:prstGeom>
         </p:spPr>
         <p:txBody>
-          <a:bodyPr anchorCtr="0" anchor="ctr" bIns="91425" lIns="91425" spcFirstLastPara="1" rIns="91425" wrap="square" tIns="91425">
+          <a:bodyPr spcFirstLastPara="1" wrap="square" lIns="91425" tIns="91425" rIns="91425" bIns="91425" anchor="ctr" anchorCtr="0">
             <a:noAutofit/>
           </a:bodyPr>
           <a:lstStyle>
-            <a:lvl1pPr indent="-228600" lvl="0" marL="457200">
+            <a:lvl1pPr marL="457200" lvl="0" indent="-228600">
               <a:lnSpc>
                 <a:spcPct val="100000"/>
               </a:lnSpc>
@@ -7271,15 +7442,19 @@
               </a:defRPr>
             </a:lvl1pPr>
           </a:lstStyle>
-          <a:p/>
+          <a:p>
+            <a:endParaRPr/>
+          </a:p>
         </p:txBody>
       </p:sp>
       <p:sp>
         <p:nvSpPr>
           <p:cNvPr id="56" name="Google Shape;56;p10"/>
-          <p:cNvSpPr txBox="1"/>
+          <p:cNvSpPr txBox="1">
+            <a:spLocks noGrp="1"/>
+          </p:cNvSpPr>
           <p:nvPr>
-            <p:ph idx="12" type="sldNum"/>
+            <p:ph type="sldNum" idx="12"/>
           </p:nvPr>
         </p:nvSpPr>
         <p:spPr>
@@ -7292,7 +7467,7 @@
           </a:prstGeom>
         </p:spPr>
         <p:txBody>
-          <a:bodyPr anchorCtr="0" anchor="ctr" bIns="91425" lIns="91425" spcFirstLastPara="1" rIns="91425" wrap="square" tIns="91425">
+          <a:bodyPr spcFirstLastPara="1" wrap="square" lIns="91425" tIns="91425" rIns="91425" bIns="91425" anchor="ctr" anchorCtr="0">
             <a:noAutofit/>
           </a:bodyPr>
           <a:lstStyle>
@@ -7370,7 +7545,7 @@
             </a:lvl9pPr>
           </a:lstStyle>
           <a:p>
-            <a:pPr indent="0" lvl="0" marL="0" rtl="0" algn="r">
+            <a:pPr marL="0" lvl="0" indent="0" algn="r" rtl="0">
               <a:spcBef>
                 <a:spcPts val="0"/>
               </a:spcBef>
@@ -7396,18 +7571,19 @@
 </file>
 
 <file path=ppt/slideMasters/slideMaster1.xml><?xml version="1.0" encoding="utf-8"?>
-<p:sldMaster xmlns:a="http://schemas.openxmlformats.org/drawingml/2006/main" xmlns:r="http://schemas.openxmlformats.org/officeDocument/2006/relationships" xmlns:mc="http://schemas.openxmlformats.org/markup-compatibility/2006" xmlns:mv="urn:schemas-microsoft-com:mac:vml" xmlns:p="http://schemas.openxmlformats.org/presentationml/2006/main" xmlns:c="http://schemas.openxmlformats.org/drawingml/2006/chart" xmlns:dgm="http://schemas.openxmlformats.org/drawingml/2006/diagram" xmlns:o="urn:schemas-microsoft-com:office:office" xmlns:v="urn:schemas-microsoft-com:vml" xmlns:pvml="urn:schemas-microsoft-com:office:powerpoint" xmlns:com="http://schemas.openxmlformats.org/drawingml/2006/compatibility" xmlns:p14="http://schemas.microsoft.com/office/powerpoint/2010/main" xmlns:p15="http://schemas.microsoft.com/office/powerpoint/2012/main" xmlns:ahyp="http://schemas.microsoft.com/office/drawing/2018/hyperlinkcolor">
+<p:sldMaster xmlns:a="http://schemas.openxmlformats.org/drawingml/2006/main" xmlns:r="http://schemas.openxmlformats.org/officeDocument/2006/relationships" xmlns:p="http://schemas.openxmlformats.org/presentationml/2006/main">
   <p:cSld name="material">
     <p:bg>
       <p:bgPr>
         <a:solidFill>
           <a:srgbClr val="226AA4"/>
         </a:solidFill>
+        <a:effectLst/>
       </p:bgPr>
     </p:bg>
     <p:spTree>
       <p:nvGrpSpPr>
-        <p:cNvPr id="5" name="Shape 5"/>
+        <p:cNvPr id="1" name="Shape 5"/>
         <p:cNvGrpSpPr/>
         <p:nvPr/>
       </p:nvGrpSpPr>
@@ -7422,7 +7598,9 @@
       <p:sp>
         <p:nvSpPr>
           <p:cNvPr id="6" name="Google Shape;6;p1"/>
-          <p:cNvSpPr txBox="1"/>
+          <p:cNvSpPr txBox="1">
+            <a:spLocks noGrp="1"/>
+          </p:cNvSpPr>
           <p:nvPr>
             <p:ph type="title"/>
           </p:nvPr>
@@ -7441,7 +7619,7 @@
           </a:ln>
         </p:spPr>
         <p:txBody>
-          <a:bodyPr anchorCtr="0" anchor="b" bIns="91425" lIns="91425" spcFirstLastPara="1" rIns="91425" wrap="square" tIns="91425">
+          <a:bodyPr spcFirstLastPara="1" wrap="square" lIns="91425" tIns="91425" rIns="91425" bIns="91425" anchor="b" anchorCtr="0">
             <a:noAutofit/>
           </a:bodyPr>
           <a:lstStyle>
@@ -7653,15 +7831,19 @@
               </a:defRPr>
             </a:lvl9pPr>
           </a:lstStyle>
-          <a:p/>
+          <a:p>
+            <a:endParaRPr/>
+          </a:p>
         </p:txBody>
       </p:sp>
       <p:sp>
         <p:nvSpPr>
           <p:cNvPr id="7" name="Google Shape;7;p1"/>
-          <p:cNvSpPr txBox="1"/>
+          <p:cNvSpPr txBox="1">
+            <a:spLocks noGrp="1"/>
+          </p:cNvSpPr>
           <p:nvPr>
-            <p:ph idx="1" type="body"/>
+            <p:ph type="body" idx="1"/>
           </p:nvPr>
         </p:nvSpPr>
         <p:spPr>
@@ -7678,11 +7860,11 @@
           </a:ln>
         </p:spPr>
         <p:txBody>
-          <a:bodyPr anchorCtr="0" anchor="t" bIns="91425" lIns="91425" spcFirstLastPara="1" rIns="91425" wrap="square" tIns="91425">
+          <a:bodyPr spcFirstLastPara="1" wrap="square" lIns="91425" tIns="91425" rIns="91425" bIns="91425" anchor="t" anchorCtr="0">
             <a:noAutofit/>
           </a:bodyPr>
           <a:lstStyle>
-            <a:lvl1pPr indent="-342900" lvl="0" marL="457200">
+            <a:lvl1pPr marL="457200" lvl="0" indent="-342900">
               <a:lnSpc>
                 <a:spcPct val="115000"/>
               </a:lnSpc>
@@ -7708,7 +7890,7 @@
                 <a:sym typeface="Roboto"/>
               </a:defRPr>
             </a:lvl1pPr>
-            <a:lvl2pPr indent="-317500" lvl="1" marL="914400">
+            <a:lvl2pPr marL="914400" lvl="1" indent="-317500">
               <a:lnSpc>
                 <a:spcPct val="115000"/>
               </a:lnSpc>
@@ -7734,7 +7916,7 @@
                 <a:sym typeface="Roboto"/>
               </a:defRPr>
             </a:lvl2pPr>
-            <a:lvl3pPr indent="-317500" lvl="2" marL="1371600">
+            <a:lvl3pPr marL="1371600" lvl="2" indent="-317500">
               <a:lnSpc>
                 <a:spcPct val="115000"/>
               </a:lnSpc>
@@ -7760,7 +7942,7 @@
                 <a:sym typeface="Roboto"/>
               </a:defRPr>
             </a:lvl3pPr>
-            <a:lvl4pPr indent="-317500" lvl="3" marL="1828800">
+            <a:lvl4pPr marL="1828800" lvl="3" indent="-317500">
               <a:lnSpc>
                 <a:spcPct val="115000"/>
               </a:lnSpc>
@@ -7786,7 +7968,7 @@
                 <a:sym typeface="Roboto"/>
               </a:defRPr>
             </a:lvl4pPr>
-            <a:lvl5pPr indent="-317500" lvl="4" marL="2286000">
+            <a:lvl5pPr marL="2286000" lvl="4" indent="-317500">
               <a:lnSpc>
                 <a:spcPct val="115000"/>
               </a:lnSpc>
@@ -7812,7 +7994,7 @@
                 <a:sym typeface="Roboto"/>
               </a:defRPr>
             </a:lvl5pPr>
-            <a:lvl6pPr indent="-317500" lvl="5" marL="2743200">
+            <a:lvl6pPr marL="2743200" lvl="5" indent="-317500">
               <a:lnSpc>
                 <a:spcPct val="115000"/>
               </a:lnSpc>
@@ -7838,7 +8020,7 @@
                 <a:sym typeface="Roboto"/>
               </a:defRPr>
             </a:lvl6pPr>
-            <a:lvl7pPr indent="-317500" lvl="6" marL="3200400">
+            <a:lvl7pPr marL="3200400" lvl="6" indent="-317500">
               <a:lnSpc>
                 <a:spcPct val="115000"/>
               </a:lnSpc>
@@ -7864,7 +8046,7 @@
                 <a:sym typeface="Roboto"/>
               </a:defRPr>
             </a:lvl7pPr>
-            <a:lvl8pPr indent="-317500" lvl="7" marL="3657600">
+            <a:lvl8pPr marL="3657600" lvl="7" indent="-317500">
               <a:lnSpc>
                 <a:spcPct val="115000"/>
               </a:lnSpc>
@@ -7890,7 +8072,7 @@
                 <a:sym typeface="Roboto"/>
               </a:defRPr>
             </a:lvl8pPr>
-            <a:lvl9pPr indent="-317500" lvl="8" marL="4114800">
+            <a:lvl9pPr marL="4114800" lvl="8" indent="-317500">
               <a:lnSpc>
                 <a:spcPct val="115000"/>
               </a:lnSpc>
@@ -7917,15 +8099,19 @@
               </a:defRPr>
             </a:lvl9pPr>
           </a:lstStyle>
-          <a:p/>
+          <a:p>
+            <a:endParaRPr/>
+          </a:p>
         </p:txBody>
       </p:sp>
       <p:sp>
         <p:nvSpPr>
           <p:cNvPr id="8" name="Google Shape;8;p1"/>
-          <p:cNvSpPr txBox="1"/>
+          <p:cNvSpPr txBox="1">
+            <a:spLocks noGrp="1"/>
+          </p:cNvSpPr>
           <p:nvPr>
-            <p:ph idx="12" type="sldNum"/>
+            <p:ph type="sldNum" idx="12"/>
           </p:nvPr>
         </p:nvSpPr>
         <p:spPr>
@@ -7942,7 +8128,7 @@
           </a:ln>
         </p:spPr>
         <p:txBody>
-          <a:bodyPr anchorCtr="0" anchor="ctr" bIns="91425" lIns="91425" spcFirstLastPara="1" rIns="91425" wrap="square" tIns="91425">
+          <a:bodyPr spcFirstLastPara="1" wrap="square" lIns="91425" tIns="91425" rIns="91425" bIns="91425" anchor="ctr" anchorCtr="0">
             <a:noAutofit/>
           </a:bodyPr>
           <a:lstStyle>
@@ -8056,7 +8242,7 @@
             </a:lvl9pPr>
           </a:lstStyle>
           <a:p>
-            <a:pPr indent="0" lvl="0" marL="0" rtl="0" algn="r">
+            <a:pPr marL="0" lvl="0" indent="0" algn="r" rtl="0">
               <a:spcBef>
                 <a:spcPts val="0"/>
               </a:spcBef>
@@ -8075,7 +8261,7 @@
       </p:sp>
     </p:spTree>
   </p:cSld>
-  <p:clrMap accent1="accent1" accent2="accent2" accent3="accent3" accent4="accent4" accent5="accent5" accent6="accent6" bg1="lt1" bg2="dk2" tx1="dk1" tx2="lt2" folHlink="folHlink" hlink="hlink"/>
+  <p:clrMap bg1="lt1" tx1="dk1" bg2="dk2" tx2="lt2" accent1="accent1" accent2="accent2" accent3="accent3" accent4="accent4" accent5="accent5" accent6="accent6" hlink="hlink" folHlink="folHlink"/>
   <p:sldLayoutIdLst>
     <p:sldLayoutId id="2147483648" r:id="rId1"/>
     <p:sldLayoutId id="2147483649" r:id="rId2"/>
@@ -8089,10 +8275,10 @@
     <p:sldLayoutId id="2147483657" r:id="rId10"/>
     <p:sldLayoutId id="2147483658" r:id="rId11"/>
   </p:sldLayoutIdLst>
-  <p:hf dt="0" ftr="0" hdr="0" sldNum="0"/>
+  <p:hf sldNum="0" hdr="0" ftr="0" dt="0"/>
   <p:txStyles>
     <p:titleStyle>
-      <a:defPPr lvl="0" marR="0" rtl="0" algn="l">
+      <a:defPPr marR="0" lvl="0" algn="l" rtl="0">
         <a:lnSpc>
           <a:spcPct val="100000"/>
         </a:lnSpc>
@@ -8103,7 +8289,7 @@
           <a:spcPts val="0"/>
         </a:spcAft>
       </a:defPPr>
-      <a:lvl1pPr lvl="0" marR="0" rtl="0" algn="l">
+      <a:lvl1pPr marR="0" lvl="0" algn="l" rtl="0">
         <a:lnSpc>
           <a:spcPct val="100000"/>
         </a:lnSpc>
@@ -8117,7 +8303,7 @@
           <a:srgbClr val="000000"/>
         </a:buClr>
         <a:buFont typeface="Arial"/>
-        <a:defRPr b="0" i="0" sz="1400" u="none" cap="none" strike="noStrike">
+        <a:defRPr sz="1400" b="0" i="0" u="none" strike="noStrike" cap="none">
           <a:solidFill>
             <a:srgbClr val="000000"/>
           </a:solidFill>
@@ -8127,7 +8313,7 @@
           <a:sym typeface="Arial"/>
         </a:defRPr>
       </a:lvl1pPr>
-      <a:lvl2pPr lvl="1" marR="0" rtl="0" algn="l">
+      <a:lvl2pPr marR="0" lvl="1" algn="l" rtl="0">
         <a:lnSpc>
           <a:spcPct val="100000"/>
         </a:lnSpc>
@@ -8141,7 +8327,7 @@
           <a:srgbClr val="000000"/>
         </a:buClr>
         <a:buFont typeface="Arial"/>
-        <a:defRPr b="0" i="0" sz="1400" u="none" cap="none" strike="noStrike">
+        <a:defRPr sz="1400" b="0" i="0" u="none" strike="noStrike" cap="none">
           <a:solidFill>
             <a:srgbClr val="000000"/>
           </a:solidFill>
@@ -8151,7 +8337,7 @@
           <a:sym typeface="Arial"/>
         </a:defRPr>
       </a:lvl2pPr>
-      <a:lvl3pPr lvl="2" marR="0" rtl="0" algn="l">
+      <a:lvl3pPr marR="0" lvl="2" algn="l" rtl="0">
         <a:lnSpc>
           <a:spcPct val="100000"/>
         </a:lnSpc>
@@ -8165,7 +8351,7 @@
           <a:srgbClr val="000000"/>
         </a:buClr>
         <a:buFont typeface="Arial"/>
-        <a:defRPr b="0" i="0" sz="1400" u="none" cap="none" strike="noStrike">
+        <a:defRPr sz="1400" b="0" i="0" u="none" strike="noStrike" cap="none">
           <a:solidFill>
             <a:srgbClr val="000000"/>
           </a:solidFill>
@@ -8175,7 +8361,7 @@
           <a:sym typeface="Arial"/>
         </a:defRPr>
       </a:lvl3pPr>
-      <a:lvl4pPr lvl="3" marR="0" rtl="0" algn="l">
+      <a:lvl4pPr marR="0" lvl="3" algn="l" rtl="0">
         <a:lnSpc>
           <a:spcPct val="100000"/>
         </a:lnSpc>
@@ -8189,7 +8375,7 @@
           <a:srgbClr val="000000"/>
         </a:buClr>
         <a:buFont typeface="Arial"/>
-        <a:defRPr b="0" i="0" sz="1400" u="none" cap="none" strike="noStrike">
+        <a:defRPr sz="1400" b="0" i="0" u="none" strike="noStrike" cap="none">
           <a:solidFill>
             <a:srgbClr val="000000"/>
           </a:solidFill>
@@ -8199,7 +8385,7 @@
           <a:sym typeface="Arial"/>
         </a:defRPr>
       </a:lvl4pPr>
-      <a:lvl5pPr lvl="4" marR="0" rtl="0" algn="l">
+      <a:lvl5pPr marR="0" lvl="4" algn="l" rtl="0">
         <a:lnSpc>
           <a:spcPct val="100000"/>
         </a:lnSpc>
@@ -8213,7 +8399,7 @@
           <a:srgbClr val="000000"/>
         </a:buClr>
         <a:buFont typeface="Arial"/>
-        <a:defRPr b="0" i="0" sz="1400" u="none" cap="none" strike="noStrike">
+        <a:defRPr sz="1400" b="0" i="0" u="none" strike="noStrike" cap="none">
           <a:solidFill>
             <a:srgbClr val="000000"/>
           </a:solidFill>
@@ -8223,7 +8409,7 @@
           <a:sym typeface="Arial"/>
         </a:defRPr>
       </a:lvl5pPr>
-      <a:lvl6pPr lvl="5" marR="0" rtl="0" algn="l">
+      <a:lvl6pPr marR="0" lvl="5" algn="l" rtl="0">
         <a:lnSpc>
           <a:spcPct val="100000"/>
         </a:lnSpc>
@@ -8237,7 +8423,7 @@
           <a:srgbClr val="000000"/>
         </a:buClr>
         <a:buFont typeface="Arial"/>
-        <a:defRPr b="0" i="0" sz="1400" u="none" cap="none" strike="noStrike">
+        <a:defRPr sz="1400" b="0" i="0" u="none" strike="noStrike" cap="none">
           <a:solidFill>
             <a:srgbClr val="000000"/>
           </a:solidFill>
@@ -8247,7 +8433,7 @@
           <a:sym typeface="Arial"/>
         </a:defRPr>
       </a:lvl6pPr>
-      <a:lvl7pPr lvl="6" marR="0" rtl="0" algn="l">
+      <a:lvl7pPr marR="0" lvl="6" algn="l" rtl="0">
         <a:lnSpc>
           <a:spcPct val="100000"/>
         </a:lnSpc>
@@ -8261,7 +8447,7 @@
           <a:srgbClr val="000000"/>
         </a:buClr>
         <a:buFont typeface="Arial"/>
-        <a:defRPr b="0" i="0" sz="1400" u="none" cap="none" strike="noStrike">
+        <a:defRPr sz="1400" b="0" i="0" u="none" strike="noStrike" cap="none">
           <a:solidFill>
             <a:srgbClr val="000000"/>
           </a:solidFill>
@@ -8271,7 +8457,7 @@
           <a:sym typeface="Arial"/>
         </a:defRPr>
       </a:lvl7pPr>
-      <a:lvl8pPr lvl="7" marR="0" rtl="0" algn="l">
+      <a:lvl8pPr marR="0" lvl="7" algn="l" rtl="0">
         <a:lnSpc>
           <a:spcPct val="100000"/>
         </a:lnSpc>
@@ -8285,7 +8471,7 @@
           <a:srgbClr val="000000"/>
         </a:buClr>
         <a:buFont typeface="Arial"/>
-        <a:defRPr b="0" i="0" sz="1400" u="none" cap="none" strike="noStrike">
+        <a:defRPr sz="1400" b="0" i="0" u="none" strike="noStrike" cap="none">
           <a:solidFill>
             <a:srgbClr val="000000"/>
           </a:solidFill>
@@ -8295,7 +8481,7 @@
           <a:sym typeface="Arial"/>
         </a:defRPr>
       </a:lvl8pPr>
-      <a:lvl9pPr lvl="8" marR="0" rtl="0" algn="l">
+      <a:lvl9pPr marR="0" lvl="8" algn="l" rtl="0">
         <a:lnSpc>
           <a:spcPct val="100000"/>
         </a:lnSpc>
@@ -8309,7 +8495,7 @@
           <a:srgbClr val="000000"/>
         </a:buClr>
         <a:buFont typeface="Arial"/>
-        <a:defRPr b="0" i="0" sz="1400" u="none" cap="none" strike="noStrike">
+        <a:defRPr sz="1400" b="0" i="0" u="none" strike="noStrike" cap="none">
           <a:solidFill>
             <a:srgbClr val="000000"/>
           </a:solidFill>
@@ -8321,7 +8507,7 @@
       </a:lvl9pPr>
     </p:titleStyle>
     <p:bodyStyle>
-      <a:defPPr lvl="0" marR="0" rtl="0" algn="l">
+      <a:defPPr marR="0" lvl="0" algn="l" rtl="0">
         <a:lnSpc>
           <a:spcPct val="100000"/>
         </a:lnSpc>
@@ -8332,7 +8518,7 @@
           <a:spcPts val="0"/>
         </a:spcAft>
       </a:defPPr>
-      <a:lvl1pPr lvl="0" marR="0" rtl="0" algn="l">
+      <a:lvl1pPr marR="0" lvl="0" algn="l" rtl="0">
         <a:lnSpc>
           <a:spcPct val="100000"/>
         </a:lnSpc>
@@ -8346,7 +8532,7 @@
           <a:srgbClr val="000000"/>
         </a:buClr>
         <a:buFont typeface="Arial"/>
-        <a:defRPr b="0" i="0" sz="1400" u="none" cap="none" strike="noStrike">
+        <a:defRPr sz="1400" b="0" i="0" u="none" strike="noStrike" cap="none">
           <a:solidFill>
             <a:srgbClr val="000000"/>
           </a:solidFill>
@@ -8356,7 +8542,7 @@
           <a:sym typeface="Arial"/>
         </a:defRPr>
       </a:lvl1pPr>
-      <a:lvl2pPr lvl="1" marR="0" rtl="0" algn="l">
+      <a:lvl2pPr marR="0" lvl="1" algn="l" rtl="0">
         <a:lnSpc>
           <a:spcPct val="100000"/>
         </a:lnSpc>
@@ -8370,7 +8556,7 @@
           <a:srgbClr val="000000"/>
         </a:buClr>
         <a:buFont typeface="Arial"/>
-        <a:defRPr b="0" i="0" sz="1400" u="none" cap="none" strike="noStrike">
+        <a:defRPr sz="1400" b="0" i="0" u="none" strike="noStrike" cap="none">
           <a:solidFill>
             <a:srgbClr val="000000"/>
           </a:solidFill>
@@ -8380,7 +8566,7 @@
           <a:sym typeface="Arial"/>
         </a:defRPr>
       </a:lvl2pPr>
-      <a:lvl3pPr lvl="2" marR="0" rtl="0" algn="l">
+      <a:lvl3pPr marR="0" lvl="2" algn="l" rtl="0">
         <a:lnSpc>
           <a:spcPct val="100000"/>
         </a:lnSpc>
@@ -8394,7 +8580,7 @@
           <a:srgbClr val="000000"/>
         </a:buClr>
         <a:buFont typeface="Arial"/>
-        <a:defRPr b="0" i="0" sz="1400" u="none" cap="none" strike="noStrike">
+        <a:defRPr sz="1400" b="0" i="0" u="none" strike="noStrike" cap="none">
           <a:solidFill>
             <a:srgbClr val="000000"/>
           </a:solidFill>
@@ -8404,7 +8590,7 @@
           <a:sym typeface="Arial"/>
         </a:defRPr>
       </a:lvl3pPr>
-      <a:lvl4pPr lvl="3" marR="0" rtl="0" algn="l">
+      <a:lvl4pPr marR="0" lvl="3" algn="l" rtl="0">
         <a:lnSpc>
           <a:spcPct val="100000"/>
         </a:lnSpc>
@@ -8418,7 +8604,7 @@
           <a:srgbClr val="000000"/>
         </a:buClr>
         <a:buFont typeface="Arial"/>
-        <a:defRPr b="0" i="0" sz="1400" u="none" cap="none" strike="noStrike">
+        <a:defRPr sz="1400" b="0" i="0" u="none" strike="noStrike" cap="none">
           <a:solidFill>
             <a:srgbClr val="000000"/>
           </a:solidFill>
@@ -8428,7 +8614,7 @@
           <a:sym typeface="Arial"/>
         </a:defRPr>
       </a:lvl4pPr>
-      <a:lvl5pPr lvl="4" marR="0" rtl="0" algn="l">
+      <a:lvl5pPr marR="0" lvl="4" algn="l" rtl="0">
         <a:lnSpc>
           <a:spcPct val="100000"/>
         </a:lnSpc>
@@ -8442,7 +8628,7 @@
           <a:srgbClr val="000000"/>
         </a:buClr>
         <a:buFont typeface="Arial"/>
-        <a:defRPr b="0" i="0" sz="1400" u="none" cap="none" strike="noStrike">
+        <a:defRPr sz="1400" b="0" i="0" u="none" strike="noStrike" cap="none">
           <a:solidFill>
             <a:srgbClr val="000000"/>
           </a:solidFill>
@@ -8452,7 +8638,7 @@
           <a:sym typeface="Arial"/>
         </a:defRPr>
       </a:lvl5pPr>
-      <a:lvl6pPr lvl="5" marR="0" rtl="0" algn="l">
+      <a:lvl6pPr marR="0" lvl="5" algn="l" rtl="0">
         <a:lnSpc>
           <a:spcPct val="100000"/>
         </a:lnSpc>
@@ -8466,7 +8652,7 @@
           <a:srgbClr val="000000"/>
         </a:buClr>
         <a:buFont typeface="Arial"/>
-        <a:defRPr b="0" i="0" sz="1400" u="none" cap="none" strike="noStrike">
+        <a:defRPr sz="1400" b="0" i="0" u="none" strike="noStrike" cap="none">
           <a:solidFill>
             <a:srgbClr val="000000"/>
           </a:solidFill>
@@ -8476,7 +8662,7 @@
           <a:sym typeface="Arial"/>
         </a:defRPr>
       </a:lvl6pPr>
-      <a:lvl7pPr lvl="6" marR="0" rtl="0" algn="l">
+      <a:lvl7pPr marR="0" lvl="6" algn="l" rtl="0">
         <a:lnSpc>
           <a:spcPct val="100000"/>
         </a:lnSpc>
@@ -8490,7 +8676,7 @@
           <a:srgbClr val="000000"/>
         </a:buClr>
         <a:buFont typeface="Arial"/>
-        <a:defRPr b="0" i="0" sz="1400" u="none" cap="none" strike="noStrike">
+        <a:defRPr sz="1400" b="0" i="0" u="none" strike="noStrike" cap="none">
           <a:solidFill>
             <a:srgbClr val="000000"/>
           </a:solidFill>
@@ -8500,7 +8686,7 @@
           <a:sym typeface="Arial"/>
         </a:defRPr>
       </a:lvl7pPr>
-      <a:lvl8pPr lvl="7" marR="0" rtl="0" algn="l">
+      <a:lvl8pPr marR="0" lvl="7" algn="l" rtl="0">
         <a:lnSpc>
           <a:spcPct val="100000"/>
         </a:lnSpc>
@@ -8514,7 +8700,7 @@
           <a:srgbClr val="000000"/>
         </a:buClr>
         <a:buFont typeface="Arial"/>
-        <a:defRPr b="0" i="0" sz="1400" u="none" cap="none" strike="noStrike">
+        <a:defRPr sz="1400" b="0" i="0" u="none" strike="noStrike" cap="none">
           <a:solidFill>
             <a:srgbClr val="000000"/>
           </a:solidFill>
@@ -8524,7 +8710,7 @@
           <a:sym typeface="Arial"/>
         </a:defRPr>
       </a:lvl8pPr>
-      <a:lvl9pPr lvl="8" marR="0" rtl="0" algn="l">
+      <a:lvl9pPr marR="0" lvl="8" algn="l" rtl="0">
         <a:lnSpc>
           <a:spcPct val="100000"/>
         </a:lnSpc>
@@ -8538,7 +8724,7 @@
           <a:srgbClr val="000000"/>
         </a:buClr>
         <a:buFont typeface="Arial"/>
-        <a:defRPr b="0" i="0" sz="1400" u="none" cap="none" strike="noStrike">
+        <a:defRPr sz="1400" b="0" i="0" u="none" strike="noStrike" cap="none">
           <a:solidFill>
             <a:srgbClr val="000000"/>
           </a:solidFill>
@@ -8550,7 +8736,7 @@
       </a:lvl9pPr>
     </p:bodyStyle>
     <p:otherStyle>
-      <a:defPPr lvl="0" marR="0" rtl="0" algn="l">
+      <a:defPPr marR="0" lvl="0" algn="l" rtl="0">
         <a:lnSpc>
           <a:spcPct val="100000"/>
         </a:lnSpc>
@@ -8561,7 +8747,7 @@
           <a:spcPts val="0"/>
         </a:spcAft>
       </a:defPPr>
-      <a:lvl1pPr lvl="0" marR="0" rtl="0" algn="l">
+      <a:lvl1pPr marR="0" lvl="0" algn="l" rtl="0">
         <a:lnSpc>
           <a:spcPct val="100000"/>
         </a:lnSpc>
@@ -8575,7 +8761,7 @@
           <a:srgbClr val="000000"/>
         </a:buClr>
         <a:buFont typeface="Arial"/>
-        <a:defRPr b="0" i="0" sz="1400" u="none" cap="none" strike="noStrike">
+        <a:defRPr sz="1400" b="0" i="0" u="none" strike="noStrike" cap="none">
           <a:solidFill>
             <a:srgbClr val="000000"/>
           </a:solidFill>
@@ -8585,7 +8771,7 @@
           <a:sym typeface="Arial"/>
         </a:defRPr>
       </a:lvl1pPr>
-      <a:lvl2pPr lvl="1" marR="0" rtl="0" algn="l">
+      <a:lvl2pPr marR="0" lvl="1" algn="l" rtl="0">
         <a:lnSpc>
           <a:spcPct val="100000"/>
         </a:lnSpc>
@@ -8599,7 +8785,7 @@
           <a:srgbClr val="000000"/>
         </a:buClr>
         <a:buFont typeface="Arial"/>
-        <a:defRPr b="0" i="0" sz="1400" u="none" cap="none" strike="noStrike">
+        <a:defRPr sz="1400" b="0" i="0" u="none" strike="noStrike" cap="none">
           <a:solidFill>
             <a:srgbClr val="000000"/>
           </a:solidFill>
@@ -8609,7 +8795,7 @@
           <a:sym typeface="Arial"/>
         </a:defRPr>
       </a:lvl2pPr>
-      <a:lvl3pPr lvl="2" marR="0" rtl="0" algn="l">
+      <a:lvl3pPr marR="0" lvl="2" algn="l" rtl="0">
         <a:lnSpc>
           <a:spcPct val="100000"/>
         </a:lnSpc>
@@ -8623,7 +8809,7 @@
           <a:srgbClr val="000000"/>
         </a:buClr>
         <a:buFont typeface="Arial"/>
-        <a:defRPr b="0" i="0" sz="1400" u="none" cap="none" strike="noStrike">
+        <a:defRPr sz="1400" b="0" i="0" u="none" strike="noStrike" cap="none">
           <a:solidFill>
             <a:srgbClr val="000000"/>
           </a:solidFill>
@@ -8633,7 +8819,7 @@
           <a:sym typeface="Arial"/>
         </a:defRPr>
       </a:lvl3pPr>
-      <a:lvl4pPr lvl="3" marR="0" rtl="0" algn="l">
+      <a:lvl4pPr marR="0" lvl="3" algn="l" rtl="0">
         <a:lnSpc>
           <a:spcPct val="100000"/>
         </a:lnSpc>
@@ -8647,7 +8833,7 @@
           <a:srgbClr val="000000"/>
         </a:buClr>
         <a:buFont typeface="Arial"/>
-        <a:defRPr b="0" i="0" sz="1400" u="none" cap="none" strike="noStrike">
+        <a:defRPr sz="1400" b="0" i="0" u="none" strike="noStrike" cap="none">
           <a:solidFill>
             <a:srgbClr val="000000"/>
           </a:solidFill>
@@ -8657,7 +8843,7 @@
           <a:sym typeface="Arial"/>
         </a:defRPr>
       </a:lvl4pPr>
-      <a:lvl5pPr lvl="4" marR="0" rtl="0" algn="l">
+      <a:lvl5pPr marR="0" lvl="4" algn="l" rtl="0">
         <a:lnSpc>
           <a:spcPct val="100000"/>
         </a:lnSpc>
@@ -8671,7 +8857,7 @@
           <a:srgbClr val="000000"/>
         </a:buClr>
         <a:buFont typeface="Arial"/>
-        <a:defRPr b="0" i="0" sz="1400" u="none" cap="none" strike="noStrike">
+        <a:defRPr sz="1400" b="0" i="0" u="none" strike="noStrike" cap="none">
           <a:solidFill>
             <a:srgbClr val="000000"/>
           </a:solidFill>
@@ -8681,7 +8867,7 @@
           <a:sym typeface="Arial"/>
         </a:defRPr>
       </a:lvl5pPr>
-      <a:lvl6pPr lvl="5" marR="0" rtl="0" algn="l">
+      <a:lvl6pPr marR="0" lvl="5" algn="l" rtl="0">
         <a:lnSpc>
           <a:spcPct val="100000"/>
         </a:lnSpc>
@@ -8695,7 +8881,7 @@
           <a:srgbClr val="000000"/>
         </a:buClr>
         <a:buFont typeface="Arial"/>
-        <a:defRPr b="0" i="0" sz="1400" u="none" cap="none" strike="noStrike">
+        <a:defRPr sz="1400" b="0" i="0" u="none" strike="noStrike" cap="none">
           <a:solidFill>
             <a:srgbClr val="000000"/>
           </a:solidFill>
@@ -8705,7 +8891,7 @@
           <a:sym typeface="Arial"/>
         </a:defRPr>
       </a:lvl6pPr>
-      <a:lvl7pPr lvl="6" marR="0" rtl="0" algn="l">
+      <a:lvl7pPr marR="0" lvl="6" algn="l" rtl="0">
         <a:lnSpc>
           <a:spcPct val="100000"/>
         </a:lnSpc>
@@ -8719,7 +8905,7 @@
           <a:srgbClr val="000000"/>
         </a:buClr>
         <a:buFont typeface="Arial"/>
-        <a:defRPr b="0" i="0" sz="1400" u="none" cap="none" strike="noStrike">
+        <a:defRPr sz="1400" b="0" i="0" u="none" strike="noStrike" cap="none">
           <a:solidFill>
             <a:srgbClr val="000000"/>
           </a:solidFill>
@@ -8729,7 +8915,7 @@
           <a:sym typeface="Arial"/>
         </a:defRPr>
       </a:lvl7pPr>
-      <a:lvl8pPr lvl="7" marR="0" rtl="0" algn="l">
+      <a:lvl8pPr marR="0" lvl="7" algn="l" rtl="0">
         <a:lnSpc>
           <a:spcPct val="100000"/>
         </a:lnSpc>
@@ -8743,7 +8929,7 @@
           <a:srgbClr val="000000"/>
         </a:buClr>
         <a:buFont typeface="Arial"/>
-        <a:defRPr b="0" i="0" sz="1400" u="none" cap="none" strike="noStrike">
+        <a:defRPr sz="1400" b="0" i="0" u="none" strike="noStrike" cap="none">
           <a:solidFill>
             <a:srgbClr val="000000"/>
           </a:solidFill>
@@ -8753,7 +8939,7 @@
           <a:sym typeface="Arial"/>
         </a:defRPr>
       </a:lvl8pPr>
-      <a:lvl9pPr lvl="8" marR="0" rtl="0" algn="l">
+      <a:lvl9pPr marR="0" lvl="8" algn="l" rtl="0">
         <a:lnSpc>
           <a:spcPct val="100000"/>
         </a:lnSpc>
@@ -8767,7 +8953,7 @@
           <a:srgbClr val="000000"/>
         </a:buClr>
         <a:buFont typeface="Arial"/>
-        <a:defRPr b="0" i="0" sz="1400" u="none" cap="none" strike="noStrike">
+        <a:defRPr sz="1400" b="0" i="0" u="none" strike="noStrike" cap="none">
           <a:solidFill>
             <a:srgbClr val="000000"/>
           </a:solidFill>
@@ -8783,11 +8969,11 @@
 </file>
 
 <file path=ppt/slides/slide1.xml><?xml version="1.0" encoding="utf-8"?>
-<p:sld xmlns:a="http://schemas.openxmlformats.org/drawingml/2006/main" xmlns:r="http://schemas.openxmlformats.org/officeDocument/2006/relationships" xmlns:mc="http://schemas.openxmlformats.org/markup-compatibility/2006" xmlns:mv="urn:schemas-microsoft-com:mac:vml" xmlns:p="http://schemas.openxmlformats.org/presentationml/2006/main" xmlns:c="http://schemas.openxmlformats.org/drawingml/2006/chart" xmlns:dgm="http://schemas.openxmlformats.org/drawingml/2006/diagram" xmlns:o="urn:schemas-microsoft-com:office:office" xmlns:v="urn:schemas-microsoft-com:vml" xmlns:pvml="urn:schemas-microsoft-com:office:powerpoint" xmlns:com="http://schemas.openxmlformats.org/drawingml/2006/compatibility" xmlns:p14="http://schemas.microsoft.com/office/powerpoint/2010/main" xmlns:p15="http://schemas.microsoft.com/office/powerpoint/2012/main" xmlns:ahyp="http://schemas.microsoft.com/office/drawing/2018/hyperlinkcolor">
+<p:sld xmlns:a="http://schemas.openxmlformats.org/drawingml/2006/main" xmlns:r="http://schemas.openxmlformats.org/officeDocument/2006/relationships" xmlns:p="http://schemas.openxmlformats.org/presentationml/2006/main">
   <p:cSld>
     <p:spTree>
       <p:nvGrpSpPr>
-        <p:cNvPr id="66" name="Shape 66"/>
+        <p:cNvPr id="1" name="Shape 66"/>
         <p:cNvGrpSpPr/>
         <p:nvPr/>
       </p:nvGrpSpPr>
@@ -8802,7 +8988,9 @@
       <p:sp>
         <p:nvSpPr>
           <p:cNvPr id="67" name="Google Shape;67;p13"/>
-          <p:cNvSpPr txBox="1"/>
+          <p:cNvSpPr txBox="1">
+            <a:spLocks noGrp="1"/>
+          </p:cNvSpPr>
           <p:nvPr>
             <p:ph type="ctrTitle"/>
           </p:nvPr>
@@ -8817,12 +9005,12 @@
           </a:prstGeom>
         </p:spPr>
         <p:txBody>
-          <a:bodyPr anchorCtr="0" anchor="b" bIns="91425" lIns="91425" spcFirstLastPara="1" rIns="91425" wrap="square" tIns="91425">
+          <a:bodyPr spcFirstLastPara="1" wrap="square" lIns="91425" tIns="91425" rIns="91425" bIns="91425" anchor="b" anchorCtr="0">
             <a:noAutofit/>
           </a:bodyPr>
           <a:lstStyle/>
           <a:p>
-            <a:pPr indent="0" lvl="0" marL="0" rtl="0" algn="l">
+            <a:pPr marL="0" lvl="0" indent="0" algn="l" rtl="0">
               <a:spcBef>
                 <a:spcPts val="0"/>
               </a:spcBef>
@@ -8842,9 +9030,11 @@
       <p:sp>
         <p:nvSpPr>
           <p:cNvPr id="68" name="Google Shape;68;p13"/>
-          <p:cNvSpPr txBox="1"/>
+          <p:cNvSpPr txBox="1">
+            <a:spLocks noGrp="1"/>
+          </p:cNvSpPr>
           <p:nvPr>
-            <p:ph idx="1" type="subTitle"/>
+            <p:ph type="subTitle" idx="1"/>
           </p:nvPr>
         </p:nvSpPr>
         <p:spPr>
@@ -8857,12 +9047,12 @@
           </a:prstGeom>
         </p:spPr>
         <p:txBody>
-          <a:bodyPr anchorCtr="0" anchor="t" bIns="91425" lIns="91425" spcFirstLastPara="1" rIns="91425" wrap="square" tIns="91425">
+          <a:bodyPr spcFirstLastPara="1" wrap="square" lIns="91425" tIns="91425" rIns="91425" bIns="91425" anchor="t" anchorCtr="0">
             <a:noAutofit/>
           </a:bodyPr>
           <a:lstStyle/>
           <a:p>
-            <a:pPr indent="0" lvl="0" marL="0" rtl="0" algn="just">
+            <a:pPr marL="0" lvl="0" indent="0" algn="just" rtl="0">
               <a:spcBef>
                 <a:spcPts val="0"/>
               </a:spcBef>
@@ -8878,7 +9068,7 @@
             <a:endParaRPr/>
           </a:p>
           <a:p>
-            <a:pPr indent="0" lvl="0" marL="0" rtl="0" algn="ctr">
+            <a:pPr marL="0" lvl="0" indent="0" algn="ctr" rtl="0">
               <a:spcBef>
                 <a:spcPts val="0"/>
               </a:spcBef>
@@ -8887,13 +9077,10 @@
               </a:spcAft>
               <a:buNone/>
             </a:pPr>
-            <a:r>
-              <a:t/>
-            </a:r>
             <a:endParaRPr sz="1400"/>
           </a:p>
           <a:p>
-            <a:pPr indent="0" lvl="0" marL="0" rtl="0" algn="just">
+            <a:pPr marL="0" lvl="0" indent="0" algn="just" rtl="0">
               <a:spcBef>
                 <a:spcPts val="0"/>
               </a:spcBef>
@@ -8909,7 +9096,7 @@
             <a:endParaRPr sz="1400"/>
           </a:p>
           <a:p>
-            <a:pPr indent="0" lvl="0" marL="0" rtl="0" algn="l">
+            <a:pPr marL="0" lvl="0" indent="0" algn="l" rtl="0">
               <a:spcBef>
                 <a:spcPts val="0"/>
               </a:spcBef>
@@ -8918,9 +9105,6 @@
               </a:spcAft>
               <a:buNone/>
             </a:pPr>
-            <a:r>
-              <a:t/>
-            </a:r>
             <a:endParaRPr/>
           </a:p>
         </p:txBody>
@@ -8973,12 +9157,12 @@
           </a:ln>
         </p:spPr>
         <p:txBody>
-          <a:bodyPr anchorCtr="0" anchor="t" bIns="91425" lIns="91425" spcFirstLastPara="1" rIns="91425" wrap="square" tIns="91425">
+          <a:bodyPr spcFirstLastPara="1" wrap="square" lIns="91425" tIns="91425" rIns="91425" bIns="91425" anchor="t" anchorCtr="0">
             <a:noAutofit/>
           </a:bodyPr>
           <a:lstStyle/>
           <a:p>
-            <a:pPr indent="0" lvl="0" marL="0" rtl="0" algn="just">
+            <a:pPr marL="0" lvl="0" indent="0" algn="just" rtl="0">
               <a:lnSpc>
                 <a:spcPct val="150000"/>
               </a:lnSpc>
@@ -9023,11 +9207,11 @@
 </file>
 
 <file path=ppt/slides/slide10.xml><?xml version="1.0" encoding="utf-8"?>
-<p:sld xmlns:a="http://schemas.openxmlformats.org/drawingml/2006/main" xmlns:r="http://schemas.openxmlformats.org/officeDocument/2006/relationships" xmlns:mc="http://schemas.openxmlformats.org/markup-compatibility/2006" xmlns:mv="urn:schemas-microsoft-com:mac:vml" xmlns:p="http://schemas.openxmlformats.org/presentationml/2006/main" xmlns:c="http://schemas.openxmlformats.org/drawingml/2006/chart" xmlns:dgm="http://schemas.openxmlformats.org/drawingml/2006/diagram" xmlns:o="urn:schemas-microsoft-com:office:office" xmlns:v="urn:schemas-microsoft-com:vml" xmlns:pvml="urn:schemas-microsoft-com:office:powerpoint" xmlns:com="http://schemas.openxmlformats.org/drawingml/2006/compatibility" xmlns:p14="http://schemas.microsoft.com/office/powerpoint/2010/main" xmlns:p15="http://schemas.microsoft.com/office/powerpoint/2012/main" xmlns:ahyp="http://schemas.microsoft.com/office/drawing/2018/hyperlinkcolor">
+<p:sld xmlns:a="http://schemas.openxmlformats.org/drawingml/2006/main" xmlns:r="http://schemas.openxmlformats.org/officeDocument/2006/relationships" xmlns:p="http://schemas.openxmlformats.org/presentationml/2006/main">
   <p:cSld>
     <p:spTree>
       <p:nvGrpSpPr>
-        <p:cNvPr id="130" name="Shape 130"/>
+        <p:cNvPr id="1" name="Shape 130"/>
         <p:cNvGrpSpPr/>
         <p:nvPr/>
       </p:nvGrpSpPr>
@@ -9042,7 +9226,9 @@
       <p:sp>
         <p:nvSpPr>
           <p:cNvPr id="131" name="Google Shape;131;p22"/>
-          <p:cNvSpPr txBox="1"/>
+          <p:cNvSpPr txBox="1">
+            <a:spLocks noGrp="1"/>
+          </p:cNvSpPr>
           <p:nvPr>
             <p:ph type="ctrTitle"/>
           </p:nvPr>
@@ -9057,12 +9243,12 @@
           </a:prstGeom>
         </p:spPr>
         <p:txBody>
-          <a:bodyPr anchorCtr="0" anchor="b" bIns="91425" lIns="91425" spcFirstLastPara="1" rIns="91425" wrap="square" tIns="91425">
+          <a:bodyPr spcFirstLastPara="1" wrap="square" lIns="91425" tIns="91425" rIns="91425" bIns="91425" anchor="b" anchorCtr="0">
             <a:noAutofit/>
           </a:bodyPr>
           <a:lstStyle/>
           <a:p>
-            <a:pPr indent="0" lvl="0" marL="0" rtl="0" algn="ctr">
+            <a:pPr marL="0" lvl="0" indent="0" algn="ctr" rtl="0">
               <a:spcBef>
                 <a:spcPts val="0"/>
               </a:spcBef>
@@ -9072,50 +9258,10 @@
               <a:buNone/>
             </a:pPr>
             <a:r>
-              <a:rPr lang="it"/>
-              <a:t>Interfaccia grafica</a:t>
+              <a:rPr lang="it" dirty="0"/>
+              <a:t>User Interface</a:t>
             </a:r>
-            <a:endParaRPr/>
-          </a:p>
-        </p:txBody>
-      </p:sp>
-      <p:sp>
-        <p:nvSpPr>
-          <p:cNvPr id="132" name="Google Shape;132;p22"/>
-          <p:cNvSpPr txBox="1"/>
-          <p:nvPr>
-            <p:ph idx="1" type="subTitle"/>
-          </p:nvPr>
-        </p:nvSpPr>
-        <p:spPr>
-          <a:xfrm>
-            <a:off x="390525" y="2789130"/>
-            <a:ext cx="8222100" cy="432900"/>
-          </a:xfrm>
-          <a:prstGeom prst="rect">
-            <a:avLst/>
-          </a:prstGeom>
-        </p:spPr>
-        <p:txBody>
-          <a:bodyPr anchorCtr="0" anchor="t" bIns="91425" lIns="91425" spcFirstLastPara="1" rIns="91425" wrap="square" tIns="91425">
-            <a:noAutofit/>
-          </a:bodyPr>
-          <a:lstStyle/>
-          <a:p>
-            <a:pPr indent="0" lvl="0" marL="0" rtl="0" algn="ctr">
-              <a:spcBef>
-                <a:spcPts val="0"/>
-              </a:spcBef>
-              <a:spcAft>
-                <a:spcPts val="0"/>
-              </a:spcAft>
-              <a:buNone/>
-            </a:pPr>
-            <a:r>
-              <a:rPr lang="it"/>
-              <a:t>Come si presenta l’applicazione</a:t>
-            </a:r>
-            <a:endParaRPr/>
+            <a:endParaRPr dirty="0"/>
           </a:p>
         </p:txBody>
       </p:sp>
@@ -9128,11 +9274,11 @@
 </file>
 
 <file path=ppt/slides/slide11.xml><?xml version="1.0" encoding="utf-8"?>
-<p:sld xmlns:a="http://schemas.openxmlformats.org/drawingml/2006/main" xmlns:r="http://schemas.openxmlformats.org/officeDocument/2006/relationships" xmlns:mc="http://schemas.openxmlformats.org/markup-compatibility/2006" xmlns:mv="urn:schemas-microsoft-com:mac:vml" xmlns:p="http://schemas.openxmlformats.org/presentationml/2006/main" xmlns:c="http://schemas.openxmlformats.org/drawingml/2006/chart" xmlns:dgm="http://schemas.openxmlformats.org/drawingml/2006/diagram" xmlns:o="urn:schemas-microsoft-com:office:office" xmlns:v="urn:schemas-microsoft-com:vml" xmlns:pvml="urn:schemas-microsoft-com:office:powerpoint" xmlns:com="http://schemas.openxmlformats.org/drawingml/2006/compatibility" xmlns:p14="http://schemas.microsoft.com/office/powerpoint/2010/main" xmlns:p15="http://schemas.microsoft.com/office/powerpoint/2012/main" xmlns:ahyp="http://schemas.microsoft.com/office/drawing/2018/hyperlinkcolor">
+<p:sld xmlns:a="http://schemas.openxmlformats.org/drawingml/2006/main" xmlns:r="http://schemas.openxmlformats.org/officeDocument/2006/relationships" xmlns:p="http://schemas.openxmlformats.org/presentationml/2006/main">
   <p:cSld>
     <p:spTree>
       <p:nvGrpSpPr>
-        <p:cNvPr id="136" name="Shape 136"/>
+        <p:cNvPr id="1" name="Shape 136"/>
         <p:cNvGrpSpPr/>
         <p:nvPr/>
       </p:nvGrpSpPr>
@@ -9147,7 +9293,9 @@
       <p:sp>
         <p:nvSpPr>
           <p:cNvPr id="137" name="Google Shape;137;p23"/>
-          <p:cNvSpPr txBox="1"/>
+          <p:cNvSpPr txBox="1">
+            <a:spLocks noGrp="1"/>
+          </p:cNvSpPr>
           <p:nvPr>
             <p:ph type="title"/>
           </p:nvPr>
@@ -9162,12 +9310,12 @@
           </a:prstGeom>
         </p:spPr>
         <p:txBody>
-          <a:bodyPr anchorCtr="0" anchor="ctr" bIns="91425" lIns="91425" spcFirstLastPara="1" rIns="91425" wrap="square" tIns="91425">
+          <a:bodyPr spcFirstLastPara="1" wrap="square" lIns="91425" tIns="91425" rIns="91425" bIns="91425" anchor="ctr" anchorCtr="0">
             <a:noAutofit/>
           </a:bodyPr>
           <a:lstStyle/>
           <a:p>
-            <a:pPr indent="0" lvl="0" marL="0" rtl="0" algn="ctr">
+            <a:pPr marL="0" lvl="0" indent="0" algn="ctr" rtl="0">
               <a:spcBef>
                 <a:spcPts val="0"/>
               </a:spcBef>
@@ -9177,7 +9325,7 @@
               <a:buNone/>
             </a:pPr>
             <a:r>
-              <a:rPr b="1" lang="it" sz="2400">
+              <a:rPr lang="it" sz="2400" b="1">
                 <a:solidFill>
                   <a:srgbClr val="FFFFFF"/>
                 </a:solidFill>
@@ -9215,17 +9363,17 @@
             <a:avLst/>
           </a:prstGeom>
           <a:noFill/>
-          <a:ln cap="flat" cmpd="sng" w="9525">
+          <a:ln w="9525" cap="flat" cmpd="sng">
             <a:solidFill>
               <a:schemeClr val="lt1"/>
             </a:solidFill>
             <a:prstDash val="solid"/>
             <a:bevel/>
-            <a:headEnd len="sm" w="sm" type="none"/>
-            <a:tailEnd len="sm" w="sm" type="none"/>
+            <a:headEnd type="none" w="sm" len="sm"/>
+            <a:tailEnd type="none" w="sm" len="sm"/>
           </a:ln>
           <a:effectLst>
-            <a:outerShdw blurRad="57150" rotWithShape="0" algn="bl" dir="5400000" dist="57150">
+            <a:outerShdw blurRad="57150" dist="57150" dir="5400000" algn="bl" rotWithShape="0">
               <a:srgbClr val="000000">
                 <a:alpha val="40000"/>
               </a:srgbClr>
@@ -9256,17 +9404,17 @@
             <a:avLst/>
           </a:prstGeom>
           <a:noFill/>
-          <a:ln cap="flat" cmpd="sng" w="9525">
+          <a:ln w="9525" cap="flat" cmpd="sng">
             <a:solidFill>
               <a:schemeClr val="lt1"/>
             </a:solidFill>
             <a:prstDash val="solid"/>
             <a:bevel/>
-            <a:headEnd len="sm" w="sm" type="none"/>
-            <a:tailEnd len="sm" w="sm" type="none"/>
+            <a:headEnd type="none" w="sm" len="sm"/>
+            <a:tailEnd type="none" w="sm" len="sm"/>
           </a:ln>
           <a:effectLst>
-            <a:outerShdw blurRad="57150" rotWithShape="0" algn="bl" dir="5400000" dist="57150">
+            <a:outerShdw blurRad="57150" dist="57150" dir="5400000" algn="bl" rotWithShape="0">
               <a:srgbClr val="000000">
                 <a:alpha val="41000"/>
               </a:srgbClr>
@@ -9295,7 +9443,7 @@
             <a:noFill/>
           </a:ln>
           <a:effectLst>
-            <a:outerShdw blurRad="57150" rotWithShape="0" algn="bl" dir="5400000" dist="38100">
+            <a:outerShdw blurRad="57150" dist="38100" dir="5400000" algn="bl" rotWithShape="0">
               <a:srgbClr val="000000">
                 <a:alpha val="40000"/>
               </a:srgbClr>
@@ -9303,78 +9451,34 @@
           </a:effectLst>
         </p:spPr>
         <p:txBody>
-          <a:bodyPr anchorCtr="0" anchor="t" bIns="91425" lIns="91425" spcFirstLastPara="1" rIns="91425" wrap="square" tIns="91425">
+          <a:bodyPr spcFirstLastPara="1" wrap="square" lIns="91425" tIns="91425" rIns="91425" bIns="91425" anchor="t" anchorCtr="0">
             <a:noAutofit/>
           </a:bodyPr>
           <a:lstStyle/>
           <a:p>
-            <a:pPr indent="0" lvl="0" marL="0" rtl="0" algn="l">
+            <a:pPr lvl="0">
               <a:lnSpc>
                 <a:spcPct val="115000"/>
               </a:lnSpc>
-              <a:spcBef>
-                <a:spcPts val="0"/>
-              </a:spcBef>
-              <a:spcAft>
-                <a:spcPts val="0"/>
-              </a:spcAft>
-              <a:buNone/>
             </a:pPr>
             <a:r>
-              <a:rPr lang="it" sz="1200">
+              <a:rPr lang="en-US" sz="1200" dirty="0">
                 <a:latin typeface="Roboto"/>
                 <a:ea typeface="Roboto"/>
                 <a:cs typeface="Roboto"/>
                 <a:sym typeface="Roboto"/>
               </a:rPr>
-              <a:t>Presenta i logs della sessione. Attraverso il bottone </a:t>
+              <a:t>Displays the session logs. The Update button allows you to refresh the content of the textbox, while the Save button lets you save the content to </a:t>
             </a:r>
             <a:r>
-              <a:rPr i="1" lang="it" sz="1200">
-                <a:latin typeface="Roboto"/>
-                <a:ea typeface="Roboto"/>
-                <a:cs typeface="Roboto"/>
-                <a:sym typeface="Roboto"/>
-              </a:rPr>
-              <a:t>Update </a:t>
+              <a:rPr lang="en-US" sz="1200" dirty="0" err="1"/>
+              <a:t>src</a:t>
             </a:r>
             <a:r>
-              <a:rPr lang="it" sz="1200">
-                <a:latin typeface="Roboto"/>
-                <a:ea typeface="Roboto"/>
-                <a:cs typeface="Roboto"/>
-                <a:sym typeface="Roboto"/>
-              </a:rPr>
-              <a:t>è possibile aggiornare il contenuto della textbox, mentre con il bottone </a:t>
+              <a:rPr lang="en-US" sz="1200" dirty="0"/>
+              <a:t>/main/resources/requests</a:t>
             </a:r>
-            <a:r>
-              <a:rPr i="1" lang="it" sz="1200">
-                <a:latin typeface="Roboto"/>
-                <a:ea typeface="Roboto"/>
-                <a:cs typeface="Roboto"/>
-                <a:sym typeface="Roboto"/>
-              </a:rPr>
-              <a:t>Save </a:t>
-            </a:r>
-            <a:r>
-              <a:rPr lang="it" sz="1200">
-                <a:latin typeface="Roboto"/>
-                <a:ea typeface="Roboto"/>
-                <a:cs typeface="Roboto"/>
-                <a:sym typeface="Roboto"/>
-              </a:rPr>
-              <a:t>è possibile salvare il contenuto in </a:t>
-            </a:r>
-            <a:r>
-              <a:rPr i="1" lang="it" sz="1200">
-                <a:latin typeface="Roboto"/>
-                <a:ea typeface="Roboto"/>
-                <a:cs typeface="Roboto"/>
-                <a:sym typeface="Roboto"/>
-              </a:rPr>
-              <a:t>src/main/resources/requests</a:t>
-            </a:r>
-            <a:endParaRPr i="1" sz="1200">
+            <a:endParaRPr sz="1200" i="1" dirty="0">
               <a:latin typeface="Roboto"/>
               <a:ea typeface="Roboto"/>
               <a:cs typeface="Roboto"/>
@@ -9404,7 +9508,7 @@
             <a:noFill/>
           </a:ln>
           <a:effectLst>
-            <a:outerShdw blurRad="57150" rotWithShape="0" algn="bl" dir="5400000" dist="38100">
+            <a:outerShdw blurRad="57150" dist="38100" dir="5400000" algn="bl" rotWithShape="0">
               <a:srgbClr val="000000">
                 <a:alpha val="41000"/>
               </a:srgbClr>
@@ -9412,62 +9516,32 @@
           </a:effectLst>
         </p:spPr>
         <p:txBody>
-          <a:bodyPr anchorCtr="0" anchor="t" bIns="91425" lIns="91425" spcFirstLastPara="1" rIns="91425" wrap="square" tIns="91425">
+          <a:bodyPr spcFirstLastPara="1" wrap="square" lIns="91425" tIns="91425" rIns="91425" bIns="91425" anchor="t" anchorCtr="0">
             <a:noAutofit/>
           </a:bodyPr>
           <a:lstStyle/>
           <a:p>
-            <a:pPr indent="0" lvl="0" marL="0" rtl="0" algn="l">
+            <a:pPr lvl="0">
               <a:lnSpc>
                 <a:spcPct val="115000"/>
               </a:lnSpc>
-              <a:spcBef>
-                <a:spcPts val="0"/>
-              </a:spcBef>
-              <a:spcAft>
-                <a:spcPts val="0"/>
-              </a:spcAft>
-              <a:buNone/>
             </a:pPr>
             <a:r>
-              <a:rPr lang="it" sz="1200">
-                <a:latin typeface="Roboto"/>
-                <a:ea typeface="Roboto"/>
-                <a:cs typeface="Roboto"/>
-                <a:sym typeface="Roboto"/>
-              </a:rPr>
-              <a:t>Finestra principale attraverso la quale è possibile iniziare la chiamata.</a:t>
+              <a:rPr lang="en-US" sz="1200" dirty="0"/>
+              <a:t>Main window through which it’s possible to start the call.</a:t>
             </a:r>
-            <a:endParaRPr sz="1200">
-              <a:latin typeface="Roboto"/>
-              <a:ea typeface="Roboto"/>
-              <a:cs typeface="Roboto"/>
-              <a:sym typeface="Roboto"/>
-            </a:endParaRPr>
-          </a:p>
-          <a:p>
-            <a:pPr indent="0" lvl="0" marL="0" rtl="0" algn="l">
+          </a:p>
+          <a:p>
+            <a:pPr lvl="0">
               <a:lnSpc>
                 <a:spcPct val="115000"/>
               </a:lnSpc>
-              <a:spcBef>
-                <a:spcPts val="0"/>
-              </a:spcBef>
-              <a:spcAft>
-                <a:spcPts val="0"/>
-              </a:spcAft>
-              <a:buNone/>
             </a:pPr>
             <a:r>
-              <a:rPr lang="it" sz="1200">
-                <a:latin typeface="Roboto"/>
-                <a:ea typeface="Roboto"/>
-                <a:cs typeface="Roboto"/>
-                <a:sym typeface="Roboto"/>
-              </a:rPr>
-              <a:t>La label nera fornisce informazioni sullo status della chiamata.</a:t>
+              <a:rPr lang="en-US" sz="1200" dirty="0"/>
+              <a:t>The black label provides information on the call’s status.</a:t>
             </a:r>
-            <a:endParaRPr i="1" sz="1200">
+            <a:endParaRPr sz="1200" i="1" dirty="0">
               <a:latin typeface="Roboto"/>
               <a:ea typeface="Roboto"/>
               <a:cs typeface="Roboto"/>
@@ -9485,11 +9559,11 @@
 </file>
 
 <file path=ppt/slides/slide12.xml><?xml version="1.0" encoding="utf-8"?>
-<p:sld xmlns:a="http://schemas.openxmlformats.org/drawingml/2006/main" xmlns:r="http://schemas.openxmlformats.org/officeDocument/2006/relationships" xmlns:mc="http://schemas.openxmlformats.org/markup-compatibility/2006" xmlns:mv="urn:schemas-microsoft-com:mac:vml" xmlns:p="http://schemas.openxmlformats.org/presentationml/2006/main" xmlns:c="http://schemas.openxmlformats.org/drawingml/2006/chart" xmlns:dgm="http://schemas.openxmlformats.org/drawingml/2006/diagram" xmlns:o="urn:schemas-microsoft-com:office:office" xmlns:v="urn:schemas-microsoft-com:vml" xmlns:pvml="urn:schemas-microsoft-com:office:powerpoint" xmlns:com="http://schemas.openxmlformats.org/drawingml/2006/compatibility" xmlns:p14="http://schemas.microsoft.com/office/powerpoint/2010/main" xmlns:p15="http://schemas.microsoft.com/office/powerpoint/2012/main" xmlns:ahyp="http://schemas.microsoft.com/office/drawing/2018/hyperlinkcolor">
+<p:sld xmlns:a="http://schemas.openxmlformats.org/drawingml/2006/main" xmlns:r="http://schemas.openxmlformats.org/officeDocument/2006/relationships" xmlns:p="http://schemas.openxmlformats.org/presentationml/2006/main">
   <p:cSld>
     <p:spTree>
       <p:nvGrpSpPr>
-        <p:cNvPr id="145" name="Shape 145"/>
+        <p:cNvPr id="1" name="Shape 145"/>
         <p:cNvGrpSpPr/>
         <p:nvPr/>
       </p:nvGrpSpPr>
@@ -9504,7 +9578,9 @@
       <p:sp>
         <p:nvSpPr>
           <p:cNvPr id="146" name="Google Shape;146;p24"/>
-          <p:cNvSpPr txBox="1"/>
+          <p:cNvSpPr txBox="1">
+            <a:spLocks noGrp="1"/>
+          </p:cNvSpPr>
           <p:nvPr>
             <p:ph type="title"/>
           </p:nvPr>
@@ -9519,12 +9595,12 @@
           </a:prstGeom>
         </p:spPr>
         <p:txBody>
-          <a:bodyPr anchorCtr="0" anchor="ctr" bIns="91425" lIns="91425" spcFirstLastPara="1" rIns="91425" wrap="square" tIns="91425">
+          <a:bodyPr spcFirstLastPara="1" wrap="square" lIns="91425" tIns="91425" rIns="91425" bIns="91425" anchor="ctr" anchorCtr="0">
             <a:noAutofit/>
           </a:bodyPr>
           <a:lstStyle/>
           <a:p>
-            <a:pPr indent="0" lvl="0" marL="0" rtl="0" algn="ctr">
+            <a:pPr marL="0" lvl="0" indent="0" algn="ctr" rtl="0">
               <a:spcBef>
                 <a:spcPts val="0"/>
               </a:spcBef>
@@ -9534,7 +9610,7 @@
               <a:buNone/>
             </a:pPr>
             <a:r>
-              <a:rPr b="1" lang="it" sz="2400">
+              <a:rPr lang="it" sz="2400" b="1">
                 <a:solidFill>
                   <a:srgbClr val="FFFFFF"/>
                 </a:solidFill>
@@ -9570,7 +9646,7 @@
             <a:noFill/>
           </a:ln>
           <a:effectLst>
-            <a:outerShdw blurRad="57150" rotWithShape="0" algn="bl" dir="5400000" dist="38100">
+            <a:outerShdw blurRad="57150" dist="38100" dir="5400000" algn="bl" rotWithShape="0">
               <a:srgbClr val="000000">
                 <a:alpha val="38000"/>
               </a:srgbClr>
@@ -9578,12 +9654,12 @@
           </a:effectLst>
         </p:spPr>
         <p:txBody>
-          <a:bodyPr anchorCtr="0" anchor="t" bIns="91425" lIns="91425" spcFirstLastPara="1" rIns="91425" wrap="square" tIns="91425">
+          <a:bodyPr spcFirstLastPara="1" wrap="square" lIns="91425" tIns="91425" rIns="91425" bIns="91425" anchor="t" anchorCtr="0">
             <a:noAutofit/>
           </a:bodyPr>
           <a:lstStyle/>
           <a:p>
-            <a:pPr indent="0" lvl="0" marL="0" rtl="0" algn="l">
+            <a:pPr marL="0" lvl="0" indent="0" algn="l" rtl="0">
               <a:lnSpc>
                 <a:spcPct val="115000"/>
               </a:lnSpc>
@@ -9596,15 +9672,15 @@
               <a:buNone/>
             </a:pPr>
             <a:r>
-              <a:rPr lang="it" sz="1200">
+              <a:rPr lang="en-US" sz="1200" dirty="0">
                 <a:latin typeface="Roboto"/>
                 <a:ea typeface="Roboto"/>
                 <a:cs typeface="Roboto"/>
                 <a:sym typeface="Roboto"/>
               </a:rPr>
-              <a:t>Pagina di Impostazioni. Attraverso questa pagina l’utente può vedere gli ID e i tag relativi alla sessione e cambiare alcuni parametri come il proprio nome, e alcune impostazione dell’onda sinusoidale.</a:t>
+              <a:t>Settings page. Through this page, the user can view the session's IDs and tags, and change certain parameters such as their name and some sinusoidal wave settings.</a:t>
             </a:r>
-            <a:endParaRPr sz="1200">
+            <a:endParaRPr sz="1200" dirty="0">
               <a:latin typeface="Roboto"/>
               <a:ea typeface="Roboto"/>
               <a:cs typeface="Roboto"/>
@@ -9612,7 +9688,7 @@
             </a:endParaRPr>
           </a:p>
           <a:p>
-            <a:pPr indent="0" lvl="0" marL="0" rtl="0" algn="l">
+            <a:pPr marL="0" lvl="0" indent="0" algn="l" rtl="0">
               <a:lnSpc>
                 <a:spcPct val="115000"/>
               </a:lnSpc>
@@ -9624,33 +9700,7 @@
               </a:spcAft>
               <a:buNone/>
             </a:pPr>
-            <a:r>
-              <a:t/>
-            </a:r>
-            <a:endParaRPr sz="1200">
-              <a:latin typeface="Roboto"/>
-              <a:ea typeface="Roboto"/>
-              <a:cs typeface="Roboto"/>
-              <a:sym typeface="Roboto"/>
-            </a:endParaRPr>
-          </a:p>
-          <a:p>
-            <a:pPr indent="0" lvl="0" marL="0" rtl="0" algn="l">
-              <a:lnSpc>
-                <a:spcPct val="115000"/>
-              </a:lnSpc>
-              <a:spcBef>
-                <a:spcPts val="0"/>
-              </a:spcBef>
-              <a:spcAft>
-                <a:spcPts val="0"/>
-              </a:spcAft>
-              <a:buNone/>
-            </a:pPr>
-            <a:r>
-              <a:t/>
-            </a:r>
-            <a:endParaRPr sz="1200">
+            <a:endParaRPr sz="1200" dirty="0">
               <a:latin typeface="Roboto"/>
               <a:ea typeface="Roboto"/>
               <a:cs typeface="Roboto"/>
@@ -9680,7 +9730,7 @@
             <a:noFill/>
           </a:ln>
           <a:effectLst>
-            <a:outerShdw blurRad="57150" rotWithShape="0" algn="bl" dir="4980000" dist="47625">
+            <a:outerShdw blurRad="57150" dist="47625" dir="4980000" algn="bl" rotWithShape="0">
               <a:srgbClr val="000000">
                 <a:alpha val="37000"/>
               </a:srgbClr>
@@ -9688,12 +9738,12 @@
           </a:effectLst>
         </p:spPr>
         <p:txBody>
-          <a:bodyPr anchorCtr="0" anchor="t" bIns="91425" lIns="91425" spcFirstLastPara="1" rIns="91425" wrap="square" tIns="91425">
+          <a:bodyPr spcFirstLastPara="1" wrap="square" lIns="91425" tIns="91425" rIns="91425" bIns="91425" anchor="t" anchorCtr="0">
             <a:noAutofit/>
           </a:bodyPr>
           <a:lstStyle/>
           <a:p>
-            <a:pPr indent="0" lvl="0" marL="0" rtl="0" algn="l">
+            <a:pPr marL="0" lvl="0" indent="0" algn="l" rtl="0">
               <a:lnSpc>
                 <a:spcPct val="115000"/>
               </a:lnSpc>
@@ -9706,15 +9756,15 @@
               <a:buNone/>
             </a:pPr>
             <a:r>
-              <a:rPr lang="it" sz="1200">
+              <a:rPr lang="en-US" sz="1200" dirty="0">
                 <a:latin typeface="Roboto"/>
                 <a:ea typeface="Roboto"/>
                 <a:cs typeface="Roboto"/>
                 <a:sym typeface="Roboto"/>
               </a:rPr>
-              <a:t>Finestra per l’invio di pacchetti RTP. </a:t>
+              <a:t>Window for sending RTP packets. The first three buttons represent different audio transmission modes, while the button below allows you to stop the transmission.</a:t>
             </a:r>
-            <a:endParaRPr sz="1200">
+            <a:endParaRPr sz="1200" dirty="0">
               <a:latin typeface="Roboto"/>
               <a:ea typeface="Roboto"/>
               <a:cs typeface="Roboto"/>
@@ -9722,7 +9772,7 @@
             </a:endParaRPr>
           </a:p>
           <a:p>
-            <a:pPr indent="0" lvl="0" marL="0" rtl="0" algn="l">
+            <a:pPr marL="0" lvl="0" indent="0" algn="l" rtl="0">
               <a:lnSpc>
                 <a:spcPct val="115000"/>
               </a:lnSpc>
@@ -9734,62 +9784,7 @@
               </a:spcAft>
               <a:buNone/>
             </a:pPr>
-            <a:r>
-              <a:rPr lang="it" sz="1200">
-                <a:latin typeface="Roboto"/>
-                <a:ea typeface="Roboto"/>
-                <a:cs typeface="Roboto"/>
-                <a:sym typeface="Roboto"/>
-              </a:rPr>
-              <a:t>I primi tre bottoni rappresentano delle diverse modalità di invio audio, il bottone sottostante permette di fermare l’invio.</a:t>
-            </a:r>
-            <a:endParaRPr sz="1200">
-              <a:latin typeface="Roboto"/>
-              <a:ea typeface="Roboto"/>
-              <a:cs typeface="Roboto"/>
-              <a:sym typeface="Roboto"/>
-            </a:endParaRPr>
-          </a:p>
-          <a:p>
-            <a:pPr indent="0" lvl="0" marL="0" rtl="0" algn="l">
-              <a:lnSpc>
-                <a:spcPct val="115000"/>
-              </a:lnSpc>
-              <a:spcBef>
-                <a:spcPts val="0"/>
-              </a:spcBef>
-              <a:spcAft>
-                <a:spcPts val="0"/>
-              </a:spcAft>
-              <a:buNone/>
-            </a:pPr>
-            <a:r>
-              <a:t/>
-            </a:r>
-            <a:endParaRPr sz="1200">
-              <a:latin typeface="Roboto"/>
-              <a:ea typeface="Roboto"/>
-              <a:cs typeface="Roboto"/>
-              <a:sym typeface="Roboto"/>
-            </a:endParaRPr>
-          </a:p>
-          <a:p>
-            <a:pPr indent="0" lvl="0" marL="0" rtl="0" algn="l">
-              <a:lnSpc>
-                <a:spcPct val="115000"/>
-              </a:lnSpc>
-              <a:spcBef>
-                <a:spcPts val="0"/>
-              </a:spcBef>
-              <a:spcAft>
-                <a:spcPts val="0"/>
-              </a:spcAft>
-              <a:buNone/>
-            </a:pPr>
-            <a:r>
-              <a:t/>
-            </a:r>
-            <a:endParaRPr sz="1200">
+            <a:endParaRPr sz="1200" dirty="0">
               <a:latin typeface="Roboto"/>
               <a:ea typeface="Roboto"/>
               <a:cs typeface="Roboto"/>
@@ -9821,17 +9816,17 @@
             <a:avLst/>
           </a:prstGeom>
           <a:noFill/>
-          <a:ln cap="flat" cmpd="sng" w="9525">
+          <a:ln w="9525" cap="flat" cmpd="sng">
             <a:solidFill>
               <a:schemeClr val="lt1"/>
             </a:solidFill>
             <a:prstDash val="solid"/>
             <a:bevel/>
-            <a:headEnd len="sm" w="sm" type="none"/>
-            <a:tailEnd len="sm" w="sm" type="none"/>
+            <a:headEnd type="none" w="sm" len="sm"/>
+            <a:tailEnd type="none" w="sm" len="sm"/>
           </a:ln>
           <a:effectLst>
-            <a:outerShdw blurRad="57150" rotWithShape="0" algn="bl" dir="5400000" dist="38100">
+            <a:outerShdw blurRad="57150" dist="38100" dir="5400000" algn="bl" rotWithShape="0">
               <a:srgbClr val="000000">
                 <a:alpha val="36000"/>
               </a:srgbClr>
@@ -9862,17 +9857,17 @@
             <a:avLst/>
           </a:prstGeom>
           <a:noFill/>
-          <a:ln cap="flat" cmpd="sng" w="9525">
+          <a:ln w="9525" cap="flat" cmpd="sng">
             <a:solidFill>
               <a:schemeClr val="lt1"/>
             </a:solidFill>
             <a:prstDash val="solid"/>
             <a:bevel/>
-            <a:headEnd len="sm" w="sm" type="none"/>
-            <a:tailEnd len="sm" w="sm" type="none"/>
+            <a:headEnd type="none" w="sm" len="sm"/>
+            <a:tailEnd type="none" w="sm" len="sm"/>
           </a:ln>
           <a:effectLst>
-            <a:outerShdw blurRad="57150" rotWithShape="0" algn="bl" dir="5400000" dist="38100">
+            <a:outerShdw blurRad="57150" dist="38100" dir="5400000" algn="bl" rotWithShape="0">
               <a:srgbClr val="000000">
                 <a:alpha val="39000"/>
               </a:srgbClr>
@@ -9889,11 +9884,11 @@
 </file>
 
 <file path=ppt/slides/slide13.xml><?xml version="1.0" encoding="utf-8"?>
-<p:sld xmlns:a="http://schemas.openxmlformats.org/drawingml/2006/main" xmlns:r="http://schemas.openxmlformats.org/officeDocument/2006/relationships" xmlns:mc="http://schemas.openxmlformats.org/markup-compatibility/2006" xmlns:mv="urn:schemas-microsoft-com:mac:vml" xmlns:p="http://schemas.openxmlformats.org/presentationml/2006/main" xmlns:c="http://schemas.openxmlformats.org/drawingml/2006/chart" xmlns:dgm="http://schemas.openxmlformats.org/drawingml/2006/diagram" xmlns:o="urn:schemas-microsoft-com:office:office" xmlns:v="urn:schemas-microsoft-com:vml" xmlns:pvml="urn:schemas-microsoft-com:office:powerpoint" xmlns:com="http://schemas.openxmlformats.org/drawingml/2006/compatibility" xmlns:p14="http://schemas.microsoft.com/office/powerpoint/2010/main" xmlns:p15="http://schemas.microsoft.com/office/powerpoint/2012/main" xmlns:ahyp="http://schemas.microsoft.com/office/drawing/2018/hyperlinkcolor">
+<p:sld xmlns:a="http://schemas.openxmlformats.org/drawingml/2006/main" xmlns:r="http://schemas.openxmlformats.org/officeDocument/2006/relationships" xmlns:p="http://schemas.openxmlformats.org/presentationml/2006/main">
   <p:cSld>
     <p:spTree>
       <p:nvGrpSpPr>
-        <p:cNvPr id="154" name="Shape 154"/>
+        <p:cNvPr id="1" name="Shape 154"/>
         <p:cNvGrpSpPr/>
         <p:nvPr/>
       </p:nvGrpSpPr>
@@ -9908,7 +9903,9 @@
       <p:sp>
         <p:nvSpPr>
           <p:cNvPr id="155" name="Google Shape;155;p25"/>
-          <p:cNvSpPr txBox="1"/>
+          <p:cNvSpPr txBox="1">
+            <a:spLocks noGrp="1"/>
+          </p:cNvSpPr>
           <p:nvPr>
             <p:ph type="ctrTitle"/>
           </p:nvPr>
@@ -9923,12 +9920,12 @@
           </a:prstGeom>
         </p:spPr>
         <p:txBody>
-          <a:bodyPr anchorCtr="0" anchor="b" bIns="91425" lIns="91425" spcFirstLastPara="1" rIns="91425" wrap="square" tIns="91425">
+          <a:bodyPr spcFirstLastPara="1" wrap="square" lIns="91425" tIns="91425" rIns="91425" bIns="91425" anchor="b" anchorCtr="0">
             <a:noAutofit/>
           </a:bodyPr>
           <a:lstStyle/>
           <a:p>
-            <a:pPr indent="0" lvl="0" marL="0" rtl="0" algn="ctr">
+            <a:pPr marL="0" lvl="0" indent="0" algn="ctr" rtl="0">
               <a:spcBef>
                 <a:spcPts val="0"/>
               </a:spcBef>
@@ -9938,19 +9935,21 @@
               <a:buNone/>
             </a:pPr>
             <a:r>
-              <a:rPr lang="it"/>
-              <a:t>Andiamo sul tecnico</a:t>
+              <a:rPr lang="en-US" dirty="0"/>
+              <a:t>Let's get technical</a:t>
             </a:r>
-            <a:endParaRPr/>
+            <a:endParaRPr dirty="0"/>
           </a:p>
         </p:txBody>
       </p:sp>
       <p:sp>
         <p:nvSpPr>
           <p:cNvPr id="156" name="Google Shape;156;p25"/>
-          <p:cNvSpPr txBox="1"/>
+          <p:cNvSpPr txBox="1">
+            <a:spLocks noGrp="1"/>
+          </p:cNvSpPr>
           <p:nvPr>
-            <p:ph idx="1" type="subTitle"/>
+            <p:ph type="subTitle" idx="1"/>
           </p:nvPr>
         </p:nvSpPr>
         <p:spPr>
@@ -9963,25 +9962,17 @@
           </a:prstGeom>
         </p:spPr>
         <p:txBody>
-          <a:bodyPr anchorCtr="0" anchor="t" bIns="91425" lIns="91425" spcFirstLastPara="1" rIns="91425" wrap="square" tIns="91425">
+          <a:bodyPr spcFirstLastPara="1" wrap="square" lIns="91425" tIns="91425" rIns="91425" bIns="91425" anchor="t" anchorCtr="0">
             <a:noAutofit/>
           </a:bodyPr>
           <a:lstStyle/>
           <a:p>
-            <a:pPr indent="0" lvl="0" marL="0" rtl="0" algn="ctr">
-              <a:spcBef>
-                <a:spcPts val="0"/>
-              </a:spcBef>
-              <a:spcAft>
-                <a:spcPts val="0"/>
-              </a:spcAft>
-              <a:buNone/>
-            </a:pPr>
+            <a:pPr marL="0" lvl="0" indent="0" algn="ctr"/>
             <a:r>
-              <a:rPr lang="it"/>
-              <a:t>Come sono strutturate le classi</a:t>
+              <a:rPr lang="en-US" dirty="0"/>
+              <a:t>The structure of the classes</a:t>
             </a:r>
-            <a:endParaRPr/>
+            <a:endParaRPr dirty="0"/>
           </a:p>
         </p:txBody>
       </p:sp>
@@ -9994,18 +9985,19 @@
 </file>
 
 <file path=ppt/slides/slide14.xml><?xml version="1.0" encoding="utf-8"?>
-<p:sld xmlns:a="http://schemas.openxmlformats.org/drawingml/2006/main" xmlns:r="http://schemas.openxmlformats.org/officeDocument/2006/relationships" xmlns:mc="http://schemas.openxmlformats.org/markup-compatibility/2006" xmlns:mv="urn:schemas-microsoft-com:mac:vml" xmlns:p="http://schemas.openxmlformats.org/presentationml/2006/main" xmlns:c="http://schemas.openxmlformats.org/drawingml/2006/chart" xmlns:dgm="http://schemas.openxmlformats.org/drawingml/2006/diagram" xmlns:o="urn:schemas-microsoft-com:office:office" xmlns:v="urn:schemas-microsoft-com:vml" xmlns:pvml="urn:schemas-microsoft-com:office:powerpoint" xmlns:com="http://schemas.openxmlformats.org/drawingml/2006/compatibility" xmlns:p14="http://schemas.microsoft.com/office/powerpoint/2010/main" xmlns:p15="http://schemas.microsoft.com/office/powerpoint/2012/main" xmlns:ahyp="http://schemas.microsoft.com/office/drawing/2018/hyperlinkcolor">
+<p:sld xmlns:a="http://schemas.openxmlformats.org/drawingml/2006/main" xmlns:r="http://schemas.openxmlformats.org/officeDocument/2006/relationships" xmlns:p="http://schemas.openxmlformats.org/presentationml/2006/main">
   <p:cSld>
     <p:bg>
       <p:bgPr>
         <a:solidFill>
           <a:srgbClr val="E1F1F4"/>
         </a:solidFill>
+        <a:effectLst/>
       </p:bgPr>
     </p:bg>
     <p:spTree>
       <p:nvGrpSpPr>
-        <p:cNvPr id="160" name="Shape 160"/>
+        <p:cNvPr id="1" name="Shape 160"/>
         <p:cNvGrpSpPr/>
         <p:nvPr/>
       </p:nvGrpSpPr>
@@ -10044,7 +10036,7 @@
             <a:noFill/>
           </a:ln>
           <a:effectLst>
-            <a:outerShdw blurRad="57150" rotWithShape="0" algn="bl" dir="5400000" dist="57150">
+            <a:outerShdw blurRad="57150" dist="57150" dir="5400000" algn="bl" rotWithShape="0">
               <a:srgbClr val="000000">
                 <a:alpha val="50000"/>
               </a:srgbClr>
@@ -10072,12 +10064,12 @@
           </a:ln>
         </p:spPr>
         <p:txBody>
-          <a:bodyPr anchorCtr="0" anchor="ctr" bIns="91425" lIns="91425" spcFirstLastPara="1" rIns="91425" wrap="square" tIns="91425">
+          <a:bodyPr spcFirstLastPara="1" wrap="square" lIns="91425" tIns="91425" rIns="91425" bIns="91425" anchor="ctr" anchorCtr="0">
             <a:noAutofit/>
           </a:bodyPr>
           <a:lstStyle/>
           <a:p>
-            <a:pPr indent="0" lvl="0" marL="0" rtl="0" algn="ctr">
+            <a:pPr marL="0" lvl="0" indent="0" algn="ctr" rtl="0">
               <a:lnSpc>
                 <a:spcPct val="100000"/>
               </a:lnSpc>
@@ -10090,7 +10082,7 @@
               <a:buNone/>
             </a:pPr>
             <a:r>
-              <a:rPr b="1" lang="it" sz="2400">
+              <a:rPr lang="it" sz="2400" b="1">
                 <a:solidFill>
                   <a:srgbClr val="FFFFFF"/>
                 </a:solidFill>
@@ -10102,7 +10094,7 @@
               <a:t>  </a:t>
             </a:r>
             <a:r>
-              <a:rPr b="1" lang="it" sz="2400">
+              <a:rPr lang="it" sz="2400" b="1">
                 <a:solidFill>
                   <a:srgbClr val="226AA4"/>
                 </a:solidFill>
@@ -10113,7 +10105,7 @@
               </a:rPr>
               <a:t>INVITE   REQUEST</a:t>
             </a:r>
-            <a:endParaRPr b="1" sz="2400">
+            <a:endParaRPr sz="2400" b="1">
               <a:solidFill>
                 <a:srgbClr val="226AA4"/>
               </a:solidFill>
@@ -10124,7 +10116,7 @@
             </a:endParaRPr>
           </a:p>
           <a:p>
-            <a:pPr indent="0" lvl="0" marL="0" rtl="0" algn="ctr">
+            <a:pPr marL="0" lvl="0" indent="0" algn="ctr" rtl="0">
               <a:lnSpc>
                 <a:spcPct val="100000"/>
               </a:lnSpc>
@@ -10137,7 +10129,7 @@
               <a:buNone/>
             </a:pPr>
             <a:r>
-              <a:rPr b="1" lang="it" sz="2400">
+              <a:rPr lang="it" sz="2400" b="1">
                 <a:solidFill>
                   <a:srgbClr val="226AA4"/>
                 </a:solidFill>
@@ -10148,7 +10140,7 @@
               </a:rPr>
               <a:t>+</a:t>
             </a:r>
-            <a:endParaRPr b="1" sz="2400">
+            <a:endParaRPr sz="2400" b="1">
               <a:solidFill>
                 <a:srgbClr val="226AA4"/>
               </a:solidFill>
@@ -10159,7 +10151,7 @@
             </a:endParaRPr>
           </a:p>
           <a:p>
-            <a:pPr indent="0" lvl="0" marL="0" rtl="0" algn="ctr">
+            <a:pPr marL="0" lvl="0" indent="0" algn="ctr" rtl="0">
               <a:lnSpc>
                 <a:spcPct val="100000"/>
               </a:lnSpc>
@@ -10172,7 +10164,7 @@
               <a:buNone/>
             </a:pPr>
             <a:r>
-              <a:rPr b="1" lang="it" sz="2400">
+              <a:rPr lang="it" sz="2400" b="1">
                 <a:solidFill>
                   <a:srgbClr val="226AA4"/>
                 </a:solidFill>
@@ -10183,7 +10175,7 @@
               </a:rPr>
               <a:t>SDP</a:t>
             </a:r>
-            <a:endParaRPr b="1" sz="2400">
+            <a:endParaRPr sz="2400" b="1">
               <a:solidFill>
                 <a:srgbClr val="226AA4"/>
               </a:solidFill>
@@ -10210,23 +10202,23 @@
             <a:avLst/>
           </a:prstGeom>
           <a:noFill/>
-          <a:ln cap="flat" cmpd="sng" w="9525">
+          <a:ln w="9525" cap="flat" cmpd="sng">
             <a:solidFill>
               <a:srgbClr val="FFFFFF"/>
             </a:solidFill>
             <a:prstDash val="solid"/>
             <a:round/>
-            <a:headEnd len="sm" w="sm" type="none"/>
-            <a:tailEnd len="sm" w="sm" type="none"/>
+            <a:headEnd type="none" w="sm" len="sm"/>
+            <a:tailEnd type="none" w="sm" len="sm"/>
           </a:ln>
         </p:spPr>
         <p:txBody>
-          <a:bodyPr anchorCtr="0" anchor="ctr" bIns="91425" lIns="91425" spcFirstLastPara="1" rIns="91425" wrap="square" tIns="91425">
+          <a:bodyPr spcFirstLastPara="1" wrap="square" lIns="91425" tIns="91425" rIns="91425" bIns="91425" anchor="ctr" anchorCtr="0">
             <a:noAutofit/>
           </a:bodyPr>
           <a:lstStyle/>
           <a:p>
-            <a:pPr indent="0" lvl="0" marL="0" rtl="0" algn="ctr">
+            <a:pPr marL="0" lvl="0" indent="0" algn="ctr" rtl="0">
               <a:spcBef>
                 <a:spcPts val="0"/>
               </a:spcBef>
@@ -10260,18 +10252,19 @@
 </file>
 
 <file path=ppt/slides/slide15.xml><?xml version="1.0" encoding="utf-8"?>
-<p:sld xmlns:a="http://schemas.openxmlformats.org/drawingml/2006/main" xmlns:r="http://schemas.openxmlformats.org/officeDocument/2006/relationships" xmlns:mc="http://schemas.openxmlformats.org/markup-compatibility/2006" xmlns:mv="urn:schemas-microsoft-com:mac:vml" xmlns:p="http://schemas.openxmlformats.org/presentationml/2006/main" xmlns:c="http://schemas.openxmlformats.org/drawingml/2006/chart" xmlns:dgm="http://schemas.openxmlformats.org/drawingml/2006/diagram" xmlns:o="urn:schemas-microsoft-com:office:office" xmlns:v="urn:schemas-microsoft-com:vml" xmlns:pvml="urn:schemas-microsoft-com:office:powerpoint" xmlns:com="http://schemas.openxmlformats.org/drawingml/2006/compatibility" xmlns:p14="http://schemas.microsoft.com/office/powerpoint/2010/main" xmlns:p15="http://schemas.microsoft.com/office/powerpoint/2012/main" xmlns:ahyp="http://schemas.microsoft.com/office/drawing/2018/hyperlinkcolor">
+<p:sld xmlns:a="http://schemas.openxmlformats.org/drawingml/2006/main" xmlns:r="http://schemas.openxmlformats.org/officeDocument/2006/relationships" xmlns:p="http://schemas.openxmlformats.org/presentationml/2006/main">
   <p:cSld>
     <p:bg>
       <p:bgPr>
         <a:solidFill>
           <a:srgbClr val="E1F1F4"/>
         </a:solidFill>
+        <a:effectLst/>
       </p:bgPr>
     </p:bg>
     <p:spTree>
       <p:nvGrpSpPr>
-        <p:cNvPr id="167" name="Shape 167"/>
+        <p:cNvPr id="1" name="Shape 167"/>
         <p:cNvGrpSpPr/>
         <p:nvPr/>
       </p:nvGrpSpPr>
@@ -10310,7 +10303,7 @@
             <a:noFill/>
           </a:ln>
           <a:effectLst>
-            <a:outerShdw blurRad="57150" rotWithShape="0" algn="bl" dir="5400000" dist="57150">
+            <a:outerShdw blurRad="57150" dist="57150" dir="5400000" algn="bl" rotWithShape="0">
               <a:srgbClr val="000000">
                 <a:alpha val="50000"/>
               </a:srgbClr>
@@ -10333,23 +10326,23 @@
             <a:avLst/>
           </a:prstGeom>
           <a:noFill/>
-          <a:ln cap="flat" cmpd="sng" w="9525">
+          <a:ln w="9525" cap="flat" cmpd="sng">
             <a:solidFill>
               <a:srgbClr val="FFFFFF"/>
             </a:solidFill>
             <a:prstDash val="solid"/>
             <a:round/>
-            <a:headEnd len="sm" w="sm" type="none"/>
-            <a:tailEnd len="sm" w="sm" type="none"/>
+            <a:headEnd type="none" w="sm" len="sm"/>
+            <a:tailEnd type="none" w="sm" len="sm"/>
           </a:ln>
         </p:spPr>
         <p:txBody>
-          <a:bodyPr anchorCtr="0" anchor="ctr" bIns="91425" lIns="91425" spcFirstLastPara="1" rIns="91425" wrap="square" tIns="91425">
+          <a:bodyPr spcFirstLastPara="1" wrap="square" lIns="91425" tIns="91425" rIns="91425" bIns="91425" anchor="ctr" anchorCtr="0">
             <a:noAutofit/>
           </a:bodyPr>
           <a:lstStyle/>
           <a:p>
-            <a:pPr indent="0" lvl="0" marL="0" rtl="0" algn="ctr">
+            <a:pPr marL="0" lvl="0" indent="0" algn="ctr" rtl="0">
               <a:spcBef>
                 <a:spcPts val="0"/>
               </a:spcBef>
@@ -10383,18 +10376,19 @@
 </file>
 
 <file path=ppt/slides/slide16.xml><?xml version="1.0" encoding="utf-8"?>
-<p:sld xmlns:a="http://schemas.openxmlformats.org/drawingml/2006/main" xmlns:r="http://schemas.openxmlformats.org/officeDocument/2006/relationships" xmlns:mc="http://schemas.openxmlformats.org/markup-compatibility/2006" xmlns:mv="urn:schemas-microsoft-com:mac:vml" xmlns:p="http://schemas.openxmlformats.org/presentationml/2006/main" xmlns:c="http://schemas.openxmlformats.org/drawingml/2006/chart" xmlns:dgm="http://schemas.openxmlformats.org/drawingml/2006/diagram" xmlns:o="urn:schemas-microsoft-com:office:office" xmlns:v="urn:schemas-microsoft-com:vml" xmlns:pvml="urn:schemas-microsoft-com:office:powerpoint" xmlns:com="http://schemas.openxmlformats.org/drawingml/2006/compatibility" xmlns:p14="http://schemas.microsoft.com/office/powerpoint/2010/main" xmlns:p15="http://schemas.microsoft.com/office/powerpoint/2012/main" xmlns:ahyp="http://schemas.microsoft.com/office/drawing/2018/hyperlinkcolor">
+<p:sld xmlns:a="http://schemas.openxmlformats.org/drawingml/2006/main" xmlns:r="http://schemas.openxmlformats.org/officeDocument/2006/relationships" xmlns:p="http://schemas.openxmlformats.org/presentationml/2006/main">
   <p:cSld>
     <p:bg>
       <p:bgPr>
         <a:solidFill>
           <a:srgbClr val="E1F1F4"/>
         </a:solidFill>
+        <a:effectLst/>
       </p:bgPr>
     </p:bg>
     <p:spTree>
       <p:nvGrpSpPr>
-        <p:cNvPr id="173" name="Shape 173"/>
+        <p:cNvPr id="1" name="Shape 173"/>
         <p:cNvGrpSpPr/>
         <p:nvPr/>
       </p:nvGrpSpPr>
@@ -10426,12 +10420,12 @@
           </a:ln>
         </p:spPr>
         <p:txBody>
-          <a:bodyPr anchorCtr="0" anchor="ctr" bIns="91425" lIns="91425" spcFirstLastPara="1" rIns="91425" wrap="square" tIns="91425">
+          <a:bodyPr spcFirstLastPara="1" wrap="square" lIns="91425" tIns="91425" rIns="91425" bIns="91425" anchor="ctr" anchorCtr="0">
             <a:noAutofit/>
           </a:bodyPr>
           <a:lstStyle/>
           <a:p>
-            <a:pPr indent="0" lvl="0" marL="0" rtl="0" algn="ctr">
+            <a:pPr marL="0" lvl="0" indent="0" algn="ctr" rtl="0">
               <a:lnSpc>
                 <a:spcPct val="150000"/>
               </a:lnSpc>
@@ -10444,7 +10438,7 @@
               <a:buNone/>
             </a:pPr>
             <a:r>
-              <a:rPr b="1" lang="it" sz="2400">
+              <a:rPr lang="it" sz="2400" b="1">
                 <a:solidFill>
                   <a:srgbClr val="226AA4"/>
                 </a:solidFill>
@@ -10455,7 +10449,7 @@
               </a:rPr>
               <a:t>RECEIVE  RESPONSE</a:t>
             </a:r>
-            <a:endParaRPr b="1" sz="2400">
+            <a:endParaRPr sz="2400" b="1">
               <a:solidFill>
                 <a:srgbClr val="226AA4"/>
               </a:solidFill>
@@ -10487,12 +10481,12 @@
           </a:ln>
         </p:spPr>
         <p:txBody>
-          <a:bodyPr anchorCtr="0" anchor="t" bIns="91425" lIns="91425" spcFirstLastPara="1" rIns="91425" wrap="square" tIns="91425">
+          <a:bodyPr spcFirstLastPara="1" wrap="square" lIns="91425" tIns="91425" rIns="91425" bIns="91425" anchor="t" anchorCtr="0">
             <a:noAutofit/>
           </a:bodyPr>
           <a:lstStyle/>
           <a:p>
-            <a:pPr indent="0" lvl="0" marL="0" rtl="0" algn="l">
+            <a:pPr marL="0" lvl="0" indent="0" algn="l" rtl="0">
               <a:spcBef>
                 <a:spcPts val="0"/>
               </a:spcBef>
@@ -10501,9 +10495,6 @@
               </a:spcAft>
               <a:buNone/>
             </a:pPr>
-            <a:r>
-              <a:t/>
-            </a:r>
             <a:endParaRPr sz="1200">
               <a:solidFill>
                 <a:srgbClr val="CFE2F3"/>
@@ -10559,23 +10550,23 @@
             <a:avLst/>
           </a:prstGeom>
           <a:noFill/>
-          <a:ln cap="flat" cmpd="sng" w="9525">
+          <a:ln w="9525" cap="flat" cmpd="sng">
             <a:solidFill>
               <a:srgbClr val="FFFFFF"/>
             </a:solidFill>
             <a:prstDash val="solid"/>
             <a:round/>
-            <a:headEnd len="sm" w="sm" type="none"/>
-            <a:tailEnd len="sm" w="sm" type="none"/>
+            <a:headEnd type="none" w="sm" len="sm"/>
+            <a:tailEnd type="none" w="sm" len="sm"/>
           </a:ln>
         </p:spPr>
         <p:txBody>
-          <a:bodyPr anchorCtr="0" anchor="ctr" bIns="91425" lIns="91425" spcFirstLastPara="1" rIns="91425" wrap="square" tIns="91425">
+          <a:bodyPr spcFirstLastPara="1" wrap="square" lIns="91425" tIns="91425" rIns="91425" bIns="91425" anchor="ctr" anchorCtr="0">
             <a:noAutofit/>
           </a:bodyPr>
           <a:lstStyle/>
           <a:p>
-            <a:pPr indent="0" lvl="0" marL="0" rtl="0" algn="ctr">
+            <a:pPr marL="0" lvl="0" indent="0" algn="ctr" rtl="0">
               <a:spcBef>
                 <a:spcPts val="0"/>
               </a:spcBef>
@@ -10609,18 +10600,19 @@
 </file>
 
 <file path=ppt/slides/slide17.xml><?xml version="1.0" encoding="utf-8"?>
-<p:sld xmlns:a="http://schemas.openxmlformats.org/drawingml/2006/main" xmlns:r="http://schemas.openxmlformats.org/officeDocument/2006/relationships" xmlns:mc="http://schemas.openxmlformats.org/markup-compatibility/2006" xmlns:mv="urn:schemas-microsoft-com:mac:vml" xmlns:p="http://schemas.openxmlformats.org/presentationml/2006/main" xmlns:c="http://schemas.openxmlformats.org/drawingml/2006/chart" xmlns:dgm="http://schemas.openxmlformats.org/drawingml/2006/diagram" xmlns:o="urn:schemas-microsoft-com:office:office" xmlns:v="urn:schemas-microsoft-com:vml" xmlns:pvml="urn:schemas-microsoft-com:office:powerpoint" xmlns:com="http://schemas.openxmlformats.org/drawingml/2006/compatibility" xmlns:p14="http://schemas.microsoft.com/office/powerpoint/2010/main" xmlns:p15="http://schemas.microsoft.com/office/powerpoint/2012/main" xmlns:ahyp="http://schemas.microsoft.com/office/drawing/2018/hyperlinkcolor">
+<p:sld xmlns:a="http://schemas.openxmlformats.org/drawingml/2006/main" xmlns:r="http://schemas.openxmlformats.org/officeDocument/2006/relationships" xmlns:p="http://schemas.openxmlformats.org/presentationml/2006/main">
   <p:cSld>
     <p:bg>
       <p:bgPr>
         <a:solidFill>
           <a:srgbClr val="E1F1F4"/>
         </a:solidFill>
+        <a:effectLst/>
       </p:bgPr>
     </p:bg>
     <p:spTree>
       <p:nvGrpSpPr>
-        <p:cNvPr id="181" name="Shape 181"/>
+        <p:cNvPr id="1" name="Shape 181"/>
         <p:cNvGrpSpPr/>
         <p:nvPr/>
       </p:nvGrpSpPr>
@@ -10675,23 +10667,23 @@
             <a:avLst/>
           </a:prstGeom>
           <a:noFill/>
-          <a:ln cap="flat" cmpd="sng" w="9525">
+          <a:ln w="9525" cap="flat" cmpd="sng">
             <a:solidFill>
               <a:srgbClr val="FFFFFF"/>
             </a:solidFill>
             <a:prstDash val="solid"/>
             <a:round/>
-            <a:headEnd len="sm" w="sm" type="none"/>
-            <a:tailEnd len="sm" w="sm" type="none"/>
+            <a:headEnd type="none" w="sm" len="sm"/>
+            <a:tailEnd type="none" w="sm" len="sm"/>
           </a:ln>
         </p:spPr>
         <p:txBody>
-          <a:bodyPr anchorCtr="0" anchor="ctr" bIns="91425" lIns="91425" spcFirstLastPara="1" rIns="91425" wrap="square" tIns="91425">
+          <a:bodyPr spcFirstLastPara="1" wrap="square" lIns="91425" tIns="91425" rIns="91425" bIns="91425" anchor="ctr" anchorCtr="0">
             <a:noAutofit/>
           </a:bodyPr>
           <a:lstStyle/>
           <a:p>
-            <a:pPr indent="0" lvl="0" marL="0" rtl="0" algn="l">
+            <a:pPr marL="0" lvl="0" indent="0" algn="l" rtl="0">
               <a:spcBef>
                 <a:spcPts val="0"/>
               </a:spcBef>
@@ -10736,12 +10728,12 @@
           </a:ln>
         </p:spPr>
         <p:txBody>
-          <a:bodyPr anchorCtr="0" anchor="ctr" bIns="91425" lIns="91425" spcFirstLastPara="1" rIns="91425" wrap="square" tIns="91425">
+          <a:bodyPr spcFirstLastPara="1" wrap="square" lIns="91425" tIns="91425" rIns="91425" bIns="91425" anchor="ctr" anchorCtr="0">
             <a:noAutofit/>
           </a:bodyPr>
           <a:lstStyle/>
           <a:p>
-            <a:pPr indent="0" lvl="0" marL="0" rtl="0" algn="ctr">
+            <a:pPr marL="0" lvl="0" indent="0" algn="ctr" rtl="0">
               <a:lnSpc>
                 <a:spcPct val="150000"/>
               </a:lnSpc>
@@ -10754,7 +10746,7 @@
               <a:buNone/>
             </a:pPr>
             <a:r>
-              <a:rPr b="1" lang="it" sz="2400">
+              <a:rPr lang="it" sz="2400" b="1">
                 <a:solidFill>
                   <a:srgbClr val="226AA4"/>
                 </a:solidFill>
@@ -10765,7 +10757,7 @@
               </a:rPr>
               <a:t>RECEIVE  RESPONSE</a:t>
             </a:r>
-            <a:endParaRPr b="1" sz="2400">
+            <a:endParaRPr sz="2400" b="1">
               <a:solidFill>
                 <a:srgbClr val="226AA4"/>
               </a:solidFill>
@@ -10786,18 +10778,19 @@
 </file>
 
 <file path=ppt/slides/slide18.xml><?xml version="1.0" encoding="utf-8"?>
-<p:sld xmlns:a="http://schemas.openxmlformats.org/drawingml/2006/main" xmlns:r="http://schemas.openxmlformats.org/officeDocument/2006/relationships" xmlns:mc="http://schemas.openxmlformats.org/markup-compatibility/2006" xmlns:mv="urn:schemas-microsoft-com:mac:vml" xmlns:p="http://schemas.openxmlformats.org/presentationml/2006/main" xmlns:c="http://schemas.openxmlformats.org/drawingml/2006/chart" xmlns:dgm="http://schemas.openxmlformats.org/drawingml/2006/diagram" xmlns:o="urn:schemas-microsoft-com:office:office" xmlns:v="urn:schemas-microsoft-com:vml" xmlns:pvml="urn:schemas-microsoft-com:office:powerpoint" xmlns:com="http://schemas.openxmlformats.org/drawingml/2006/compatibility" xmlns:p14="http://schemas.microsoft.com/office/powerpoint/2010/main" xmlns:p15="http://schemas.microsoft.com/office/powerpoint/2012/main" xmlns:ahyp="http://schemas.microsoft.com/office/drawing/2018/hyperlinkcolor">
+<p:sld xmlns:a="http://schemas.openxmlformats.org/drawingml/2006/main" xmlns:r="http://schemas.openxmlformats.org/officeDocument/2006/relationships" xmlns:p="http://schemas.openxmlformats.org/presentationml/2006/main">
   <p:cSld>
     <p:bg>
       <p:bgPr>
         <a:solidFill>
           <a:srgbClr val="E1F1F4"/>
         </a:solidFill>
+        <a:effectLst/>
       </p:bgPr>
     </p:bg>
     <p:spTree>
       <p:nvGrpSpPr>
-        <p:cNvPr id="188" name="Shape 188"/>
+        <p:cNvPr id="1" name="Shape 188"/>
         <p:cNvGrpSpPr/>
         <p:nvPr/>
       </p:nvGrpSpPr>
@@ -10812,7 +10805,9 @@
       <p:sp>
         <p:nvSpPr>
           <p:cNvPr id="189" name="Google Shape;189;p30"/>
-          <p:cNvSpPr txBox="1"/>
+          <p:cNvSpPr txBox="1">
+            <a:spLocks noGrp="1"/>
+          </p:cNvSpPr>
           <p:nvPr>
             <p:ph type="title"/>
           </p:nvPr>
@@ -10827,12 +10822,12 @@
           </a:prstGeom>
         </p:spPr>
         <p:txBody>
-          <a:bodyPr anchorCtr="0" anchor="ctr" bIns="91425" lIns="91425" spcFirstLastPara="1" rIns="91425" wrap="square" tIns="91425">
+          <a:bodyPr spcFirstLastPara="1" wrap="square" lIns="91425" tIns="91425" rIns="91425" bIns="91425" anchor="ctr" anchorCtr="0">
             <a:noAutofit/>
           </a:bodyPr>
           <a:lstStyle/>
           <a:p>
-            <a:pPr indent="0" lvl="0" marL="0" rtl="0" algn="ctr">
+            <a:pPr marL="0" lvl="0" indent="0" algn="ctr" rtl="0">
               <a:spcBef>
                 <a:spcPts val="0"/>
               </a:spcBef>
@@ -10842,14 +10837,14 @@
               <a:buNone/>
             </a:pPr>
             <a:r>
-              <a:rPr b="1" lang="it" sz="2400">
+              <a:rPr lang="it" sz="2400" b="1">
                 <a:solidFill>
                   <a:srgbClr val="226AA4"/>
                 </a:solidFill>
               </a:rPr>
               <a:t>Socket Timeout Exception</a:t>
             </a:r>
-            <a:endParaRPr b="1" sz="2400">
+            <a:endParaRPr sz="2400" b="1">
               <a:solidFill>
                 <a:srgbClr val="226AA4"/>
               </a:solidFill>
@@ -10884,7 +10879,7 @@
             <a:noFill/>
           </a:ln>
           <a:effectLst>
-            <a:outerShdw blurRad="57150" rotWithShape="0" algn="bl" dir="5400000" dist="57150">
+            <a:outerShdw blurRad="57150" dist="57150" dir="5400000" algn="bl" rotWithShape="0">
               <a:srgbClr val="000000">
                 <a:alpha val="50000"/>
               </a:srgbClr>
@@ -10915,17 +10910,17 @@
             <a:avLst/>
           </a:prstGeom>
           <a:noFill/>
-          <a:ln cap="flat" cmpd="sng" w="9525">
+          <a:ln w="9525" cap="flat" cmpd="sng">
             <a:solidFill>
               <a:srgbClr val="FFFFFF"/>
             </a:solidFill>
             <a:prstDash val="solid"/>
             <a:round/>
-            <a:headEnd len="sm" w="sm" type="none"/>
-            <a:tailEnd len="sm" w="sm" type="none"/>
+            <a:headEnd type="none" w="sm" len="sm"/>
+            <a:tailEnd type="none" w="sm" len="sm"/>
           </a:ln>
           <a:effectLst>
-            <a:outerShdw blurRad="57150" rotWithShape="0" algn="bl" dir="840000" dist="57150">
+            <a:outerShdw blurRad="57150" dist="57150" dir="840000" algn="bl" rotWithShape="0">
               <a:srgbClr val="000000">
                 <a:alpha val="18000"/>
               </a:srgbClr>
@@ -10948,23 +10943,23 @@
             <a:avLst/>
           </a:prstGeom>
           <a:noFill/>
-          <a:ln cap="flat" cmpd="sng" w="9525">
+          <a:ln w="9525" cap="flat" cmpd="sng">
             <a:solidFill>
               <a:srgbClr val="FFFFFF"/>
             </a:solidFill>
             <a:prstDash val="solid"/>
             <a:round/>
-            <a:headEnd len="sm" w="sm" type="none"/>
-            <a:tailEnd len="sm" w="sm" type="none"/>
+            <a:headEnd type="none" w="sm" len="sm"/>
+            <a:tailEnd type="none" w="sm" len="sm"/>
           </a:ln>
         </p:spPr>
         <p:txBody>
-          <a:bodyPr anchorCtr="0" anchor="ctr" bIns="91425" lIns="91425" spcFirstLastPara="1" rIns="91425" wrap="square" tIns="91425">
+          <a:bodyPr spcFirstLastPara="1" wrap="square" lIns="91425" tIns="91425" rIns="91425" bIns="91425" anchor="ctr" anchorCtr="0">
             <a:noAutofit/>
           </a:bodyPr>
           <a:lstStyle/>
           <a:p>
-            <a:pPr indent="0" lvl="0" marL="0" rtl="0" algn="l">
+            <a:pPr marL="0" lvl="0" indent="0" algn="l" rtl="0">
               <a:spcBef>
                 <a:spcPts val="0"/>
               </a:spcBef>
@@ -10998,18 +10993,19 @@
 </file>
 
 <file path=ppt/slides/slide19.xml><?xml version="1.0" encoding="utf-8"?>
-<p:sld xmlns:a="http://schemas.openxmlformats.org/drawingml/2006/main" xmlns:r="http://schemas.openxmlformats.org/officeDocument/2006/relationships" xmlns:mc="http://schemas.openxmlformats.org/markup-compatibility/2006" xmlns:mv="urn:schemas-microsoft-com:mac:vml" xmlns:p="http://schemas.openxmlformats.org/presentationml/2006/main" xmlns:c="http://schemas.openxmlformats.org/drawingml/2006/chart" xmlns:dgm="http://schemas.openxmlformats.org/drawingml/2006/diagram" xmlns:o="urn:schemas-microsoft-com:office:office" xmlns:v="urn:schemas-microsoft-com:vml" xmlns:pvml="urn:schemas-microsoft-com:office:powerpoint" xmlns:com="http://schemas.openxmlformats.org/drawingml/2006/compatibility" xmlns:p14="http://schemas.microsoft.com/office/powerpoint/2010/main" xmlns:p15="http://schemas.microsoft.com/office/powerpoint/2012/main" xmlns:ahyp="http://schemas.microsoft.com/office/drawing/2018/hyperlinkcolor">
+<p:sld xmlns:a="http://schemas.openxmlformats.org/drawingml/2006/main" xmlns:r="http://schemas.openxmlformats.org/officeDocument/2006/relationships" xmlns:p="http://schemas.openxmlformats.org/presentationml/2006/main">
   <p:cSld>
     <p:bg>
       <p:bgPr>
         <a:solidFill>
           <a:srgbClr val="E1F1F4"/>
         </a:solidFill>
+        <a:effectLst/>
       </p:bgPr>
     </p:bg>
     <p:spTree>
       <p:nvGrpSpPr>
-        <p:cNvPr id="196" name="Shape 196"/>
+        <p:cNvPr id="1" name="Shape 196"/>
         <p:cNvGrpSpPr/>
         <p:nvPr/>
       </p:nvGrpSpPr>
@@ -11024,7 +11020,9 @@
       <p:sp>
         <p:nvSpPr>
           <p:cNvPr id="197" name="Google Shape;197;p31"/>
-          <p:cNvSpPr txBox="1"/>
+          <p:cNvSpPr txBox="1">
+            <a:spLocks noGrp="1"/>
+          </p:cNvSpPr>
           <p:nvPr>
             <p:ph type="title"/>
           </p:nvPr>
@@ -11039,12 +11037,12 @@
           </a:prstGeom>
         </p:spPr>
         <p:txBody>
-          <a:bodyPr anchorCtr="0" anchor="b" bIns="91425" lIns="91425" spcFirstLastPara="1" rIns="91425" wrap="square" tIns="91425">
+          <a:bodyPr spcFirstLastPara="1" wrap="square" lIns="91425" tIns="91425" rIns="91425" bIns="91425" anchor="b" anchorCtr="0">
             <a:noAutofit/>
           </a:bodyPr>
           <a:lstStyle/>
           <a:p>
-            <a:pPr indent="0" lvl="0" marL="0" rtl="0" algn="ctr">
+            <a:pPr marL="0" lvl="0" indent="0" algn="ctr" rtl="0">
               <a:spcBef>
                 <a:spcPts val="0"/>
               </a:spcBef>
@@ -11054,7 +11052,7 @@
               <a:buNone/>
             </a:pPr>
             <a:r>
-              <a:rPr b="1" lang="it">
+              <a:rPr lang="it" b="1">
                 <a:solidFill>
                   <a:srgbClr val="226AA4"/>
                 </a:solidFill>
@@ -11096,7 +11094,7 @@
             <a:noFill/>
           </a:ln>
           <a:effectLst>
-            <a:outerShdw blurRad="57150" rotWithShape="0" algn="bl" dir="5400000" dist="57150">
+            <a:outerShdw blurRad="57150" dist="57150" dir="5400000" algn="bl" rotWithShape="0">
               <a:srgbClr val="000000">
                 <a:alpha val="38000"/>
               </a:srgbClr>
@@ -11131,7 +11129,7 @@
             <a:noFill/>
           </a:ln>
           <a:effectLst>
-            <a:outerShdw blurRad="57150" rotWithShape="0" algn="bl" dir="5400000" dist="57150">
+            <a:outerShdw blurRad="57150" dist="57150" dir="5400000" algn="bl" rotWithShape="0">
               <a:srgbClr val="000000">
                 <a:alpha val="37000"/>
               </a:srgbClr>
@@ -11154,23 +11152,23 @@
             <a:avLst/>
           </a:prstGeom>
           <a:noFill/>
-          <a:ln cap="flat" cmpd="sng" w="9525">
+          <a:ln w="9525" cap="flat" cmpd="sng">
             <a:solidFill>
               <a:srgbClr val="FFFFFF"/>
             </a:solidFill>
             <a:prstDash val="solid"/>
             <a:round/>
-            <a:headEnd len="sm" w="sm" type="none"/>
-            <a:tailEnd len="sm" w="sm" type="none"/>
+            <a:headEnd type="none" w="sm" len="sm"/>
+            <a:tailEnd type="none" w="sm" len="sm"/>
           </a:ln>
         </p:spPr>
         <p:txBody>
-          <a:bodyPr anchorCtr="0" anchor="ctr" bIns="91425" lIns="91425" spcFirstLastPara="1" rIns="91425" wrap="square" tIns="91425">
+          <a:bodyPr spcFirstLastPara="1" wrap="square" lIns="91425" tIns="91425" rIns="91425" bIns="91425" anchor="ctr" anchorCtr="0">
             <a:noAutofit/>
           </a:bodyPr>
           <a:lstStyle/>
           <a:p>
-            <a:pPr indent="0" lvl="0" marL="0" rtl="0" algn="l">
+            <a:pPr marL="0" lvl="0" indent="0" algn="l" rtl="0">
               <a:spcBef>
                 <a:spcPts val="0"/>
               </a:spcBef>
@@ -11204,11 +11202,11 @@
 </file>
 
 <file path=ppt/slides/slide2.xml><?xml version="1.0" encoding="utf-8"?>
-<p:sld xmlns:a="http://schemas.openxmlformats.org/drawingml/2006/main" xmlns:r="http://schemas.openxmlformats.org/officeDocument/2006/relationships" xmlns:mc="http://schemas.openxmlformats.org/markup-compatibility/2006" xmlns:mv="urn:schemas-microsoft-com:mac:vml" xmlns:p="http://schemas.openxmlformats.org/presentationml/2006/main" xmlns:c="http://schemas.openxmlformats.org/drawingml/2006/chart" xmlns:dgm="http://schemas.openxmlformats.org/drawingml/2006/diagram" xmlns:o="urn:schemas-microsoft-com:office:office" xmlns:v="urn:schemas-microsoft-com:vml" xmlns:pvml="urn:schemas-microsoft-com:office:powerpoint" xmlns:com="http://schemas.openxmlformats.org/drawingml/2006/compatibility" xmlns:p14="http://schemas.microsoft.com/office/powerpoint/2010/main" xmlns:p15="http://schemas.microsoft.com/office/powerpoint/2012/main" xmlns:ahyp="http://schemas.microsoft.com/office/drawing/2018/hyperlinkcolor">
+<p:sld xmlns:a="http://schemas.openxmlformats.org/drawingml/2006/main" xmlns:r="http://schemas.openxmlformats.org/officeDocument/2006/relationships" xmlns:p="http://schemas.openxmlformats.org/presentationml/2006/main">
   <p:cSld>
     <p:spTree>
       <p:nvGrpSpPr>
-        <p:cNvPr id="74" name="Shape 74"/>
+        <p:cNvPr id="1" name="Shape 74"/>
         <p:cNvGrpSpPr/>
         <p:nvPr/>
       </p:nvGrpSpPr>
@@ -11223,7 +11221,9 @@
       <p:sp>
         <p:nvSpPr>
           <p:cNvPr id="75" name="Google Shape;75;p14"/>
-          <p:cNvSpPr txBox="1"/>
+          <p:cNvSpPr txBox="1">
+            <a:spLocks noGrp="1"/>
+          </p:cNvSpPr>
           <p:nvPr>
             <p:ph type="ctrTitle"/>
           </p:nvPr>
@@ -11238,34 +11238,28 @@
           </a:prstGeom>
         </p:spPr>
         <p:txBody>
-          <a:bodyPr anchorCtr="0" anchor="b" bIns="91425" lIns="91425" spcFirstLastPara="1" rIns="91425" wrap="square" tIns="91425">
+          <a:bodyPr spcFirstLastPara="1" wrap="square" lIns="91425" tIns="91425" rIns="91425" bIns="91425" anchor="b" anchorCtr="0">
             <a:noAutofit/>
           </a:bodyPr>
           <a:lstStyle/>
           <a:p>
-            <a:pPr indent="0" lvl="0" marL="0" rtl="0" algn="l">
-              <a:spcBef>
-                <a:spcPts val="0"/>
-              </a:spcBef>
-              <a:spcAft>
-                <a:spcPts val="0"/>
-              </a:spcAft>
-              <a:buNone/>
-            </a:pPr>
+            <a:pPr lvl="0"/>
             <a:r>
-              <a:rPr lang="it"/>
-              <a:t>Di cosa si tratta?</a:t>
+              <a:rPr lang="en-US" dirty="0"/>
+              <a:t>What is it about?</a:t>
             </a:r>
-            <a:endParaRPr/>
+            <a:endParaRPr dirty="0"/>
           </a:p>
         </p:txBody>
       </p:sp>
       <p:sp>
         <p:nvSpPr>
           <p:cNvPr id="76" name="Google Shape;76;p14"/>
-          <p:cNvSpPr txBox="1"/>
+          <p:cNvSpPr txBox="1">
+            <a:spLocks noGrp="1"/>
+          </p:cNvSpPr>
           <p:nvPr>
-            <p:ph idx="1" type="subTitle"/>
+            <p:ph type="subTitle" idx="1"/>
           </p:nvPr>
         </p:nvSpPr>
         <p:spPr>
@@ -11278,12 +11272,12 @@
           </a:prstGeom>
         </p:spPr>
         <p:txBody>
-          <a:bodyPr anchorCtr="0" anchor="t" bIns="91425" lIns="91425" spcFirstLastPara="1" rIns="91425" wrap="square" tIns="91425">
+          <a:bodyPr spcFirstLastPara="1" wrap="square" lIns="91425" tIns="91425" rIns="91425" bIns="91425" anchor="t" anchorCtr="0">
             <a:noAutofit/>
           </a:bodyPr>
           <a:lstStyle/>
           <a:p>
-            <a:pPr indent="0" lvl="0" marL="0" rtl="0" algn="l">
+            <a:pPr marL="0" lvl="0" indent="0" algn="l" rtl="0">
               <a:lnSpc>
                 <a:spcPct val="150000"/>
               </a:lnSpc>
@@ -11296,13 +11290,13 @@
               <a:buNone/>
             </a:pPr>
             <a:r>
-              <a:rPr b="1" lang="it"/>
+              <a:rPr lang="it" b="1" dirty="0"/>
               <a:t>User Agent VoIP</a:t>
             </a:r>
-            <a:endParaRPr b="1"/>
-          </a:p>
-          <a:p>
-            <a:pPr indent="0" lvl="0" marL="0" rtl="0" algn="l">
+            <a:endParaRPr b="1" dirty="0"/>
+          </a:p>
+          <a:p>
+            <a:pPr marL="0" lvl="0" indent="0" algn="l" rtl="0">
               <a:lnSpc>
                 <a:spcPct val="150000"/>
               </a:lnSpc>
@@ -11315,10 +11309,10 @@
               <a:buNone/>
             </a:pPr>
             <a:r>
-              <a:rPr lang="it" sz="1400"/>
-              <a:t>Un User Agent è l’elemento fondamentale del protocollo SIP e permette all’utente di effettuare chiamate sfruttando il protocollo IP senza connessione per il trasporto dati.</a:t>
+              <a:rPr lang="en-US" sz="1400" dirty="0"/>
+              <a:t>A User Agent is the fundamental element of the SIP protocol and allows the user to make calls using the IP protocol without a data transport connection.</a:t>
             </a:r>
-            <a:endParaRPr sz="1400"/>
+            <a:endParaRPr sz="1400" dirty="0"/>
           </a:p>
         </p:txBody>
       </p:sp>
@@ -11342,12 +11336,12 @@
           </a:ln>
         </p:spPr>
         <p:txBody>
-          <a:bodyPr anchorCtr="0" anchor="t" bIns="91425" lIns="91425" spcFirstLastPara="1" rIns="91425" wrap="square" tIns="91425">
+          <a:bodyPr spcFirstLastPara="1" wrap="square" lIns="91425" tIns="91425" rIns="91425" bIns="91425" anchor="t" anchorCtr="0">
             <a:noAutofit/>
           </a:bodyPr>
           <a:lstStyle/>
           <a:p>
-            <a:pPr indent="0" lvl="0" marL="0" rtl="0" algn="just">
+            <a:pPr marL="0" lvl="0" indent="0" algn="just" rtl="0">
               <a:lnSpc>
                 <a:spcPct val="150000"/>
               </a:lnSpc>
@@ -11360,7 +11354,7 @@
               <a:buNone/>
             </a:pPr>
             <a:r>
-              <a:rPr b="1" lang="it" sz="1800">
+              <a:rPr lang="it" sz="1800" b="1" dirty="0">
                 <a:solidFill>
                   <a:schemeClr val="lt1"/>
                 </a:solidFill>
@@ -11371,7 +11365,7 @@
               </a:rPr>
               <a:t>SIP - Session Initiation Protocol</a:t>
             </a:r>
-            <a:endParaRPr b="1" sz="1800">
+            <a:endParaRPr sz="1800" b="1" dirty="0">
               <a:solidFill>
                 <a:schemeClr val="lt1"/>
               </a:solidFill>
@@ -11382,7 +11376,7 @@
             </a:endParaRPr>
           </a:p>
           <a:p>
-            <a:pPr indent="0" lvl="0" marL="0" rtl="0" algn="l">
+            <a:pPr marL="0" lvl="0" indent="0" algn="l" rtl="0">
               <a:lnSpc>
                 <a:spcPct val="150000"/>
               </a:lnSpc>
@@ -11395,7 +11389,7 @@
               <a:buNone/>
             </a:pPr>
             <a:r>
-              <a:rPr lang="it">
+              <a:rPr lang="en-US" dirty="0">
                 <a:solidFill>
                   <a:schemeClr val="lt1"/>
                 </a:solidFill>
@@ -11404,9 +11398,9 @@
                 <a:cs typeface="Roboto"/>
                 <a:sym typeface="Roboto"/>
               </a:rPr>
-              <a:t>Si tratta di un protocollo testuale di livello applicativo utilizzato per creare, modificare o eliminare sessioni (come ad esempio quelle VoIP) tra più partecipanti. Di default viene utilizzato su protocollo UDP.</a:t>
+              <a:t>It is a text-based application-level protocol used to create, modify, or terminate sessions (such as VoIP sessions) between multiple participants. By default, it uses the UDP protocol.</a:t>
             </a:r>
-            <a:endParaRPr>
+            <a:endParaRPr dirty="0">
               <a:solidFill>
                 <a:schemeClr val="lt1"/>
               </a:solidFill>
@@ -11427,18 +11421,19 @@
 </file>
 
 <file path=ppt/slides/slide20.xml><?xml version="1.0" encoding="utf-8"?>
-<p:sld xmlns:a="http://schemas.openxmlformats.org/drawingml/2006/main" xmlns:r="http://schemas.openxmlformats.org/officeDocument/2006/relationships" xmlns:mc="http://schemas.openxmlformats.org/markup-compatibility/2006" xmlns:mv="urn:schemas-microsoft-com:mac:vml" xmlns:p="http://schemas.openxmlformats.org/presentationml/2006/main" xmlns:c="http://schemas.openxmlformats.org/drawingml/2006/chart" xmlns:dgm="http://schemas.openxmlformats.org/drawingml/2006/diagram" xmlns:o="urn:schemas-microsoft-com:office:office" xmlns:v="urn:schemas-microsoft-com:vml" xmlns:pvml="urn:schemas-microsoft-com:office:powerpoint" xmlns:com="http://schemas.openxmlformats.org/drawingml/2006/compatibility" xmlns:p14="http://schemas.microsoft.com/office/powerpoint/2010/main" xmlns:p15="http://schemas.microsoft.com/office/powerpoint/2012/main" xmlns:ahyp="http://schemas.microsoft.com/office/drawing/2018/hyperlinkcolor">
+<p:sld xmlns:a="http://schemas.openxmlformats.org/drawingml/2006/main" xmlns:r="http://schemas.openxmlformats.org/officeDocument/2006/relationships" xmlns:p="http://schemas.openxmlformats.org/presentationml/2006/main">
   <p:cSld>
     <p:bg>
       <p:bgPr>
         <a:solidFill>
           <a:srgbClr val="E1F1F4"/>
         </a:solidFill>
+        <a:effectLst/>
       </p:bgPr>
     </p:bg>
     <p:spTree>
       <p:nvGrpSpPr>
-        <p:cNvPr id="204" name="Shape 204"/>
+        <p:cNvPr id="1" name="Shape 204"/>
         <p:cNvGrpSpPr/>
         <p:nvPr/>
       </p:nvGrpSpPr>
@@ -11453,7 +11448,9 @@
       <p:sp>
         <p:nvSpPr>
           <p:cNvPr id="205" name="Google Shape;205;p32"/>
-          <p:cNvSpPr txBox="1"/>
+          <p:cNvSpPr txBox="1">
+            <a:spLocks noGrp="1"/>
+          </p:cNvSpPr>
           <p:nvPr>
             <p:ph type="title"/>
           </p:nvPr>
@@ -11468,12 +11465,12 @@
           </a:prstGeom>
         </p:spPr>
         <p:txBody>
-          <a:bodyPr anchorCtr="0" anchor="ctr" bIns="91425" lIns="91425" spcFirstLastPara="1" rIns="91425" wrap="square" tIns="91425">
+          <a:bodyPr spcFirstLastPara="1" wrap="square" lIns="91425" tIns="91425" rIns="91425" bIns="91425" anchor="ctr" anchorCtr="0">
             <a:noAutofit/>
           </a:bodyPr>
           <a:lstStyle/>
           <a:p>
-            <a:pPr indent="0" lvl="0" marL="0" rtl="0" algn="l">
+            <a:pPr marL="0" lvl="0" indent="0" algn="l" rtl="0">
               <a:spcBef>
                 <a:spcPts val="0"/>
               </a:spcBef>
@@ -11483,7 +11480,7 @@
               <a:buNone/>
             </a:pPr>
             <a:r>
-              <a:rPr b="1" lang="it">
+              <a:rPr lang="it" b="1">
                 <a:solidFill>
                   <a:srgbClr val="226AA4"/>
                 </a:solidFill>
@@ -11541,23 +11538,23 @@
             <a:avLst/>
           </a:prstGeom>
           <a:noFill/>
-          <a:ln cap="flat" cmpd="sng" w="9525">
+          <a:ln w="9525" cap="flat" cmpd="sng">
             <a:solidFill>
               <a:srgbClr val="FFFFFF"/>
             </a:solidFill>
             <a:prstDash val="solid"/>
             <a:round/>
-            <a:headEnd len="sm" w="sm" type="none"/>
-            <a:tailEnd len="sm" w="sm" type="none"/>
+            <a:headEnd type="none" w="sm" len="sm"/>
+            <a:tailEnd type="none" w="sm" len="sm"/>
           </a:ln>
         </p:spPr>
         <p:txBody>
-          <a:bodyPr anchorCtr="0" anchor="ctr" bIns="91425" lIns="91425" spcFirstLastPara="1" rIns="91425" wrap="square" tIns="91425">
+          <a:bodyPr spcFirstLastPara="1" wrap="square" lIns="91425" tIns="91425" rIns="91425" bIns="91425" anchor="ctr" anchorCtr="0">
             <a:noAutofit/>
           </a:bodyPr>
           <a:lstStyle/>
           <a:p>
-            <a:pPr indent="0" lvl="0" marL="0" rtl="0" algn="l">
+            <a:pPr marL="0" lvl="0" indent="0" algn="l" rtl="0">
               <a:spcBef>
                 <a:spcPts val="0"/>
               </a:spcBef>
@@ -11591,18 +11588,19 @@
 </file>
 
 <file path=ppt/slides/slide21.xml><?xml version="1.0" encoding="utf-8"?>
-<p:sld xmlns:a="http://schemas.openxmlformats.org/drawingml/2006/main" xmlns:r="http://schemas.openxmlformats.org/officeDocument/2006/relationships" xmlns:mc="http://schemas.openxmlformats.org/markup-compatibility/2006" xmlns:mv="urn:schemas-microsoft-com:mac:vml" xmlns:p="http://schemas.openxmlformats.org/presentationml/2006/main" xmlns:c="http://schemas.openxmlformats.org/drawingml/2006/chart" xmlns:dgm="http://schemas.openxmlformats.org/drawingml/2006/diagram" xmlns:o="urn:schemas-microsoft-com:office:office" xmlns:v="urn:schemas-microsoft-com:vml" xmlns:pvml="urn:schemas-microsoft-com:office:powerpoint" xmlns:com="http://schemas.openxmlformats.org/drawingml/2006/compatibility" xmlns:p14="http://schemas.microsoft.com/office/powerpoint/2010/main" xmlns:p15="http://schemas.microsoft.com/office/powerpoint/2012/main" xmlns:ahyp="http://schemas.microsoft.com/office/drawing/2018/hyperlinkcolor">
+<p:sld xmlns:a="http://schemas.openxmlformats.org/drawingml/2006/main" xmlns:r="http://schemas.openxmlformats.org/officeDocument/2006/relationships" xmlns:p="http://schemas.openxmlformats.org/presentationml/2006/main">
   <p:cSld>
     <p:bg>
       <p:bgPr>
         <a:solidFill>
           <a:srgbClr val="E1F1F4"/>
         </a:solidFill>
+        <a:effectLst/>
       </p:bgPr>
     </p:bg>
     <p:spTree>
       <p:nvGrpSpPr>
-        <p:cNvPr id="211" name="Shape 211"/>
+        <p:cNvPr id="1" name="Shape 211"/>
         <p:cNvGrpSpPr/>
         <p:nvPr/>
       </p:nvGrpSpPr>
@@ -11617,7 +11615,9 @@
       <p:sp>
         <p:nvSpPr>
           <p:cNvPr id="212" name="Google Shape;212;p33"/>
-          <p:cNvSpPr txBox="1"/>
+          <p:cNvSpPr txBox="1">
+            <a:spLocks noGrp="1"/>
+          </p:cNvSpPr>
           <p:nvPr>
             <p:ph type="title"/>
           </p:nvPr>
@@ -11632,12 +11632,12 @@
           </a:prstGeom>
         </p:spPr>
         <p:txBody>
-          <a:bodyPr anchorCtr="0" anchor="ctr" bIns="91425" lIns="91425" spcFirstLastPara="1" rIns="91425" wrap="square" tIns="91425">
+          <a:bodyPr spcFirstLastPara="1" wrap="square" lIns="91425" tIns="91425" rIns="91425" bIns="91425" anchor="ctr" anchorCtr="0">
             <a:noAutofit/>
           </a:bodyPr>
           <a:lstStyle/>
           <a:p>
-            <a:pPr indent="0" lvl="0" marL="0" rtl="0" algn="l">
+            <a:pPr marL="0" lvl="0" indent="0" algn="l" rtl="0">
               <a:spcBef>
                 <a:spcPts val="0"/>
               </a:spcBef>
@@ -11647,20 +11647,12 @@
               <a:buNone/>
             </a:pPr>
             <a:r>
-              <a:rPr b="1" lang="it">
+              <a:rPr lang="it" b="1">
                 <a:solidFill>
                   <a:srgbClr val="226AA4"/>
                 </a:solidFill>
               </a:rPr>
-              <a:t>AudioSinusoidalThread </a:t>
-            </a:r>
-            <a:r>
-              <a:rPr b="1" lang="it">
-                <a:solidFill>
-                  <a:srgbClr val="226AA4"/>
-                </a:solidFill>
-              </a:rPr>
-              <a:t>Class - Send Sinusoidal Audio</a:t>
+              <a:t>AudioSinusoidalThread Class - Send Sinusoidal Audio</a:t>
             </a:r>
             <a:endParaRPr b="1">
               <a:solidFill>
@@ -11713,23 +11705,23 @@
             <a:avLst/>
           </a:prstGeom>
           <a:noFill/>
-          <a:ln cap="flat" cmpd="sng" w="9525">
+          <a:ln w="9525" cap="flat" cmpd="sng">
             <a:solidFill>
               <a:srgbClr val="FFFFFF"/>
             </a:solidFill>
             <a:prstDash val="solid"/>
             <a:round/>
-            <a:headEnd len="sm" w="sm" type="none"/>
-            <a:tailEnd len="sm" w="sm" type="none"/>
+            <a:headEnd type="none" w="sm" len="sm"/>
+            <a:tailEnd type="none" w="sm" len="sm"/>
           </a:ln>
         </p:spPr>
         <p:txBody>
-          <a:bodyPr anchorCtr="0" anchor="ctr" bIns="91425" lIns="91425" spcFirstLastPara="1" rIns="91425" wrap="square" tIns="91425">
+          <a:bodyPr spcFirstLastPara="1" wrap="square" lIns="91425" tIns="91425" rIns="91425" bIns="91425" anchor="ctr" anchorCtr="0">
             <a:noAutofit/>
           </a:bodyPr>
           <a:lstStyle/>
           <a:p>
-            <a:pPr indent="0" lvl="0" marL="0" rtl="0" algn="l">
+            <a:pPr marL="0" lvl="0" indent="0" algn="l" rtl="0">
               <a:spcBef>
                 <a:spcPts val="0"/>
               </a:spcBef>
@@ -11763,18 +11755,19 @@
 </file>
 
 <file path=ppt/slides/slide22.xml><?xml version="1.0" encoding="utf-8"?>
-<p:sld xmlns:a="http://schemas.openxmlformats.org/drawingml/2006/main" xmlns:r="http://schemas.openxmlformats.org/officeDocument/2006/relationships" xmlns:mc="http://schemas.openxmlformats.org/markup-compatibility/2006" xmlns:mv="urn:schemas-microsoft-com:mac:vml" xmlns:p="http://schemas.openxmlformats.org/presentationml/2006/main" xmlns:c="http://schemas.openxmlformats.org/drawingml/2006/chart" xmlns:dgm="http://schemas.openxmlformats.org/drawingml/2006/diagram" xmlns:o="urn:schemas-microsoft-com:office:office" xmlns:v="urn:schemas-microsoft-com:vml" xmlns:pvml="urn:schemas-microsoft-com:office:powerpoint" xmlns:com="http://schemas.openxmlformats.org/drawingml/2006/compatibility" xmlns:p14="http://schemas.microsoft.com/office/powerpoint/2010/main" xmlns:p15="http://schemas.microsoft.com/office/powerpoint/2012/main" xmlns:ahyp="http://schemas.microsoft.com/office/drawing/2018/hyperlinkcolor">
+<p:sld xmlns:a="http://schemas.openxmlformats.org/drawingml/2006/main" xmlns:r="http://schemas.openxmlformats.org/officeDocument/2006/relationships" xmlns:p="http://schemas.openxmlformats.org/presentationml/2006/main">
   <p:cSld>
     <p:bg>
       <p:bgPr>
         <a:solidFill>
           <a:srgbClr val="E1F1F4"/>
         </a:solidFill>
+        <a:effectLst/>
       </p:bgPr>
     </p:bg>
     <p:spTree>
       <p:nvGrpSpPr>
-        <p:cNvPr id="218" name="Shape 218"/>
+        <p:cNvPr id="1" name="Shape 218"/>
         <p:cNvGrpSpPr/>
         <p:nvPr/>
       </p:nvGrpSpPr>
@@ -11789,7 +11782,9 @@
       <p:sp>
         <p:nvSpPr>
           <p:cNvPr id="219" name="Google Shape;219;p34"/>
-          <p:cNvSpPr txBox="1"/>
+          <p:cNvSpPr txBox="1">
+            <a:spLocks noGrp="1"/>
+          </p:cNvSpPr>
           <p:nvPr>
             <p:ph type="title"/>
           </p:nvPr>
@@ -11804,12 +11799,12 @@
           </a:prstGeom>
         </p:spPr>
         <p:txBody>
-          <a:bodyPr anchorCtr="0" anchor="ctr" bIns="91425" lIns="91425" spcFirstLastPara="1" rIns="91425" wrap="square" tIns="91425">
+          <a:bodyPr spcFirstLastPara="1" wrap="square" lIns="91425" tIns="91425" rIns="91425" bIns="91425" anchor="ctr" anchorCtr="0">
             <a:noAutofit/>
           </a:bodyPr>
           <a:lstStyle/>
           <a:p>
-            <a:pPr indent="0" lvl="0" marL="0" rtl="0" algn="l">
+            <a:pPr marL="0" lvl="0" indent="0" algn="l" rtl="0">
               <a:spcBef>
                 <a:spcPts val="0"/>
               </a:spcBef>
@@ -11819,20 +11814,12 @@
               <a:buNone/>
             </a:pPr>
             <a:r>
-              <a:rPr b="1" lang="it">
+              <a:rPr lang="it" b="1">
                 <a:solidFill>
                   <a:srgbClr val="226AA4"/>
                 </a:solidFill>
               </a:rPr>
-              <a:t>AudioFileThread </a:t>
-            </a:r>
-            <a:r>
-              <a:rPr b="1" lang="it">
-                <a:solidFill>
-                  <a:srgbClr val="226AA4"/>
-                </a:solidFill>
-              </a:rPr>
-              <a:t>Class - Send File Audio</a:t>
+              <a:t>AudioFileThread Class - Send File Audio</a:t>
             </a:r>
             <a:endParaRPr b="1">
               <a:solidFill>
@@ -11885,23 +11872,23 @@
             <a:avLst/>
           </a:prstGeom>
           <a:noFill/>
-          <a:ln cap="flat" cmpd="sng" w="9525">
+          <a:ln w="9525" cap="flat" cmpd="sng">
             <a:solidFill>
               <a:srgbClr val="FFFFFF"/>
             </a:solidFill>
             <a:prstDash val="solid"/>
             <a:round/>
-            <a:headEnd len="sm" w="sm" type="none"/>
-            <a:tailEnd len="sm" w="sm" type="none"/>
+            <a:headEnd type="none" w="sm" len="sm"/>
+            <a:tailEnd type="none" w="sm" len="sm"/>
           </a:ln>
         </p:spPr>
         <p:txBody>
-          <a:bodyPr anchorCtr="0" anchor="ctr" bIns="91425" lIns="91425" spcFirstLastPara="1" rIns="91425" wrap="square" tIns="91425">
+          <a:bodyPr spcFirstLastPara="1" wrap="square" lIns="91425" tIns="91425" rIns="91425" bIns="91425" anchor="ctr" anchorCtr="0">
             <a:noAutofit/>
           </a:bodyPr>
           <a:lstStyle/>
           <a:p>
-            <a:pPr indent="0" lvl="0" marL="0" rtl="0" algn="l">
+            <a:pPr marL="0" lvl="0" indent="0" algn="l" rtl="0">
               <a:spcBef>
                 <a:spcPts val="0"/>
               </a:spcBef>
@@ -11935,11 +11922,11 @@
 </file>
 
 <file path=ppt/slides/slide3.xml><?xml version="1.0" encoding="utf-8"?>
-<p:sld xmlns:a="http://schemas.openxmlformats.org/drawingml/2006/main" xmlns:r="http://schemas.openxmlformats.org/officeDocument/2006/relationships" xmlns:mc="http://schemas.openxmlformats.org/markup-compatibility/2006" xmlns:mv="urn:schemas-microsoft-com:mac:vml" xmlns:p="http://schemas.openxmlformats.org/presentationml/2006/main" xmlns:c="http://schemas.openxmlformats.org/drawingml/2006/chart" xmlns:dgm="http://schemas.openxmlformats.org/drawingml/2006/diagram" xmlns:o="urn:schemas-microsoft-com:office:office" xmlns:v="urn:schemas-microsoft-com:vml" xmlns:pvml="urn:schemas-microsoft-com:office:powerpoint" xmlns:com="http://schemas.openxmlformats.org/drawingml/2006/compatibility" xmlns:p14="http://schemas.microsoft.com/office/powerpoint/2010/main" xmlns:p15="http://schemas.microsoft.com/office/powerpoint/2012/main" xmlns:ahyp="http://schemas.microsoft.com/office/drawing/2018/hyperlinkcolor">
+<p:sld xmlns:a="http://schemas.openxmlformats.org/drawingml/2006/main" xmlns:r="http://schemas.openxmlformats.org/officeDocument/2006/relationships" xmlns:p="http://schemas.openxmlformats.org/presentationml/2006/main">
   <p:cSld>
     <p:spTree>
       <p:nvGrpSpPr>
-        <p:cNvPr id="81" name="Shape 81"/>
+        <p:cNvPr id="1" name="Shape 81"/>
         <p:cNvGrpSpPr/>
         <p:nvPr/>
       </p:nvGrpSpPr>
@@ -11954,7 +11941,9 @@
       <p:sp>
         <p:nvSpPr>
           <p:cNvPr id="82" name="Google Shape;82;p15"/>
-          <p:cNvSpPr txBox="1"/>
+          <p:cNvSpPr txBox="1">
+            <a:spLocks noGrp="1"/>
+          </p:cNvSpPr>
           <p:nvPr>
             <p:ph type="title"/>
           </p:nvPr>
@@ -11969,12 +11958,12 @@
           </a:prstGeom>
         </p:spPr>
         <p:txBody>
-          <a:bodyPr anchorCtr="0" anchor="b" bIns="91425" lIns="91425" spcFirstLastPara="1" rIns="91425" wrap="square" tIns="91425">
+          <a:bodyPr spcFirstLastPara="1" wrap="square" lIns="91425" tIns="91425" rIns="91425" bIns="91425" anchor="b" anchorCtr="0">
             <a:noAutofit/>
           </a:bodyPr>
           <a:lstStyle/>
           <a:p>
-            <a:pPr indent="0" lvl="0" marL="0" rtl="0" algn="ctr">
+            <a:pPr marL="0" lvl="0" indent="0" algn="ctr" rtl="0">
               <a:spcBef>
                 <a:spcPts val="0"/>
               </a:spcBef>
@@ -12022,9 +12011,11 @@
       <p:sp>
         <p:nvSpPr>
           <p:cNvPr id="84" name="Google Shape;84;p15"/>
-          <p:cNvSpPr txBox="1"/>
+          <p:cNvSpPr txBox="1">
+            <a:spLocks noGrp="1"/>
+          </p:cNvSpPr>
           <p:nvPr>
-            <p:ph idx="1" type="body"/>
+            <p:ph type="body" idx="1"/>
           </p:nvPr>
         </p:nvSpPr>
         <p:spPr>
@@ -12037,12 +12028,12 @@
           </a:prstGeom>
         </p:spPr>
         <p:txBody>
-          <a:bodyPr anchorCtr="0" anchor="t" bIns="91425" lIns="91425" spcFirstLastPara="1" rIns="91425" wrap="square" tIns="91425">
+          <a:bodyPr spcFirstLastPara="1" wrap="square" lIns="91425" tIns="91425" rIns="91425" bIns="91425" anchor="t" anchorCtr="0">
             <a:noAutofit/>
           </a:bodyPr>
           <a:lstStyle/>
           <a:p>
-            <a:pPr indent="0" lvl="0" marL="0" rtl="0" algn="l">
+            <a:pPr marL="0" lvl="0" indent="0" algn="l" rtl="0">
               <a:spcBef>
                 <a:spcPts val="0"/>
               </a:spcBef>
@@ -12052,13 +12043,13 @@
               <a:buNone/>
             </a:pPr>
             <a:r>
-              <a:rPr b="1" lang="it" sz="1400"/>
-              <a:t>Richieste SIP</a:t>
+              <a:rPr lang="en-US" sz="1400" b="1" dirty="0"/>
+              <a:t>SIP Requests</a:t>
             </a:r>
-            <a:endParaRPr b="1" sz="1400"/>
-          </a:p>
-          <a:p>
-            <a:pPr indent="-304800" lvl="0" marL="457200" rtl="0" algn="l">
+            <a:endParaRPr sz="1400" b="1" dirty="0"/>
+          </a:p>
+          <a:p>
+            <a:pPr marL="457200" lvl="0" indent="-304800" algn="l" rtl="0">
               <a:spcBef>
                 <a:spcPts val="1600"/>
               </a:spcBef>
@@ -12069,47 +12060,37 @@
               <a:buChar char="●"/>
             </a:pPr>
             <a:r>
-              <a:rPr b="1" lang="it"/>
+              <a:rPr lang="it" b="1" dirty="0"/>
               <a:t>INVITE</a:t>
             </a:r>
-            <a:endParaRPr b="1"/>
-          </a:p>
-          <a:p>
-            <a:pPr indent="-304800" lvl="1" marL="914400" rtl="0" algn="l">
-              <a:spcBef>
-                <a:spcPts val="0"/>
-              </a:spcBef>
-              <a:spcAft>
-                <a:spcPts val="0"/>
-              </a:spcAft>
-              <a:buSzPts val="1200"/>
-              <a:buChar char="○"/>
+            <a:endParaRPr b="1" dirty="0"/>
+          </a:p>
+          <a:p>
+            <a:pPr lvl="1">
+              <a:spcBef>
+                <a:spcPts val="0"/>
+              </a:spcBef>
             </a:pPr>
             <a:r>
-              <a:rPr lang="it"/>
-              <a:t>utilizzato per iniziare una sessione VoIP con l’altra parte (il chiamato)</a:t>
+              <a:rPr lang="en-US" dirty="0"/>
+              <a:t>used to initiate a VoIP session with the other party (the callee)</a:t>
             </a:r>
-            <a:endParaRPr/>
-          </a:p>
-          <a:p>
-            <a:pPr indent="-304800" lvl="1" marL="914400" rtl="0" algn="l">
-              <a:spcBef>
-                <a:spcPts val="0"/>
-              </a:spcBef>
-              <a:spcAft>
-                <a:spcPts val="0"/>
-              </a:spcAft>
-              <a:buSzPts val="1200"/>
-              <a:buChar char="○"/>
+            <a:endParaRPr dirty="0"/>
+          </a:p>
+          <a:p>
+            <a:pPr lvl="1">
+              <a:spcBef>
+                <a:spcPts val="0"/>
+              </a:spcBef>
             </a:pPr>
             <a:r>
-              <a:rPr lang="it"/>
-              <a:t>può includere descrizione del media tramite SDP</a:t>
+              <a:rPr lang="en-US" dirty="0"/>
+              <a:t>may include media description via SDP</a:t>
             </a:r>
-            <a:endParaRPr/>
-          </a:p>
-          <a:p>
-            <a:pPr indent="-304800" lvl="0" marL="457200" rtl="0" algn="l">
+            <a:endParaRPr dirty="0"/>
+          </a:p>
+          <a:p>
+            <a:pPr marL="457200" lvl="0" indent="-304800" algn="l" rtl="0">
               <a:spcBef>
                 <a:spcPts val="0"/>
               </a:spcBef>
@@ -12120,30 +12101,29 @@
               <a:buChar char="●"/>
             </a:pPr>
             <a:r>
-              <a:rPr b="1" lang="it"/>
+              <a:rPr lang="it" b="1" dirty="0"/>
               <a:t>ACK</a:t>
             </a:r>
-            <a:endParaRPr b="1"/>
-          </a:p>
-          <a:p>
-            <a:pPr indent="-304800" lvl="1" marL="914400" rtl="0" algn="l">
-              <a:spcBef>
-                <a:spcPts val="0"/>
-              </a:spcBef>
-              <a:spcAft>
-                <a:spcPts val="0"/>
-              </a:spcAft>
-              <a:buSzPts val="1200"/>
-              <a:buChar char="○"/>
+            <a:endParaRPr b="1" dirty="0"/>
+          </a:p>
+          <a:p>
+            <a:pPr lvl="1">
+              <a:spcBef>
+                <a:spcPts val="0"/>
+              </a:spcBef>
             </a:pPr>
             <a:r>
-              <a:rPr lang="it"/>
-              <a:t>conferma la ricezione di una risposta definitiva ad una precedente richiesta di INVITE </a:t>
+              <a:rPr lang="en-US" dirty="0"/>
+              <a:t>confirms receipt of a final response to a previous INVITE request</a:t>
             </a:r>
-            <a:endParaRPr/>
-          </a:p>
-          <a:p>
-            <a:pPr indent="-304800" lvl="0" marL="457200" rtl="0" algn="l">
+            <a:r>
+              <a:rPr lang="it" dirty="0"/>
+              <a:t> </a:t>
+            </a:r>
+            <a:endParaRPr dirty="0"/>
+          </a:p>
+          <a:p>
+            <a:pPr marL="457200" lvl="0" indent="-304800" algn="l" rtl="0">
               <a:spcBef>
                 <a:spcPts val="0"/>
               </a:spcBef>
@@ -12154,27 +12134,22 @@
               <a:buChar char="●"/>
             </a:pPr>
             <a:r>
-              <a:rPr b="1" lang="it"/>
+              <a:rPr lang="it" b="1" dirty="0"/>
               <a:t>BYE</a:t>
             </a:r>
-            <a:endParaRPr b="1"/>
-          </a:p>
-          <a:p>
-            <a:pPr indent="-304800" lvl="1" marL="914400" rtl="0" algn="l">
-              <a:spcBef>
-                <a:spcPts val="0"/>
-              </a:spcBef>
-              <a:spcAft>
-                <a:spcPts val="0"/>
-              </a:spcAft>
-              <a:buSzPts val="1200"/>
-              <a:buChar char="○"/>
+            <a:endParaRPr b="1" dirty="0"/>
+          </a:p>
+          <a:p>
+            <a:pPr lvl="1">
+              <a:spcBef>
+                <a:spcPts val="0"/>
+              </a:spcBef>
             </a:pPr>
             <a:r>
-              <a:rPr lang="it"/>
-              <a:t>abbatte una connessione</a:t>
+              <a:rPr lang="en-US" dirty="0"/>
+              <a:t>terminates a connection</a:t>
             </a:r>
-            <a:endParaRPr/>
+            <a:endParaRPr dirty="0"/>
           </a:p>
         </p:txBody>
       </p:sp>
@@ -12187,11 +12162,11 @@
 </file>
 
 <file path=ppt/slides/slide4.xml><?xml version="1.0" encoding="utf-8"?>
-<p:sld xmlns:a="http://schemas.openxmlformats.org/drawingml/2006/main" xmlns:r="http://schemas.openxmlformats.org/officeDocument/2006/relationships" xmlns:mc="http://schemas.openxmlformats.org/markup-compatibility/2006" xmlns:mv="urn:schemas-microsoft-com:mac:vml" xmlns:p="http://schemas.openxmlformats.org/presentationml/2006/main" xmlns:c="http://schemas.openxmlformats.org/drawingml/2006/chart" xmlns:dgm="http://schemas.openxmlformats.org/drawingml/2006/diagram" xmlns:o="urn:schemas-microsoft-com:office:office" xmlns:v="urn:schemas-microsoft-com:vml" xmlns:pvml="urn:schemas-microsoft-com:office:powerpoint" xmlns:com="http://schemas.openxmlformats.org/drawingml/2006/compatibility" xmlns:p14="http://schemas.microsoft.com/office/powerpoint/2010/main" xmlns:p15="http://schemas.microsoft.com/office/powerpoint/2012/main" xmlns:ahyp="http://schemas.microsoft.com/office/drawing/2018/hyperlinkcolor" show="0">
+<p:sld xmlns:a="http://schemas.openxmlformats.org/drawingml/2006/main" xmlns:r="http://schemas.openxmlformats.org/officeDocument/2006/relationships" xmlns:p="http://schemas.openxmlformats.org/presentationml/2006/main" show="0">
   <p:cSld>
     <p:spTree>
       <p:nvGrpSpPr>
-        <p:cNvPr id="88" name="Shape 88"/>
+        <p:cNvPr id="1" name="Shape 88"/>
         <p:cNvGrpSpPr/>
         <p:nvPr/>
       </p:nvGrpSpPr>
@@ -12206,7 +12181,9 @@
       <p:sp>
         <p:nvSpPr>
           <p:cNvPr id="89" name="Google Shape;89;p16"/>
-          <p:cNvSpPr txBox="1"/>
+          <p:cNvSpPr txBox="1">
+            <a:spLocks noGrp="1"/>
+          </p:cNvSpPr>
           <p:nvPr>
             <p:ph type="title"/>
           </p:nvPr>
@@ -12221,12 +12198,12 @@
           </a:prstGeom>
         </p:spPr>
         <p:txBody>
-          <a:bodyPr anchorCtr="0" anchor="b" bIns="91425" lIns="91425" spcFirstLastPara="1" rIns="91425" wrap="square" tIns="91425">
+          <a:bodyPr spcFirstLastPara="1" wrap="square" lIns="91425" tIns="91425" rIns="91425" bIns="91425" anchor="b" anchorCtr="0">
             <a:noAutofit/>
           </a:bodyPr>
           <a:lstStyle/>
           <a:p>
-            <a:pPr indent="0" lvl="0" marL="0" rtl="0" algn="ctr">
+            <a:pPr marL="0" lvl="0" indent="0" algn="ctr" rtl="0">
               <a:spcBef>
                 <a:spcPts val="0"/>
               </a:spcBef>
@@ -12237,11 +12214,7 @@
             </a:pPr>
             <a:r>
               <a:rPr lang="it"/>
-              <a:t>RTP </a:t>
-            </a:r>
-            <a:r>
-              <a:rPr lang="it"/>
-              <a:t>Session</a:t>
+              <a:t>RTP Session</a:t>
             </a:r>
             <a:endParaRPr/>
           </a:p>
@@ -12250,9 +12223,11 @@
       <p:sp>
         <p:nvSpPr>
           <p:cNvPr id="90" name="Google Shape;90;p16"/>
-          <p:cNvSpPr txBox="1"/>
+          <p:cNvSpPr txBox="1">
+            <a:spLocks noGrp="1"/>
+          </p:cNvSpPr>
           <p:nvPr>
-            <p:ph idx="1" type="body"/>
+            <p:ph type="body" idx="1"/>
           </p:nvPr>
         </p:nvSpPr>
         <p:spPr>
@@ -12265,12 +12240,12 @@
           </a:prstGeom>
         </p:spPr>
         <p:txBody>
-          <a:bodyPr anchorCtr="0" anchor="t" bIns="91425" lIns="91425" spcFirstLastPara="1" rIns="91425" wrap="square" tIns="91425">
+          <a:bodyPr spcFirstLastPara="1" wrap="square" lIns="91425" tIns="91425" rIns="91425" bIns="91425" anchor="t" anchorCtr="0">
             <a:noAutofit/>
           </a:bodyPr>
           <a:lstStyle/>
           <a:p>
-            <a:pPr indent="0" lvl="0" marL="0" rtl="0" algn="l">
+            <a:pPr marL="0" lvl="0" indent="0" algn="l" rtl="0">
               <a:spcBef>
                 <a:spcPts val="0"/>
               </a:spcBef>
@@ -12280,56 +12255,35 @@
               <a:buNone/>
             </a:pPr>
             <a:r>
-              <a:rPr b="1" lang="it" sz="1400"/>
+              <a:rPr lang="it" sz="1400" b="1" dirty="0"/>
               <a:t>Real-time Transmission Protocol </a:t>
             </a:r>
-            <a:endParaRPr b="1" sz="1400"/>
-          </a:p>
-          <a:p>
-            <a:pPr indent="0" lvl="0" marL="0" rtl="0" algn="l">
+            <a:endParaRPr sz="1400" b="1" dirty="0"/>
+          </a:p>
+          <a:p>
+            <a:pPr marL="0" lvl="0" indent="0">
               <a:spcBef>
                 <a:spcPts val="1600"/>
               </a:spcBef>
-              <a:spcAft>
-                <a:spcPts val="0"/>
-              </a:spcAft>
               <a:buNone/>
             </a:pPr>
             <a:r>
-              <a:rPr lang="it"/>
-              <a:t>Protocollo di trasporto end-to-end per applicazioni real-time, solitamente usato sopra UDP. Non instaura sessioni e può essere utilizzato per trasportare qualsiasi media o compressore.</a:t>
+              <a:rPr lang="en-US" dirty="0"/>
+              <a:t>End-to-end transport protocol for real-time applications, typically used over UDP. It does not establish sessions and can be used to transport any type of media or codec.</a:t>
             </a:r>
-            <a:endParaRPr/>
-          </a:p>
-          <a:p>
-            <a:pPr indent="0" lvl="0" marL="0" rtl="0" algn="l">
+            <a:endParaRPr dirty="0"/>
+          </a:p>
+          <a:p>
+            <a:pPr marL="0" lvl="0" indent="0" algn="l" rtl="0">
               <a:spcBef>
                 <a:spcPts val="1600"/>
               </a:spcBef>
               <a:spcAft>
-                <a:spcPts val="0"/>
+                <a:spcPts val="1600"/>
               </a:spcAft>
               <a:buNone/>
             </a:pPr>
-            <a:r>
-              <a:t/>
-            </a:r>
-            <a:endParaRPr/>
-          </a:p>
-          <a:p>
-            <a:pPr indent="0" lvl="0" marL="0" rtl="0" algn="l">
-              <a:spcBef>
-                <a:spcPts val="1600"/>
-              </a:spcBef>
-              <a:spcAft>
-                <a:spcPts val="1600"/>
-              </a:spcAft>
-              <a:buNone/>
-            </a:pPr>
-            <a:r>
-              <a:t/>
-            </a:r>
-            <a:endParaRPr/>
+            <a:endParaRPr dirty="0"/>
           </a:p>
         </p:txBody>
       </p:sp>
@@ -12339,11 +12293,9 @@
           <p:cNvPicPr preferRelativeResize="0"/>
           <p:nvPr/>
         </p:nvPicPr>
-        <p:blipFill rotWithShape="1">
-          <a:blip r:embed="rId3">
-            <a:alphaModFix/>
-          </a:blip>
-          <a:srcRect b="9820" l="0" r="0" t="0"/>
+        <p:blipFill>
+          <a:blip r:embed="rId3"/>
+          <a:srcRect l="139" r="139"/>
           <a:stretch/>
         </p:blipFill>
         <p:spPr>
@@ -12403,23 +12355,23 @@
             <a:avLst/>
           </a:prstGeom>
           <a:noFill/>
-          <a:ln cap="flat" cmpd="sng" w="9525">
+          <a:ln w="9525" cap="flat" cmpd="sng">
             <a:solidFill>
               <a:srgbClr val="E1F1F4"/>
             </a:solidFill>
             <a:prstDash val="solid"/>
             <a:round/>
-            <a:headEnd len="sm" w="sm" type="none"/>
-            <a:tailEnd len="sm" w="sm" type="none"/>
+            <a:headEnd type="none" w="sm" len="sm"/>
+            <a:tailEnd type="none" w="sm" len="sm"/>
           </a:ln>
         </p:spPr>
         <p:txBody>
-          <a:bodyPr anchorCtr="0" anchor="ctr" bIns="91425" lIns="91425" spcFirstLastPara="1" rIns="91425" wrap="square" tIns="91425">
+          <a:bodyPr spcFirstLastPara="1" wrap="square" lIns="91425" tIns="91425" rIns="91425" bIns="91425" anchor="ctr" anchorCtr="0">
             <a:noAutofit/>
           </a:bodyPr>
           <a:lstStyle/>
           <a:p>
-            <a:pPr indent="0" lvl="0" marL="0" rtl="0" algn="l">
+            <a:pPr marL="0" lvl="0" indent="0" algn="l" rtl="0">
               <a:spcBef>
                 <a:spcPts val="0"/>
               </a:spcBef>
@@ -12453,11 +12405,11 @@
 </file>
 
 <file path=ppt/slides/slide5.xml><?xml version="1.0" encoding="utf-8"?>
-<p:sld xmlns:a="http://schemas.openxmlformats.org/drawingml/2006/main" xmlns:r="http://schemas.openxmlformats.org/officeDocument/2006/relationships" xmlns:mc="http://schemas.openxmlformats.org/markup-compatibility/2006" xmlns:mv="urn:schemas-microsoft-com:mac:vml" xmlns:p="http://schemas.openxmlformats.org/presentationml/2006/main" xmlns:c="http://schemas.openxmlformats.org/drawingml/2006/chart" xmlns:dgm="http://schemas.openxmlformats.org/drawingml/2006/diagram" xmlns:o="urn:schemas-microsoft-com:office:office" xmlns:v="urn:schemas-microsoft-com:vml" xmlns:pvml="urn:schemas-microsoft-com:office:powerpoint" xmlns:com="http://schemas.openxmlformats.org/drawingml/2006/compatibility" xmlns:p14="http://schemas.microsoft.com/office/powerpoint/2010/main" xmlns:p15="http://schemas.microsoft.com/office/powerpoint/2012/main" xmlns:ahyp="http://schemas.microsoft.com/office/drawing/2018/hyperlinkcolor">
+<p:sld xmlns:a="http://schemas.openxmlformats.org/drawingml/2006/main" xmlns:r="http://schemas.openxmlformats.org/officeDocument/2006/relationships" xmlns:p="http://schemas.openxmlformats.org/presentationml/2006/main">
   <p:cSld>
     <p:spTree>
       <p:nvGrpSpPr>
-        <p:cNvPr id="97" name="Shape 97"/>
+        <p:cNvPr id="1" name="Shape 97"/>
         <p:cNvGrpSpPr/>
         <p:nvPr/>
       </p:nvGrpSpPr>
@@ -12472,7 +12424,9 @@
       <p:sp>
         <p:nvSpPr>
           <p:cNvPr id="98" name="Google Shape;98;p17"/>
-          <p:cNvSpPr txBox="1"/>
+          <p:cNvSpPr txBox="1">
+            <a:spLocks noGrp="1"/>
+          </p:cNvSpPr>
           <p:nvPr>
             <p:ph type="title"/>
           </p:nvPr>
@@ -12487,12 +12441,12 @@
           </a:prstGeom>
         </p:spPr>
         <p:txBody>
-          <a:bodyPr anchorCtr="0" anchor="b" bIns="91425" lIns="91425" spcFirstLastPara="1" rIns="91425" wrap="square" tIns="91425">
+          <a:bodyPr spcFirstLastPara="1" wrap="square" lIns="91425" tIns="91425" rIns="91425" bIns="91425" anchor="b" anchorCtr="0">
             <a:noAutofit/>
           </a:bodyPr>
           <a:lstStyle/>
           <a:p>
-            <a:pPr indent="0" lvl="0" marL="0" rtl="0" algn="ctr">
+            <a:pPr marL="0" lvl="0" indent="0" algn="ctr" rtl="0">
               <a:spcBef>
                 <a:spcPts val="0"/>
               </a:spcBef>
@@ -12512,9 +12466,11 @@
       <p:sp>
         <p:nvSpPr>
           <p:cNvPr id="99" name="Google Shape;99;p17"/>
-          <p:cNvSpPr txBox="1"/>
+          <p:cNvSpPr txBox="1">
+            <a:spLocks noGrp="1"/>
+          </p:cNvSpPr>
           <p:nvPr>
-            <p:ph idx="1" type="body"/>
+            <p:ph type="body" idx="1"/>
           </p:nvPr>
         </p:nvSpPr>
         <p:spPr>
@@ -12527,12 +12483,12 @@
           </a:prstGeom>
         </p:spPr>
         <p:txBody>
-          <a:bodyPr anchorCtr="0" anchor="t" bIns="91425" lIns="91425" spcFirstLastPara="1" rIns="91425" wrap="square" tIns="91425">
+          <a:bodyPr spcFirstLastPara="1" wrap="square" lIns="91425" tIns="91425" rIns="91425" bIns="91425" anchor="t" anchorCtr="0">
             <a:noAutofit/>
           </a:bodyPr>
           <a:lstStyle/>
           <a:p>
-            <a:pPr indent="0" lvl="0" marL="0" rtl="0" algn="l">
+            <a:pPr marL="0" lvl="0" indent="0" algn="l" rtl="0">
               <a:spcBef>
                 <a:spcPts val="0"/>
               </a:spcBef>
@@ -12542,13 +12498,13 @@
               <a:buNone/>
             </a:pPr>
             <a:r>
-              <a:rPr b="1" lang="it" sz="1400"/>
+              <a:rPr lang="it" sz="1400" b="1" dirty="0"/>
               <a:t>Real-time Transmission Protocol </a:t>
             </a:r>
-            <a:endParaRPr b="1" sz="1400"/>
-          </a:p>
-          <a:p>
-            <a:pPr indent="0" lvl="0" marL="0" rtl="0" algn="l">
+            <a:endParaRPr sz="1400" b="1" dirty="0"/>
+          </a:p>
+          <a:p>
+            <a:pPr marL="0" lvl="0" indent="0" algn="l" rtl="0">
               <a:spcBef>
                 <a:spcPts val="1600"/>
               </a:spcBef>
@@ -12558,40 +12514,22 @@
               <a:buNone/>
             </a:pPr>
             <a:r>
-              <a:rPr lang="it"/>
-              <a:t>Protocollo di trasporto end-to-end per applicazioni real-time, solitamente usato sopra UDP. Non instaura sessioni e può essere utilizzato per trasportare qualsiasi media o compressore.</a:t>
+              <a:rPr lang="en-US" dirty="0"/>
+              <a:t>End-to-end transport protocol for real-time applications, typically used over UDP. It does not establish sessions and can be used to transport any media or codec.</a:t>
             </a:r>
-            <a:endParaRPr/>
-          </a:p>
-          <a:p>
-            <a:pPr indent="0" lvl="0" marL="0" rtl="0" algn="l">
+            <a:endParaRPr dirty="0"/>
+          </a:p>
+          <a:p>
+            <a:pPr marL="0" lvl="0" indent="0" algn="l" rtl="0">
               <a:spcBef>
                 <a:spcPts val="1600"/>
               </a:spcBef>
               <a:spcAft>
-                <a:spcPts val="0"/>
+                <a:spcPts val="1600"/>
               </a:spcAft>
               <a:buNone/>
             </a:pPr>
-            <a:r>
-              <a:t/>
-            </a:r>
-            <a:endParaRPr/>
-          </a:p>
-          <a:p>
-            <a:pPr indent="0" lvl="0" marL="0" rtl="0" algn="l">
-              <a:spcBef>
-                <a:spcPts val="1600"/>
-              </a:spcBef>
-              <a:spcAft>
-                <a:spcPts val="1600"/>
-              </a:spcAft>
-              <a:buNone/>
-            </a:pPr>
-            <a:r>
-              <a:t/>
-            </a:r>
-            <a:endParaRPr/>
+            <a:endParaRPr dirty="0"/>
           </a:p>
         </p:txBody>
       </p:sp>
@@ -12601,11 +12539,9 @@
           <p:cNvPicPr preferRelativeResize="0"/>
           <p:nvPr/>
         </p:nvPicPr>
-        <p:blipFill rotWithShape="1">
-          <a:blip r:embed="rId3">
-            <a:alphaModFix/>
-          </a:blip>
-          <a:srcRect b="9820" l="0" r="0" t="0"/>
+        <p:blipFill>
+          <a:blip r:embed="rId3"/>
+          <a:srcRect l="139" r="139"/>
           <a:stretch/>
         </p:blipFill>
         <p:spPr>
@@ -12625,9 +12561,11 @@
       <p:sp>
         <p:nvSpPr>
           <p:cNvPr id="101" name="Google Shape;101;p17"/>
-          <p:cNvSpPr txBox="1"/>
+          <p:cNvSpPr txBox="1">
+            <a:spLocks noGrp="1"/>
+          </p:cNvSpPr>
           <p:nvPr>
-            <p:ph idx="1" type="body"/>
+            <p:ph type="body" idx="1"/>
           </p:nvPr>
         </p:nvSpPr>
         <p:spPr>
@@ -12640,12 +12578,12 @@
           </a:prstGeom>
         </p:spPr>
         <p:txBody>
-          <a:bodyPr anchorCtr="0" anchor="t" bIns="91425" lIns="91425" spcFirstLastPara="1" rIns="91425" wrap="square" tIns="91425">
+          <a:bodyPr spcFirstLastPara="1" wrap="square" lIns="91425" tIns="91425" rIns="91425" bIns="91425" anchor="t" anchorCtr="0">
             <a:noAutofit/>
           </a:bodyPr>
           <a:lstStyle/>
           <a:p>
-            <a:pPr indent="0" lvl="0" marL="0" rtl="0" algn="l">
+            <a:pPr marL="0" lvl="0" indent="0" algn="l" rtl="0">
               <a:lnSpc>
                 <a:spcPct val="100000"/>
               </a:lnSpc>
@@ -12658,21 +12596,21 @@
               <a:buNone/>
             </a:pPr>
             <a:r>
-              <a:rPr b="1" lang="it" sz="1400">
+              <a:rPr lang="en-US" sz="1400" b="1" dirty="0">
                 <a:solidFill>
                   <a:srgbClr val="226AA4"/>
                 </a:solidFill>
               </a:rPr>
-              <a:t>Formato Audio</a:t>
+              <a:t>Audio Format</a:t>
             </a:r>
-            <a:endParaRPr b="1" sz="1400">
+            <a:endParaRPr sz="1400" b="1" dirty="0">
               <a:solidFill>
                 <a:srgbClr val="226AA4"/>
               </a:solidFill>
             </a:endParaRPr>
           </a:p>
           <a:p>
-            <a:pPr indent="0" lvl="0" marL="0" rtl="0" algn="l">
+            <a:pPr marL="0" lvl="0" indent="0" algn="l" rtl="0">
               <a:lnSpc>
                 <a:spcPct val="100000"/>
               </a:lnSpc>
@@ -12685,7 +12623,7 @@
               <a:buNone/>
             </a:pPr>
             <a:r>
-              <a:rPr lang="it">
+              <a:rPr lang="it" dirty="0">
                 <a:solidFill>
                   <a:srgbClr val="226AA4"/>
                 </a:solidFill>
@@ -12693,21 +12631,21 @@
               <a:t>Sample Rate: </a:t>
             </a:r>
             <a:r>
-              <a:rPr i="1" lang="it">
+              <a:rPr lang="it" i="1" dirty="0">
                 <a:solidFill>
                   <a:srgbClr val="226AA4"/>
                 </a:solidFill>
               </a:rPr>
               <a:t>8000 Hz</a:t>
             </a:r>
-            <a:endParaRPr i="1">
+            <a:endParaRPr i="1" dirty="0">
               <a:solidFill>
                 <a:srgbClr val="226AA4"/>
               </a:solidFill>
             </a:endParaRPr>
           </a:p>
           <a:p>
-            <a:pPr indent="0" lvl="0" marL="0" rtl="0" algn="l">
+            <a:pPr marL="0" lvl="0" indent="0" algn="l" rtl="0">
               <a:lnSpc>
                 <a:spcPct val="100000"/>
               </a:lnSpc>
@@ -12720,21 +12658,21 @@
               <a:buNone/>
             </a:pPr>
             <a:r>
-              <a:rPr i="1" lang="it">
+              <a:rPr lang="it" i="1" dirty="0">
                 <a:solidFill>
                   <a:srgbClr val="226AA4"/>
                 </a:solidFill>
               </a:rPr>
               <a:t>Sample Size: 8 bit</a:t>
             </a:r>
-            <a:endParaRPr i="1">
+            <a:endParaRPr i="1" dirty="0">
               <a:solidFill>
                 <a:srgbClr val="226AA4"/>
               </a:solidFill>
             </a:endParaRPr>
           </a:p>
           <a:p>
-            <a:pPr indent="0" lvl="0" marL="0" rtl="0" algn="l">
+            <a:pPr marL="0" lvl="0" indent="0" algn="l" rtl="0">
               <a:lnSpc>
                 <a:spcPct val="100000"/>
               </a:lnSpc>
@@ -12747,21 +12685,21 @@
               <a:buNone/>
             </a:pPr>
             <a:r>
-              <a:rPr i="1" lang="it">
+              <a:rPr lang="it" i="1" dirty="0">
                 <a:solidFill>
                   <a:srgbClr val="226AA4"/>
                 </a:solidFill>
               </a:rPr>
               <a:t>Channel: 1</a:t>
             </a:r>
-            <a:endParaRPr i="1">
+            <a:endParaRPr i="1" dirty="0">
               <a:solidFill>
                 <a:srgbClr val="226AA4"/>
               </a:solidFill>
             </a:endParaRPr>
           </a:p>
           <a:p>
-            <a:pPr indent="0" lvl="0" marL="0" rtl="0" algn="l">
+            <a:pPr marL="0" lvl="0" indent="0" algn="l" rtl="0">
               <a:lnSpc>
                 <a:spcPct val="100000"/>
               </a:lnSpc>
@@ -12773,17 +12711,14 @@
               </a:spcAft>
               <a:buNone/>
             </a:pPr>
-            <a:r>
-              <a:t/>
-            </a:r>
-            <a:endParaRPr>
+            <a:endParaRPr dirty="0">
               <a:solidFill>
                 <a:srgbClr val="226AA4"/>
               </a:solidFill>
             </a:endParaRPr>
           </a:p>
           <a:p>
-            <a:pPr indent="0" lvl="0" marL="0" rtl="0" algn="l">
+            <a:pPr marL="0" lvl="0" indent="0" algn="l" rtl="0">
               <a:lnSpc>
                 <a:spcPct val="100000"/>
               </a:lnSpc>
@@ -12795,17 +12730,14 @@
               </a:spcAft>
               <a:buNone/>
             </a:pPr>
-            <a:r>
-              <a:t/>
-            </a:r>
-            <a:endParaRPr>
+            <a:endParaRPr dirty="0">
               <a:solidFill>
                 <a:srgbClr val="226AA4"/>
               </a:solidFill>
             </a:endParaRPr>
           </a:p>
           <a:p>
-            <a:pPr indent="0" lvl="0" marL="0" rtl="0" algn="l">
+            <a:pPr marL="0" lvl="0" indent="0" algn="l" rtl="0">
               <a:lnSpc>
                 <a:spcPct val="100000"/>
               </a:lnSpc>
@@ -12817,10 +12749,7 @@
               </a:spcAft>
               <a:buNone/>
             </a:pPr>
-            <a:r>
-              <a:t/>
-            </a:r>
-            <a:endParaRPr>
+            <a:endParaRPr dirty="0">
               <a:solidFill>
                 <a:srgbClr val="226AA4"/>
               </a:solidFill>
@@ -12831,9 +12760,11 @@
       <p:sp>
         <p:nvSpPr>
           <p:cNvPr id="102" name="Google Shape;102;p17"/>
-          <p:cNvSpPr txBox="1"/>
+          <p:cNvSpPr txBox="1">
+            <a:spLocks noGrp="1"/>
+          </p:cNvSpPr>
           <p:nvPr>
-            <p:ph idx="1" type="body"/>
+            <p:ph type="body" idx="1"/>
           </p:nvPr>
         </p:nvSpPr>
         <p:spPr>
@@ -12846,12 +12777,12 @@
           </a:prstGeom>
         </p:spPr>
         <p:txBody>
-          <a:bodyPr anchorCtr="0" anchor="t" bIns="91425" lIns="91425" spcFirstLastPara="1" rIns="91425" wrap="square" tIns="91425">
+          <a:bodyPr spcFirstLastPara="1" wrap="square" lIns="91425" tIns="91425" rIns="91425" bIns="91425" anchor="t" anchorCtr="0">
             <a:noAutofit/>
           </a:bodyPr>
           <a:lstStyle/>
           <a:p>
-            <a:pPr indent="0" lvl="0" marL="0" rtl="0" algn="l">
+            <a:pPr marL="0" lvl="0" indent="0" algn="l" rtl="0">
               <a:lnSpc>
                 <a:spcPct val="100000"/>
               </a:lnSpc>
@@ -12863,17 +12794,14 @@
               </a:spcAft>
               <a:buNone/>
             </a:pPr>
-            <a:r>
-              <a:t/>
-            </a:r>
-            <a:endParaRPr i="1">
+            <a:endParaRPr i="1" dirty="0">
               <a:solidFill>
                 <a:srgbClr val="226AA4"/>
               </a:solidFill>
             </a:endParaRPr>
           </a:p>
           <a:p>
-            <a:pPr indent="0" lvl="0" marL="0" rtl="0" algn="l">
+            <a:pPr marL="0" lvl="0" indent="0" algn="l" rtl="0">
               <a:lnSpc>
                 <a:spcPct val="100000"/>
               </a:lnSpc>
@@ -12886,21 +12814,21 @@
               <a:buNone/>
             </a:pPr>
             <a:r>
-              <a:rPr i="1" lang="it">
+              <a:rPr lang="it" i="1" dirty="0">
                 <a:solidFill>
                   <a:srgbClr val="226AA4"/>
                 </a:solidFill>
               </a:rPr>
               <a:t>Packet Size: 8000 * 20 / 1000 = 160 bytes</a:t>
             </a:r>
-            <a:endParaRPr i="1">
+            <a:endParaRPr i="1" dirty="0">
               <a:solidFill>
                 <a:srgbClr val="226AA4"/>
               </a:solidFill>
             </a:endParaRPr>
           </a:p>
           <a:p>
-            <a:pPr indent="0" lvl="0" marL="0" rtl="0" algn="l">
+            <a:pPr marL="0" lvl="0" indent="0" algn="l" rtl="0">
               <a:lnSpc>
                 <a:spcPct val="100000"/>
               </a:lnSpc>
@@ -12913,21 +12841,21 @@
               <a:buNone/>
             </a:pPr>
             <a:r>
-              <a:rPr i="1" lang="it">
+              <a:rPr lang="it" i="1" dirty="0">
                 <a:solidFill>
                   <a:srgbClr val="226AA4"/>
                 </a:solidFill>
               </a:rPr>
               <a:t>Packet time: 20ms</a:t>
             </a:r>
-            <a:endParaRPr i="1">
+            <a:endParaRPr i="1" dirty="0">
               <a:solidFill>
                 <a:srgbClr val="226AA4"/>
               </a:solidFill>
             </a:endParaRPr>
           </a:p>
           <a:p>
-            <a:pPr indent="0" lvl="0" marL="0" rtl="0" algn="l">
+            <a:pPr marL="0" lvl="0" indent="0" algn="l" rtl="0">
               <a:lnSpc>
                 <a:spcPct val="100000"/>
               </a:lnSpc>
@@ -12940,14 +12868,14 @@
               <a:buNone/>
             </a:pPr>
             <a:r>
-              <a:rPr lang="it">
+              <a:rPr lang="it" dirty="0">
                 <a:solidFill>
                   <a:srgbClr val="226AA4"/>
                 </a:solidFill>
               </a:rPr>
               <a:t>Encoding: ULAW</a:t>
             </a:r>
-            <a:endParaRPr>
+            <a:endParaRPr dirty="0">
               <a:solidFill>
                 <a:srgbClr val="226AA4"/>
               </a:solidFill>
@@ -12964,11 +12892,11 @@
 </file>
 
 <file path=ppt/slides/slide6.xml><?xml version="1.0" encoding="utf-8"?>
-<p:sld xmlns:a="http://schemas.openxmlformats.org/drawingml/2006/main" xmlns:r="http://schemas.openxmlformats.org/officeDocument/2006/relationships" xmlns:mc="http://schemas.openxmlformats.org/markup-compatibility/2006" xmlns:mv="urn:schemas-microsoft-com:mac:vml" xmlns:p="http://schemas.openxmlformats.org/presentationml/2006/main" xmlns:c="http://schemas.openxmlformats.org/drawingml/2006/chart" xmlns:dgm="http://schemas.openxmlformats.org/drawingml/2006/diagram" xmlns:o="urn:schemas-microsoft-com:office:office" xmlns:v="urn:schemas-microsoft-com:vml" xmlns:pvml="urn:schemas-microsoft-com:office:powerpoint" xmlns:com="http://schemas.openxmlformats.org/drawingml/2006/compatibility" xmlns:p14="http://schemas.microsoft.com/office/powerpoint/2010/main" xmlns:p15="http://schemas.microsoft.com/office/powerpoint/2012/main" xmlns:ahyp="http://schemas.microsoft.com/office/drawing/2018/hyperlinkcolor">
+<p:sld xmlns:a="http://schemas.openxmlformats.org/drawingml/2006/main" xmlns:r="http://schemas.openxmlformats.org/officeDocument/2006/relationships" xmlns:p="http://schemas.openxmlformats.org/presentationml/2006/main">
   <p:cSld>
     <p:spTree>
       <p:nvGrpSpPr>
-        <p:cNvPr id="106" name="Shape 106"/>
+        <p:cNvPr id="1" name="Shape 106"/>
         <p:cNvGrpSpPr/>
         <p:nvPr/>
       </p:nvGrpSpPr>
@@ -12983,7 +12911,9 @@
       <p:sp>
         <p:nvSpPr>
           <p:cNvPr id="107" name="Google Shape;107;p18"/>
-          <p:cNvSpPr txBox="1"/>
+          <p:cNvSpPr txBox="1">
+            <a:spLocks noGrp="1"/>
+          </p:cNvSpPr>
           <p:nvPr>
             <p:ph type="ctrTitle"/>
           </p:nvPr>
@@ -12998,12 +12928,12 @@
           </a:prstGeom>
         </p:spPr>
         <p:txBody>
-          <a:bodyPr anchorCtr="0" anchor="b" bIns="91425" lIns="91425" spcFirstLastPara="1" rIns="91425" wrap="square" tIns="91425">
+          <a:bodyPr spcFirstLastPara="1" wrap="square" lIns="91425" tIns="91425" rIns="91425" bIns="91425" anchor="b" anchorCtr="0">
             <a:noAutofit/>
           </a:bodyPr>
           <a:lstStyle/>
           <a:p>
-            <a:pPr indent="0" lvl="0" marL="0" rtl="0" algn="ctr">
+            <a:pPr marL="0" lvl="0" indent="0" algn="ctr" rtl="0">
               <a:spcBef>
                 <a:spcPts val="0"/>
               </a:spcBef>
@@ -13013,19 +12943,21 @@
               <a:buNone/>
             </a:pPr>
             <a:r>
-              <a:rPr lang="it"/>
-              <a:t>Diagrammi</a:t>
+              <a:rPr lang="it" dirty="0"/>
+              <a:t>Diagrams</a:t>
             </a:r>
-            <a:endParaRPr/>
+            <a:endParaRPr dirty="0"/>
           </a:p>
         </p:txBody>
       </p:sp>
       <p:sp>
         <p:nvSpPr>
           <p:cNvPr id="108" name="Google Shape;108;p18"/>
-          <p:cNvSpPr txBox="1"/>
+          <p:cNvSpPr txBox="1">
+            <a:spLocks noGrp="1"/>
+          </p:cNvSpPr>
           <p:nvPr>
-            <p:ph idx="1" type="subTitle"/>
+            <p:ph type="subTitle" idx="1"/>
           </p:nvPr>
         </p:nvSpPr>
         <p:spPr>
@@ -13038,25 +12970,17 @@
           </a:prstGeom>
         </p:spPr>
         <p:txBody>
-          <a:bodyPr anchorCtr="0" anchor="t" bIns="91425" lIns="91425" spcFirstLastPara="1" rIns="91425" wrap="square" tIns="91425">
+          <a:bodyPr spcFirstLastPara="1" wrap="square" lIns="91425" tIns="91425" rIns="91425" bIns="91425" anchor="t" anchorCtr="0">
             <a:noAutofit/>
           </a:bodyPr>
           <a:lstStyle/>
           <a:p>
-            <a:pPr indent="0" lvl="0" marL="0" rtl="0" algn="ctr">
-              <a:spcBef>
-                <a:spcPts val="0"/>
-              </a:spcBef>
-              <a:spcAft>
-                <a:spcPts val="0"/>
-              </a:spcAft>
-              <a:buNone/>
-            </a:pPr>
+            <a:pPr marL="0" lvl="0" indent="0" algn="ctr"/>
             <a:r>
-              <a:rPr lang="it"/>
-              <a:t>Una vista dall’alto sul progetto svolto</a:t>
+              <a:rPr lang="en-US" dirty="0"/>
+              <a:t>A high-level overview of the completed project</a:t>
             </a:r>
-            <a:endParaRPr/>
+            <a:endParaRPr dirty="0"/>
           </a:p>
         </p:txBody>
       </p:sp>
@@ -13069,11 +12993,11 @@
 </file>
 
 <file path=ppt/slides/slide7.xml><?xml version="1.0" encoding="utf-8"?>
-<p:sld xmlns:a="http://schemas.openxmlformats.org/drawingml/2006/main" xmlns:r="http://schemas.openxmlformats.org/officeDocument/2006/relationships" xmlns:mc="http://schemas.openxmlformats.org/markup-compatibility/2006" xmlns:mv="urn:schemas-microsoft-com:mac:vml" xmlns:p="http://schemas.openxmlformats.org/presentationml/2006/main" xmlns:c="http://schemas.openxmlformats.org/drawingml/2006/chart" xmlns:dgm="http://schemas.openxmlformats.org/drawingml/2006/diagram" xmlns:o="urn:schemas-microsoft-com:office:office" xmlns:v="urn:schemas-microsoft-com:vml" xmlns:pvml="urn:schemas-microsoft-com:office:powerpoint" xmlns:com="http://schemas.openxmlformats.org/drawingml/2006/compatibility" xmlns:p14="http://schemas.microsoft.com/office/powerpoint/2010/main" xmlns:p15="http://schemas.microsoft.com/office/powerpoint/2012/main" xmlns:ahyp="http://schemas.microsoft.com/office/drawing/2018/hyperlinkcolor">
+<p:sld xmlns:a="http://schemas.openxmlformats.org/drawingml/2006/main" xmlns:r="http://schemas.openxmlformats.org/officeDocument/2006/relationships" xmlns:p="http://schemas.openxmlformats.org/presentationml/2006/main">
   <p:cSld>
     <p:spTree>
       <p:nvGrpSpPr>
-        <p:cNvPr id="112" name="Shape 112"/>
+        <p:cNvPr id="1" name="Shape 112"/>
         <p:cNvGrpSpPr/>
         <p:nvPr/>
       </p:nvGrpSpPr>
@@ -13088,7 +13012,9 @@
       <p:sp>
         <p:nvSpPr>
           <p:cNvPr id="113" name="Google Shape;113;p19"/>
-          <p:cNvSpPr txBox="1"/>
+          <p:cNvSpPr txBox="1">
+            <a:spLocks noGrp="1"/>
+          </p:cNvSpPr>
           <p:nvPr>
             <p:ph type="title"/>
           </p:nvPr>
@@ -13103,12 +13029,12 @@
           </a:prstGeom>
         </p:spPr>
         <p:txBody>
-          <a:bodyPr anchorCtr="0" anchor="ctr" bIns="91425" lIns="91425" spcFirstLastPara="1" rIns="91425" wrap="square" tIns="91425">
+          <a:bodyPr spcFirstLastPara="1" wrap="square" lIns="91425" tIns="91425" rIns="91425" bIns="91425" anchor="ctr" anchorCtr="0">
             <a:noAutofit/>
           </a:bodyPr>
           <a:lstStyle/>
           <a:p>
-            <a:pPr indent="0" lvl="0" marL="0" rtl="0" algn="l">
+            <a:pPr marL="0" lvl="0" indent="0" algn="l" rtl="0">
               <a:spcBef>
                 <a:spcPts val="0"/>
               </a:spcBef>
@@ -13162,18 +13088,19 @@
 </file>
 
 <file path=ppt/slides/slide8.xml><?xml version="1.0" encoding="utf-8"?>
-<p:sld xmlns:a="http://schemas.openxmlformats.org/drawingml/2006/main" xmlns:r="http://schemas.openxmlformats.org/officeDocument/2006/relationships" xmlns:mc="http://schemas.openxmlformats.org/markup-compatibility/2006" xmlns:mv="urn:schemas-microsoft-com:mac:vml" xmlns:p="http://schemas.openxmlformats.org/presentationml/2006/main" xmlns:c="http://schemas.openxmlformats.org/drawingml/2006/chart" xmlns:dgm="http://schemas.openxmlformats.org/drawingml/2006/diagram" xmlns:o="urn:schemas-microsoft-com:office:office" xmlns:v="urn:schemas-microsoft-com:vml" xmlns:pvml="urn:schemas-microsoft-com:office:powerpoint" xmlns:com="http://schemas.openxmlformats.org/drawingml/2006/compatibility" xmlns:p14="http://schemas.microsoft.com/office/powerpoint/2010/main" xmlns:p15="http://schemas.microsoft.com/office/powerpoint/2012/main" xmlns:ahyp="http://schemas.microsoft.com/office/drawing/2018/hyperlinkcolor">
+<p:sld xmlns:a="http://schemas.openxmlformats.org/drawingml/2006/main" xmlns:r="http://schemas.openxmlformats.org/officeDocument/2006/relationships" xmlns:p="http://schemas.openxmlformats.org/presentationml/2006/main">
   <p:cSld>
     <p:bg>
       <p:bgPr>
         <a:solidFill>
           <a:srgbClr val="226AA4"/>
         </a:solidFill>
+        <a:effectLst/>
       </p:bgPr>
     </p:bg>
     <p:spTree>
       <p:nvGrpSpPr>
-        <p:cNvPr id="118" name="Shape 118"/>
+        <p:cNvPr id="1" name="Shape 118"/>
         <p:cNvGrpSpPr/>
         <p:nvPr/>
       </p:nvGrpSpPr>
@@ -13188,7 +13115,9 @@
       <p:sp>
         <p:nvSpPr>
           <p:cNvPr id="119" name="Google Shape;119;p20"/>
-          <p:cNvSpPr txBox="1"/>
+          <p:cNvSpPr txBox="1">
+            <a:spLocks noGrp="1"/>
+          </p:cNvSpPr>
           <p:nvPr>
             <p:ph type="title"/>
           </p:nvPr>
@@ -13203,12 +13132,12 @@
           </a:prstGeom>
         </p:spPr>
         <p:txBody>
-          <a:bodyPr anchorCtr="0" anchor="ctr" bIns="91425" lIns="91425" spcFirstLastPara="1" rIns="91425" wrap="square" tIns="91425">
+          <a:bodyPr spcFirstLastPara="1" wrap="square" lIns="91425" tIns="91425" rIns="91425" bIns="91425" anchor="ctr" anchorCtr="0">
             <a:noAutofit/>
           </a:bodyPr>
           <a:lstStyle/>
           <a:p>
-            <a:pPr indent="0" lvl="0" marL="0" rtl="0" algn="l">
+            <a:pPr marL="0" lvl="0" indent="0" algn="l" rtl="0">
               <a:spcBef>
                 <a:spcPts val="0"/>
               </a:spcBef>
@@ -13262,11 +13191,11 @@
 </file>
 
 <file path=ppt/slides/slide9.xml><?xml version="1.0" encoding="utf-8"?>
-<p:sld xmlns:a="http://schemas.openxmlformats.org/drawingml/2006/main" xmlns:r="http://schemas.openxmlformats.org/officeDocument/2006/relationships" xmlns:mc="http://schemas.openxmlformats.org/markup-compatibility/2006" xmlns:mv="urn:schemas-microsoft-com:mac:vml" xmlns:p="http://schemas.openxmlformats.org/presentationml/2006/main" xmlns:c="http://schemas.openxmlformats.org/drawingml/2006/chart" xmlns:dgm="http://schemas.openxmlformats.org/drawingml/2006/diagram" xmlns:o="urn:schemas-microsoft-com:office:office" xmlns:v="urn:schemas-microsoft-com:vml" xmlns:pvml="urn:schemas-microsoft-com:office:powerpoint" xmlns:com="http://schemas.openxmlformats.org/drawingml/2006/compatibility" xmlns:p14="http://schemas.microsoft.com/office/powerpoint/2010/main" xmlns:p15="http://schemas.microsoft.com/office/powerpoint/2012/main" xmlns:ahyp="http://schemas.microsoft.com/office/drawing/2018/hyperlinkcolor">
+<p:sld xmlns:a="http://schemas.openxmlformats.org/drawingml/2006/main" xmlns:r="http://schemas.openxmlformats.org/officeDocument/2006/relationships" xmlns:p="http://schemas.openxmlformats.org/presentationml/2006/main">
   <p:cSld>
     <p:spTree>
       <p:nvGrpSpPr>
-        <p:cNvPr id="124" name="Shape 124"/>
+        <p:cNvPr id="1" name="Shape 124"/>
         <p:cNvGrpSpPr/>
         <p:nvPr/>
       </p:nvGrpSpPr>
@@ -13281,7 +13210,9 @@
       <p:sp>
         <p:nvSpPr>
           <p:cNvPr id="125" name="Google Shape;125;p21"/>
-          <p:cNvSpPr txBox="1"/>
+          <p:cNvSpPr txBox="1">
+            <a:spLocks noGrp="1"/>
+          </p:cNvSpPr>
           <p:nvPr>
             <p:ph type="title"/>
           </p:nvPr>
@@ -13296,12 +13227,12 @@
           </a:prstGeom>
         </p:spPr>
         <p:txBody>
-          <a:bodyPr anchorCtr="0" anchor="ctr" bIns="91425" lIns="91425" spcFirstLastPara="1" rIns="91425" wrap="square" tIns="91425">
+          <a:bodyPr spcFirstLastPara="1" wrap="square" lIns="91425" tIns="91425" rIns="91425" bIns="91425" anchor="ctr" anchorCtr="0">
             <a:noAutofit/>
           </a:bodyPr>
           <a:lstStyle/>
           <a:p>
-            <a:pPr indent="0" lvl="0" marL="0" rtl="0" algn="l">
+            <a:pPr marL="0" lvl="0" indent="0" algn="l" rtl="0">
               <a:spcBef>
                 <a:spcPts val="0"/>
               </a:spcBef>
@@ -13355,7 +13286,7 @@
 </file>
 
 <file path=ppt/theme/theme1.xml><?xml version="1.0" encoding="utf-8"?>
-<a:theme xmlns:a="http://schemas.openxmlformats.org/drawingml/2006/main" xmlns:r="http://schemas.openxmlformats.org/officeDocument/2006/relationships" name="Material">
+<a:theme xmlns:a="http://schemas.openxmlformats.org/drawingml/2006/main" name="Material">
   <a:themeElements>
     <a:clrScheme name="Material">
       <a:dk1>
@@ -13630,11 +13561,13 @@
       </a:bgFillStyleLst>
     </a:fmtScheme>
   </a:themeElements>
+  <a:objectDefaults/>
+  <a:extraClrSchemeLst/>
 </a:theme>
 </file>
 
 <file path=ppt/theme/theme2.xml><?xml version="1.0" encoding="utf-8"?>
-<a:theme xmlns:a="http://schemas.openxmlformats.org/drawingml/2006/main" xmlns:r="http://schemas.openxmlformats.org/officeDocument/2006/relationships">
+<a:theme xmlns:a="http://schemas.openxmlformats.org/drawingml/2006/main">
   <a:themeElements>
     <a:clrScheme name="Default">
       <a:dk1>
@@ -13909,5 +13842,7 @@
       </a:bgFillStyleLst>
     </a:fmtScheme>
   </a:themeElements>
+  <a:objectDefaults/>
+  <a:extraClrSchemeLst/>
 </a:theme>
 </file>
--- a/Documentation/VoIP UserAgent - Presentation.pptx
+++ b/Documentation/VoIP UserAgent - Presentation.pptx
@@ -760,8 +760,8 @@
         </p:nvSpPr>
         <p:spPr>
           <a:xfrm>
-            <a:off x="381300" y="685800"/>
-            <a:ext cx="6096075" cy="3429000"/>
+            <a:off x="381000" y="685800"/>
+            <a:ext cx="6096000" cy="3429000"/>
           </a:xfrm>
           <a:custGeom>
             <a:avLst/>
@@ -9062,10 +9062,10 @@
               <a:buNone/>
             </a:pPr>
             <a:r>
-              <a:rPr lang="it"/>
+              <a:rPr lang="it" dirty="0"/>
               <a:t>SIP UserAgent written in Java</a:t>
             </a:r>
-            <a:endParaRPr/>
+            <a:endParaRPr dirty="0"/>
           </a:p>
           <a:p>
             <a:pPr marL="0" lvl="0" indent="0" algn="ctr" rtl="0">
@@ -9077,7 +9077,7 @@
               </a:spcAft>
               <a:buNone/>
             </a:pPr>
-            <a:endParaRPr sz="1400"/>
+            <a:endParaRPr sz="1400" dirty="0"/>
           </a:p>
           <a:p>
             <a:pPr marL="0" lvl="0" indent="0" algn="just" rtl="0">
@@ -9090,7 +9090,7 @@
               <a:buNone/>
             </a:pPr>
             <a:r>
-              <a:rPr lang="it" sz="1400"/>
+              <a:rPr lang="it" sz="1400" dirty="0"/>
               <a:t>Maven Project - JavaFX Application</a:t>
             </a:r>
             <a:endParaRPr sz="1400"/>
@@ -9162,20 +9162,13 @@
           </a:bodyPr>
           <a:lstStyle/>
           <a:p>
-            <a:pPr marL="0" lvl="0" indent="0" algn="just" rtl="0">
+            <a:pPr lvl="0" algn="just">
               <a:lnSpc>
                 <a:spcPct val="150000"/>
               </a:lnSpc>
-              <a:spcBef>
-                <a:spcPts val="0"/>
-              </a:spcBef>
-              <a:spcAft>
-                <a:spcPts val="0"/>
-              </a:spcAft>
-              <a:buNone/>
             </a:pPr>
             <a:r>
-              <a:rPr lang="it">
+              <a:rPr lang="en-US" dirty="0">
                 <a:solidFill>
                   <a:schemeClr val="lt1"/>
                 </a:solidFill>
@@ -9184,9 +9177,9 @@
                 <a:cs typeface="Roboto"/>
                 <a:sym typeface="Roboto"/>
               </a:rPr>
-              <a:t>https://github.com/danielepelleg/VoIP</a:t>
+              <a:t>https://github.com/silversoft77/VoIP-UserAgent</a:t>
             </a:r>
-            <a:endParaRPr>
+            <a:endParaRPr dirty="0">
               <a:solidFill>
                 <a:schemeClr val="lt1"/>
               </a:solidFill>
